--- a/STT465_2.pptx
+++ b/STT465_2.pptx
@@ -5,10 +5,11 @@
     <p:sldMasterId id="2147483648" r:id="rId1"/>
   </p:sldMasterIdLst>
   <p:notesMasterIdLst>
-    <p:notesMasterId r:id="rId3"/>
+    <p:notesMasterId r:id="rId4"/>
   </p:notesMasterIdLst>
   <p:sldIdLst>
     <p:sldId id="338" r:id="rId2"/>
+    <p:sldId id="339" r:id="rId3"/>
   </p:sldIdLst>
   <p:sldSz cx="9144000" cy="6858000" type="screen4x3"/>
   <p:notesSz cx="6858000" cy="9144000"/>
@@ -199,7 +200,7 @@
             <a:fld id="{EC2AD4C0-0FC1-44D9-A720-D776D6428221}" type="datetimeFigureOut">
               <a:rPr lang="en-US" smtClean="0"/>
               <a:pPr/>
-              <a:t>8/26/15</a:t>
+              <a:t>9/1/15</a:t>
             </a:fld>
             <a:endParaRPr lang="en-US"/>
           </a:p>
@@ -552,6 +553,88 @@
 </p:notes>
 </file>
 
+<file path=ppt/notesSlides/notesSlide2.xml><?xml version="1.0" encoding="utf-8"?>
+<p:notes xmlns:a="http://schemas.openxmlformats.org/drawingml/2006/main" xmlns:r="http://schemas.openxmlformats.org/officeDocument/2006/relationships" xmlns:p="http://schemas.openxmlformats.org/presentationml/2006/main">
+  <p:cSld>
+    <p:spTree>
+      <p:nvGrpSpPr>
+        <p:cNvPr id="1" name=""/>
+        <p:cNvGrpSpPr/>
+        <p:nvPr/>
+      </p:nvGrpSpPr>
+      <p:grpSpPr>
+        <a:xfrm>
+          <a:off x="0" y="0"/>
+          <a:ext cx="0" cy="0"/>
+          <a:chOff x="0" y="0"/>
+          <a:chExt cx="0" cy="0"/>
+        </a:xfrm>
+      </p:grpSpPr>
+      <p:sp>
+        <p:nvSpPr>
+          <p:cNvPr id="2" name="Slide Image Placeholder 1"/>
+          <p:cNvSpPr>
+            <a:spLocks noGrp="1" noRot="1" noChangeAspect="1"/>
+          </p:cNvSpPr>
+          <p:nvPr>
+            <p:ph type="sldImg"/>
+          </p:nvPr>
+        </p:nvSpPr>
+        <p:spPr/>
+      </p:sp>
+      <p:sp>
+        <p:nvSpPr>
+          <p:cNvPr id="3" name="Notes Placeholder 2"/>
+          <p:cNvSpPr>
+            <a:spLocks noGrp="1"/>
+          </p:cNvSpPr>
+          <p:nvPr>
+            <p:ph type="body" idx="1"/>
+          </p:nvPr>
+        </p:nvSpPr>
+        <p:spPr/>
+        <p:txBody>
+          <a:bodyPr>
+            <a:normAutofit/>
+          </a:bodyPr>
+          <a:lstStyle/>
+          <a:p>
+            <a:endParaRPr lang="en-US"/>
+          </a:p>
+        </p:txBody>
+      </p:sp>
+      <p:sp>
+        <p:nvSpPr>
+          <p:cNvPr id="4" name="Slide Number Placeholder 3"/>
+          <p:cNvSpPr>
+            <a:spLocks noGrp="1"/>
+          </p:cNvSpPr>
+          <p:nvPr>
+            <p:ph type="sldNum" sz="quarter" idx="10"/>
+          </p:nvPr>
+        </p:nvSpPr>
+        <p:spPr/>
+        <p:txBody>
+          <a:bodyPr/>
+          <a:lstStyle/>
+          <a:p>
+            <a:fld id="{CACBEE2F-8C26-493F-9430-82D1D1B7C623}" type="slidenum">
+              <a:rPr lang="en-US" smtClean="0"/>
+              <a:pPr/>
+              <a:t>2</a:t>
+            </a:fld>
+            <a:endParaRPr lang="en-US"/>
+          </a:p>
+        </p:txBody>
+      </p:sp>
+    </p:spTree>
+  </p:cSld>
+  <p:clrMapOvr>
+    <a:masterClrMapping/>
+  </p:clrMapOvr>
+</p:notes>
+</file>
+
 <file path=ppt/slideLayouts/slideLayout1.xml><?xml version="1.0" encoding="utf-8"?>
 <p:sldLayout xmlns:a="http://schemas.openxmlformats.org/drawingml/2006/main" xmlns:r="http://schemas.openxmlformats.org/officeDocument/2006/relationships" xmlns:p="http://schemas.openxmlformats.org/presentationml/2006/main" type="title" preserve="1">
   <p:cSld name="Title Slide">
@@ -734,7 +817,7 @@
             <a:fld id="{F9C811E6-0209-4075-80E7-F5953C8ECEE3}" type="datetime1">
               <a:rPr lang="en-US" smtClean="0"/>
               <a:pPr/>
-              <a:t>8/26/15</a:t>
+              <a:t>9/1/15</a:t>
             </a:fld>
             <a:endParaRPr lang="en-US"/>
           </a:p>
@@ -905,7 +988,7 @@
             <a:fld id="{648E6BB1-E6D9-4EE7-828F-046F7223761D}" type="datetime1">
               <a:rPr lang="en-US" smtClean="0"/>
               <a:pPr/>
-              <a:t>8/26/15</a:t>
+              <a:t>9/1/15</a:t>
             </a:fld>
             <a:endParaRPr lang="en-US"/>
           </a:p>
@@ -1086,7 +1169,7 @@
             <a:fld id="{B4B9C580-A780-4D76-B2D1-C34F1DA97DF0}" type="datetime1">
               <a:rPr lang="en-US" smtClean="0"/>
               <a:pPr/>
-              <a:t>8/26/15</a:t>
+              <a:t>9/1/15</a:t>
             </a:fld>
             <a:endParaRPr lang="en-US"/>
           </a:p>
@@ -1257,7 +1340,7 @@
             <a:fld id="{EB19DDAF-3255-4785-974C-BB4FAF02D67E}" type="datetime1">
               <a:rPr lang="en-US" smtClean="0"/>
               <a:pPr/>
-              <a:t>8/26/15</a:t>
+              <a:t>9/1/15</a:t>
             </a:fld>
             <a:endParaRPr lang="en-US"/>
           </a:p>
@@ -1504,7 +1587,7 @@
             <a:fld id="{C344AF86-11D1-4E84-BA60-17130236FDAA}" type="datetime1">
               <a:rPr lang="en-US" smtClean="0"/>
               <a:pPr/>
-              <a:t>8/26/15</a:t>
+              <a:t>9/1/15</a:t>
             </a:fld>
             <a:endParaRPr lang="en-US"/>
           </a:p>
@@ -1793,7 +1876,7 @@
             <a:fld id="{A8DD670F-7E07-4783-A6F8-B28127B5AF4A}" type="datetime1">
               <a:rPr lang="en-US" smtClean="0"/>
               <a:pPr/>
-              <a:t>8/26/15</a:t>
+              <a:t>9/1/15</a:t>
             </a:fld>
             <a:endParaRPr lang="en-US"/>
           </a:p>
@@ -2216,7 +2299,7 @@
             <a:fld id="{92676DD9-688F-48EE-8233-B3B78BDDA63D}" type="datetime1">
               <a:rPr lang="en-US" smtClean="0"/>
               <a:pPr/>
-              <a:t>8/26/15</a:t>
+              <a:t>9/1/15</a:t>
             </a:fld>
             <a:endParaRPr lang="en-US"/>
           </a:p>
@@ -2335,7 +2418,7 @@
             <a:fld id="{F6CC4A83-AE34-48B8-B90E-70388FDBF0F7}" type="datetime1">
               <a:rPr lang="en-US" smtClean="0"/>
               <a:pPr/>
-              <a:t>8/26/15</a:t>
+              <a:t>9/1/15</a:t>
             </a:fld>
             <a:endParaRPr lang="en-US"/>
           </a:p>
@@ -2431,7 +2514,7 @@
             <a:fld id="{510CA3E2-9601-488E-B92B-23013819BD02}" type="datetime1">
               <a:rPr lang="en-US" smtClean="0"/>
               <a:pPr/>
-              <a:t>8/26/15</a:t>
+              <a:t>9/1/15</a:t>
             </a:fld>
             <a:endParaRPr lang="en-US"/>
           </a:p>
@@ -2709,7 +2792,7 @@
             <a:fld id="{331F1CBD-358A-4E18-86FD-C337233E15F0}" type="datetime1">
               <a:rPr lang="en-US" smtClean="0"/>
               <a:pPr/>
-              <a:t>8/26/15</a:t>
+              <a:t>9/1/15</a:t>
             </a:fld>
             <a:endParaRPr lang="en-US"/>
           </a:p>
@@ -2963,7 +3046,7 @@
             <a:fld id="{3CB4F0D5-901F-4458-A8F8-F062616694B4}" type="datetime1">
               <a:rPr lang="en-US" smtClean="0"/>
               <a:pPr/>
-              <a:t>8/26/15</a:t>
+              <a:t>9/1/15</a:t>
             </a:fld>
             <a:endParaRPr lang="en-US"/>
           </a:p>
@@ -3177,7 +3260,7 @@
             <a:fld id="{F77D84EF-BDBF-448B-906E-D51D4CAF22DC}" type="datetime1">
               <a:rPr lang="en-US" smtClean="0"/>
               <a:pPr/>
-              <a:t>8/26/15</a:t>
+              <a:t>9/1/15</a:t>
             </a:fld>
             <a:endParaRPr lang="en-US"/>
           </a:p>
@@ -3565,7 +3648,7 @@
         </p:nvSpPr>
         <p:spPr>
           <a:xfrm>
-            <a:off x="609600" y="76201"/>
+            <a:off x="990600" y="2133600"/>
             <a:ext cx="7772400" cy="762000"/>
           </a:xfrm>
         </p:spPr>
@@ -3586,14 +3669,14 @@
               <a:t>Chapter 2: Belief, probability and </a:t>
             </a:r>
             <a:r>
-              <a:rPr lang="en-US" sz="3200" dirty="0" err="1" smtClean="0">
+              <a:rPr lang="en-US" sz="3200" dirty="0" smtClean="0">
                 <a:solidFill>
                   <a:schemeClr val="accent2">
                     <a:lumMod val="75000"/>
                   </a:schemeClr>
                 </a:solidFill>
               </a:rPr>
-              <a:t>excangeability</a:t>
+              <a:t>exchangeability</a:t>
             </a:r>
             <a:endParaRPr lang="en-US" sz="3200" dirty="0">
               <a:solidFill>
@@ -3636,6 +3719,116 @@
           </a:p>
         </p:txBody>
       </p:sp>
+    </p:spTree>
+    <p:extLst>
+      <p:ext uri="{BB962C8B-B14F-4D97-AF65-F5344CB8AC3E}">
+        <p14:creationId xmlns:p14="http://schemas.microsoft.com/office/powerpoint/2010/main" val="577598476"/>
+      </p:ext>
+    </p:extLst>
+  </p:cSld>
+  <p:clrMapOvr>
+    <a:masterClrMapping/>
+  </p:clrMapOvr>
+  <p:timing>
+    <p:tnLst>
+      <p:par>
+        <p:cTn xmlns:p14="http://schemas.microsoft.com/office/powerpoint/2010/main" id="1" dur="indefinite" restart="never" nodeType="tmRoot"/>
+      </p:par>
+    </p:tnLst>
+  </p:timing>
+</p:sld>
+</file>
+
+<file path=ppt/slides/slide2.xml><?xml version="1.0" encoding="utf-8"?>
+<p:sld xmlns:a="http://schemas.openxmlformats.org/drawingml/2006/main" xmlns:r="http://schemas.openxmlformats.org/officeDocument/2006/relationships" xmlns:p="http://schemas.openxmlformats.org/presentationml/2006/main">
+  <p:cSld>
+    <p:spTree>
+      <p:nvGrpSpPr>
+        <p:cNvPr id="1" name=""/>
+        <p:cNvGrpSpPr/>
+        <p:nvPr/>
+      </p:nvGrpSpPr>
+      <p:grpSpPr>
+        <a:xfrm>
+          <a:off x="0" y="0"/>
+          <a:ext cx="0" cy="0"/>
+          <a:chOff x="0" y="0"/>
+          <a:chExt cx="0" cy="0"/>
+        </a:xfrm>
+      </p:grpSpPr>
+      <p:sp>
+        <p:nvSpPr>
+          <p:cNvPr id="2" name="Title 1"/>
+          <p:cNvSpPr>
+            <a:spLocks noGrp="1"/>
+          </p:cNvSpPr>
+          <p:nvPr>
+            <p:ph type="ctrTitle"/>
+          </p:nvPr>
+        </p:nvSpPr>
+        <p:spPr>
+          <a:xfrm>
+            <a:off x="609600" y="76201"/>
+            <a:ext cx="7772400" cy="762000"/>
+          </a:xfrm>
+        </p:spPr>
+        <p:txBody>
+          <a:bodyPr>
+            <a:normAutofit/>
+          </a:bodyPr>
+          <a:lstStyle/>
+          <a:p>
+            <a:r>
+              <a:rPr lang="en-US" sz="3200" dirty="0" smtClean="0">
+                <a:solidFill>
+                  <a:schemeClr val="accent2">
+                    <a:lumMod val="75000"/>
+                  </a:schemeClr>
+                </a:solidFill>
+              </a:rPr>
+              <a:t>Beliefs &amp; Probability</a:t>
+            </a:r>
+            <a:endParaRPr lang="en-US" sz="3200" dirty="0">
+              <a:solidFill>
+                <a:schemeClr val="accent2">
+                  <a:lumMod val="75000"/>
+                </a:schemeClr>
+              </a:solidFill>
+            </a:endParaRPr>
+          </a:p>
+        </p:txBody>
+      </p:sp>
+      <p:sp>
+        <p:nvSpPr>
+          <p:cNvPr id="4" name="Footer Placeholder 3"/>
+          <p:cNvSpPr>
+            <a:spLocks noGrp="1"/>
+          </p:cNvSpPr>
+          <p:nvPr>
+            <p:ph type="ftr" sz="quarter" idx="11"/>
+          </p:nvPr>
+        </p:nvSpPr>
+        <p:spPr/>
+        <p:txBody>
+          <a:bodyPr/>
+          <a:lstStyle/>
+          <a:p>
+            <a:r>
+              <a:rPr lang="en-US" dirty="0" smtClean="0">
+                <a:solidFill>
+                  <a:schemeClr val="accent1"/>
+                </a:solidFill>
+              </a:rPr>
+              <a:t>STT 465, MSU, Fall, 2015</a:t>
+            </a:r>
+            <a:endParaRPr lang="en-US" dirty="0">
+              <a:solidFill>
+                <a:schemeClr val="accent1"/>
+              </a:solidFill>
+            </a:endParaRPr>
+          </a:p>
+        </p:txBody>
+      </p:sp>
       <p:sp>
         <p:nvSpPr>
           <p:cNvPr id="6" name="TextBox 5"/>
@@ -3645,7 +3838,7 @@
         <p:spPr>
           <a:xfrm>
             <a:off x="457200" y="990600"/>
-            <a:ext cx="8229600" cy="369332"/>
+            <a:ext cx="8229600" cy="4801315"/>
           </a:xfrm>
           <a:prstGeom prst="rect">
             <a:avLst/>
@@ -3668,6 +3861,1285 @@
               <a:buFont typeface="Symbol" charset="0"/>
               <a:buChar char=""/>
             </a:pPr>
+            <a:r>
+              <a:rPr lang="en-US" dirty="0" smtClean="0">
+                <a:solidFill>
+                  <a:schemeClr val="accent1">
+                    <a:lumMod val="75000"/>
+                  </a:schemeClr>
+                </a:solidFill>
+              </a:rPr>
+              <a:t>Beliefs and probability (discuss how we can use probabilities to express beliefs)</a:t>
+            </a:r>
+          </a:p>
+          <a:p>
+            <a:pPr marL="285750" indent="-285750">
+              <a:buFont typeface="Symbol" charset="0"/>
+              <a:buChar char=""/>
+            </a:pPr>
+            <a:endParaRPr lang="en-US" dirty="0">
+              <a:solidFill>
+                <a:schemeClr val="accent1">
+                  <a:lumMod val="75000"/>
+                </a:schemeClr>
+              </a:solidFill>
+            </a:endParaRPr>
+          </a:p>
+          <a:p>
+            <a:pPr marL="285750" indent="-285750">
+              <a:buFont typeface="Symbol" charset="0"/>
+              <a:buChar char=""/>
+            </a:pPr>
+            <a:r>
+              <a:rPr lang="en-US" dirty="0" smtClean="0">
+                <a:solidFill>
+                  <a:schemeClr val="accent1">
+                    <a:lumMod val="75000"/>
+                  </a:schemeClr>
+                </a:solidFill>
+              </a:rPr>
+              <a:t>Review of probability</a:t>
+            </a:r>
+          </a:p>
+          <a:p>
+            <a:pPr marL="742950" lvl="1" indent="-285750">
+              <a:buFont typeface="Symbol" charset="0"/>
+              <a:buChar char=""/>
+            </a:pPr>
+            <a:r>
+              <a:rPr lang="en-US" dirty="0" smtClean="0">
+                <a:solidFill>
+                  <a:schemeClr val="accent1">
+                    <a:lumMod val="75000"/>
+                  </a:schemeClr>
+                </a:solidFill>
+              </a:rPr>
+              <a:t>Events {A</a:t>
+            </a:r>
+            <a:r>
+              <a:rPr lang="en-US" baseline="-25000" dirty="0" smtClean="0">
+                <a:solidFill>
+                  <a:schemeClr val="accent1">
+                    <a:lumMod val="75000"/>
+                  </a:schemeClr>
+                </a:solidFill>
+              </a:rPr>
+              <a:t>i</a:t>
+            </a:r>
+            <a:r>
+              <a:rPr lang="en-US" dirty="0" smtClean="0">
+                <a:solidFill>
+                  <a:schemeClr val="accent1">
+                    <a:lumMod val="75000"/>
+                  </a:schemeClr>
+                </a:solidFill>
+              </a:rPr>
+              <a:t>} &amp; Sample space S={A</a:t>
+            </a:r>
+            <a:r>
+              <a:rPr lang="en-US" baseline="-25000" dirty="0" smtClean="0">
+                <a:solidFill>
+                  <a:schemeClr val="accent1">
+                    <a:lumMod val="75000"/>
+                  </a:schemeClr>
+                </a:solidFill>
+              </a:rPr>
+              <a:t>1</a:t>
+            </a:r>
+            <a:r>
+              <a:rPr lang="en-US" dirty="0" smtClean="0">
+                <a:solidFill>
+                  <a:schemeClr val="accent1">
+                    <a:lumMod val="75000"/>
+                  </a:schemeClr>
+                </a:solidFill>
+              </a:rPr>
+              <a:t>,…}</a:t>
+            </a:r>
+          </a:p>
+          <a:p>
+            <a:pPr marL="742950" lvl="1" indent="-285750">
+              <a:buFont typeface="Symbol" charset="0"/>
+              <a:buChar char=""/>
+            </a:pPr>
+            <a:r>
+              <a:rPr lang="en-US" dirty="0" smtClean="0">
+                <a:solidFill>
+                  <a:schemeClr val="accent1">
+                    <a:lumMod val="75000"/>
+                  </a:schemeClr>
+                </a:solidFill>
+              </a:rPr>
+              <a:t>Probability (map from events to numbers in the [0,1] interval that follows a few rules)</a:t>
+            </a:r>
+            <a:r>
+              <a:rPr lang="en-US" dirty="0" smtClean="0">
+                <a:solidFill>
+                  <a:schemeClr val="accent1">
+                    <a:lumMod val="75000"/>
+                  </a:schemeClr>
+                </a:solidFill>
+              </a:rPr>
+              <a:t>.</a:t>
+            </a:r>
+          </a:p>
+          <a:p>
+            <a:pPr marL="742950" lvl="1" indent="-285750">
+              <a:buFont typeface="Symbol" charset="0"/>
+              <a:buChar char=""/>
+            </a:pPr>
+            <a:r>
+              <a:rPr lang="en-US" dirty="0" smtClean="0">
+                <a:solidFill>
+                  <a:schemeClr val="accent1">
+                    <a:lumMod val="75000"/>
+                  </a:schemeClr>
+                </a:solidFill>
+              </a:rPr>
+              <a:t>P(A</a:t>
+            </a:r>
+            <a:r>
+              <a:rPr lang="en-US" baseline="-25000" dirty="0" smtClean="0">
+                <a:solidFill>
+                  <a:schemeClr val="accent1">
+                    <a:lumMod val="75000"/>
+                  </a:schemeClr>
+                </a:solidFill>
+              </a:rPr>
+              <a:t>i</a:t>
+            </a:r>
+            <a:r>
+              <a:rPr lang="en-US" dirty="0" smtClean="0">
+                <a:solidFill>
+                  <a:schemeClr val="accent1">
+                    <a:lumMod val="75000"/>
+                  </a:schemeClr>
+                </a:solidFill>
+              </a:rPr>
+              <a:t>)</a:t>
+            </a:r>
+            <a:r>
+              <a:rPr lang="en-US" u="sng" dirty="0" smtClean="0">
+                <a:solidFill>
+                  <a:schemeClr val="accent1">
+                    <a:lumMod val="75000"/>
+                  </a:schemeClr>
+                </a:solidFill>
+              </a:rPr>
+              <a:t>&gt;</a:t>
+            </a:r>
+            <a:r>
+              <a:rPr lang="en-US" dirty="0" smtClean="0">
+                <a:solidFill>
+                  <a:schemeClr val="accent1">
+                    <a:lumMod val="75000"/>
+                  </a:schemeClr>
+                </a:solidFill>
+              </a:rPr>
+              <a:t>0</a:t>
+            </a:r>
+          </a:p>
+          <a:p>
+            <a:pPr marL="742950" lvl="1" indent="-285750">
+              <a:buFont typeface="Symbol" charset="0"/>
+              <a:buChar char=""/>
+            </a:pPr>
+            <a:r>
+              <a:rPr lang="en-US" dirty="0" smtClean="0">
+                <a:solidFill>
+                  <a:schemeClr val="accent1">
+                    <a:lumMod val="75000"/>
+                  </a:schemeClr>
+                </a:solidFill>
+              </a:rPr>
+              <a:t>P(S)=1</a:t>
+            </a:r>
+          </a:p>
+          <a:p>
+            <a:pPr marL="742950" lvl="1" indent="-285750">
+              <a:buFont typeface="Symbol" charset="0"/>
+              <a:buChar char=""/>
+            </a:pPr>
+            <a:r>
+              <a:rPr lang="en-US" dirty="0" smtClean="0">
+                <a:solidFill>
+                  <a:schemeClr val="accent1">
+                    <a:lumMod val="75000"/>
+                  </a:schemeClr>
+                </a:solidFill>
+              </a:rPr>
+              <a:t>Probability of the union:  P(</a:t>
+            </a:r>
+            <a:r>
+              <a:rPr lang="en-US" dirty="0" err="1" smtClean="0">
+                <a:solidFill>
+                  <a:schemeClr val="tx2"/>
+                </a:solidFill>
+                <a:latin typeface="Calibri"/>
+                <a:cs typeface="Calibri"/>
+              </a:rPr>
+              <a:t>A</a:t>
+            </a:r>
+            <a:r>
+              <a:rPr lang="en-US" baseline="-25000" dirty="0" err="1" smtClean="0">
+                <a:solidFill>
+                  <a:schemeClr val="tx2"/>
+                </a:solidFill>
+                <a:latin typeface="Calibri"/>
+                <a:cs typeface="Calibri"/>
+              </a:rPr>
+              <a:t>i</a:t>
+            </a:r>
+            <a:r>
+              <a:rPr lang="en-US" dirty="0" err="1" smtClean="0">
+                <a:solidFill>
+                  <a:schemeClr val="tx2"/>
+                </a:solidFill>
+                <a:latin typeface="Calibri"/>
+                <a:cs typeface="Calibri"/>
+              </a:rPr>
+              <a:t>UA</a:t>
+            </a:r>
+            <a:r>
+              <a:rPr lang="en-US" baseline="-25000" dirty="0" err="1" smtClean="0">
+                <a:solidFill>
+                  <a:schemeClr val="tx2"/>
+                </a:solidFill>
+                <a:latin typeface="Calibri"/>
+                <a:cs typeface="Calibri"/>
+              </a:rPr>
+              <a:t>j</a:t>
+            </a:r>
+            <a:r>
+              <a:rPr lang="en-US" dirty="0" smtClean="0">
+                <a:solidFill>
+                  <a:schemeClr val="tx2"/>
+                </a:solidFill>
+                <a:latin typeface="Calibri"/>
+                <a:cs typeface="Calibri"/>
+              </a:rPr>
+              <a:t>)=P(A</a:t>
+            </a:r>
+            <a:r>
+              <a:rPr lang="en-US" baseline="-25000" dirty="0" smtClean="0">
+                <a:solidFill>
+                  <a:schemeClr val="tx2"/>
+                </a:solidFill>
+                <a:latin typeface="Calibri"/>
+                <a:cs typeface="Calibri"/>
+              </a:rPr>
+              <a:t>i</a:t>
+            </a:r>
+            <a:r>
+              <a:rPr lang="en-US" dirty="0" smtClean="0">
+                <a:solidFill>
+                  <a:schemeClr val="tx2"/>
+                </a:solidFill>
+                <a:latin typeface="Calibri"/>
+                <a:cs typeface="Calibri"/>
+              </a:rPr>
+              <a:t>)+P(</a:t>
+            </a:r>
+            <a:r>
+              <a:rPr lang="en-US" dirty="0" err="1" smtClean="0">
+                <a:solidFill>
+                  <a:schemeClr val="tx2"/>
+                </a:solidFill>
+                <a:latin typeface="Calibri"/>
+                <a:cs typeface="Calibri"/>
+              </a:rPr>
+              <a:t>A</a:t>
+            </a:r>
+            <a:r>
+              <a:rPr lang="en-US" baseline="-25000" dirty="0" err="1" smtClean="0">
+                <a:solidFill>
+                  <a:schemeClr val="tx2"/>
+                </a:solidFill>
+                <a:latin typeface="Calibri"/>
+                <a:cs typeface="Calibri"/>
+              </a:rPr>
+              <a:t>j</a:t>
+            </a:r>
+            <a:r>
+              <a:rPr lang="en-US" dirty="0" smtClean="0">
+                <a:solidFill>
+                  <a:schemeClr val="tx2"/>
+                </a:solidFill>
+                <a:latin typeface="Calibri"/>
+                <a:cs typeface="Calibri"/>
+              </a:rPr>
+              <a:t>)-P(</a:t>
+            </a:r>
+            <a:r>
+              <a:rPr lang="en-US" dirty="0" err="1" smtClean="0">
+                <a:solidFill>
+                  <a:schemeClr val="tx2"/>
+                </a:solidFill>
+                <a:latin typeface="Calibri"/>
+                <a:cs typeface="Calibri"/>
+              </a:rPr>
+              <a:t>A</a:t>
+            </a:r>
+            <a:r>
+              <a:rPr lang="en-US" baseline="-25000" dirty="0" err="1" smtClean="0">
+                <a:solidFill>
+                  <a:schemeClr val="tx2"/>
+                </a:solidFill>
+                <a:latin typeface="Calibri"/>
+                <a:cs typeface="Calibri"/>
+              </a:rPr>
+              <a:t>i</a:t>
+            </a:r>
+            <a:r>
+              <a:rPr lang="en-US" dirty="0" err="1" smtClean="0">
+                <a:solidFill>
+                  <a:schemeClr val="tx2"/>
+                </a:solidFill>
+                <a:latin typeface="Calibri"/>
+                <a:cs typeface="Calibri"/>
+              </a:rPr>
+              <a:t>∩</a:t>
+            </a:r>
+            <a:r>
+              <a:rPr lang="en-US" dirty="0" err="1" smtClean="0">
+                <a:solidFill>
+                  <a:schemeClr val="tx2"/>
+                </a:solidFill>
+                <a:latin typeface="Calibri"/>
+                <a:cs typeface="Calibri"/>
+              </a:rPr>
+              <a:t>A</a:t>
+            </a:r>
+            <a:r>
+              <a:rPr lang="en-US" baseline="-25000" dirty="0" err="1" smtClean="0">
+                <a:solidFill>
+                  <a:schemeClr val="tx2"/>
+                </a:solidFill>
+                <a:latin typeface="Calibri"/>
+                <a:cs typeface="Calibri"/>
+              </a:rPr>
+              <a:t>j</a:t>
+            </a:r>
+            <a:r>
+              <a:rPr lang="en-US" dirty="0" smtClean="0">
+                <a:solidFill>
+                  <a:schemeClr val="tx2"/>
+                </a:solidFill>
+                <a:latin typeface="Calibri"/>
+                <a:cs typeface="Calibri"/>
+              </a:rPr>
+              <a:t>)   [U=OR, </a:t>
+            </a:r>
+            <a:r>
+              <a:rPr lang="en-US" dirty="0" smtClean="0">
+                <a:solidFill>
+                  <a:schemeClr val="tx2"/>
+                </a:solidFill>
+                <a:latin typeface="Calibri"/>
+                <a:cs typeface="Calibri"/>
+              </a:rPr>
+              <a:t>∩=&amp;]</a:t>
+            </a:r>
+            <a:endParaRPr lang="en-US" dirty="0" smtClean="0">
+              <a:solidFill>
+                <a:schemeClr val="tx2"/>
+              </a:solidFill>
+              <a:latin typeface="Calibri"/>
+              <a:cs typeface="Calibri"/>
+            </a:endParaRPr>
+          </a:p>
+          <a:p>
+            <a:pPr marL="742950" lvl="1" indent="-285750">
+              <a:buFont typeface="Symbol" charset="0"/>
+              <a:buChar char=""/>
+            </a:pPr>
+            <a:r>
+              <a:rPr lang="en-US" dirty="0" smtClean="0">
+                <a:solidFill>
+                  <a:schemeClr val="accent1">
+                    <a:lumMod val="75000"/>
+                  </a:schemeClr>
+                </a:solidFill>
+              </a:rPr>
+              <a:t>Independence: P(</a:t>
+            </a:r>
+            <a:r>
+              <a:rPr lang="en-US" dirty="0" err="1" smtClean="0">
+                <a:solidFill>
+                  <a:schemeClr val="accent1">
+                    <a:lumMod val="75000"/>
+                  </a:schemeClr>
+                </a:solidFill>
+              </a:rPr>
+              <a:t>A</a:t>
+            </a:r>
+            <a:r>
+              <a:rPr lang="en-US" baseline="-25000" dirty="0" err="1" smtClean="0">
+                <a:solidFill>
+                  <a:schemeClr val="accent1">
+                    <a:lumMod val="75000"/>
+                  </a:schemeClr>
+                </a:solidFill>
+              </a:rPr>
+              <a:t>i</a:t>
+            </a:r>
+            <a:r>
+              <a:rPr lang="en-US" dirty="0" err="1" smtClean="0">
+                <a:solidFill>
+                  <a:schemeClr val="accent1">
+                    <a:lumMod val="75000"/>
+                  </a:schemeClr>
+                </a:solidFill>
+              </a:rPr>
+              <a:t>&amp;A</a:t>
+            </a:r>
+            <a:r>
+              <a:rPr lang="en-US" baseline="-25000" dirty="0" err="1" smtClean="0">
+                <a:solidFill>
+                  <a:schemeClr val="accent1">
+                    <a:lumMod val="75000"/>
+                  </a:schemeClr>
+                </a:solidFill>
+              </a:rPr>
+              <a:t>j</a:t>
+            </a:r>
+            <a:r>
+              <a:rPr lang="en-US" dirty="0" smtClean="0">
+                <a:solidFill>
+                  <a:schemeClr val="accent1">
+                    <a:lumMod val="75000"/>
+                  </a:schemeClr>
+                </a:solidFill>
+              </a:rPr>
+              <a:t>)=P(A</a:t>
+            </a:r>
+            <a:r>
+              <a:rPr lang="en-US" baseline="-25000" dirty="0" smtClean="0">
+                <a:solidFill>
+                  <a:schemeClr val="accent1">
+                    <a:lumMod val="75000"/>
+                  </a:schemeClr>
+                </a:solidFill>
+              </a:rPr>
+              <a:t>i</a:t>
+            </a:r>
+            <a:r>
+              <a:rPr lang="en-US" dirty="0" smtClean="0">
+                <a:solidFill>
+                  <a:schemeClr val="accent1">
+                    <a:lumMod val="75000"/>
+                  </a:schemeClr>
+                </a:solidFill>
+              </a:rPr>
+              <a:t>)P(</a:t>
+            </a:r>
+            <a:r>
+              <a:rPr lang="en-US" dirty="0" err="1" smtClean="0">
+                <a:solidFill>
+                  <a:schemeClr val="accent1">
+                    <a:lumMod val="75000"/>
+                  </a:schemeClr>
+                </a:solidFill>
+              </a:rPr>
+              <a:t>A</a:t>
+            </a:r>
+            <a:r>
+              <a:rPr lang="en-US" baseline="-25000" dirty="0" err="1" smtClean="0">
+                <a:solidFill>
+                  <a:schemeClr val="accent1">
+                    <a:lumMod val="75000"/>
+                  </a:schemeClr>
+                </a:solidFill>
+              </a:rPr>
+              <a:t>j</a:t>
+            </a:r>
+            <a:r>
+              <a:rPr lang="en-US" dirty="0" smtClean="0">
+                <a:solidFill>
+                  <a:schemeClr val="accent1">
+                    <a:lumMod val="75000"/>
+                  </a:schemeClr>
+                </a:solidFill>
+              </a:rPr>
+              <a:t>)</a:t>
+            </a:r>
+          </a:p>
+          <a:p>
+            <a:pPr marL="742950" lvl="1" indent="-285750">
+              <a:buFont typeface="Symbol" charset="0"/>
+              <a:buChar char=""/>
+            </a:pPr>
+            <a:r>
+              <a:rPr lang="en-US" dirty="0" smtClean="0">
+                <a:solidFill>
+                  <a:schemeClr val="accent1">
+                    <a:lumMod val="75000"/>
+                  </a:schemeClr>
+                </a:solidFill>
+              </a:rPr>
+              <a:t>Marginal probability:  </a:t>
+            </a:r>
+            <a:r>
+              <a:rPr lang="en-US" dirty="0">
+                <a:solidFill>
+                  <a:schemeClr val="accent1">
+                    <a:lumMod val="75000"/>
+                  </a:schemeClr>
+                </a:solidFill>
+              </a:rPr>
+              <a:t>P(A</a:t>
+            </a:r>
+            <a:r>
+              <a:rPr lang="en-US" baseline="-25000" dirty="0">
+                <a:solidFill>
+                  <a:schemeClr val="accent1">
+                    <a:lumMod val="75000"/>
+                  </a:schemeClr>
+                </a:solidFill>
+              </a:rPr>
+              <a:t>i</a:t>
+            </a:r>
+            <a:r>
+              <a:rPr lang="en-US" dirty="0" smtClean="0">
+                <a:solidFill>
+                  <a:schemeClr val="accent1">
+                    <a:lumMod val="75000"/>
+                  </a:schemeClr>
+                </a:solidFill>
+              </a:rPr>
+              <a:t>)</a:t>
+            </a:r>
+          </a:p>
+          <a:p>
+            <a:pPr marL="742950" lvl="1" indent="-285750">
+              <a:buFont typeface="Symbol" charset="0"/>
+              <a:buChar char=""/>
+            </a:pPr>
+            <a:r>
+              <a:rPr lang="en-US" dirty="0" smtClean="0">
+                <a:solidFill>
+                  <a:schemeClr val="accent1">
+                    <a:lumMod val="75000"/>
+                  </a:schemeClr>
+                </a:solidFill>
+              </a:rPr>
+              <a:t>Joint probability: </a:t>
+            </a:r>
+            <a:r>
+              <a:rPr lang="en-US" dirty="0">
+                <a:solidFill>
+                  <a:schemeClr val="accent1">
+                    <a:lumMod val="75000"/>
+                  </a:schemeClr>
+                </a:solidFill>
+              </a:rPr>
+              <a:t>P(</a:t>
+            </a:r>
+            <a:r>
+              <a:rPr lang="en-US" dirty="0" err="1" smtClean="0">
+                <a:solidFill>
+                  <a:schemeClr val="accent1">
+                    <a:lumMod val="75000"/>
+                  </a:schemeClr>
+                </a:solidFill>
+              </a:rPr>
+              <a:t>A</a:t>
+            </a:r>
+            <a:r>
+              <a:rPr lang="en-US" baseline="-25000" dirty="0" err="1" smtClean="0">
+                <a:solidFill>
+                  <a:schemeClr val="accent1">
+                    <a:lumMod val="75000"/>
+                  </a:schemeClr>
+                </a:solidFill>
+              </a:rPr>
+              <a:t>i</a:t>
+            </a:r>
+            <a:r>
+              <a:rPr lang="en-US" dirty="0" err="1">
+                <a:solidFill>
+                  <a:schemeClr val="accent1">
+                    <a:lumMod val="75000"/>
+                  </a:schemeClr>
+                </a:solidFill>
+              </a:rPr>
+              <a:t>&amp;A</a:t>
+            </a:r>
+            <a:r>
+              <a:rPr lang="en-US" baseline="-25000" dirty="0" smtClean="0">
+                <a:solidFill>
+                  <a:schemeClr val="accent1">
+                    <a:lumMod val="75000"/>
+                  </a:schemeClr>
+                </a:solidFill>
+              </a:rPr>
+              <a:t> </a:t>
+            </a:r>
+            <a:r>
+              <a:rPr lang="en-US" baseline="-25000" dirty="0">
+                <a:solidFill>
+                  <a:schemeClr val="accent1">
+                    <a:lumMod val="75000"/>
+                  </a:schemeClr>
+                </a:solidFill>
+              </a:rPr>
+              <a:t>j</a:t>
+            </a:r>
+            <a:r>
+              <a:rPr lang="en-US" dirty="0" smtClean="0">
+                <a:solidFill>
+                  <a:schemeClr val="accent1">
+                    <a:lumMod val="75000"/>
+                  </a:schemeClr>
+                </a:solidFill>
+              </a:rPr>
+              <a:t>)=</a:t>
+            </a:r>
+            <a:r>
+              <a:rPr lang="en-US" dirty="0">
+                <a:solidFill>
+                  <a:schemeClr val="accent1">
+                    <a:lumMod val="75000"/>
+                  </a:schemeClr>
+                </a:solidFill>
+              </a:rPr>
+              <a:t>P(</a:t>
+            </a:r>
+            <a:r>
+              <a:rPr lang="en-US" dirty="0" err="1" smtClean="0">
+                <a:solidFill>
+                  <a:schemeClr val="accent1">
+                    <a:lumMod val="75000"/>
+                  </a:schemeClr>
+                </a:solidFill>
+              </a:rPr>
+              <a:t>A</a:t>
+            </a:r>
+            <a:r>
+              <a:rPr lang="en-US" baseline="-25000" dirty="0" err="1" smtClean="0">
+                <a:solidFill>
+                  <a:schemeClr val="accent1">
+                    <a:lumMod val="75000"/>
+                  </a:schemeClr>
+                </a:solidFill>
+              </a:rPr>
+              <a:t>i</a:t>
+            </a:r>
+            <a:r>
+              <a:rPr lang="en-US" dirty="0" err="1" smtClean="0">
+                <a:solidFill>
+                  <a:schemeClr val="accent1">
+                    <a:lumMod val="75000"/>
+                  </a:schemeClr>
+                </a:solidFill>
+              </a:rPr>
+              <a:t>;A</a:t>
+            </a:r>
+            <a:r>
+              <a:rPr lang="en-US" baseline="-25000" dirty="0" err="1">
+                <a:solidFill>
+                  <a:schemeClr val="accent1">
+                    <a:lumMod val="75000"/>
+                  </a:schemeClr>
+                </a:solidFill>
+              </a:rPr>
+              <a:t>j</a:t>
+            </a:r>
+            <a:r>
+              <a:rPr lang="en-US" baseline="-25000" dirty="0" smtClean="0">
+                <a:solidFill>
+                  <a:schemeClr val="accent1">
+                    <a:lumMod val="75000"/>
+                  </a:schemeClr>
+                </a:solidFill>
+              </a:rPr>
+              <a:t> </a:t>
+            </a:r>
+            <a:r>
+              <a:rPr lang="en-US" dirty="0" smtClean="0">
+                <a:solidFill>
+                  <a:schemeClr val="accent1">
+                    <a:lumMod val="75000"/>
+                  </a:schemeClr>
+                </a:solidFill>
+              </a:rPr>
+              <a:t>) [we will commonly use ‘;’ for joint]</a:t>
+            </a:r>
+            <a:endParaRPr lang="en-US" dirty="0">
+              <a:solidFill>
+                <a:schemeClr val="accent1">
+                  <a:lumMod val="75000"/>
+                </a:schemeClr>
+              </a:solidFill>
+            </a:endParaRPr>
+          </a:p>
+          <a:p>
+            <a:pPr marL="742950" lvl="1" indent="-285750">
+              <a:buFont typeface="Symbol" charset="0"/>
+              <a:buChar char=""/>
+            </a:pPr>
+            <a:r>
+              <a:rPr lang="en-US" dirty="0" smtClean="0">
+                <a:solidFill>
+                  <a:schemeClr val="accent1">
+                    <a:lumMod val="75000"/>
+                  </a:schemeClr>
+                </a:solidFill>
+              </a:rPr>
+              <a:t>Factorization:      </a:t>
+            </a:r>
+            <a:r>
+              <a:rPr lang="en-US" dirty="0">
+                <a:solidFill>
+                  <a:schemeClr val="accent1">
+                    <a:lumMod val="75000"/>
+                  </a:schemeClr>
+                </a:solidFill>
+              </a:rPr>
+              <a:t>P(</a:t>
+            </a:r>
+            <a:r>
+              <a:rPr lang="en-US" dirty="0" err="1">
+                <a:solidFill>
+                  <a:schemeClr val="accent1">
+                    <a:lumMod val="75000"/>
+                  </a:schemeClr>
+                </a:solidFill>
+              </a:rPr>
+              <a:t>A</a:t>
+            </a:r>
+            <a:r>
+              <a:rPr lang="en-US" baseline="-25000" dirty="0" err="1">
+                <a:solidFill>
+                  <a:schemeClr val="accent1">
+                    <a:lumMod val="75000"/>
+                  </a:schemeClr>
+                </a:solidFill>
+              </a:rPr>
+              <a:t>i</a:t>
+            </a:r>
+            <a:r>
+              <a:rPr lang="en-US" dirty="0" err="1">
+                <a:solidFill>
+                  <a:schemeClr val="accent1">
+                    <a:lumMod val="75000"/>
+                  </a:schemeClr>
+                </a:solidFill>
+              </a:rPr>
+              <a:t>&amp;</a:t>
+            </a:r>
+            <a:r>
+              <a:rPr lang="en-US" dirty="0" err="1" smtClean="0">
+                <a:solidFill>
+                  <a:schemeClr val="accent1">
+                    <a:lumMod val="75000"/>
+                  </a:schemeClr>
+                </a:solidFill>
+              </a:rPr>
+              <a:t>A</a:t>
+            </a:r>
+            <a:r>
+              <a:rPr lang="en-US" baseline="-25000" dirty="0" err="1">
+                <a:solidFill>
+                  <a:schemeClr val="accent1">
+                    <a:lumMod val="75000"/>
+                  </a:schemeClr>
+                </a:solidFill>
+              </a:rPr>
+              <a:t>j</a:t>
+            </a:r>
+            <a:r>
+              <a:rPr lang="en-US" baseline="-25000" dirty="0" smtClean="0">
+                <a:solidFill>
+                  <a:schemeClr val="accent1">
+                    <a:lumMod val="75000"/>
+                  </a:schemeClr>
+                </a:solidFill>
+              </a:rPr>
+              <a:t> </a:t>
+            </a:r>
+            <a:r>
+              <a:rPr lang="en-US" dirty="0">
+                <a:solidFill>
+                  <a:schemeClr val="accent1">
+                    <a:lumMod val="75000"/>
+                  </a:schemeClr>
+                </a:solidFill>
+              </a:rPr>
+              <a:t>)=P(</a:t>
+            </a:r>
+            <a:r>
+              <a:rPr lang="en-US" dirty="0" smtClean="0">
+                <a:solidFill>
+                  <a:schemeClr val="accent1">
+                    <a:lumMod val="75000"/>
+                  </a:schemeClr>
+                </a:solidFill>
+              </a:rPr>
+              <a:t>A</a:t>
+            </a:r>
+            <a:r>
+              <a:rPr lang="en-US" baseline="-25000" dirty="0" smtClean="0">
+                <a:solidFill>
+                  <a:schemeClr val="accent1">
+                    <a:lumMod val="75000"/>
+                  </a:schemeClr>
+                </a:solidFill>
+              </a:rPr>
+              <a:t>i</a:t>
+            </a:r>
+            <a:r>
+              <a:rPr lang="en-US" dirty="0" smtClean="0">
+                <a:solidFill>
+                  <a:schemeClr val="accent1">
+                    <a:lumMod val="75000"/>
+                  </a:schemeClr>
+                </a:solidFill>
+              </a:rPr>
+              <a:t>)</a:t>
+            </a:r>
+            <a:r>
+              <a:rPr lang="en-US" dirty="0">
+                <a:solidFill>
+                  <a:schemeClr val="accent1">
+                    <a:lumMod val="75000"/>
+                  </a:schemeClr>
+                </a:solidFill>
+              </a:rPr>
+              <a:t> P</a:t>
+            </a:r>
+            <a:r>
+              <a:rPr lang="en-US" dirty="0" smtClean="0">
+                <a:solidFill>
+                  <a:schemeClr val="accent1">
+                    <a:lumMod val="75000"/>
+                  </a:schemeClr>
+                </a:solidFill>
+              </a:rPr>
+              <a:t>(</a:t>
+            </a:r>
+            <a:r>
+              <a:rPr lang="en-US" dirty="0" err="1">
+                <a:solidFill>
+                  <a:schemeClr val="accent1">
+                    <a:lumMod val="75000"/>
+                  </a:schemeClr>
+                </a:solidFill>
+              </a:rPr>
+              <a:t>A</a:t>
+            </a:r>
+            <a:r>
+              <a:rPr lang="en-US" baseline="-25000" dirty="0" err="1">
+                <a:solidFill>
+                  <a:schemeClr val="accent1">
+                    <a:lumMod val="75000"/>
+                  </a:schemeClr>
+                </a:solidFill>
+              </a:rPr>
+              <a:t>j</a:t>
+            </a:r>
+            <a:r>
+              <a:rPr lang="en-US" baseline="-25000" dirty="0">
+                <a:solidFill>
+                  <a:schemeClr val="accent1">
+                    <a:lumMod val="75000"/>
+                  </a:schemeClr>
+                </a:solidFill>
+              </a:rPr>
+              <a:t> </a:t>
+            </a:r>
+            <a:r>
+              <a:rPr lang="en-US" dirty="0" smtClean="0">
+                <a:solidFill>
+                  <a:schemeClr val="accent1">
+                    <a:lumMod val="75000"/>
+                  </a:schemeClr>
+                </a:solidFill>
+              </a:rPr>
+              <a:t>|A</a:t>
+            </a:r>
+            <a:r>
+              <a:rPr lang="en-US" baseline="-25000" dirty="0" smtClean="0">
+                <a:solidFill>
+                  <a:schemeClr val="accent1">
+                    <a:lumMod val="75000"/>
+                  </a:schemeClr>
+                </a:solidFill>
+              </a:rPr>
+              <a:t>i</a:t>
+            </a:r>
+            <a:r>
+              <a:rPr lang="en-US" dirty="0" smtClean="0">
+                <a:solidFill>
+                  <a:schemeClr val="accent1">
+                    <a:lumMod val="75000"/>
+                  </a:schemeClr>
+                </a:solidFill>
+              </a:rPr>
+              <a:t>)=</a:t>
+            </a:r>
+            <a:r>
+              <a:rPr lang="en-US" dirty="0">
+                <a:solidFill>
+                  <a:schemeClr val="accent1">
+                    <a:lumMod val="75000"/>
+                  </a:schemeClr>
+                </a:solidFill>
+              </a:rPr>
+              <a:t>P(</a:t>
+            </a:r>
+            <a:r>
+              <a:rPr lang="en-US" dirty="0" err="1" smtClean="0">
+                <a:solidFill>
+                  <a:schemeClr val="accent1">
+                    <a:lumMod val="75000"/>
+                  </a:schemeClr>
+                </a:solidFill>
+              </a:rPr>
+              <a:t>A</a:t>
+            </a:r>
+            <a:r>
+              <a:rPr lang="en-US" baseline="-25000" dirty="0" err="1" smtClean="0">
+                <a:solidFill>
+                  <a:schemeClr val="accent1">
+                    <a:lumMod val="75000"/>
+                  </a:schemeClr>
+                </a:solidFill>
+              </a:rPr>
+              <a:t>j</a:t>
+            </a:r>
+            <a:r>
+              <a:rPr lang="en-US" dirty="0" smtClean="0">
+                <a:solidFill>
+                  <a:schemeClr val="accent1">
+                    <a:lumMod val="75000"/>
+                  </a:schemeClr>
+                </a:solidFill>
+              </a:rPr>
+              <a:t>)P</a:t>
+            </a:r>
+            <a:r>
+              <a:rPr lang="en-US" dirty="0">
+                <a:solidFill>
+                  <a:schemeClr val="accent1">
+                    <a:lumMod val="75000"/>
+                  </a:schemeClr>
+                </a:solidFill>
+              </a:rPr>
+              <a:t>(</a:t>
+            </a:r>
+            <a:r>
+              <a:rPr lang="en-US" dirty="0" err="1" smtClean="0">
+                <a:solidFill>
+                  <a:schemeClr val="accent1">
+                    <a:lumMod val="75000"/>
+                  </a:schemeClr>
+                </a:solidFill>
+              </a:rPr>
+              <a:t>A</a:t>
+            </a:r>
+            <a:r>
+              <a:rPr lang="en-US" baseline="-25000" dirty="0" err="1" smtClean="0">
+                <a:solidFill>
+                  <a:schemeClr val="accent1">
+                    <a:lumMod val="75000"/>
+                  </a:schemeClr>
+                </a:solidFill>
+              </a:rPr>
+              <a:t>i</a:t>
+            </a:r>
+            <a:r>
+              <a:rPr lang="en-US" dirty="0" err="1" smtClean="0">
+                <a:solidFill>
+                  <a:schemeClr val="accent1">
+                    <a:lumMod val="75000"/>
+                  </a:schemeClr>
+                </a:solidFill>
+              </a:rPr>
+              <a:t>|A</a:t>
+            </a:r>
+            <a:r>
+              <a:rPr lang="en-US" baseline="-25000" dirty="0" err="1" smtClean="0">
+                <a:solidFill>
+                  <a:schemeClr val="accent1">
+                    <a:lumMod val="75000"/>
+                  </a:schemeClr>
+                </a:solidFill>
+              </a:rPr>
+              <a:t>j</a:t>
+            </a:r>
+            <a:r>
+              <a:rPr lang="en-US" dirty="0" smtClean="0">
+                <a:solidFill>
+                  <a:schemeClr val="accent1">
+                    <a:lumMod val="75000"/>
+                  </a:schemeClr>
+                </a:solidFill>
+              </a:rPr>
+              <a:t>)</a:t>
+            </a:r>
+          </a:p>
+          <a:p>
+            <a:pPr marL="742950" lvl="1" indent="-285750">
+              <a:buFont typeface="Symbol" charset="0"/>
+              <a:buChar char=""/>
+            </a:pPr>
+            <a:r>
+              <a:rPr lang="en-US" dirty="0" smtClean="0">
+                <a:solidFill>
+                  <a:schemeClr val="accent1">
+                    <a:lumMod val="75000"/>
+                  </a:schemeClr>
+                </a:solidFill>
+              </a:rPr>
+              <a:t>Law of total probability: </a:t>
+            </a:r>
+            <a:r>
+              <a:rPr lang="en-US" dirty="0">
+                <a:solidFill>
+                  <a:schemeClr val="accent1">
+                    <a:lumMod val="75000"/>
+                  </a:schemeClr>
+                </a:solidFill>
+              </a:rPr>
+              <a:t>P(</a:t>
+            </a:r>
+            <a:r>
+              <a:rPr lang="en-US" dirty="0" smtClean="0">
+                <a:solidFill>
+                  <a:schemeClr val="accent1">
+                    <a:lumMod val="75000"/>
+                  </a:schemeClr>
+                </a:solidFill>
+              </a:rPr>
+              <a:t>A</a:t>
+            </a:r>
+            <a:r>
+              <a:rPr lang="en-US" baseline="-25000" dirty="0" smtClean="0">
+                <a:solidFill>
+                  <a:schemeClr val="accent1">
+                    <a:lumMod val="75000"/>
+                  </a:schemeClr>
+                </a:solidFill>
+              </a:rPr>
+              <a:t>i </a:t>
+            </a:r>
+            <a:r>
+              <a:rPr lang="en-US" dirty="0">
+                <a:solidFill>
+                  <a:schemeClr val="accent1">
+                    <a:lumMod val="75000"/>
+                  </a:schemeClr>
+                </a:solidFill>
+              </a:rPr>
+              <a:t>)=P(</a:t>
+            </a:r>
+            <a:r>
+              <a:rPr lang="en-US" dirty="0" err="1" smtClean="0">
+                <a:solidFill>
+                  <a:schemeClr val="accent1">
+                    <a:lumMod val="75000"/>
+                  </a:schemeClr>
+                </a:solidFill>
+              </a:rPr>
+              <a:t>A</a:t>
+            </a:r>
+            <a:r>
+              <a:rPr lang="en-US" baseline="-25000" dirty="0" err="1" smtClean="0">
+                <a:solidFill>
+                  <a:schemeClr val="accent1">
+                    <a:lumMod val="75000"/>
+                  </a:schemeClr>
+                </a:solidFill>
+              </a:rPr>
+              <a:t>j</a:t>
+            </a:r>
+            <a:r>
+              <a:rPr lang="en-US" dirty="0" smtClean="0">
+                <a:solidFill>
+                  <a:schemeClr val="accent1">
+                    <a:lumMod val="75000"/>
+                  </a:schemeClr>
+                </a:solidFill>
+              </a:rPr>
+              <a:t>)P</a:t>
+            </a:r>
+            <a:r>
+              <a:rPr lang="en-US" dirty="0">
+                <a:solidFill>
+                  <a:schemeClr val="accent1">
+                    <a:lumMod val="75000"/>
+                  </a:schemeClr>
+                </a:solidFill>
+              </a:rPr>
+              <a:t>(</a:t>
+            </a:r>
+            <a:r>
+              <a:rPr lang="en-US" dirty="0" err="1" smtClean="0">
+                <a:solidFill>
+                  <a:schemeClr val="accent1">
+                    <a:lumMod val="75000"/>
+                  </a:schemeClr>
+                </a:solidFill>
+              </a:rPr>
+              <a:t>A</a:t>
+            </a:r>
+            <a:r>
+              <a:rPr lang="en-US" baseline="-25000" dirty="0" err="1" smtClean="0">
+                <a:solidFill>
+                  <a:schemeClr val="accent1">
+                    <a:lumMod val="75000"/>
+                  </a:schemeClr>
+                </a:solidFill>
+              </a:rPr>
+              <a:t>i</a:t>
+            </a:r>
+            <a:r>
+              <a:rPr lang="en-US" dirty="0" err="1" smtClean="0">
+                <a:solidFill>
+                  <a:schemeClr val="accent1">
+                    <a:lumMod val="75000"/>
+                  </a:schemeClr>
+                </a:solidFill>
+              </a:rPr>
+              <a:t>|A</a:t>
+            </a:r>
+            <a:r>
+              <a:rPr lang="en-US" baseline="-25000" dirty="0" err="1" smtClean="0">
+                <a:solidFill>
+                  <a:schemeClr val="accent1">
+                    <a:lumMod val="75000"/>
+                  </a:schemeClr>
+                </a:solidFill>
+              </a:rPr>
+              <a:t>j</a:t>
+            </a:r>
+            <a:r>
+              <a:rPr lang="en-US" dirty="0" smtClean="0">
+                <a:solidFill>
+                  <a:schemeClr val="accent1">
+                    <a:lumMod val="75000"/>
+                  </a:schemeClr>
+                </a:solidFill>
+              </a:rPr>
+              <a:t>)+P(Not </a:t>
+            </a:r>
+            <a:r>
+              <a:rPr lang="en-US" dirty="0" err="1" smtClean="0">
+                <a:solidFill>
+                  <a:schemeClr val="accent1">
+                    <a:lumMod val="75000"/>
+                  </a:schemeClr>
+                </a:solidFill>
+              </a:rPr>
+              <a:t>A</a:t>
+            </a:r>
+            <a:r>
+              <a:rPr lang="en-US" baseline="-25000" dirty="0" err="1" smtClean="0">
+                <a:solidFill>
+                  <a:schemeClr val="accent1">
+                    <a:lumMod val="75000"/>
+                  </a:schemeClr>
+                </a:solidFill>
+              </a:rPr>
+              <a:t>j</a:t>
+            </a:r>
+            <a:r>
+              <a:rPr lang="en-US" dirty="0">
+                <a:solidFill>
+                  <a:schemeClr val="accent1">
+                    <a:lumMod val="75000"/>
+                  </a:schemeClr>
+                </a:solidFill>
+              </a:rPr>
+              <a:t>)P(</a:t>
+            </a:r>
+            <a:r>
+              <a:rPr lang="en-US" dirty="0" err="1">
+                <a:solidFill>
+                  <a:schemeClr val="accent1">
+                    <a:lumMod val="75000"/>
+                  </a:schemeClr>
+                </a:solidFill>
+              </a:rPr>
+              <a:t>A</a:t>
+            </a:r>
+            <a:r>
+              <a:rPr lang="en-US" baseline="-25000" dirty="0" err="1">
+                <a:solidFill>
+                  <a:schemeClr val="accent1">
+                    <a:lumMod val="75000"/>
+                  </a:schemeClr>
+                </a:solidFill>
+              </a:rPr>
+              <a:t>i</a:t>
+            </a:r>
+            <a:r>
+              <a:rPr lang="en-US" dirty="0" err="1" smtClean="0">
+                <a:solidFill>
+                  <a:schemeClr val="accent1">
+                    <a:lumMod val="75000"/>
+                  </a:schemeClr>
+                </a:solidFill>
+              </a:rPr>
+              <a:t>|Not</a:t>
+            </a:r>
+            <a:r>
+              <a:rPr lang="en-US" dirty="0" smtClean="0">
+                <a:solidFill>
+                  <a:schemeClr val="accent1">
+                    <a:lumMod val="75000"/>
+                  </a:schemeClr>
+                </a:solidFill>
+              </a:rPr>
+              <a:t> </a:t>
+            </a:r>
+            <a:r>
+              <a:rPr lang="en-US" dirty="0" err="1" smtClean="0">
+                <a:solidFill>
+                  <a:schemeClr val="accent1">
+                    <a:lumMod val="75000"/>
+                  </a:schemeClr>
+                </a:solidFill>
+              </a:rPr>
+              <a:t>A</a:t>
+            </a:r>
+            <a:r>
+              <a:rPr lang="en-US" baseline="-25000" dirty="0" err="1" smtClean="0">
+                <a:solidFill>
+                  <a:schemeClr val="accent1">
+                    <a:lumMod val="75000"/>
+                  </a:schemeClr>
+                </a:solidFill>
+              </a:rPr>
+              <a:t>j</a:t>
+            </a:r>
+            <a:r>
+              <a:rPr lang="en-US" dirty="0">
+                <a:solidFill>
+                  <a:schemeClr val="accent1">
+                    <a:lumMod val="75000"/>
+                  </a:schemeClr>
+                </a:solidFill>
+              </a:rPr>
+              <a:t>)</a:t>
+            </a:r>
+          </a:p>
+          <a:p>
+            <a:pPr lvl="1"/>
+            <a:endParaRPr lang="en-US" dirty="0">
+              <a:solidFill>
+                <a:schemeClr val="accent1">
+                  <a:lumMod val="75000"/>
+                </a:schemeClr>
+              </a:solidFill>
+            </a:endParaRPr>
+          </a:p>
+          <a:p>
+            <a:pPr marL="742950" lvl="1" indent="-285750">
+              <a:buFont typeface="Symbol" charset="0"/>
+              <a:buChar char=""/>
+            </a:pPr>
             <a:endParaRPr lang="en-US" dirty="0" smtClean="0">
               <a:solidFill>
                 <a:schemeClr val="accent1">
@@ -3676,12 +5148,25 @@
               </a:solidFill>
             </a:endParaRPr>
           </a:p>
+          <a:p>
+            <a:pPr marL="742950" lvl="1" indent="-285750">
+              <a:buFont typeface="Symbol" charset="0"/>
+              <a:buChar char=""/>
+            </a:pPr>
+            <a:endParaRPr lang="en-US" dirty="0" smtClean="0">
+              <a:solidFill>
+                <a:schemeClr val="accent1">
+                  <a:lumMod val="75000"/>
+                </a:schemeClr>
+              </a:solidFill>
+            </a:endParaRPr>
+          </a:p>
         </p:txBody>
       </p:sp>
     </p:spTree>
     <p:extLst>
       <p:ext uri="{BB962C8B-B14F-4D97-AF65-F5344CB8AC3E}">
-        <p14:creationId xmlns:p14="http://schemas.microsoft.com/office/powerpoint/2010/main" val="577598476"/>
+        <p14:creationId xmlns:p14="http://schemas.microsoft.com/office/powerpoint/2010/main" val="3817246931"/>
       </p:ext>
     </p:extLst>
   </p:cSld>

--- a/STT465_2.pptx
+++ b/STT465_2.pptx
@@ -5,11 +5,17 @@
     <p:sldMasterId id="2147483648" r:id="rId1"/>
   </p:sldMasterIdLst>
   <p:notesMasterIdLst>
-    <p:notesMasterId r:id="rId4"/>
+    <p:notesMasterId r:id="rId10"/>
   </p:notesMasterIdLst>
   <p:sldIdLst>
     <p:sldId id="338" r:id="rId2"/>
     <p:sldId id="339" r:id="rId3"/>
+    <p:sldId id="340" r:id="rId4"/>
+    <p:sldId id="347" r:id="rId5"/>
+    <p:sldId id="348" r:id="rId6"/>
+    <p:sldId id="346" r:id="rId7"/>
+    <p:sldId id="349" r:id="rId8"/>
+    <p:sldId id="351" r:id="rId9"/>
   </p:sldIdLst>
   <p:sldSz cx="9144000" cy="6858000" type="screen4x3"/>
   <p:notesSz cx="6858000" cy="9144000"/>
@@ -200,7 +206,7 @@
             <a:fld id="{EC2AD4C0-0FC1-44D9-A720-D776D6428221}" type="datetimeFigureOut">
               <a:rPr lang="en-US" smtClean="0"/>
               <a:pPr/>
-              <a:t>9/1/15</a:t>
+              <a:t>9/8/15</a:t>
             </a:fld>
             <a:endParaRPr lang="en-US"/>
           </a:p>
@@ -635,6 +641,498 @@
 </p:notes>
 </file>
 
+<file path=ppt/notesSlides/notesSlide3.xml><?xml version="1.0" encoding="utf-8"?>
+<p:notes xmlns:a="http://schemas.openxmlformats.org/drawingml/2006/main" xmlns:r="http://schemas.openxmlformats.org/officeDocument/2006/relationships" xmlns:p="http://schemas.openxmlformats.org/presentationml/2006/main">
+  <p:cSld>
+    <p:spTree>
+      <p:nvGrpSpPr>
+        <p:cNvPr id="1" name=""/>
+        <p:cNvGrpSpPr/>
+        <p:nvPr/>
+      </p:nvGrpSpPr>
+      <p:grpSpPr>
+        <a:xfrm>
+          <a:off x="0" y="0"/>
+          <a:ext cx="0" cy="0"/>
+          <a:chOff x="0" y="0"/>
+          <a:chExt cx="0" cy="0"/>
+        </a:xfrm>
+      </p:grpSpPr>
+      <p:sp>
+        <p:nvSpPr>
+          <p:cNvPr id="2" name="Slide Image Placeholder 1"/>
+          <p:cNvSpPr>
+            <a:spLocks noGrp="1" noRot="1" noChangeAspect="1"/>
+          </p:cNvSpPr>
+          <p:nvPr>
+            <p:ph type="sldImg"/>
+          </p:nvPr>
+        </p:nvSpPr>
+        <p:spPr/>
+      </p:sp>
+      <p:sp>
+        <p:nvSpPr>
+          <p:cNvPr id="3" name="Notes Placeholder 2"/>
+          <p:cNvSpPr>
+            <a:spLocks noGrp="1"/>
+          </p:cNvSpPr>
+          <p:nvPr>
+            <p:ph type="body" idx="1"/>
+          </p:nvPr>
+        </p:nvSpPr>
+        <p:spPr/>
+        <p:txBody>
+          <a:bodyPr>
+            <a:normAutofit/>
+          </a:bodyPr>
+          <a:lstStyle/>
+          <a:p>
+            <a:endParaRPr lang="en-US"/>
+          </a:p>
+        </p:txBody>
+      </p:sp>
+      <p:sp>
+        <p:nvSpPr>
+          <p:cNvPr id="4" name="Slide Number Placeholder 3"/>
+          <p:cNvSpPr>
+            <a:spLocks noGrp="1"/>
+          </p:cNvSpPr>
+          <p:nvPr>
+            <p:ph type="sldNum" sz="quarter" idx="10"/>
+          </p:nvPr>
+        </p:nvSpPr>
+        <p:spPr/>
+        <p:txBody>
+          <a:bodyPr/>
+          <a:lstStyle/>
+          <a:p>
+            <a:fld id="{CACBEE2F-8C26-493F-9430-82D1D1B7C623}" type="slidenum">
+              <a:rPr lang="en-US" smtClean="0"/>
+              <a:pPr/>
+              <a:t>3</a:t>
+            </a:fld>
+            <a:endParaRPr lang="en-US"/>
+          </a:p>
+        </p:txBody>
+      </p:sp>
+    </p:spTree>
+  </p:cSld>
+  <p:clrMapOvr>
+    <a:masterClrMapping/>
+  </p:clrMapOvr>
+</p:notes>
+</file>
+
+<file path=ppt/notesSlides/notesSlide4.xml><?xml version="1.0" encoding="utf-8"?>
+<p:notes xmlns:a="http://schemas.openxmlformats.org/drawingml/2006/main" xmlns:r="http://schemas.openxmlformats.org/officeDocument/2006/relationships" xmlns:p="http://schemas.openxmlformats.org/presentationml/2006/main">
+  <p:cSld>
+    <p:spTree>
+      <p:nvGrpSpPr>
+        <p:cNvPr id="1" name=""/>
+        <p:cNvGrpSpPr/>
+        <p:nvPr/>
+      </p:nvGrpSpPr>
+      <p:grpSpPr>
+        <a:xfrm>
+          <a:off x="0" y="0"/>
+          <a:ext cx="0" cy="0"/>
+          <a:chOff x="0" y="0"/>
+          <a:chExt cx="0" cy="0"/>
+        </a:xfrm>
+      </p:grpSpPr>
+      <p:sp>
+        <p:nvSpPr>
+          <p:cNvPr id="2" name="Slide Image Placeholder 1"/>
+          <p:cNvSpPr>
+            <a:spLocks noGrp="1" noRot="1" noChangeAspect="1"/>
+          </p:cNvSpPr>
+          <p:nvPr>
+            <p:ph type="sldImg"/>
+          </p:nvPr>
+        </p:nvSpPr>
+        <p:spPr/>
+      </p:sp>
+      <p:sp>
+        <p:nvSpPr>
+          <p:cNvPr id="3" name="Notes Placeholder 2"/>
+          <p:cNvSpPr>
+            <a:spLocks noGrp="1"/>
+          </p:cNvSpPr>
+          <p:nvPr>
+            <p:ph type="body" idx="1"/>
+          </p:nvPr>
+        </p:nvSpPr>
+        <p:spPr/>
+        <p:txBody>
+          <a:bodyPr>
+            <a:normAutofit/>
+          </a:bodyPr>
+          <a:lstStyle/>
+          <a:p>
+            <a:endParaRPr lang="en-US"/>
+          </a:p>
+        </p:txBody>
+      </p:sp>
+      <p:sp>
+        <p:nvSpPr>
+          <p:cNvPr id="4" name="Slide Number Placeholder 3"/>
+          <p:cNvSpPr>
+            <a:spLocks noGrp="1"/>
+          </p:cNvSpPr>
+          <p:nvPr>
+            <p:ph type="sldNum" sz="quarter" idx="10"/>
+          </p:nvPr>
+        </p:nvSpPr>
+        <p:spPr/>
+        <p:txBody>
+          <a:bodyPr/>
+          <a:lstStyle/>
+          <a:p>
+            <a:fld id="{CACBEE2F-8C26-493F-9430-82D1D1B7C623}" type="slidenum">
+              <a:rPr lang="en-US" smtClean="0"/>
+              <a:pPr/>
+              <a:t>4</a:t>
+            </a:fld>
+            <a:endParaRPr lang="en-US"/>
+          </a:p>
+        </p:txBody>
+      </p:sp>
+    </p:spTree>
+  </p:cSld>
+  <p:clrMapOvr>
+    <a:masterClrMapping/>
+  </p:clrMapOvr>
+</p:notes>
+</file>
+
+<file path=ppt/notesSlides/notesSlide5.xml><?xml version="1.0" encoding="utf-8"?>
+<p:notes xmlns:a="http://schemas.openxmlformats.org/drawingml/2006/main" xmlns:r="http://schemas.openxmlformats.org/officeDocument/2006/relationships" xmlns:p="http://schemas.openxmlformats.org/presentationml/2006/main">
+  <p:cSld>
+    <p:spTree>
+      <p:nvGrpSpPr>
+        <p:cNvPr id="1" name=""/>
+        <p:cNvGrpSpPr/>
+        <p:nvPr/>
+      </p:nvGrpSpPr>
+      <p:grpSpPr>
+        <a:xfrm>
+          <a:off x="0" y="0"/>
+          <a:ext cx="0" cy="0"/>
+          <a:chOff x="0" y="0"/>
+          <a:chExt cx="0" cy="0"/>
+        </a:xfrm>
+      </p:grpSpPr>
+      <p:sp>
+        <p:nvSpPr>
+          <p:cNvPr id="2" name="Slide Image Placeholder 1"/>
+          <p:cNvSpPr>
+            <a:spLocks noGrp="1" noRot="1" noChangeAspect="1"/>
+          </p:cNvSpPr>
+          <p:nvPr>
+            <p:ph type="sldImg"/>
+          </p:nvPr>
+        </p:nvSpPr>
+        <p:spPr/>
+      </p:sp>
+      <p:sp>
+        <p:nvSpPr>
+          <p:cNvPr id="3" name="Notes Placeholder 2"/>
+          <p:cNvSpPr>
+            <a:spLocks noGrp="1"/>
+          </p:cNvSpPr>
+          <p:nvPr>
+            <p:ph type="body" idx="1"/>
+          </p:nvPr>
+        </p:nvSpPr>
+        <p:spPr/>
+        <p:txBody>
+          <a:bodyPr>
+            <a:normAutofit/>
+          </a:bodyPr>
+          <a:lstStyle/>
+          <a:p>
+            <a:endParaRPr lang="en-US" dirty="0"/>
+          </a:p>
+        </p:txBody>
+      </p:sp>
+      <p:sp>
+        <p:nvSpPr>
+          <p:cNvPr id="4" name="Slide Number Placeholder 3"/>
+          <p:cNvSpPr>
+            <a:spLocks noGrp="1"/>
+          </p:cNvSpPr>
+          <p:nvPr>
+            <p:ph type="sldNum" sz="quarter" idx="10"/>
+          </p:nvPr>
+        </p:nvSpPr>
+        <p:spPr/>
+        <p:txBody>
+          <a:bodyPr/>
+          <a:lstStyle/>
+          <a:p>
+            <a:fld id="{CACBEE2F-8C26-493F-9430-82D1D1B7C623}" type="slidenum">
+              <a:rPr lang="en-US" smtClean="0"/>
+              <a:pPr/>
+              <a:t>5</a:t>
+            </a:fld>
+            <a:endParaRPr lang="en-US"/>
+          </a:p>
+        </p:txBody>
+      </p:sp>
+    </p:spTree>
+  </p:cSld>
+  <p:clrMapOvr>
+    <a:masterClrMapping/>
+  </p:clrMapOvr>
+</p:notes>
+</file>
+
+<file path=ppt/notesSlides/notesSlide6.xml><?xml version="1.0" encoding="utf-8"?>
+<p:notes xmlns:a="http://schemas.openxmlformats.org/drawingml/2006/main" xmlns:r="http://schemas.openxmlformats.org/officeDocument/2006/relationships" xmlns:p="http://schemas.openxmlformats.org/presentationml/2006/main">
+  <p:cSld>
+    <p:spTree>
+      <p:nvGrpSpPr>
+        <p:cNvPr id="1" name=""/>
+        <p:cNvGrpSpPr/>
+        <p:nvPr/>
+      </p:nvGrpSpPr>
+      <p:grpSpPr>
+        <a:xfrm>
+          <a:off x="0" y="0"/>
+          <a:ext cx="0" cy="0"/>
+          <a:chOff x="0" y="0"/>
+          <a:chExt cx="0" cy="0"/>
+        </a:xfrm>
+      </p:grpSpPr>
+      <p:sp>
+        <p:nvSpPr>
+          <p:cNvPr id="2" name="Slide Image Placeholder 1"/>
+          <p:cNvSpPr>
+            <a:spLocks noGrp="1" noRot="1" noChangeAspect="1"/>
+          </p:cNvSpPr>
+          <p:nvPr>
+            <p:ph type="sldImg"/>
+          </p:nvPr>
+        </p:nvSpPr>
+        <p:spPr/>
+      </p:sp>
+      <p:sp>
+        <p:nvSpPr>
+          <p:cNvPr id="3" name="Notes Placeholder 2"/>
+          <p:cNvSpPr>
+            <a:spLocks noGrp="1"/>
+          </p:cNvSpPr>
+          <p:nvPr>
+            <p:ph type="body" idx="1"/>
+          </p:nvPr>
+        </p:nvSpPr>
+        <p:spPr/>
+        <p:txBody>
+          <a:bodyPr>
+            <a:normAutofit/>
+          </a:bodyPr>
+          <a:lstStyle/>
+          <a:p>
+            <a:endParaRPr lang="en-US"/>
+          </a:p>
+        </p:txBody>
+      </p:sp>
+      <p:sp>
+        <p:nvSpPr>
+          <p:cNvPr id="4" name="Slide Number Placeholder 3"/>
+          <p:cNvSpPr>
+            <a:spLocks noGrp="1"/>
+          </p:cNvSpPr>
+          <p:nvPr>
+            <p:ph type="sldNum" sz="quarter" idx="10"/>
+          </p:nvPr>
+        </p:nvSpPr>
+        <p:spPr/>
+        <p:txBody>
+          <a:bodyPr/>
+          <a:lstStyle/>
+          <a:p>
+            <a:fld id="{CACBEE2F-8C26-493F-9430-82D1D1B7C623}" type="slidenum">
+              <a:rPr lang="en-US" smtClean="0"/>
+              <a:pPr/>
+              <a:t>6</a:t>
+            </a:fld>
+            <a:endParaRPr lang="en-US"/>
+          </a:p>
+        </p:txBody>
+      </p:sp>
+    </p:spTree>
+  </p:cSld>
+  <p:clrMapOvr>
+    <a:masterClrMapping/>
+  </p:clrMapOvr>
+</p:notes>
+</file>
+
+<file path=ppt/notesSlides/notesSlide7.xml><?xml version="1.0" encoding="utf-8"?>
+<p:notes xmlns:a="http://schemas.openxmlformats.org/drawingml/2006/main" xmlns:r="http://schemas.openxmlformats.org/officeDocument/2006/relationships" xmlns:p="http://schemas.openxmlformats.org/presentationml/2006/main">
+  <p:cSld>
+    <p:spTree>
+      <p:nvGrpSpPr>
+        <p:cNvPr id="1" name=""/>
+        <p:cNvGrpSpPr/>
+        <p:nvPr/>
+      </p:nvGrpSpPr>
+      <p:grpSpPr>
+        <a:xfrm>
+          <a:off x="0" y="0"/>
+          <a:ext cx="0" cy="0"/>
+          <a:chOff x="0" y="0"/>
+          <a:chExt cx="0" cy="0"/>
+        </a:xfrm>
+      </p:grpSpPr>
+      <p:sp>
+        <p:nvSpPr>
+          <p:cNvPr id="2" name="Slide Image Placeholder 1"/>
+          <p:cNvSpPr>
+            <a:spLocks noGrp="1" noRot="1" noChangeAspect="1"/>
+          </p:cNvSpPr>
+          <p:nvPr>
+            <p:ph type="sldImg"/>
+          </p:nvPr>
+        </p:nvSpPr>
+        <p:spPr/>
+      </p:sp>
+      <p:sp>
+        <p:nvSpPr>
+          <p:cNvPr id="3" name="Notes Placeholder 2"/>
+          <p:cNvSpPr>
+            <a:spLocks noGrp="1"/>
+          </p:cNvSpPr>
+          <p:nvPr>
+            <p:ph type="body" idx="1"/>
+          </p:nvPr>
+        </p:nvSpPr>
+        <p:spPr/>
+        <p:txBody>
+          <a:bodyPr>
+            <a:normAutofit/>
+          </a:bodyPr>
+          <a:lstStyle/>
+          <a:p>
+            <a:endParaRPr lang="en-US"/>
+          </a:p>
+        </p:txBody>
+      </p:sp>
+      <p:sp>
+        <p:nvSpPr>
+          <p:cNvPr id="4" name="Slide Number Placeholder 3"/>
+          <p:cNvSpPr>
+            <a:spLocks noGrp="1"/>
+          </p:cNvSpPr>
+          <p:nvPr>
+            <p:ph type="sldNum" sz="quarter" idx="10"/>
+          </p:nvPr>
+        </p:nvSpPr>
+        <p:spPr/>
+        <p:txBody>
+          <a:bodyPr/>
+          <a:lstStyle/>
+          <a:p>
+            <a:fld id="{CACBEE2F-8C26-493F-9430-82D1D1B7C623}" type="slidenum">
+              <a:rPr lang="en-US" smtClean="0"/>
+              <a:pPr/>
+              <a:t>7</a:t>
+            </a:fld>
+            <a:endParaRPr lang="en-US"/>
+          </a:p>
+        </p:txBody>
+      </p:sp>
+    </p:spTree>
+  </p:cSld>
+  <p:clrMapOvr>
+    <a:masterClrMapping/>
+  </p:clrMapOvr>
+</p:notes>
+</file>
+
+<file path=ppt/notesSlides/notesSlide8.xml><?xml version="1.0" encoding="utf-8"?>
+<p:notes xmlns:a="http://schemas.openxmlformats.org/drawingml/2006/main" xmlns:r="http://schemas.openxmlformats.org/officeDocument/2006/relationships" xmlns:p="http://schemas.openxmlformats.org/presentationml/2006/main">
+  <p:cSld>
+    <p:spTree>
+      <p:nvGrpSpPr>
+        <p:cNvPr id="1" name=""/>
+        <p:cNvGrpSpPr/>
+        <p:nvPr/>
+      </p:nvGrpSpPr>
+      <p:grpSpPr>
+        <a:xfrm>
+          <a:off x="0" y="0"/>
+          <a:ext cx="0" cy="0"/>
+          <a:chOff x="0" y="0"/>
+          <a:chExt cx="0" cy="0"/>
+        </a:xfrm>
+      </p:grpSpPr>
+      <p:sp>
+        <p:nvSpPr>
+          <p:cNvPr id="2" name="Slide Image Placeholder 1"/>
+          <p:cNvSpPr>
+            <a:spLocks noGrp="1" noRot="1" noChangeAspect="1"/>
+          </p:cNvSpPr>
+          <p:nvPr>
+            <p:ph type="sldImg"/>
+          </p:nvPr>
+        </p:nvSpPr>
+        <p:spPr/>
+      </p:sp>
+      <p:sp>
+        <p:nvSpPr>
+          <p:cNvPr id="3" name="Notes Placeholder 2"/>
+          <p:cNvSpPr>
+            <a:spLocks noGrp="1"/>
+          </p:cNvSpPr>
+          <p:nvPr>
+            <p:ph type="body" idx="1"/>
+          </p:nvPr>
+        </p:nvSpPr>
+        <p:spPr/>
+        <p:txBody>
+          <a:bodyPr>
+            <a:normAutofit/>
+          </a:bodyPr>
+          <a:lstStyle/>
+          <a:p>
+            <a:endParaRPr lang="en-US"/>
+          </a:p>
+        </p:txBody>
+      </p:sp>
+      <p:sp>
+        <p:nvSpPr>
+          <p:cNvPr id="4" name="Slide Number Placeholder 3"/>
+          <p:cNvSpPr>
+            <a:spLocks noGrp="1"/>
+          </p:cNvSpPr>
+          <p:nvPr>
+            <p:ph type="sldNum" sz="quarter" idx="10"/>
+          </p:nvPr>
+        </p:nvSpPr>
+        <p:spPr/>
+        <p:txBody>
+          <a:bodyPr/>
+          <a:lstStyle/>
+          <a:p>
+            <a:fld id="{CACBEE2F-8C26-493F-9430-82D1D1B7C623}" type="slidenum">
+              <a:rPr lang="en-US" smtClean="0"/>
+              <a:pPr/>
+              <a:t>8</a:t>
+            </a:fld>
+            <a:endParaRPr lang="en-US"/>
+          </a:p>
+        </p:txBody>
+      </p:sp>
+    </p:spTree>
+  </p:cSld>
+  <p:clrMapOvr>
+    <a:masterClrMapping/>
+  </p:clrMapOvr>
+</p:notes>
+</file>
+
 <file path=ppt/slideLayouts/slideLayout1.xml><?xml version="1.0" encoding="utf-8"?>
 <p:sldLayout xmlns:a="http://schemas.openxmlformats.org/drawingml/2006/main" xmlns:r="http://schemas.openxmlformats.org/officeDocument/2006/relationships" xmlns:p="http://schemas.openxmlformats.org/presentationml/2006/main" type="title" preserve="1">
   <p:cSld name="Title Slide">
@@ -817,7 +1315,7 @@
             <a:fld id="{F9C811E6-0209-4075-80E7-F5953C8ECEE3}" type="datetime1">
               <a:rPr lang="en-US" smtClean="0"/>
               <a:pPr/>
-              <a:t>9/1/15</a:t>
+              <a:t>9/8/15</a:t>
             </a:fld>
             <a:endParaRPr lang="en-US"/>
           </a:p>
@@ -988,7 +1486,7 @@
             <a:fld id="{648E6BB1-E6D9-4EE7-828F-046F7223761D}" type="datetime1">
               <a:rPr lang="en-US" smtClean="0"/>
               <a:pPr/>
-              <a:t>9/1/15</a:t>
+              <a:t>9/8/15</a:t>
             </a:fld>
             <a:endParaRPr lang="en-US"/>
           </a:p>
@@ -1169,7 +1667,7 @@
             <a:fld id="{B4B9C580-A780-4D76-B2D1-C34F1DA97DF0}" type="datetime1">
               <a:rPr lang="en-US" smtClean="0"/>
               <a:pPr/>
-              <a:t>9/1/15</a:t>
+              <a:t>9/8/15</a:t>
             </a:fld>
             <a:endParaRPr lang="en-US"/>
           </a:p>
@@ -1340,7 +1838,7 @@
             <a:fld id="{EB19DDAF-3255-4785-974C-BB4FAF02D67E}" type="datetime1">
               <a:rPr lang="en-US" smtClean="0"/>
               <a:pPr/>
-              <a:t>9/1/15</a:t>
+              <a:t>9/8/15</a:t>
             </a:fld>
             <a:endParaRPr lang="en-US"/>
           </a:p>
@@ -1587,7 +2085,7 @@
             <a:fld id="{C344AF86-11D1-4E84-BA60-17130236FDAA}" type="datetime1">
               <a:rPr lang="en-US" smtClean="0"/>
               <a:pPr/>
-              <a:t>9/1/15</a:t>
+              <a:t>9/8/15</a:t>
             </a:fld>
             <a:endParaRPr lang="en-US"/>
           </a:p>
@@ -1876,7 +2374,7 @@
             <a:fld id="{A8DD670F-7E07-4783-A6F8-B28127B5AF4A}" type="datetime1">
               <a:rPr lang="en-US" smtClean="0"/>
               <a:pPr/>
-              <a:t>9/1/15</a:t>
+              <a:t>9/8/15</a:t>
             </a:fld>
             <a:endParaRPr lang="en-US"/>
           </a:p>
@@ -2299,7 +2797,7 @@
             <a:fld id="{92676DD9-688F-48EE-8233-B3B78BDDA63D}" type="datetime1">
               <a:rPr lang="en-US" smtClean="0"/>
               <a:pPr/>
-              <a:t>9/1/15</a:t>
+              <a:t>9/8/15</a:t>
             </a:fld>
             <a:endParaRPr lang="en-US"/>
           </a:p>
@@ -2418,7 +2916,7 @@
             <a:fld id="{F6CC4A83-AE34-48B8-B90E-70388FDBF0F7}" type="datetime1">
               <a:rPr lang="en-US" smtClean="0"/>
               <a:pPr/>
-              <a:t>9/1/15</a:t>
+              <a:t>9/8/15</a:t>
             </a:fld>
             <a:endParaRPr lang="en-US"/>
           </a:p>
@@ -2514,7 +3012,7 @@
             <a:fld id="{510CA3E2-9601-488E-B92B-23013819BD02}" type="datetime1">
               <a:rPr lang="en-US" smtClean="0"/>
               <a:pPr/>
-              <a:t>9/1/15</a:t>
+              <a:t>9/8/15</a:t>
             </a:fld>
             <a:endParaRPr lang="en-US"/>
           </a:p>
@@ -2792,7 +3290,7 @@
             <a:fld id="{331F1CBD-358A-4E18-86FD-C337233E15F0}" type="datetime1">
               <a:rPr lang="en-US" smtClean="0"/>
               <a:pPr/>
-              <a:t>9/1/15</a:t>
+              <a:t>9/8/15</a:t>
             </a:fld>
             <a:endParaRPr lang="en-US"/>
           </a:p>
@@ -3046,7 +3544,7 @@
             <a:fld id="{3CB4F0D5-901F-4458-A8F8-F062616694B4}" type="datetime1">
               <a:rPr lang="en-US" smtClean="0"/>
               <a:pPr/>
-              <a:t>9/1/15</a:t>
+              <a:t>9/8/15</a:t>
             </a:fld>
             <a:endParaRPr lang="en-US"/>
           </a:p>
@@ -3260,7 +3758,7 @@
             <a:fld id="{F77D84EF-BDBF-448B-906E-D51D4CAF22DC}" type="datetime1">
               <a:rPr lang="en-US" smtClean="0"/>
               <a:pPr/>
-              <a:t>9/1/15</a:t>
+              <a:t>9/8/15</a:t>
             </a:fld>
             <a:endParaRPr lang="en-US"/>
           </a:p>
@@ -3666,9 +4164,9 @@
                   </a:schemeClr>
                 </a:solidFill>
               </a:rPr>
-              <a:t>Chapter 2: Belief, probability and </a:t>
-            </a:r>
-            <a:r>
+              <a:t>STT 465</a:t>
+            </a:r>
+            <a:br>
               <a:rPr lang="en-US" sz="3200" dirty="0" smtClean="0">
                 <a:solidFill>
                   <a:schemeClr val="accent2">
@@ -3676,13 +4174,148 @@
                   </a:schemeClr>
                 </a:solidFill>
               </a:rPr>
+            </a:br>
+            <a:r>
+              <a:rPr lang="en-US" sz="3200" dirty="0">
+                <a:solidFill>
+                  <a:schemeClr val="accent2">
+                    <a:lumMod val="75000"/>
+                  </a:schemeClr>
+                </a:solidFill>
+              </a:rPr>
+              <a:t/>
+            </a:r>
+            <a:br>
+              <a:rPr lang="en-US" sz="3200" dirty="0">
+                <a:solidFill>
+                  <a:schemeClr val="accent2">
+                    <a:lumMod val="75000"/>
+                  </a:schemeClr>
+                </a:solidFill>
+              </a:rPr>
+            </a:br>
+            <a:r>
+              <a:rPr lang="en-US" sz="3200" dirty="0" smtClean="0">
+                <a:solidFill>
+                  <a:schemeClr val="accent2">
+                    <a:lumMod val="75000"/>
+                  </a:schemeClr>
+                </a:solidFill>
+              </a:rPr>
+              <a:t>Lecture 2:</a:t>
+            </a:r>
+            <a:br>
+              <a:rPr lang="en-US" sz="3200" dirty="0" smtClean="0">
+                <a:solidFill>
+                  <a:schemeClr val="accent2">
+                    <a:lumMod val="75000"/>
+                  </a:schemeClr>
+                </a:solidFill>
+              </a:rPr>
+            </a:br>
+            <a:r>
+              <a:rPr lang="en-US" sz="3200" dirty="0">
+                <a:solidFill>
+                  <a:schemeClr val="accent2">
+                    <a:lumMod val="75000"/>
+                  </a:schemeClr>
+                </a:solidFill>
+              </a:rPr>
+              <a:t/>
+            </a:r>
+            <a:br>
+              <a:rPr lang="en-US" sz="3200" dirty="0">
+                <a:solidFill>
+                  <a:schemeClr val="accent2">
+                    <a:lumMod val="75000"/>
+                  </a:schemeClr>
+                </a:solidFill>
+              </a:rPr>
+            </a:br>
+            <a:r>
+              <a:rPr lang="en-US" sz="3200" dirty="0" smtClean="0">
+                <a:solidFill>
+                  <a:schemeClr val="accent2">
+                    <a:lumMod val="75000"/>
+                  </a:schemeClr>
+                </a:solidFill>
+              </a:rPr>
+              <a:t>Belief</a:t>
+            </a:r>
+            <a:r>
+              <a:rPr lang="en-US" sz="3200" dirty="0" smtClean="0">
+                <a:solidFill>
+                  <a:schemeClr val="accent2">
+                    <a:lumMod val="75000"/>
+                  </a:schemeClr>
+                </a:solidFill>
+              </a:rPr>
+              <a:t>, probability, independence, conditional independence, </a:t>
+            </a:r>
+            <a:r>
+              <a:rPr lang="en-US" sz="3200" dirty="0" smtClean="0">
+                <a:solidFill>
+                  <a:schemeClr val="accent2">
+                    <a:lumMod val="75000"/>
+                  </a:schemeClr>
+                </a:solidFill>
+              </a:rPr>
               <a:t>exchangeability</a:t>
+            </a:r>
+            <a:br>
+              <a:rPr lang="en-US" sz="3200" dirty="0" smtClean="0">
+                <a:solidFill>
+                  <a:schemeClr val="accent2">
+                    <a:lumMod val="75000"/>
+                  </a:schemeClr>
+                </a:solidFill>
+              </a:rPr>
+            </a:br>
+            <a:r>
+              <a:rPr lang="en-US" sz="3200" dirty="0">
+                <a:solidFill>
+                  <a:schemeClr val="accent2">
+                    <a:lumMod val="75000"/>
+                  </a:schemeClr>
+                </a:solidFill>
+              </a:rPr>
+              <a:t/>
+            </a:r>
+            <a:br>
+              <a:rPr lang="en-US" sz="3200" dirty="0">
+                <a:solidFill>
+                  <a:schemeClr val="accent2">
+                    <a:lumMod val="75000"/>
+                  </a:schemeClr>
+                </a:solidFill>
+              </a:rPr>
+            </a:br>
+            <a:r>
+              <a:rPr lang="en-US" sz="2200" dirty="0" smtClean="0">
+                <a:solidFill>
+                  <a:srgbClr val="1F497D"/>
+                </a:solidFill>
+              </a:rPr>
+              <a:t/>
+            </a:r>
+            <a:br>
+              <a:rPr lang="en-US" sz="2200" dirty="0" smtClean="0">
+                <a:solidFill>
+                  <a:srgbClr val="1F497D"/>
+                </a:solidFill>
+              </a:rPr>
+            </a:br>
+            <a:r>
+              <a:rPr lang="en-US" sz="2200" dirty="0" smtClean="0">
+                <a:solidFill>
+                  <a:srgbClr val="1F497D"/>
+                </a:solidFill>
+              </a:rPr>
+              <a:t>G. de los Campos</a:t>
             </a:r>
             <a:endParaRPr lang="en-US" sz="3200" dirty="0">
               <a:solidFill>
-                <a:schemeClr val="accent2">
-                  <a:lumMod val="75000"/>
-                </a:schemeClr>
+                <a:srgbClr val="1F497D"/>
               </a:solidFill>
             </a:endParaRPr>
           </a:p>
@@ -3838,7 +4471,7 @@
         <p:spPr>
           <a:xfrm>
             <a:off x="457200" y="990600"/>
-            <a:ext cx="8229600" cy="4801315"/>
+            <a:ext cx="8229600" cy="5078314"/>
           </a:xfrm>
           <a:prstGeom prst="rect">
             <a:avLst/>
@@ -3869,7 +4502,7 @@
                   </a:schemeClr>
                 </a:solidFill>
               </a:rPr>
-              <a:t>Beliefs and probability (discuss how we can use probabilities to express beliefs)</a:t>
+              <a:t>Beliefs and probability (read the chapter in the book)</a:t>
             </a:r>
           </a:p>
           <a:p>
@@ -3902,9 +4535,8 @@
             </a:r>
           </a:p>
           <a:p>
-            <a:pPr marL="742950" lvl="1" indent="-285750">
-              <a:buFont typeface="Symbol" charset="0"/>
-              <a:buChar char=""/>
+            <a:pPr marL="800100" lvl="1" indent="-342900">
+              <a:buAutoNum type="arabicParenBoth"/>
             </a:pPr>
             <a:r>
               <a:rPr lang="en-US" dirty="0" smtClean="0">
@@ -3958,9 +4590,8 @@
             </a:r>
           </a:p>
           <a:p>
-            <a:pPr marL="742950" lvl="1" indent="-285750">
-              <a:buFont typeface="Symbol" charset="0"/>
-              <a:buChar char=""/>
+            <a:pPr marL="800100" lvl="1" indent="-342900">
+              <a:buAutoNum type="arabicParenBoth"/>
             </a:pPr>
             <a:r>
               <a:rPr lang="en-US" dirty="0" smtClean="0">
@@ -3970,33 +4601,20 @@
                   </a:schemeClr>
                 </a:solidFill>
               </a:rPr>
-              <a:t>Probability (map from events to numbers in the [0,1] interval that follows a few rules)</a:t>
-            </a:r>
-            <a:r>
-              <a:rPr lang="en-US" dirty="0" smtClean="0">
-                <a:solidFill>
-                  <a:schemeClr val="accent1">
-                    <a:lumMod val="75000"/>
-                  </a:schemeClr>
-                </a:solidFill>
-              </a:rPr>
-              <a:t>.</a:t>
-            </a:r>
-          </a:p>
-          <a:p>
-            <a:pPr marL="742950" lvl="1" indent="-285750">
-              <a:buFont typeface="Symbol" charset="0"/>
-              <a:buChar char=""/>
-            </a:pPr>
-            <a:r>
-              <a:rPr lang="en-US" dirty="0" smtClean="0">
-                <a:solidFill>
-                  <a:schemeClr val="accent1">
-                    <a:lumMod val="75000"/>
-                  </a:schemeClr>
-                </a:solidFill>
-              </a:rPr>
-              <a:t>P(A</a:t>
+              <a:t> Probability (map from events to numbers in the [0,1] interval that follows a few rules).</a:t>
+            </a:r>
+          </a:p>
+          <a:p>
+            <a:pPr lvl="1"/>
+            <a:r>
+              <a:rPr lang="en-US" dirty="0" smtClean="0">
+                <a:solidFill>
+                  <a:schemeClr val="accent1">
+                    <a:lumMod val="75000"/>
+                  </a:schemeClr>
+                </a:solidFill>
+              </a:rPr>
+              <a:t>(3) P(A</a:t>
             </a:r>
             <a:r>
               <a:rPr lang="en-US" baseline="-25000" dirty="0" smtClean="0">
@@ -4040,35 +4658,29 @@
             </a:r>
           </a:p>
           <a:p>
-            <a:pPr marL="742950" lvl="1" indent="-285750">
-              <a:buFont typeface="Symbol" charset="0"/>
-              <a:buChar char=""/>
-            </a:pPr>
-            <a:r>
-              <a:rPr lang="en-US" dirty="0" smtClean="0">
-                <a:solidFill>
-                  <a:schemeClr val="accent1">
-                    <a:lumMod val="75000"/>
-                  </a:schemeClr>
-                </a:solidFill>
-              </a:rPr>
-              <a:t>P(S)=1</a:t>
-            </a:r>
-          </a:p>
-          <a:p>
-            <a:pPr marL="742950" lvl="1" indent="-285750">
-              <a:buFont typeface="Symbol" charset="0"/>
-              <a:buChar char=""/>
-            </a:pPr>
-            <a:r>
-              <a:rPr lang="en-US" dirty="0" smtClean="0">
-                <a:solidFill>
-                  <a:schemeClr val="accent1">
-                    <a:lumMod val="75000"/>
-                  </a:schemeClr>
-                </a:solidFill>
-              </a:rPr>
-              <a:t>Probability of the union:  P(</a:t>
+            <a:pPr lvl="1"/>
+            <a:r>
+              <a:rPr lang="en-US" dirty="0" smtClean="0">
+                <a:solidFill>
+                  <a:schemeClr val="accent1">
+                    <a:lumMod val="75000"/>
+                  </a:schemeClr>
+                </a:solidFill>
+              </a:rPr>
+              <a:t>(4) P(S)=1</a:t>
+            </a:r>
+          </a:p>
+          <a:p>
+            <a:pPr lvl="1"/>
+            <a:r>
+              <a:rPr lang="en-US" dirty="0" smtClean="0">
+                <a:solidFill>
+                  <a:schemeClr val="accent1">
+                    <a:lumMod val="75000"/>
+                  </a:schemeClr>
+                </a:solidFill>
+              </a:rPr>
+              <a:t>(5) Probability of the union:  P(</a:t>
             </a:r>
             <a:r>
               <a:rPr lang="en-US" dirty="0" err="1" smtClean="0">
@@ -4198,48 +4810,31 @@
                 <a:latin typeface="Calibri"/>
                 <a:cs typeface="Calibri"/>
               </a:rPr>
-              <a:t>∩</a:t>
-            </a:r>
-            <a:r>
-              <a:rPr lang="en-US" dirty="0" err="1" smtClean="0">
+              <a:t>∩A</a:t>
+            </a:r>
+            <a:r>
+              <a:rPr lang="en-US" baseline="-25000" dirty="0" err="1" smtClean="0">
                 <a:solidFill>
                   <a:schemeClr val="tx2"/>
                 </a:solidFill>
                 <a:latin typeface="Calibri"/>
                 <a:cs typeface="Calibri"/>
               </a:rPr>
-              <a:t>A</a:t>
-            </a:r>
-            <a:r>
-              <a:rPr lang="en-US" baseline="-25000" dirty="0" err="1" smtClean="0">
+              <a:t>j</a:t>
+            </a:r>
+            <a:r>
+              <a:rPr lang="en-US" dirty="0" smtClean="0">
                 <a:solidFill>
                   <a:schemeClr val="tx2"/>
                 </a:solidFill>
                 <a:latin typeface="Calibri"/>
                 <a:cs typeface="Calibri"/>
               </a:rPr>
-              <a:t>j</a:t>
-            </a:r>
-            <a:r>
-              <a:rPr lang="en-US" dirty="0" smtClean="0">
-                <a:solidFill>
-                  <a:schemeClr val="tx2"/>
-                </a:solidFill>
-                <a:latin typeface="Calibri"/>
-                <a:cs typeface="Calibri"/>
-              </a:rPr>
-              <a:t>)   [U=OR, </a:t>
-            </a:r>
-            <a:r>
-              <a:rPr lang="en-US" dirty="0" smtClean="0">
-                <a:solidFill>
-                  <a:schemeClr val="tx2"/>
-                </a:solidFill>
-                <a:latin typeface="Calibri"/>
-                <a:cs typeface="Calibri"/>
-              </a:rPr>
-              <a:t>∩=&amp;]</a:t>
-            </a:r>
+              <a:t>)   [U=OR, ∩=&amp;]</a:t>
+            </a:r>
+          </a:p>
+          <a:p>
+            <a:pPr lvl="1"/>
             <a:endParaRPr lang="en-US" dirty="0" smtClean="0">
               <a:solidFill>
                 <a:schemeClr val="tx2"/>
@@ -4249,7 +4844,7 @@
             </a:endParaRPr>
           </a:p>
           <a:p>
-            <a:pPr marL="742950" lvl="1" indent="-285750">
+            <a:pPr marL="285750" indent="-285750">
               <a:buFont typeface="Symbol" charset="0"/>
               <a:buChar char=""/>
             </a:pPr>
@@ -4261,123 +4856,20 @@
                   </a:schemeClr>
                 </a:solidFill>
               </a:rPr>
-              <a:t>Independence: P(</a:t>
-            </a:r>
-            <a:r>
-              <a:rPr lang="en-US" dirty="0" err="1" smtClean="0">
-                <a:solidFill>
-                  <a:schemeClr val="accent1">
-                    <a:lumMod val="75000"/>
-                  </a:schemeClr>
-                </a:solidFill>
-              </a:rPr>
-              <a:t>A</a:t>
-            </a:r>
-            <a:r>
-              <a:rPr lang="en-US" baseline="-25000" dirty="0" err="1" smtClean="0">
-                <a:solidFill>
-                  <a:schemeClr val="accent1">
-                    <a:lumMod val="75000"/>
-                  </a:schemeClr>
-                </a:solidFill>
-              </a:rPr>
-              <a:t>i</a:t>
-            </a:r>
-            <a:r>
-              <a:rPr lang="en-US" dirty="0" err="1" smtClean="0">
-                <a:solidFill>
-                  <a:schemeClr val="accent1">
-                    <a:lumMod val="75000"/>
-                  </a:schemeClr>
-                </a:solidFill>
-              </a:rPr>
-              <a:t>&amp;A</a:t>
-            </a:r>
-            <a:r>
-              <a:rPr lang="en-US" baseline="-25000" dirty="0" err="1" smtClean="0">
-                <a:solidFill>
-                  <a:schemeClr val="accent1">
-                    <a:lumMod val="75000"/>
-                  </a:schemeClr>
-                </a:solidFill>
-              </a:rPr>
-              <a:t>j</a:t>
-            </a:r>
-            <a:r>
-              <a:rPr lang="en-US" dirty="0" smtClean="0">
-                <a:solidFill>
-                  <a:schemeClr val="accent1">
-                    <a:lumMod val="75000"/>
-                  </a:schemeClr>
-                </a:solidFill>
-              </a:rPr>
-              <a:t>)=P(A</a:t>
-            </a:r>
-            <a:r>
-              <a:rPr lang="en-US" baseline="-25000" dirty="0" smtClean="0">
-                <a:solidFill>
-                  <a:schemeClr val="accent1">
-                    <a:lumMod val="75000"/>
-                  </a:schemeClr>
-                </a:solidFill>
-              </a:rPr>
-              <a:t>i</a:t>
-            </a:r>
-            <a:r>
-              <a:rPr lang="en-US" dirty="0" smtClean="0">
-                <a:solidFill>
-                  <a:schemeClr val="accent1">
-                    <a:lumMod val="75000"/>
-                  </a:schemeClr>
-                </a:solidFill>
-              </a:rPr>
-              <a:t>)P(</a:t>
-            </a:r>
-            <a:r>
-              <a:rPr lang="en-US" dirty="0" err="1" smtClean="0">
-                <a:solidFill>
-                  <a:schemeClr val="accent1">
-                    <a:lumMod val="75000"/>
-                  </a:schemeClr>
-                </a:solidFill>
-              </a:rPr>
-              <a:t>A</a:t>
-            </a:r>
-            <a:r>
-              <a:rPr lang="en-US" baseline="-25000" dirty="0" err="1" smtClean="0">
-                <a:solidFill>
-                  <a:schemeClr val="accent1">
-                    <a:lumMod val="75000"/>
-                  </a:schemeClr>
-                </a:solidFill>
-              </a:rPr>
-              <a:t>j</a:t>
-            </a:r>
-            <a:r>
-              <a:rPr lang="en-US" dirty="0" smtClean="0">
-                <a:solidFill>
-                  <a:schemeClr val="accent1">
-                    <a:lumMod val="75000"/>
-                  </a:schemeClr>
-                </a:solidFill>
-              </a:rPr>
-              <a:t>)</a:t>
-            </a:r>
-          </a:p>
-          <a:p>
-            <a:pPr marL="742950" lvl="1" indent="-285750">
-              <a:buFont typeface="Symbol" charset="0"/>
-              <a:buChar char=""/>
-            </a:pPr>
-            <a:r>
-              <a:rPr lang="en-US" dirty="0" smtClean="0">
-                <a:solidFill>
-                  <a:schemeClr val="accent1">
-                    <a:lumMod val="75000"/>
-                  </a:schemeClr>
-                </a:solidFill>
-              </a:rPr>
-              <a:t>Marginal probability:  </a:t>
+              <a:t>Marginal, conditional and joint probabilities </a:t>
+            </a:r>
+          </a:p>
+          <a:p>
+            <a:pPr lvl="1"/>
+            <a:r>
+              <a:rPr lang="en-US" dirty="0" smtClean="0">
+                <a:solidFill>
+                  <a:schemeClr val="accent1">
+                    <a:lumMod val="75000"/>
+                  </a:schemeClr>
+                </a:solidFill>
+              </a:rPr>
+              <a:t>(6)   Marginal probability:  </a:t>
             </a:r>
             <a:r>
               <a:rPr lang="en-US" dirty="0">
@@ -4387,43 +4879,30 @@
                   </a:schemeClr>
                 </a:solidFill>
               </a:rPr>
-              <a:t>P(A</a:t>
-            </a:r>
-            <a:r>
-              <a:rPr lang="en-US" baseline="-25000" dirty="0">
-                <a:solidFill>
-                  <a:schemeClr val="accent1">
-                    <a:lumMod val="75000"/>
-                  </a:schemeClr>
-                </a:solidFill>
-              </a:rPr>
-              <a:t>i</a:t>
-            </a:r>
-            <a:r>
-              <a:rPr lang="en-US" dirty="0" smtClean="0">
-                <a:solidFill>
-                  <a:schemeClr val="accent1">
-                    <a:lumMod val="75000"/>
-                  </a:schemeClr>
-                </a:solidFill>
-              </a:rPr>
-              <a:t>)</a:t>
-            </a:r>
-          </a:p>
-          <a:p>
-            <a:pPr marL="742950" lvl="1" indent="-285750">
-              <a:buFont typeface="Symbol" charset="0"/>
-              <a:buChar char=""/>
-            </a:pPr>
-            <a:r>
-              <a:rPr lang="en-US" dirty="0" smtClean="0">
-                <a:solidFill>
-                  <a:schemeClr val="accent1">
-                    <a:lumMod val="75000"/>
-                  </a:schemeClr>
-                </a:solidFill>
-              </a:rPr>
-              <a:t>Joint probability: </a:t>
+              <a:t>P(</a:t>
+            </a:r>
+            <a:r>
+              <a:rPr lang="en-US" dirty="0" smtClean="0">
+                <a:solidFill>
+                  <a:schemeClr val="accent1">
+                    <a:lumMod val="75000"/>
+                  </a:schemeClr>
+                </a:solidFill>
+              </a:rPr>
+              <a:t>A)</a:t>
+            </a:r>
+          </a:p>
+          <a:p>
+            <a:pPr lvl="1"/>
+            <a:r>
+              <a:rPr lang="en-US" dirty="0" smtClean="0">
+                <a:solidFill>
+                  <a:schemeClr val="accent1">
+                    <a:lumMod val="75000"/>
+                  </a:schemeClr>
+                </a:solidFill>
+              </a:rPr>
+              <a:t>(7)   Joint probability: </a:t>
             </a:r>
             <a:r>
               <a:rPr lang="en-US" dirty="0">
@@ -4436,64 +4915,14 @@
               <a:t>P(</a:t>
             </a:r>
             <a:r>
-              <a:rPr lang="en-US" dirty="0" err="1" smtClean="0">
-                <a:solidFill>
-                  <a:schemeClr val="accent1">
-                    <a:lumMod val="75000"/>
-                  </a:schemeClr>
-                </a:solidFill>
-              </a:rPr>
-              <a:t>A</a:t>
-            </a:r>
-            <a:r>
-              <a:rPr lang="en-US" baseline="-25000" dirty="0" err="1" smtClean="0">
-                <a:solidFill>
-                  <a:schemeClr val="accent1">
-                    <a:lumMod val="75000"/>
-                  </a:schemeClr>
-                </a:solidFill>
-              </a:rPr>
-              <a:t>i</a:t>
-            </a:r>
-            <a:r>
-              <a:rPr lang="en-US" dirty="0" err="1">
-                <a:solidFill>
-                  <a:schemeClr val="accent1">
-                    <a:lumMod val="75000"/>
-                  </a:schemeClr>
-                </a:solidFill>
-              </a:rPr>
-              <a:t>&amp;A</a:t>
-            </a:r>
-            <a:r>
-              <a:rPr lang="en-US" baseline="-25000" dirty="0" smtClean="0">
-                <a:solidFill>
-                  <a:schemeClr val="accent1">
-                    <a:lumMod val="75000"/>
-                  </a:schemeClr>
-                </a:solidFill>
-              </a:rPr>
-              <a:t> </a:t>
-            </a:r>
-            <a:r>
-              <a:rPr lang="en-US" baseline="-25000" dirty="0">
-                <a:solidFill>
-                  <a:schemeClr val="accent1">
-                    <a:lumMod val="75000"/>
-                  </a:schemeClr>
-                </a:solidFill>
-              </a:rPr>
-              <a:t>j</a:t>
-            </a:r>
-            <a:r>
-              <a:rPr lang="en-US" dirty="0" smtClean="0">
-                <a:solidFill>
-                  <a:schemeClr val="accent1">
-                    <a:lumMod val="75000"/>
-                  </a:schemeClr>
-                </a:solidFill>
-              </a:rPr>
-              <a:t>)=</a:t>
+              <a:rPr lang="en-US" dirty="0" smtClean="0">
+                <a:solidFill>
+                  <a:schemeClr val="accent1">
+                    <a:lumMod val="75000"/>
+                  </a:schemeClr>
+                </a:solidFill>
+              </a:rPr>
+              <a:t>A&amp;B)=</a:t>
             </a:r>
             <a:r>
               <a:rPr lang="en-US" dirty="0">
@@ -4503,67 +4932,50 @@
                   </a:schemeClr>
                 </a:solidFill>
               </a:rPr>
-              <a:t>P(</a:t>
-            </a:r>
-            <a:r>
-              <a:rPr lang="en-US" dirty="0" err="1" smtClean="0">
-                <a:solidFill>
-                  <a:schemeClr val="accent1">
-                    <a:lumMod val="75000"/>
-                  </a:schemeClr>
-                </a:solidFill>
-              </a:rPr>
-              <a:t>A</a:t>
-            </a:r>
-            <a:r>
-              <a:rPr lang="en-US" baseline="-25000" dirty="0" err="1" smtClean="0">
-                <a:solidFill>
-                  <a:schemeClr val="accent1">
-                    <a:lumMod val="75000"/>
-                  </a:schemeClr>
-                </a:solidFill>
-              </a:rPr>
-              <a:t>i</a:t>
-            </a:r>
-            <a:r>
-              <a:rPr lang="en-US" dirty="0" err="1" smtClean="0">
-                <a:solidFill>
-                  <a:schemeClr val="accent1">
-                    <a:lumMod val="75000"/>
-                  </a:schemeClr>
-                </a:solidFill>
-              </a:rPr>
-              <a:t>;A</a:t>
-            </a:r>
-            <a:r>
-              <a:rPr lang="en-US" baseline="-25000" dirty="0" err="1">
-                <a:solidFill>
-                  <a:schemeClr val="accent1">
-                    <a:lumMod val="75000"/>
-                  </a:schemeClr>
-                </a:solidFill>
-              </a:rPr>
-              <a:t>j</a:t>
-            </a:r>
-            <a:r>
-              <a:rPr lang="en-US" baseline="-25000" dirty="0" smtClean="0">
-                <a:solidFill>
-                  <a:schemeClr val="accent1">
-                    <a:lumMod val="75000"/>
-                  </a:schemeClr>
-                </a:solidFill>
-              </a:rPr>
-              <a:t> </a:t>
-            </a:r>
-            <a:r>
-              <a:rPr lang="en-US" dirty="0" smtClean="0">
-                <a:solidFill>
-                  <a:schemeClr val="accent1">
-                    <a:lumMod val="75000"/>
-                  </a:schemeClr>
-                </a:solidFill>
-              </a:rPr>
-              <a:t>) [we will commonly use ‘;’ for joint]</a:t>
+              <a:t>P</a:t>
+            </a:r>
+            <a:r>
+              <a:rPr lang="en-US" dirty="0" smtClean="0">
+                <a:solidFill>
+                  <a:schemeClr val="accent1">
+                    <a:lumMod val="75000"/>
+                  </a:schemeClr>
+                </a:solidFill>
+              </a:rPr>
+              <a:t>(A</a:t>
+            </a:r>
+            <a:r>
+              <a:rPr lang="en-US" dirty="0">
+                <a:solidFill>
+                  <a:schemeClr val="accent1">
+                    <a:lumMod val="75000"/>
+                  </a:schemeClr>
+                </a:solidFill>
+              </a:rPr>
+              <a:t>,</a:t>
+            </a:r>
+            <a:r>
+              <a:rPr lang="en-US" dirty="0" smtClean="0">
+                <a:solidFill>
+                  <a:schemeClr val="accent1">
+                    <a:lumMod val="75000"/>
+                  </a:schemeClr>
+                </a:solidFill>
+              </a:rPr>
+              <a:t>B) [we will commonly use ‘,’ for joint]</a:t>
+            </a:r>
+          </a:p>
+          <a:p>
+            <a:pPr lvl="1"/>
+            <a:r>
+              <a:rPr lang="en-US" dirty="0" smtClean="0">
+                <a:solidFill>
+                  <a:schemeClr val="accent1">
+                    <a:lumMod val="75000"/>
+                  </a:schemeClr>
+                </a:solidFill>
+              </a:rPr>
+              <a:t>(8)   Conditional probability: p(A|B)</a:t>
             </a:r>
             <a:endParaRPr lang="en-US" dirty="0">
               <a:solidFill>
@@ -4574,559 +4986,236 @@
             </a:endParaRPr>
           </a:p>
           <a:p>
-            <a:pPr marL="742950" lvl="1" indent="-285750">
+            <a:pPr lvl="1"/>
+            <a:r>
+              <a:rPr lang="en-US" dirty="0" smtClean="0">
+                <a:solidFill>
+                  <a:schemeClr val="accent1">
+                    <a:lumMod val="75000"/>
+                  </a:schemeClr>
+                </a:solidFill>
+              </a:rPr>
+              <a:t>(9)   Factorization:      </a:t>
+            </a:r>
+            <a:r>
+              <a:rPr lang="en-US" dirty="0">
+                <a:solidFill>
+                  <a:schemeClr val="accent1">
+                    <a:lumMod val="75000"/>
+                  </a:schemeClr>
+                </a:solidFill>
+              </a:rPr>
+              <a:t>P</a:t>
+            </a:r>
+            <a:r>
+              <a:rPr lang="en-US" dirty="0" smtClean="0">
+                <a:solidFill>
+                  <a:schemeClr val="accent1">
+                    <a:lumMod val="75000"/>
+                  </a:schemeClr>
+                </a:solidFill>
+              </a:rPr>
+              <a:t>(A,B)</a:t>
+            </a:r>
+            <a:r>
+              <a:rPr lang="en-US" dirty="0">
+                <a:solidFill>
+                  <a:schemeClr val="accent1">
+                    <a:lumMod val="75000"/>
+                  </a:schemeClr>
+                </a:solidFill>
+              </a:rPr>
+              <a:t>=P(</a:t>
+            </a:r>
+            <a:r>
+              <a:rPr lang="en-US" dirty="0" smtClean="0">
+                <a:solidFill>
+                  <a:schemeClr val="accent1">
+                    <a:lumMod val="75000"/>
+                  </a:schemeClr>
+                </a:solidFill>
+              </a:rPr>
+              <a:t>A) </a:t>
+            </a:r>
+            <a:r>
+              <a:rPr lang="en-US" dirty="0">
+                <a:solidFill>
+                  <a:schemeClr val="accent1">
+                    <a:lumMod val="75000"/>
+                  </a:schemeClr>
+                </a:solidFill>
+              </a:rPr>
+              <a:t>P</a:t>
+            </a:r>
+            <a:r>
+              <a:rPr lang="en-US" dirty="0" smtClean="0">
+                <a:solidFill>
+                  <a:schemeClr val="accent1">
+                    <a:lumMod val="75000"/>
+                  </a:schemeClr>
+                </a:solidFill>
+              </a:rPr>
+              <a:t>(B|A)=</a:t>
+            </a:r>
+            <a:r>
+              <a:rPr lang="en-US" dirty="0">
+                <a:solidFill>
+                  <a:schemeClr val="accent1">
+                    <a:lumMod val="75000"/>
+                  </a:schemeClr>
+                </a:solidFill>
+              </a:rPr>
+              <a:t>P</a:t>
+            </a:r>
+            <a:r>
+              <a:rPr lang="en-US" dirty="0" smtClean="0">
+                <a:solidFill>
+                  <a:schemeClr val="accent1">
+                    <a:lumMod val="75000"/>
+                  </a:schemeClr>
+                </a:solidFill>
+              </a:rPr>
+              <a:t>(B)P(A|B)</a:t>
+            </a:r>
+          </a:p>
+          <a:p>
+            <a:pPr lvl="1"/>
+            <a:r>
+              <a:rPr lang="en-US" dirty="0" smtClean="0">
+                <a:solidFill>
+                  <a:schemeClr val="accent1">
+                    <a:lumMod val="75000"/>
+                  </a:schemeClr>
+                </a:solidFill>
+              </a:rPr>
+              <a:t>(10)</a:t>
+            </a:r>
+            <a:r>
+              <a:rPr lang="en-US" dirty="0">
+                <a:solidFill>
+                  <a:schemeClr val="accent1">
+                    <a:lumMod val="75000"/>
+                  </a:schemeClr>
+                </a:solidFill>
+              </a:rPr>
+              <a:t> </a:t>
+            </a:r>
+            <a:r>
+              <a:rPr lang="en-US" dirty="0" smtClean="0">
+                <a:solidFill>
+                  <a:schemeClr val="accent1">
+                    <a:lumMod val="75000"/>
+                  </a:schemeClr>
+                </a:solidFill>
+              </a:rPr>
+              <a:t>Rule of marginal probability: </a:t>
+            </a:r>
+            <a:r>
+              <a:rPr lang="en-US" dirty="0">
+                <a:solidFill>
+                  <a:schemeClr val="accent1">
+                    <a:lumMod val="75000"/>
+                  </a:schemeClr>
+                </a:solidFill>
+              </a:rPr>
+              <a:t>P</a:t>
+            </a:r>
+            <a:r>
+              <a:rPr lang="en-US" dirty="0" smtClean="0">
+                <a:solidFill>
+                  <a:schemeClr val="accent1">
+                    <a:lumMod val="75000"/>
+                  </a:schemeClr>
+                </a:solidFill>
+              </a:rPr>
+              <a:t>(A</a:t>
+            </a:r>
+            <a:r>
+              <a:rPr lang="en-US" baseline="-25000" dirty="0" smtClean="0">
+                <a:solidFill>
+                  <a:schemeClr val="accent1">
+                    <a:lumMod val="75000"/>
+                  </a:schemeClr>
+                </a:solidFill>
+              </a:rPr>
+              <a:t> </a:t>
+            </a:r>
+            <a:r>
+              <a:rPr lang="en-US" dirty="0">
+                <a:solidFill>
+                  <a:schemeClr val="accent1">
+                    <a:lumMod val="75000"/>
+                  </a:schemeClr>
+                </a:solidFill>
+              </a:rPr>
+              <a:t>)=P(</a:t>
+            </a:r>
+            <a:r>
+              <a:rPr lang="en-US" dirty="0" smtClean="0">
+                <a:solidFill>
+                  <a:schemeClr val="accent1">
+                    <a:lumMod val="75000"/>
+                  </a:schemeClr>
+                </a:solidFill>
+              </a:rPr>
+              <a:t>A)P(A|B) + P(Not B)</a:t>
+            </a:r>
+            <a:r>
+              <a:rPr lang="en-US" dirty="0">
+                <a:solidFill>
+                  <a:schemeClr val="accent1">
+                    <a:lumMod val="75000"/>
+                  </a:schemeClr>
+                </a:solidFill>
+              </a:rPr>
+              <a:t>P</a:t>
+            </a:r>
+            <a:r>
+              <a:rPr lang="en-US" dirty="0" smtClean="0">
+                <a:solidFill>
+                  <a:schemeClr val="accent1">
+                    <a:lumMod val="75000"/>
+                  </a:schemeClr>
+                </a:solidFill>
+              </a:rPr>
+              <a:t>(</a:t>
+            </a:r>
+            <a:r>
+              <a:rPr lang="en-US" dirty="0" err="1">
+                <a:solidFill>
+                  <a:schemeClr val="accent1">
+                    <a:lumMod val="75000"/>
+                  </a:schemeClr>
+                </a:solidFill>
+              </a:rPr>
+              <a:t>B</a:t>
+            </a:r>
+            <a:r>
+              <a:rPr lang="en-US" dirty="0" err="1" smtClean="0">
+                <a:solidFill>
+                  <a:schemeClr val="accent1">
+                    <a:lumMod val="75000"/>
+                  </a:schemeClr>
+                </a:solidFill>
+              </a:rPr>
+              <a:t>|Not</a:t>
+            </a:r>
+            <a:r>
+              <a:rPr lang="en-US" dirty="0" smtClean="0">
+                <a:solidFill>
+                  <a:schemeClr val="accent1">
+                    <a:lumMod val="75000"/>
+                  </a:schemeClr>
+                </a:solidFill>
+              </a:rPr>
+              <a:t> A)</a:t>
+            </a:r>
+          </a:p>
+          <a:p>
+            <a:pPr marL="285750" indent="-285750">
               <a:buFont typeface="Symbol" charset="0"/>
               <a:buChar char=""/>
             </a:pPr>
-            <a:r>
-              <a:rPr lang="en-US" dirty="0" smtClean="0">
-                <a:solidFill>
-                  <a:schemeClr val="accent1">
-                    <a:lumMod val="75000"/>
-                  </a:schemeClr>
-                </a:solidFill>
-              </a:rPr>
-              <a:t>Factorization:      </a:t>
-            </a:r>
-            <a:r>
-              <a:rPr lang="en-US" dirty="0">
-                <a:solidFill>
-                  <a:schemeClr val="accent1">
-                    <a:lumMod val="75000"/>
-                  </a:schemeClr>
-                </a:solidFill>
-              </a:rPr>
-              <a:t>P(</a:t>
-            </a:r>
-            <a:r>
-              <a:rPr lang="en-US" dirty="0" err="1">
-                <a:solidFill>
-                  <a:schemeClr val="accent1">
-                    <a:lumMod val="75000"/>
-                  </a:schemeClr>
-                </a:solidFill>
-              </a:rPr>
-              <a:t>A</a:t>
-            </a:r>
-            <a:r>
-              <a:rPr lang="en-US" baseline="-25000" dirty="0" err="1">
-                <a:solidFill>
-                  <a:schemeClr val="accent1">
-                    <a:lumMod val="75000"/>
-                  </a:schemeClr>
-                </a:solidFill>
-              </a:rPr>
-              <a:t>i</a:t>
-            </a:r>
-            <a:r>
-              <a:rPr lang="en-US" dirty="0" err="1">
-                <a:solidFill>
-                  <a:schemeClr val="accent1">
-                    <a:lumMod val="75000"/>
-                  </a:schemeClr>
-                </a:solidFill>
-              </a:rPr>
-              <a:t>&amp;</a:t>
-            </a:r>
-            <a:r>
-              <a:rPr lang="en-US" dirty="0" err="1" smtClean="0">
-                <a:solidFill>
-                  <a:schemeClr val="accent1">
-                    <a:lumMod val="75000"/>
-                  </a:schemeClr>
-                </a:solidFill>
-              </a:rPr>
-              <a:t>A</a:t>
-            </a:r>
-            <a:r>
-              <a:rPr lang="en-US" baseline="-25000" dirty="0" err="1">
-                <a:solidFill>
-                  <a:schemeClr val="accent1">
-                    <a:lumMod val="75000"/>
-                  </a:schemeClr>
-                </a:solidFill>
-              </a:rPr>
-              <a:t>j</a:t>
-            </a:r>
-            <a:r>
-              <a:rPr lang="en-US" baseline="-25000" dirty="0" smtClean="0">
-                <a:solidFill>
-                  <a:schemeClr val="accent1">
-                    <a:lumMod val="75000"/>
-                  </a:schemeClr>
-                </a:solidFill>
-              </a:rPr>
-              <a:t> </a:t>
-            </a:r>
-            <a:r>
-              <a:rPr lang="en-US" dirty="0">
-                <a:solidFill>
-                  <a:schemeClr val="accent1">
-                    <a:lumMod val="75000"/>
-                  </a:schemeClr>
-                </a:solidFill>
-              </a:rPr>
-              <a:t>)=P(</a:t>
-            </a:r>
-            <a:r>
-              <a:rPr lang="en-US" dirty="0" smtClean="0">
-                <a:solidFill>
-                  <a:schemeClr val="accent1">
-                    <a:lumMod val="75000"/>
-                  </a:schemeClr>
-                </a:solidFill>
-              </a:rPr>
-              <a:t>A</a:t>
-            </a:r>
-            <a:r>
-              <a:rPr lang="en-US" baseline="-25000" dirty="0" smtClean="0">
-                <a:solidFill>
-                  <a:schemeClr val="accent1">
-                    <a:lumMod val="75000"/>
-                  </a:schemeClr>
-                </a:solidFill>
-              </a:rPr>
-              <a:t>i</a:t>
-            </a:r>
-            <a:r>
-              <a:rPr lang="en-US" dirty="0" smtClean="0">
-                <a:solidFill>
-                  <a:schemeClr val="accent1">
-                    <a:lumMod val="75000"/>
-                  </a:schemeClr>
-                </a:solidFill>
-              </a:rPr>
-              <a:t>)</a:t>
-            </a:r>
-            <a:r>
-              <a:rPr lang="en-US" dirty="0">
-                <a:solidFill>
-                  <a:schemeClr val="accent1">
-                    <a:lumMod val="75000"/>
-                  </a:schemeClr>
-                </a:solidFill>
-              </a:rPr>
-              <a:t> P</a:t>
-            </a:r>
-            <a:r>
-              <a:rPr lang="en-US" dirty="0" smtClean="0">
-                <a:solidFill>
-                  <a:schemeClr val="accent1">
-                    <a:lumMod val="75000"/>
-                  </a:schemeClr>
-                </a:solidFill>
-              </a:rPr>
-              <a:t>(</a:t>
-            </a:r>
-            <a:r>
-              <a:rPr lang="en-US" dirty="0" err="1">
-                <a:solidFill>
-                  <a:schemeClr val="accent1">
-                    <a:lumMod val="75000"/>
-                  </a:schemeClr>
-                </a:solidFill>
-              </a:rPr>
-              <a:t>A</a:t>
-            </a:r>
-            <a:r>
-              <a:rPr lang="en-US" baseline="-25000" dirty="0" err="1">
-                <a:solidFill>
-                  <a:schemeClr val="accent1">
-                    <a:lumMod val="75000"/>
-                  </a:schemeClr>
-                </a:solidFill>
-              </a:rPr>
-              <a:t>j</a:t>
-            </a:r>
-            <a:r>
-              <a:rPr lang="en-US" baseline="-25000" dirty="0">
-                <a:solidFill>
-                  <a:schemeClr val="accent1">
-                    <a:lumMod val="75000"/>
-                  </a:schemeClr>
-                </a:solidFill>
-              </a:rPr>
-              <a:t> </a:t>
-            </a:r>
-            <a:r>
-              <a:rPr lang="en-US" dirty="0" smtClean="0">
-                <a:solidFill>
-                  <a:schemeClr val="accent1">
-                    <a:lumMod val="75000"/>
-                  </a:schemeClr>
-                </a:solidFill>
-              </a:rPr>
-              <a:t>|A</a:t>
-            </a:r>
-            <a:r>
-              <a:rPr lang="en-US" baseline="-25000" dirty="0" smtClean="0">
-                <a:solidFill>
-                  <a:schemeClr val="accent1">
-                    <a:lumMod val="75000"/>
-                  </a:schemeClr>
-                </a:solidFill>
-              </a:rPr>
-              <a:t>i</a:t>
-            </a:r>
-            <a:r>
-              <a:rPr lang="en-US" dirty="0" smtClean="0">
-                <a:solidFill>
-                  <a:schemeClr val="accent1">
-                    <a:lumMod val="75000"/>
-                  </a:schemeClr>
-                </a:solidFill>
-              </a:rPr>
-              <a:t>)=</a:t>
-            </a:r>
-            <a:r>
-              <a:rPr lang="en-US" dirty="0">
-                <a:solidFill>
-                  <a:schemeClr val="accent1">
-                    <a:lumMod val="75000"/>
-                  </a:schemeClr>
-                </a:solidFill>
-              </a:rPr>
-              <a:t>P(</a:t>
-            </a:r>
-            <a:r>
-              <a:rPr lang="en-US" dirty="0" err="1" smtClean="0">
-                <a:solidFill>
-                  <a:schemeClr val="accent1">
-                    <a:lumMod val="75000"/>
-                  </a:schemeClr>
-                </a:solidFill>
-              </a:rPr>
-              <a:t>A</a:t>
-            </a:r>
-            <a:r>
-              <a:rPr lang="en-US" baseline="-25000" dirty="0" err="1" smtClean="0">
-                <a:solidFill>
-                  <a:schemeClr val="accent1">
-                    <a:lumMod val="75000"/>
-                  </a:schemeClr>
-                </a:solidFill>
-              </a:rPr>
-              <a:t>j</a:t>
-            </a:r>
-            <a:r>
-              <a:rPr lang="en-US" dirty="0" smtClean="0">
-                <a:solidFill>
-                  <a:schemeClr val="accent1">
-                    <a:lumMod val="75000"/>
-                  </a:schemeClr>
-                </a:solidFill>
-              </a:rPr>
-              <a:t>)P</a:t>
-            </a:r>
-            <a:r>
-              <a:rPr lang="en-US" dirty="0">
-                <a:solidFill>
-                  <a:schemeClr val="accent1">
-                    <a:lumMod val="75000"/>
-                  </a:schemeClr>
-                </a:solidFill>
-              </a:rPr>
-              <a:t>(</a:t>
-            </a:r>
-            <a:r>
-              <a:rPr lang="en-US" dirty="0" err="1" smtClean="0">
-                <a:solidFill>
-                  <a:schemeClr val="accent1">
-                    <a:lumMod val="75000"/>
-                  </a:schemeClr>
-                </a:solidFill>
-              </a:rPr>
-              <a:t>A</a:t>
-            </a:r>
-            <a:r>
-              <a:rPr lang="en-US" baseline="-25000" dirty="0" err="1" smtClean="0">
-                <a:solidFill>
-                  <a:schemeClr val="accent1">
-                    <a:lumMod val="75000"/>
-                  </a:schemeClr>
-                </a:solidFill>
-              </a:rPr>
-              <a:t>i</a:t>
-            </a:r>
-            <a:r>
-              <a:rPr lang="en-US" dirty="0" err="1" smtClean="0">
-                <a:solidFill>
-                  <a:schemeClr val="accent1">
-                    <a:lumMod val="75000"/>
-                  </a:schemeClr>
-                </a:solidFill>
-              </a:rPr>
-              <a:t>|A</a:t>
-            </a:r>
-            <a:r>
-              <a:rPr lang="en-US" baseline="-25000" dirty="0" err="1" smtClean="0">
-                <a:solidFill>
-                  <a:schemeClr val="accent1">
-                    <a:lumMod val="75000"/>
-                  </a:schemeClr>
-                </a:solidFill>
-              </a:rPr>
-              <a:t>j</a:t>
-            </a:r>
-            <a:r>
-              <a:rPr lang="en-US" dirty="0" smtClean="0">
-                <a:solidFill>
-                  <a:schemeClr val="accent1">
-                    <a:lumMod val="75000"/>
-                  </a:schemeClr>
-                </a:solidFill>
-              </a:rPr>
-              <a:t>)</a:t>
-            </a:r>
-          </a:p>
-          <a:p>
-            <a:pPr marL="742950" lvl="1" indent="-285750">
-              <a:buFont typeface="Symbol" charset="0"/>
-              <a:buChar char=""/>
-            </a:pPr>
-            <a:r>
-              <a:rPr lang="en-US" dirty="0" smtClean="0">
-                <a:solidFill>
-                  <a:schemeClr val="accent1">
-                    <a:lumMod val="75000"/>
-                  </a:schemeClr>
-                </a:solidFill>
-              </a:rPr>
-              <a:t>Law of total probability: </a:t>
-            </a:r>
-            <a:r>
-              <a:rPr lang="en-US" dirty="0">
-                <a:solidFill>
-                  <a:schemeClr val="accent1">
-                    <a:lumMod val="75000"/>
-                  </a:schemeClr>
-                </a:solidFill>
-              </a:rPr>
-              <a:t>P(</a:t>
-            </a:r>
-            <a:r>
-              <a:rPr lang="en-US" dirty="0" smtClean="0">
-                <a:solidFill>
-                  <a:schemeClr val="accent1">
-                    <a:lumMod val="75000"/>
-                  </a:schemeClr>
-                </a:solidFill>
-              </a:rPr>
-              <a:t>A</a:t>
-            </a:r>
-            <a:r>
-              <a:rPr lang="en-US" baseline="-25000" dirty="0" smtClean="0">
-                <a:solidFill>
-                  <a:schemeClr val="accent1">
-                    <a:lumMod val="75000"/>
-                  </a:schemeClr>
-                </a:solidFill>
-              </a:rPr>
-              <a:t>i </a:t>
-            </a:r>
-            <a:r>
-              <a:rPr lang="en-US" dirty="0">
-                <a:solidFill>
-                  <a:schemeClr val="accent1">
-                    <a:lumMod val="75000"/>
-                  </a:schemeClr>
-                </a:solidFill>
-              </a:rPr>
-              <a:t>)=P(</a:t>
-            </a:r>
-            <a:r>
-              <a:rPr lang="en-US" dirty="0" err="1" smtClean="0">
-                <a:solidFill>
-                  <a:schemeClr val="accent1">
-                    <a:lumMod val="75000"/>
-                  </a:schemeClr>
-                </a:solidFill>
-              </a:rPr>
-              <a:t>A</a:t>
-            </a:r>
-            <a:r>
-              <a:rPr lang="en-US" baseline="-25000" dirty="0" err="1" smtClean="0">
-                <a:solidFill>
-                  <a:schemeClr val="accent1">
-                    <a:lumMod val="75000"/>
-                  </a:schemeClr>
-                </a:solidFill>
-              </a:rPr>
-              <a:t>j</a:t>
-            </a:r>
-            <a:r>
-              <a:rPr lang="en-US" dirty="0" smtClean="0">
-                <a:solidFill>
-                  <a:schemeClr val="accent1">
-                    <a:lumMod val="75000"/>
-                  </a:schemeClr>
-                </a:solidFill>
-              </a:rPr>
-              <a:t>)P</a:t>
-            </a:r>
-            <a:r>
-              <a:rPr lang="en-US" dirty="0">
-                <a:solidFill>
-                  <a:schemeClr val="accent1">
-                    <a:lumMod val="75000"/>
-                  </a:schemeClr>
-                </a:solidFill>
-              </a:rPr>
-              <a:t>(</a:t>
-            </a:r>
-            <a:r>
-              <a:rPr lang="en-US" dirty="0" err="1" smtClean="0">
-                <a:solidFill>
-                  <a:schemeClr val="accent1">
-                    <a:lumMod val="75000"/>
-                  </a:schemeClr>
-                </a:solidFill>
-              </a:rPr>
-              <a:t>A</a:t>
-            </a:r>
-            <a:r>
-              <a:rPr lang="en-US" baseline="-25000" dirty="0" err="1" smtClean="0">
-                <a:solidFill>
-                  <a:schemeClr val="accent1">
-                    <a:lumMod val="75000"/>
-                  </a:schemeClr>
-                </a:solidFill>
-              </a:rPr>
-              <a:t>i</a:t>
-            </a:r>
-            <a:r>
-              <a:rPr lang="en-US" dirty="0" err="1" smtClean="0">
-                <a:solidFill>
-                  <a:schemeClr val="accent1">
-                    <a:lumMod val="75000"/>
-                  </a:schemeClr>
-                </a:solidFill>
-              </a:rPr>
-              <a:t>|A</a:t>
-            </a:r>
-            <a:r>
-              <a:rPr lang="en-US" baseline="-25000" dirty="0" err="1" smtClean="0">
-                <a:solidFill>
-                  <a:schemeClr val="accent1">
-                    <a:lumMod val="75000"/>
-                  </a:schemeClr>
-                </a:solidFill>
-              </a:rPr>
-              <a:t>j</a:t>
-            </a:r>
-            <a:r>
-              <a:rPr lang="en-US" dirty="0" smtClean="0">
-                <a:solidFill>
-                  <a:schemeClr val="accent1">
-                    <a:lumMod val="75000"/>
-                  </a:schemeClr>
-                </a:solidFill>
-              </a:rPr>
-              <a:t>)+P(Not </a:t>
-            </a:r>
-            <a:r>
-              <a:rPr lang="en-US" dirty="0" err="1" smtClean="0">
-                <a:solidFill>
-                  <a:schemeClr val="accent1">
-                    <a:lumMod val="75000"/>
-                  </a:schemeClr>
-                </a:solidFill>
-              </a:rPr>
-              <a:t>A</a:t>
-            </a:r>
-            <a:r>
-              <a:rPr lang="en-US" baseline="-25000" dirty="0" err="1" smtClean="0">
-                <a:solidFill>
-                  <a:schemeClr val="accent1">
-                    <a:lumMod val="75000"/>
-                  </a:schemeClr>
-                </a:solidFill>
-              </a:rPr>
-              <a:t>j</a:t>
-            </a:r>
-            <a:r>
-              <a:rPr lang="en-US" dirty="0">
-                <a:solidFill>
-                  <a:schemeClr val="accent1">
-                    <a:lumMod val="75000"/>
-                  </a:schemeClr>
-                </a:solidFill>
-              </a:rPr>
-              <a:t>)P(</a:t>
-            </a:r>
-            <a:r>
-              <a:rPr lang="en-US" dirty="0" err="1">
-                <a:solidFill>
-                  <a:schemeClr val="accent1">
-                    <a:lumMod val="75000"/>
-                  </a:schemeClr>
-                </a:solidFill>
-              </a:rPr>
-              <a:t>A</a:t>
-            </a:r>
-            <a:r>
-              <a:rPr lang="en-US" baseline="-25000" dirty="0" err="1">
-                <a:solidFill>
-                  <a:schemeClr val="accent1">
-                    <a:lumMod val="75000"/>
-                  </a:schemeClr>
-                </a:solidFill>
-              </a:rPr>
-              <a:t>i</a:t>
-            </a:r>
-            <a:r>
-              <a:rPr lang="en-US" dirty="0" err="1" smtClean="0">
-                <a:solidFill>
-                  <a:schemeClr val="accent1">
-                    <a:lumMod val="75000"/>
-                  </a:schemeClr>
-                </a:solidFill>
-              </a:rPr>
-              <a:t>|Not</a:t>
-            </a:r>
-            <a:r>
-              <a:rPr lang="en-US" dirty="0" smtClean="0">
-                <a:solidFill>
-                  <a:schemeClr val="accent1">
-                    <a:lumMod val="75000"/>
-                  </a:schemeClr>
-                </a:solidFill>
-              </a:rPr>
-              <a:t> </a:t>
-            </a:r>
-            <a:r>
-              <a:rPr lang="en-US" dirty="0" err="1" smtClean="0">
-                <a:solidFill>
-                  <a:schemeClr val="accent1">
-                    <a:lumMod val="75000"/>
-                  </a:schemeClr>
-                </a:solidFill>
-              </a:rPr>
-              <a:t>A</a:t>
-            </a:r>
-            <a:r>
-              <a:rPr lang="en-US" baseline="-25000" dirty="0" err="1" smtClean="0">
-                <a:solidFill>
-                  <a:schemeClr val="accent1">
-                    <a:lumMod val="75000"/>
-                  </a:schemeClr>
-                </a:solidFill>
-              </a:rPr>
-              <a:t>j</a:t>
-            </a:r>
-            <a:r>
-              <a:rPr lang="en-US" dirty="0">
-                <a:solidFill>
-                  <a:schemeClr val="accent1">
-                    <a:lumMod val="75000"/>
-                  </a:schemeClr>
-                </a:solidFill>
-              </a:rPr>
-              <a:t>)</a:t>
-            </a:r>
-          </a:p>
-          <a:p>
-            <a:pPr lvl="1"/>
             <a:endParaRPr lang="en-US" dirty="0">
               <a:solidFill>
                 <a:schemeClr val="accent1">
@@ -5136,24 +5225,21 @@
             </a:endParaRPr>
           </a:p>
           <a:p>
-            <a:pPr marL="742950" lvl="1" indent="-285750">
+            <a:pPr marL="285750" indent="-285750">
               <a:buFont typeface="Symbol" charset="0"/>
               <a:buChar char=""/>
             </a:pPr>
-            <a:endParaRPr lang="en-US" dirty="0" smtClean="0">
-              <a:solidFill>
-                <a:schemeClr val="accent1">
-                  <a:lumMod val="75000"/>
-                </a:schemeClr>
-              </a:solidFill>
-            </a:endParaRPr>
-          </a:p>
-          <a:p>
-            <a:pPr marL="742950" lvl="1" indent="-285750">
-              <a:buFont typeface="Symbol" charset="0"/>
-              <a:buChar char=""/>
-            </a:pPr>
-            <a:endParaRPr lang="en-US" dirty="0" smtClean="0">
+            <a:r>
+              <a:rPr lang="en-US" dirty="0" smtClean="0">
+                <a:solidFill>
+                  <a:schemeClr val="accent1">
+                    <a:lumMod val="75000"/>
+                  </a:schemeClr>
+                </a:solidFill>
+              </a:rPr>
+              <a:t>Bayes rule:     p(A|B)=P(B|A)P(A)/P(B)</a:t>
+            </a:r>
+            <a:endParaRPr lang="en-US" dirty="0">
               <a:solidFill>
                 <a:schemeClr val="accent1">
                   <a:lumMod val="75000"/>
@@ -5176,9 +5262,6676 @@
   <p:timing>
     <p:tnLst>
       <p:par>
-        <p:cTn xmlns:p14="http://schemas.microsoft.com/office/powerpoint/2010/main" id="1" dur="indefinite" restart="never" nodeType="tmRoot"/>
+        <p:cTn xmlns:p14="http://schemas.microsoft.com/office/powerpoint/2010/main" id="1" dur="indefinite" restart="never" nodeType="tmRoot">
+          <p:childTnLst>
+            <p:seq concurrent="1" nextAc="seek">
+              <p:cTn id="2" dur="indefinite" nodeType="mainSeq">
+                <p:childTnLst>
+                  <p:par>
+                    <p:cTn id="3" fill="hold">
+                      <p:stCondLst>
+                        <p:cond delay="indefinite"/>
+                      </p:stCondLst>
+                      <p:childTnLst>
+                        <p:par>
+                          <p:cTn id="4" fill="hold">
+                            <p:stCondLst>
+                              <p:cond delay="0"/>
+                            </p:stCondLst>
+                            <p:childTnLst>
+                              <p:par>
+                                <p:cTn id="5" presetID="3" presetClass="entr" presetSubtype="10" fill="hold" grpId="0" nodeType="clickEffect">
+                                  <p:stCondLst>
+                                    <p:cond delay="0"/>
+                                  </p:stCondLst>
+                                  <p:childTnLst>
+                                    <p:set>
+                                      <p:cBhvr>
+                                        <p:cTn id="6" dur="1" fill="hold">
+                                          <p:stCondLst>
+                                            <p:cond delay="0"/>
+                                          </p:stCondLst>
+                                        </p:cTn>
+                                        <p:tgtEl>
+                                          <p:spTgt spid="6">
+                                            <p:bg/>
+                                          </p:spTgt>
+                                        </p:tgtEl>
+                                        <p:attrNameLst>
+                                          <p:attrName>style.visibility</p:attrName>
+                                        </p:attrNameLst>
+                                      </p:cBhvr>
+                                      <p:to>
+                                        <p:strVal val="visible"/>
+                                      </p:to>
+                                    </p:set>
+                                    <p:animEffect transition="in" filter="blinds(horizontal)">
+                                      <p:cBhvr>
+                                        <p:cTn id="7" dur="500"/>
+                                        <p:tgtEl>
+                                          <p:spTgt spid="6">
+                                            <p:bg/>
+                                          </p:spTgt>
+                                        </p:tgtEl>
+                                      </p:cBhvr>
+                                    </p:animEffect>
+                                  </p:childTnLst>
+                                </p:cTn>
+                              </p:par>
+                            </p:childTnLst>
+                          </p:cTn>
+                        </p:par>
+                      </p:childTnLst>
+                    </p:cTn>
+                  </p:par>
+                  <p:par>
+                    <p:cTn id="8" fill="hold">
+                      <p:stCondLst>
+                        <p:cond delay="indefinite"/>
+                      </p:stCondLst>
+                      <p:childTnLst>
+                        <p:par>
+                          <p:cTn id="9" fill="hold">
+                            <p:stCondLst>
+                              <p:cond delay="0"/>
+                            </p:stCondLst>
+                            <p:childTnLst>
+                              <p:par>
+                                <p:cTn id="10" presetID="3" presetClass="entr" presetSubtype="10" fill="hold" grpId="0" nodeType="clickEffect">
+                                  <p:stCondLst>
+                                    <p:cond delay="0"/>
+                                  </p:stCondLst>
+                                  <p:childTnLst>
+                                    <p:set>
+                                      <p:cBhvr>
+                                        <p:cTn id="11" dur="1" fill="hold">
+                                          <p:stCondLst>
+                                            <p:cond delay="0"/>
+                                          </p:stCondLst>
+                                        </p:cTn>
+                                        <p:tgtEl>
+                                          <p:spTgt spid="6">
+                                            <p:txEl>
+                                              <p:pRg st="0" end="0"/>
+                                            </p:txEl>
+                                          </p:spTgt>
+                                        </p:tgtEl>
+                                        <p:attrNameLst>
+                                          <p:attrName>style.visibility</p:attrName>
+                                        </p:attrNameLst>
+                                      </p:cBhvr>
+                                      <p:to>
+                                        <p:strVal val="visible"/>
+                                      </p:to>
+                                    </p:set>
+                                    <p:animEffect transition="in" filter="blinds(horizontal)">
+                                      <p:cBhvr>
+                                        <p:cTn id="12" dur="500"/>
+                                        <p:tgtEl>
+                                          <p:spTgt spid="6">
+                                            <p:txEl>
+                                              <p:pRg st="0" end="0"/>
+                                            </p:txEl>
+                                          </p:spTgt>
+                                        </p:tgtEl>
+                                      </p:cBhvr>
+                                    </p:animEffect>
+                                  </p:childTnLst>
+                                </p:cTn>
+                              </p:par>
+                            </p:childTnLst>
+                          </p:cTn>
+                        </p:par>
+                      </p:childTnLst>
+                    </p:cTn>
+                  </p:par>
+                  <p:par>
+                    <p:cTn id="13" fill="hold">
+                      <p:stCondLst>
+                        <p:cond delay="indefinite"/>
+                      </p:stCondLst>
+                      <p:childTnLst>
+                        <p:par>
+                          <p:cTn id="14" fill="hold">
+                            <p:stCondLst>
+                              <p:cond delay="0"/>
+                            </p:stCondLst>
+                            <p:childTnLst>
+                              <p:par>
+                                <p:cTn id="15" presetID="3" presetClass="entr" presetSubtype="10" fill="hold" grpId="0" nodeType="clickEffect">
+                                  <p:stCondLst>
+                                    <p:cond delay="0"/>
+                                  </p:stCondLst>
+                                  <p:childTnLst>
+                                    <p:set>
+                                      <p:cBhvr>
+                                        <p:cTn id="16" dur="1" fill="hold">
+                                          <p:stCondLst>
+                                            <p:cond delay="0"/>
+                                          </p:stCondLst>
+                                        </p:cTn>
+                                        <p:tgtEl>
+                                          <p:spTgt spid="6">
+                                            <p:txEl>
+                                              <p:pRg st="2" end="2"/>
+                                            </p:txEl>
+                                          </p:spTgt>
+                                        </p:tgtEl>
+                                        <p:attrNameLst>
+                                          <p:attrName>style.visibility</p:attrName>
+                                        </p:attrNameLst>
+                                      </p:cBhvr>
+                                      <p:to>
+                                        <p:strVal val="visible"/>
+                                      </p:to>
+                                    </p:set>
+                                    <p:animEffect transition="in" filter="blinds(horizontal)">
+                                      <p:cBhvr>
+                                        <p:cTn id="17" dur="500"/>
+                                        <p:tgtEl>
+                                          <p:spTgt spid="6">
+                                            <p:txEl>
+                                              <p:pRg st="2" end="2"/>
+                                            </p:txEl>
+                                          </p:spTgt>
+                                        </p:tgtEl>
+                                      </p:cBhvr>
+                                    </p:animEffect>
+                                  </p:childTnLst>
+                                </p:cTn>
+                              </p:par>
+                            </p:childTnLst>
+                          </p:cTn>
+                        </p:par>
+                      </p:childTnLst>
+                    </p:cTn>
+                  </p:par>
+                  <p:par>
+                    <p:cTn id="18" fill="hold">
+                      <p:stCondLst>
+                        <p:cond delay="indefinite"/>
+                      </p:stCondLst>
+                      <p:childTnLst>
+                        <p:par>
+                          <p:cTn id="19" fill="hold">
+                            <p:stCondLst>
+                              <p:cond delay="0"/>
+                            </p:stCondLst>
+                            <p:childTnLst>
+                              <p:par>
+                                <p:cTn id="20" presetID="3" presetClass="entr" presetSubtype="10" fill="hold" grpId="0" nodeType="clickEffect">
+                                  <p:stCondLst>
+                                    <p:cond delay="0"/>
+                                  </p:stCondLst>
+                                  <p:childTnLst>
+                                    <p:set>
+                                      <p:cBhvr>
+                                        <p:cTn id="21" dur="1" fill="hold">
+                                          <p:stCondLst>
+                                            <p:cond delay="0"/>
+                                          </p:stCondLst>
+                                        </p:cTn>
+                                        <p:tgtEl>
+                                          <p:spTgt spid="6">
+                                            <p:txEl>
+                                              <p:pRg st="3" end="3"/>
+                                            </p:txEl>
+                                          </p:spTgt>
+                                        </p:tgtEl>
+                                        <p:attrNameLst>
+                                          <p:attrName>style.visibility</p:attrName>
+                                        </p:attrNameLst>
+                                      </p:cBhvr>
+                                      <p:to>
+                                        <p:strVal val="visible"/>
+                                      </p:to>
+                                    </p:set>
+                                    <p:animEffect transition="in" filter="blinds(horizontal)">
+                                      <p:cBhvr>
+                                        <p:cTn id="22" dur="500"/>
+                                        <p:tgtEl>
+                                          <p:spTgt spid="6">
+                                            <p:txEl>
+                                              <p:pRg st="3" end="3"/>
+                                            </p:txEl>
+                                          </p:spTgt>
+                                        </p:tgtEl>
+                                      </p:cBhvr>
+                                    </p:animEffect>
+                                  </p:childTnLst>
+                                </p:cTn>
+                              </p:par>
+                            </p:childTnLst>
+                          </p:cTn>
+                        </p:par>
+                      </p:childTnLst>
+                    </p:cTn>
+                  </p:par>
+                  <p:par>
+                    <p:cTn id="23" fill="hold">
+                      <p:stCondLst>
+                        <p:cond delay="indefinite"/>
+                      </p:stCondLst>
+                      <p:childTnLst>
+                        <p:par>
+                          <p:cTn id="24" fill="hold">
+                            <p:stCondLst>
+                              <p:cond delay="0"/>
+                            </p:stCondLst>
+                            <p:childTnLst>
+                              <p:par>
+                                <p:cTn id="25" presetID="3" presetClass="entr" presetSubtype="10" fill="hold" grpId="0" nodeType="clickEffect">
+                                  <p:stCondLst>
+                                    <p:cond delay="0"/>
+                                  </p:stCondLst>
+                                  <p:childTnLst>
+                                    <p:set>
+                                      <p:cBhvr>
+                                        <p:cTn id="26" dur="1" fill="hold">
+                                          <p:stCondLst>
+                                            <p:cond delay="0"/>
+                                          </p:stCondLst>
+                                        </p:cTn>
+                                        <p:tgtEl>
+                                          <p:spTgt spid="6">
+                                            <p:txEl>
+                                              <p:pRg st="4" end="4"/>
+                                            </p:txEl>
+                                          </p:spTgt>
+                                        </p:tgtEl>
+                                        <p:attrNameLst>
+                                          <p:attrName>style.visibility</p:attrName>
+                                        </p:attrNameLst>
+                                      </p:cBhvr>
+                                      <p:to>
+                                        <p:strVal val="visible"/>
+                                      </p:to>
+                                    </p:set>
+                                    <p:animEffect transition="in" filter="blinds(horizontal)">
+                                      <p:cBhvr>
+                                        <p:cTn id="27" dur="500"/>
+                                        <p:tgtEl>
+                                          <p:spTgt spid="6">
+                                            <p:txEl>
+                                              <p:pRg st="4" end="4"/>
+                                            </p:txEl>
+                                          </p:spTgt>
+                                        </p:tgtEl>
+                                      </p:cBhvr>
+                                    </p:animEffect>
+                                  </p:childTnLst>
+                                </p:cTn>
+                              </p:par>
+                            </p:childTnLst>
+                          </p:cTn>
+                        </p:par>
+                      </p:childTnLst>
+                    </p:cTn>
+                  </p:par>
+                  <p:par>
+                    <p:cTn id="28" fill="hold">
+                      <p:stCondLst>
+                        <p:cond delay="indefinite"/>
+                      </p:stCondLst>
+                      <p:childTnLst>
+                        <p:par>
+                          <p:cTn id="29" fill="hold">
+                            <p:stCondLst>
+                              <p:cond delay="0"/>
+                            </p:stCondLst>
+                            <p:childTnLst>
+                              <p:par>
+                                <p:cTn id="30" presetID="3" presetClass="entr" presetSubtype="10" fill="hold" grpId="0" nodeType="clickEffect">
+                                  <p:stCondLst>
+                                    <p:cond delay="0"/>
+                                  </p:stCondLst>
+                                  <p:childTnLst>
+                                    <p:set>
+                                      <p:cBhvr>
+                                        <p:cTn id="31" dur="1" fill="hold">
+                                          <p:stCondLst>
+                                            <p:cond delay="0"/>
+                                          </p:stCondLst>
+                                        </p:cTn>
+                                        <p:tgtEl>
+                                          <p:spTgt spid="6">
+                                            <p:txEl>
+                                              <p:pRg st="5" end="5"/>
+                                            </p:txEl>
+                                          </p:spTgt>
+                                        </p:tgtEl>
+                                        <p:attrNameLst>
+                                          <p:attrName>style.visibility</p:attrName>
+                                        </p:attrNameLst>
+                                      </p:cBhvr>
+                                      <p:to>
+                                        <p:strVal val="visible"/>
+                                      </p:to>
+                                    </p:set>
+                                    <p:animEffect transition="in" filter="blinds(horizontal)">
+                                      <p:cBhvr>
+                                        <p:cTn id="32" dur="500"/>
+                                        <p:tgtEl>
+                                          <p:spTgt spid="6">
+                                            <p:txEl>
+                                              <p:pRg st="5" end="5"/>
+                                            </p:txEl>
+                                          </p:spTgt>
+                                        </p:tgtEl>
+                                      </p:cBhvr>
+                                    </p:animEffect>
+                                  </p:childTnLst>
+                                </p:cTn>
+                              </p:par>
+                            </p:childTnLst>
+                          </p:cTn>
+                        </p:par>
+                      </p:childTnLst>
+                    </p:cTn>
+                  </p:par>
+                  <p:par>
+                    <p:cTn id="33" fill="hold">
+                      <p:stCondLst>
+                        <p:cond delay="indefinite"/>
+                      </p:stCondLst>
+                      <p:childTnLst>
+                        <p:par>
+                          <p:cTn id="34" fill="hold">
+                            <p:stCondLst>
+                              <p:cond delay="0"/>
+                            </p:stCondLst>
+                            <p:childTnLst>
+                              <p:par>
+                                <p:cTn id="35" presetID="3" presetClass="entr" presetSubtype="10" fill="hold" grpId="0" nodeType="clickEffect">
+                                  <p:stCondLst>
+                                    <p:cond delay="0"/>
+                                  </p:stCondLst>
+                                  <p:childTnLst>
+                                    <p:set>
+                                      <p:cBhvr>
+                                        <p:cTn id="36" dur="1" fill="hold">
+                                          <p:stCondLst>
+                                            <p:cond delay="0"/>
+                                          </p:stCondLst>
+                                        </p:cTn>
+                                        <p:tgtEl>
+                                          <p:spTgt spid="6">
+                                            <p:txEl>
+                                              <p:pRg st="6" end="6"/>
+                                            </p:txEl>
+                                          </p:spTgt>
+                                        </p:tgtEl>
+                                        <p:attrNameLst>
+                                          <p:attrName>style.visibility</p:attrName>
+                                        </p:attrNameLst>
+                                      </p:cBhvr>
+                                      <p:to>
+                                        <p:strVal val="visible"/>
+                                      </p:to>
+                                    </p:set>
+                                    <p:animEffect transition="in" filter="blinds(horizontal)">
+                                      <p:cBhvr>
+                                        <p:cTn id="37" dur="500"/>
+                                        <p:tgtEl>
+                                          <p:spTgt spid="6">
+                                            <p:txEl>
+                                              <p:pRg st="6" end="6"/>
+                                            </p:txEl>
+                                          </p:spTgt>
+                                        </p:tgtEl>
+                                      </p:cBhvr>
+                                    </p:animEffect>
+                                  </p:childTnLst>
+                                </p:cTn>
+                              </p:par>
+                            </p:childTnLst>
+                          </p:cTn>
+                        </p:par>
+                      </p:childTnLst>
+                    </p:cTn>
+                  </p:par>
+                  <p:par>
+                    <p:cTn id="38" fill="hold">
+                      <p:stCondLst>
+                        <p:cond delay="indefinite"/>
+                      </p:stCondLst>
+                      <p:childTnLst>
+                        <p:par>
+                          <p:cTn id="39" fill="hold">
+                            <p:stCondLst>
+                              <p:cond delay="0"/>
+                            </p:stCondLst>
+                            <p:childTnLst>
+                              <p:par>
+                                <p:cTn id="40" presetID="3" presetClass="entr" presetSubtype="10" fill="hold" grpId="0" nodeType="clickEffect">
+                                  <p:stCondLst>
+                                    <p:cond delay="0"/>
+                                  </p:stCondLst>
+                                  <p:childTnLst>
+                                    <p:set>
+                                      <p:cBhvr>
+                                        <p:cTn id="41" dur="1" fill="hold">
+                                          <p:stCondLst>
+                                            <p:cond delay="0"/>
+                                          </p:stCondLst>
+                                        </p:cTn>
+                                        <p:tgtEl>
+                                          <p:spTgt spid="6">
+                                            <p:txEl>
+                                              <p:pRg st="7" end="7"/>
+                                            </p:txEl>
+                                          </p:spTgt>
+                                        </p:tgtEl>
+                                        <p:attrNameLst>
+                                          <p:attrName>style.visibility</p:attrName>
+                                        </p:attrNameLst>
+                                      </p:cBhvr>
+                                      <p:to>
+                                        <p:strVal val="visible"/>
+                                      </p:to>
+                                    </p:set>
+                                    <p:animEffect transition="in" filter="blinds(horizontal)">
+                                      <p:cBhvr>
+                                        <p:cTn id="42" dur="500"/>
+                                        <p:tgtEl>
+                                          <p:spTgt spid="6">
+                                            <p:txEl>
+                                              <p:pRg st="7" end="7"/>
+                                            </p:txEl>
+                                          </p:spTgt>
+                                        </p:tgtEl>
+                                      </p:cBhvr>
+                                    </p:animEffect>
+                                  </p:childTnLst>
+                                </p:cTn>
+                              </p:par>
+                            </p:childTnLst>
+                          </p:cTn>
+                        </p:par>
+                      </p:childTnLst>
+                    </p:cTn>
+                  </p:par>
+                  <p:par>
+                    <p:cTn id="43" fill="hold">
+                      <p:stCondLst>
+                        <p:cond delay="indefinite"/>
+                      </p:stCondLst>
+                      <p:childTnLst>
+                        <p:par>
+                          <p:cTn id="44" fill="hold">
+                            <p:stCondLst>
+                              <p:cond delay="0"/>
+                            </p:stCondLst>
+                            <p:childTnLst>
+                              <p:par>
+                                <p:cTn id="45" presetID="3" presetClass="entr" presetSubtype="10" fill="hold" grpId="0" nodeType="clickEffect">
+                                  <p:stCondLst>
+                                    <p:cond delay="0"/>
+                                  </p:stCondLst>
+                                  <p:childTnLst>
+                                    <p:set>
+                                      <p:cBhvr>
+                                        <p:cTn id="46" dur="1" fill="hold">
+                                          <p:stCondLst>
+                                            <p:cond delay="0"/>
+                                          </p:stCondLst>
+                                        </p:cTn>
+                                        <p:tgtEl>
+                                          <p:spTgt spid="6">
+                                            <p:txEl>
+                                              <p:pRg st="9" end="9"/>
+                                            </p:txEl>
+                                          </p:spTgt>
+                                        </p:tgtEl>
+                                        <p:attrNameLst>
+                                          <p:attrName>style.visibility</p:attrName>
+                                        </p:attrNameLst>
+                                      </p:cBhvr>
+                                      <p:to>
+                                        <p:strVal val="visible"/>
+                                      </p:to>
+                                    </p:set>
+                                    <p:animEffect transition="in" filter="blinds(horizontal)">
+                                      <p:cBhvr>
+                                        <p:cTn id="47" dur="500"/>
+                                        <p:tgtEl>
+                                          <p:spTgt spid="6">
+                                            <p:txEl>
+                                              <p:pRg st="9" end="9"/>
+                                            </p:txEl>
+                                          </p:spTgt>
+                                        </p:tgtEl>
+                                      </p:cBhvr>
+                                    </p:animEffect>
+                                  </p:childTnLst>
+                                </p:cTn>
+                              </p:par>
+                            </p:childTnLst>
+                          </p:cTn>
+                        </p:par>
+                      </p:childTnLst>
+                    </p:cTn>
+                  </p:par>
+                  <p:par>
+                    <p:cTn id="48" fill="hold">
+                      <p:stCondLst>
+                        <p:cond delay="indefinite"/>
+                      </p:stCondLst>
+                      <p:childTnLst>
+                        <p:par>
+                          <p:cTn id="49" fill="hold">
+                            <p:stCondLst>
+                              <p:cond delay="0"/>
+                            </p:stCondLst>
+                            <p:childTnLst>
+                              <p:par>
+                                <p:cTn id="50" presetID="3" presetClass="entr" presetSubtype="10" fill="hold" grpId="0" nodeType="clickEffect">
+                                  <p:stCondLst>
+                                    <p:cond delay="0"/>
+                                  </p:stCondLst>
+                                  <p:childTnLst>
+                                    <p:set>
+                                      <p:cBhvr>
+                                        <p:cTn id="51" dur="1" fill="hold">
+                                          <p:stCondLst>
+                                            <p:cond delay="0"/>
+                                          </p:stCondLst>
+                                        </p:cTn>
+                                        <p:tgtEl>
+                                          <p:spTgt spid="6">
+                                            <p:txEl>
+                                              <p:pRg st="10" end="10"/>
+                                            </p:txEl>
+                                          </p:spTgt>
+                                        </p:tgtEl>
+                                        <p:attrNameLst>
+                                          <p:attrName>style.visibility</p:attrName>
+                                        </p:attrNameLst>
+                                      </p:cBhvr>
+                                      <p:to>
+                                        <p:strVal val="visible"/>
+                                      </p:to>
+                                    </p:set>
+                                    <p:animEffect transition="in" filter="blinds(horizontal)">
+                                      <p:cBhvr>
+                                        <p:cTn id="52" dur="500"/>
+                                        <p:tgtEl>
+                                          <p:spTgt spid="6">
+                                            <p:txEl>
+                                              <p:pRg st="10" end="10"/>
+                                            </p:txEl>
+                                          </p:spTgt>
+                                        </p:tgtEl>
+                                      </p:cBhvr>
+                                    </p:animEffect>
+                                  </p:childTnLst>
+                                </p:cTn>
+                              </p:par>
+                            </p:childTnLst>
+                          </p:cTn>
+                        </p:par>
+                      </p:childTnLst>
+                    </p:cTn>
+                  </p:par>
+                  <p:par>
+                    <p:cTn id="53" fill="hold">
+                      <p:stCondLst>
+                        <p:cond delay="indefinite"/>
+                      </p:stCondLst>
+                      <p:childTnLst>
+                        <p:par>
+                          <p:cTn id="54" fill="hold">
+                            <p:stCondLst>
+                              <p:cond delay="0"/>
+                            </p:stCondLst>
+                            <p:childTnLst>
+                              <p:par>
+                                <p:cTn id="55" presetID="3" presetClass="entr" presetSubtype="10" fill="hold" grpId="0" nodeType="clickEffect">
+                                  <p:stCondLst>
+                                    <p:cond delay="0"/>
+                                  </p:stCondLst>
+                                  <p:childTnLst>
+                                    <p:set>
+                                      <p:cBhvr>
+                                        <p:cTn id="56" dur="1" fill="hold">
+                                          <p:stCondLst>
+                                            <p:cond delay="0"/>
+                                          </p:stCondLst>
+                                        </p:cTn>
+                                        <p:tgtEl>
+                                          <p:spTgt spid="6">
+                                            <p:txEl>
+                                              <p:pRg st="11" end="11"/>
+                                            </p:txEl>
+                                          </p:spTgt>
+                                        </p:tgtEl>
+                                        <p:attrNameLst>
+                                          <p:attrName>style.visibility</p:attrName>
+                                        </p:attrNameLst>
+                                      </p:cBhvr>
+                                      <p:to>
+                                        <p:strVal val="visible"/>
+                                      </p:to>
+                                    </p:set>
+                                    <p:animEffect transition="in" filter="blinds(horizontal)">
+                                      <p:cBhvr>
+                                        <p:cTn id="57" dur="500"/>
+                                        <p:tgtEl>
+                                          <p:spTgt spid="6">
+                                            <p:txEl>
+                                              <p:pRg st="11" end="11"/>
+                                            </p:txEl>
+                                          </p:spTgt>
+                                        </p:tgtEl>
+                                      </p:cBhvr>
+                                    </p:animEffect>
+                                  </p:childTnLst>
+                                </p:cTn>
+                              </p:par>
+                            </p:childTnLst>
+                          </p:cTn>
+                        </p:par>
+                      </p:childTnLst>
+                    </p:cTn>
+                  </p:par>
+                  <p:par>
+                    <p:cTn id="58" fill="hold">
+                      <p:stCondLst>
+                        <p:cond delay="indefinite"/>
+                      </p:stCondLst>
+                      <p:childTnLst>
+                        <p:par>
+                          <p:cTn id="59" fill="hold">
+                            <p:stCondLst>
+                              <p:cond delay="0"/>
+                            </p:stCondLst>
+                            <p:childTnLst>
+                              <p:par>
+                                <p:cTn id="60" presetID="3" presetClass="entr" presetSubtype="10" fill="hold" grpId="0" nodeType="clickEffect">
+                                  <p:stCondLst>
+                                    <p:cond delay="0"/>
+                                  </p:stCondLst>
+                                  <p:childTnLst>
+                                    <p:set>
+                                      <p:cBhvr>
+                                        <p:cTn id="61" dur="1" fill="hold">
+                                          <p:stCondLst>
+                                            <p:cond delay="0"/>
+                                          </p:stCondLst>
+                                        </p:cTn>
+                                        <p:tgtEl>
+                                          <p:spTgt spid="6">
+                                            <p:txEl>
+                                              <p:pRg st="12" end="12"/>
+                                            </p:txEl>
+                                          </p:spTgt>
+                                        </p:tgtEl>
+                                        <p:attrNameLst>
+                                          <p:attrName>style.visibility</p:attrName>
+                                        </p:attrNameLst>
+                                      </p:cBhvr>
+                                      <p:to>
+                                        <p:strVal val="visible"/>
+                                      </p:to>
+                                    </p:set>
+                                    <p:animEffect transition="in" filter="blinds(horizontal)">
+                                      <p:cBhvr>
+                                        <p:cTn id="62" dur="500"/>
+                                        <p:tgtEl>
+                                          <p:spTgt spid="6">
+                                            <p:txEl>
+                                              <p:pRg st="12" end="12"/>
+                                            </p:txEl>
+                                          </p:spTgt>
+                                        </p:tgtEl>
+                                      </p:cBhvr>
+                                    </p:animEffect>
+                                  </p:childTnLst>
+                                </p:cTn>
+                              </p:par>
+                            </p:childTnLst>
+                          </p:cTn>
+                        </p:par>
+                      </p:childTnLst>
+                    </p:cTn>
+                  </p:par>
+                  <p:par>
+                    <p:cTn id="63" fill="hold">
+                      <p:stCondLst>
+                        <p:cond delay="indefinite"/>
+                      </p:stCondLst>
+                      <p:childTnLst>
+                        <p:par>
+                          <p:cTn id="64" fill="hold">
+                            <p:stCondLst>
+                              <p:cond delay="0"/>
+                            </p:stCondLst>
+                            <p:childTnLst>
+                              <p:par>
+                                <p:cTn id="65" presetID="3" presetClass="entr" presetSubtype="10" fill="hold" grpId="0" nodeType="clickEffect">
+                                  <p:stCondLst>
+                                    <p:cond delay="0"/>
+                                  </p:stCondLst>
+                                  <p:childTnLst>
+                                    <p:set>
+                                      <p:cBhvr>
+                                        <p:cTn id="66" dur="1" fill="hold">
+                                          <p:stCondLst>
+                                            <p:cond delay="0"/>
+                                          </p:stCondLst>
+                                        </p:cTn>
+                                        <p:tgtEl>
+                                          <p:spTgt spid="6">
+                                            <p:txEl>
+                                              <p:pRg st="13" end="13"/>
+                                            </p:txEl>
+                                          </p:spTgt>
+                                        </p:tgtEl>
+                                        <p:attrNameLst>
+                                          <p:attrName>style.visibility</p:attrName>
+                                        </p:attrNameLst>
+                                      </p:cBhvr>
+                                      <p:to>
+                                        <p:strVal val="visible"/>
+                                      </p:to>
+                                    </p:set>
+                                    <p:animEffect transition="in" filter="blinds(horizontal)">
+                                      <p:cBhvr>
+                                        <p:cTn id="67" dur="500"/>
+                                        <p:tgtEl>
+                                          <p:spTgt spid="6">
+                                            <p:txEl>
+                                              <p:pRg st="13" end="13"/>
+                                            </p:txEl>
+                                          </p:spTgt>
+                                        </p:tgtEl>
+                                      </p:cBhvr>
+                                    </p:animEffect>
+                                  </p:childTnLst>
+                                </p:cTn>
+                              </p:par>
+                            </p:childTnLst>
+                          </p:cTn>
+                        </p:par>
+                      </p:childTnLst>
+                    </p:cTn>
+                  </p:par>
+                  <p:par>
+                    <p:cTn id="68" fill="hold">
+                      <p:stCondLst>
+                        <p:cond delay="indefinite"/>
+                      </p:stCondLst>
+                      <p:childTnLst>
+                        <p:par>
+                          <p:cTn id="69" fill="hold">
+                            <p:stCondLst>
+                              <p:cond delay="0"/>
+                            </p:stCondLst>
+                            <p:childTnLst>
+                              <p:par>
+                                <p:cTn id="70" presetID="3" presetClass="entr" presetSubtype="10" fill="hold" grpId="0" nodeType="clickEffect">
+                                  <p:stCondLst>
+                                    <p:cond delay="0"/>
+                                  </p:stCondLst>
+                                  <p:childTnLst>
+                                    <p:set>
+                                      <p:cBhvr>
+                                        <p:cTn id="71" dur="1" fill="hold">
+                                          <p:stCondLst>
+                                            <p:cond delay="0"/>
+                                          </p:stCondLst>
+                                        </p:cTn>
+                                        <p:tgtEl>
+                                          <p:spTgt spid="6">
+                                            <p:txEl>
+                                              <p:pRg st="14" end="14"/>
+                                            </p:txEl>
+                                          </p:spTgt>
+                                        </p:tgtEl>
+                                        <p:attrNameLst>
+                                          <p:attrName>style.visibility</p:attrName>
+                                        </p:attrNameLst>
+                                      </p:cBhvr>
+                                      <p:to>
+                                        <p:strVal val="visible"/>
+                                      </p:to>
+                                    </p:set>
+                                    <p:animEffect transition="in" filter="blinds(horizontal)">
+                                      <p:cBhvr>
+                                        <p:cTn id="72" dur="500"/>
+                                        <p:tgtEl>
+                                          <p:spTgt spid="6">
+                                            <p:txEl>
+                                              <p:pRg st="14" end="14"/>
+                                            </p:txEl>
+                                          </p:spTgt>
+                                        </p:tgtEl>
+                                      </p:cBhvr>
+                                    </p:animEffect>
+                                  </p:childTnLst>
+                                </p:cTn>
+                              </p:par>
+                            </p:childTnLst>
+                          </p:cTn>
+                        </p:par>
+                      </p:childTnLst>
+                    </p:cTn>
+                  </p:par>
+                  <p:par>
+                    <p:cTn id="73" fill="hold">
+                      <p:stCondLst>
+                        <p:cond delay="indefinite"/>
+                      </p:stCondLst>
+                      <p:childTnLst>
+                        <p:par>
+                          <p:cTn id="74" fill="hold">
+                            <p:stCondLst>
+                              <p:cond delay="0"/>
+                            </p:stCondLst>
+                            <p:childTnLst>
+                              <p:par>
+                                <p:cTn id="75" presetID="3" presetClass="entr" presetSubtype="10" fill="hold" grpId="0" nodeType="clickEffect">
+                                  <p:stCondLst>
+                                    <p:cond delay="0"/>
+                                  </p:stCondLst>
+                                  <p:childTnLst>
+                                    <p:set>
+                                      <p:cBhvr>
+                                        <p:cTn id="76" dur="1" fill="hold">
+                                          <p:stCondLst>
+                                            <p:cond delay="0"/>
+                                          </p:stCondLst>
+                                        </p:cTn>
+                                        <p:tgtEl>
+                                          <p:spTgt spid="6">
+                                            <p:txEl>
+                                              <p:pRg st="16" end="16"/>
+                                            </p:txEl>
+                                          </p:spTgt>
+                                        </p:tgtEl>
+                                        <p:attrNameLst>
+                                          <p:attrName>style.visibility</p:attrName>
+                                        </p:attrNameLst>
+                                      </p:cBhvr>
+                                      <p:to>
+                                        <p:strVal val="visible"/>
+                                      </p:to>
+                                    </p:set>
+                                    <p:animEffect transition="in" filter="blinds(horizontal)">
+                                      <p:cBhvr>
+                                        <p:cTn id="77" dur="500"/>
+                                        <p:tgtEl>
+                                          <p:spTgt spid="6">
+                                            <p:txEl>
+                                              <p:pRg st="16" end="16"/>
+                                            </p:txEl>
+                                          </p:spTgt>
+                                        </p:tgtEl>
+                                      </p:cBhvr>
+                                    </p:animEffect>
+                                  </p:childTnLst>
+                                </p:cTn>
+                              </p:par>
+                            </p:childTnLst>
+                          </p:cTn>
+                        </p:par>
+                      </p:childTnLst>
+                    </p:cTn>
+                  </p:par>
+                </p:childTnLst>
+              </p:cTn>
+              <p:prevCondLst>
+                <p:cond evt="onPrev" delay="0">
+                  <p:tgtEl>
+                    <p:sldTgt/>
+                  </p:tgtEl>
+                </p:cond>
+              </p:prevCondLst>
+              <p:nextCondLst>
+                <p:cond evt="onNext" delay="0">
+                  <p:tgtEl>
+                    <p:sldTgt/>
+                  </p:tgtEl>
+                </p:cond>
+              </p:nextCondLst>
+            </p:seq>
+          </p:childTnLst>
+        </p:cTn>
       </p:par>
     </p:tnLst>
+    <p:bldLst>
+      <p:bldP spid="6" grpId="0" build="p" bldLvl="2" animBg="1"/>
+    </p:bldLst>
+  </p:timing>
+</p:sld>
+</file>
+
+<file path=ppt/slides/slide3.xml><?xml version="1.0" encoding="utf-8"?>
+<p:sld xmlns:a="http://schemas.openxmlformats.org/drawingml/2006/main" xmlns:r="http://schemas.openxmlformats.org/officeDocument/2006/relationships" xmlns:p="http://schemas.openxmlformats.org/presentationml/2006/main">
+  <p:cSld>
+    <p:spTree>
+      <p:nvGrpSpPr>
+        <p:cNvPr id="1" name=""/>
+        <p:cNvGrpSpPr/>
+        <p:nvPr/>
+      </p:nvGrpSpPr>
+      <p:grpSpPr>
+        <a:xfrm>
+          <a:off x="0" y="0"/>
+          <a:ext cx="0" cy="0"/>
+          <a:chOff x="0" y="0"/>
+          <a:chExt cx="0" cy="0"/>
+        </a:xfrm>
+      </p:grpSpPr>
+      <p:sp>
+        <p:nvSpPr>
+          <p:cNvPr id="2" name="Title 1"/>
+          <p:cNvSpPr>
+            <a:spLocks noGrp="1"/>
+          </p:cNvSpPr>
+          <p:nvPr>
+            <p:ph type="ctrTitle"/>
+          </p:nvPr>
+        </p:nvSpPr>
+        <p:spPr>
+          <a:xfrm>
+            <a:off x="609600" y="76201"/>
+            <a:ext cx="7772400" cy="762000"/>
+          </a:xfrm>
+        </p:spPr>
+        <p:txBody>
+          <a:bodyPr>
+            <a:normAutofit/>
+          </a:bodyPr>
+          <a:lstStyle/>
+          <a:p>
+            <a:r>
+              <a:rPr lang="en-US" sz="3200" dirty="0" smtClean="0">
+                <a:solidFill>
+                  <a:schemeClr val="accent2">
+                    <a:lumMod val="75000"/>
+                  </a:schemeClr>
+                </a:solidFill>
+              </a:rPr>
+              <a:t>Examples</a:t>
+            </a:r>
+            <a:endParaRPr lang="en-US" sz="3200" dirty="0">
+              <a:solidFill>
+                <a:schemeClr val="accent2">
+                  <a:lumMod val="75000"/>
+                </a:schemeClr>
+              </a:solidFill>
+            </a:endParaRPr>
+          </a:p>
+        </p:txBody>
+      </p:sp>
+      <p:sp>
+        <p:nvSpPr>
+          <p:cNvPr id="4" name="Footer Placeholder 3"/>
+          <p:cNvSpPr>
+            <a:spLocks noGrp="1"/>
+          </p:cNvSpPr>
+          <p:nvPr>
+            <p:ph type="ftr" sz="quarter" idx="11"/>
+          </p:nvPr>
+        </p:nvSpPr>
+        <p:spPr/>
+        <p:txBody>
+          <a:bodyPr/>
+          <a:lstStyle/>
+          <a:p>
+            <a:r>
+              <a:rPr lang="en-US" dirty="0" smtClean="0">
+                <a:solidFill>
+                  <a:schemeClr val="accent1"/>
+                </a:solidFill>
+              </a:rPr>
+              <a:t>STT 465, MSU, Fall, 2015</a:t>
+            </a:r>
+            <a:endParaRPr lang="en-US" dirty="0">
+              <a:solidFill>
+                <a:schemeClr val="accent1"/>
+              </a:solidFill>
+            </a:endParaRPr>
+          </a:p>
+        </p:txBody>
+      </p:sp>
+      <p:sp>
+        <p:nvSpPr>
+          <p:cNvPr id="6" name="TextBox 5"/>
+          <p:cNvSpPr txBox="1"/>
+          <p:nvPr/>
+        </p:nvSpPr>
+        <p:spPr>
+          <a:xfrm>
+            <a:off x="457200" y="990600"/>
+            <a:ext cx="8229600" cy="5078314"/>
+          </a:xfrm>
+          <a:prstGeom prst="rect">
+            <a:avLst/>
+          </a:prstGeom>
+          <a:noFill/>
+          <a:ln>
+            <a:solidFill>
+              <a:srgbClr val="800000"/>
+            </a:solidFill>
+            <a:prstDash val="sysDash"/>
+          </a:ln>
+        </p:spPr>
+        <p:txBody>
+          <a:bodyPr wrap="square" rtlCol="0">
+            <a:spAutoFit/>
+          </a:bodyPr>
+          <a:lstStyle/>
+          <a:p>
+            <a:pPr marL="285750" indent="-285750">
+              <a:buFont typeface="Symbol" charset="0"/>
+              <a:buChar char=""/>
+            </a:pPr>
+            <a:r>
+              <a:rPr lang="en-US" dirty="0" smtClean="0">
+                <a:solidFill>
+                  <a:schemeClr val="accent1">
+                    <a:lumMod val="75000"/>
+                  </a:schemeClr>
+                </a:solidFill>
+              </a:rPr>
+              <a:t>Review income/education example (p 16 )</a:t>
+            </a:r>
+          </a:p>
+          <a:p>
+            <a:pPr marL="285750" indent="-285750">
+              <a:buFont typeface="Symbol" charset="0"/>
+              <a:buChar char=""/>
+            </a:pPr>
+            <a:endParaRPr lang="en-US" dirty="0">
+              <a:solidFill>
+                <a:schemeClr val="accent1">
+                  <a:lumMod val="75000"/>
+                </a:schemeClr>
+              </a:solidFill>
+            </a:endParaRPr>
+          </a:p>
+          <a:p>
+            <a:pPr marL="285750" indent="-285750">
+              <a:buFont typeface="Symbol" charset="0"/>
+              <a:buChar char=""/>
+            </a:pPr>
+            <a:r>
+              <a:rPr lang="en-US" dirty="0" smtClean="0">
+                <a:solidFill>
+                  <a:schemeClr val="accent1">
+                    <a:lumMod val="75000"/>
+                  </a:schemeClr>
+                </a:solidFill>
+              </a:rPr>
+              <a:t>Example: genetics of disease</a:t>
+            </a:r>
+          </a:p>
+          <a:p>
+            <a:endParaRPr lang="en-US" dirty="0">
+              <a:solidFill>
+                <a:schemeClr val="accent1">
+                  <a:lumMod val="75000"/>
+                </a:schemeClr>
+              </a:solidFill>
+            </a:endParaRPr>
+          </a:p>
+          <a:p>
+            <a:r>
+              <a:rPr lang="en-US" dirty="0">
+                <a:solidFill>
+                  <a:schemeClr val="tx1">
+                    <a:lumMod val="65000"/>
+                    <a:lumOff val="35000"/>
+                  </a:schemeClr>
+                </a:solidFill>
+              </a:rPr>
+              <a:t>Genotype </a:t>
+            </a:r>
+            <a:r>
+              <a:rPr lang="en-US" dirty="0" smtClean="0">
+                <a:solidFill>
+                  <a:schemeClr val="tx1">
+                    <a:lumMod val="65000"/>
+                    <a:lumOff val="35000"/>
+                  </a:schemeClr>
+                </a:solidFill>
+              </a:rPr>
+              <a:t>     Status</a:t>
+            </a:r>
+          </a:p>
+          <a:p>
+            <a:r>
+              <a:rPr lang="en-US" dirty="0" smtClean="0">
+                <a:solidFill>
+                  <a:schemeClr val="tx1">
+                    <a:lumMod val="65000"/>
+                    <a:lumOff val="35000"/>
+                  </a:schemeClr>
+                </a:solidFill>
+              </a:rPr>
+              <a:t>----------------------------------</a:t>
+            </a:r>
+            <a:endParaRPr lang="en-US" dirty="0">
+              <a:solidFill>
+                <a:schemeClr val="tx1">
+                  <a:lumMod val="65000"/>
+                  <a:lumOff val="35000"/>
+                </a:schemeClr>
+              </a:solidFill>
+            </a:endParaRPr>
+          </a:p>
+          <a:p>
+            <a:r>
+              <a:rPr lang="en-US" dirty="0" smtClean="0">
+                <a:solidFill>
+                  <a:schemeClr val="tx1">
+                    <a:lumMod val="65000"/>
+                    <a:lumOff val="35000"/>
+                  </a:schemeClr>
+                </a:solidFill>
+              </a:rPr>
+              <a:t>   AA                    H</a:t>
+            </a:r>
+          </a:p>
+          <a:p>
+            <a:r>
+              <a:rPr lang="en-US" dirty="0">
+                <a:solidFill>
+                  <a:schemeClr val="tx1">
+                    <a:lumMod val="65000"/>
+                    <a:lumOff val="35000"/>
+                  </a:schemeClr>
+                </a:solidFill>
+              </a:rPr>
+              <a:t> </a:t>
+            </a:r>
+            <a:r>
+              <a:rPr lang="en-US" dirty="0" smtClean="0">
+                <a:solidFill>
+                  <a:schemeClr val="tx1">
+                    <a:lumMod val="65000"/>
+                    <a:lumOff val="35000"/>
+                  </a:schemeClr>
+                </a:solidFill>
+              </a:rPr>
+              <a:t>  AB | BA           H</a:t>
+            </a:r>
+          </a:p>
+          <a:p>
+            <a:r>
+              <a:rPr lang="en-US" dirty="0">
+                <a:solidFill>
+                  <a:schemeClr val="tx1">
+                    <a:lumMod val="65000"/>
+                    <a:lumOff val="35000"/>
+                  </a:schemeClr>
+                </a:solidFill>
+              </a:rPr>
+              <a:t> </a:t>
+            </a:r>
+            <a:r>
+              <a:rPr lang="en-US" dirty="0" smtClean="0">
+                <a:solidFill>
+                  <a:schemeClr val="tx1">
+                    <a:lumMod val="65000"/>
+                    <a:lumOff val="35000"/>
+                  </a:schemeClr>
+                </a:solidFill>
+              </a:rPr>
+              <a:t>  BB                    D</a:t>
+            </a:r>
+          </a:p>
+          <a:p>
+            <a:r>
+              <a:rPr lang="en-US" dirty="0">
+                <a:solidFill>
+                  <a:schemeClr val="tx1">
+                    <a:lumMod val="65000"/>
+                    <a:lumOff val="35000"/>
+                  </a:schemeClr>
+                </a:solidFill>
+              </a:rPr>
+              <a:t>---------------------------------</a:t>
+            </a:r>
+            <a:r>
+              <a:rPr lang="en-US" dirty="0" smtClean="0">
+                <a:solidFill>
+                  <a:schemeClr val="tx1">
+                    <a:lumMod val="65000"/>
+                    <a:lumOff val="35000"/>
+                  </a:schemeClr>
+                </a:solidFill>
+              </a:rPr>
+              <a:t>-</a:t>
+            </a:r>
+          </a:p>
+          <a:p>
+            <a:r>
+              <a:rPr lang="en-US" dirty="0" smtClean="0">
+                <a:solidFill>
+                  <a:schemeClr val="tx1">
+                    <a:lumMod val="65000"/>
+                    <a:lumOff val="35000"/>
+                  </a:schemeClr>
+                </a:solidFill>
+              </a:rPr>
+              <a:t>   p(A)=0.8</a:t>
+            </a:r>
+            <a:endParaRPr lang="en-US" dirty="0">
+              <a:solidFill>
+                <a:schemeClr val="tx1">
+                  <a:lumMod val="65000"/>
+                  <a:lumOff val="35000"/>
+                </a:schemeClr>
+              </a:solidFill>
+            </a:endParaRPr>
+          </a:p>
+          <a:p>
+            <a:endParaRPr lang="en-US" dirty="0">
+              <a:solidFill>
+                <a:schemeClr val="tx1">
+                  <a:lumMod val="65000"/>
+                  <a:lumOff val="35000"/>
+                </a:schemeClr>
+              </a:solidFill>
+            </a:endParaRPr>
+          </a:p>
+          <a:p>
+            <a:pPr marL="285750" indent="-285750">
+              <a:buFont typeface="Symbol" charset="0"/>
+              <a:buChar char=""/>
+            </a:pPr>
+            <a:r>
+              <a:rPr lang="en-US" dirty="0" smtClean="0">
+                <a:solidFill>
+                  <a:schemeClr val="tx1">
+                    <a:lumMod val="65000"/>
+                    <a:lumOff val="35000"/>
+                  </a:schemeClr>
+                </a:solidFill>
+              </a:rPr>
+              <a:t>Determine</a:t>
+            </a:r>
+          </a:p>
+          <a:p>
+            <a:r>
+              <a:rPr lang="en-US" dirty="0">
+                <a:solidFill>
+                  <a:schemeClr val="tx1">
+                    <a:lumMod val="65000"/>
+                    <a:lumOff val="35000"/>
+                  </a:schemeClr>
+                </a:solidFill>
+              </a:rPr>
+              <a:t>	</a:t>
+            </a:r>
+            <a:r>
+              <a:rPr lang="en-US" dirty="0" smtClean="0">
+                <a:solidFill>
+                  <a:schemeClr val="tx1">
+                    <a:lumMod val="65000"/>
+                    <a:lumOff val="35000"/>
+                  </a:schemeClr>
+                </a:solidFill>
+              </a:rPr>
+              <a:t>(1) The (marginal) probability of each genotype under random mating, p(G)</a:t>
+            </a:r>
+          </a:p>
+          <a:p>
+            <a:r>
+              <a:rPr lang="en-US" dirty="0">
+                <a:solidFill>
+                  <a:schemeClr val="tx1">
+                    <a:lumMod val="65000"/>
+                    <a:lumOff val="35000"/>
+                  </a:schemeClr>
+                </a:solidFill>
+              </a:rPr>
+              <a:t>	</a:t>
+            </a:r>
+            <a:r>
+              <a:rPr lang="en-US" dirty="0" smtClean="0">
+                <a:solidFill>
+                  <a:schemeClr val="tx1">
+                    <a:lumMod val="65000"/>
+                    <a:lumOff val="35000"/>
+                  </a:schemeClr>
+                </a:solidFill>
+              </a:rPr>
+              <a:t>(2) The probability of disease of a randomly sampled individual, P(D)</a:t>
+            </a:r>
+          </a:p>
+          <a:p>
+            <a:r>
+              <a:rPr lang="en-US" dirty="0">
+                <a:solidFill>
+                  <a:schemeClr val="tx1">
+                    <a:lumMod val="65000"/>
+                    <a:lumOff val="35000"/>
+                  </a:schemeClr>
+                </a:solidFill>
+              </a:rPr>
+              <a:t>	</a:t>
+            </a:r>
+            <a:r>
+              <a:rPr lang="en-US" dirty="0" smtClean="0">
+                <a:solidFill>
+                  <a:schemeClr val="tx1">
+                    <a:lumMod val="65000"/>
+                    <a:lumOff val="35000"/>
+                  </a:schemeClr>
+                </a:solidFill>
+              </a:rPr>
+              <a:t>(3) The conditional probability of disease given genotypes, p(D|G)</a:t>
+            </a:r>
+          </a:p>
+          <a:p>
+            <a:r>
+              <a:rPr lang="en-US" dirty="0">
+                <a:solidFill>
+                  <a:schemeClr val="tx1">
+                    <a:lumMod val="65000"/>
+                    <a:lumOff val="35000"/>
+                  </a:schemeClr>
+                </a:solidFill>
+              </a:rPr>
+              <a:t>	</a:t>
+            </a:r>
+            <a:r>
+              <a:rPr lang="en-US" dirty="0" smtClean="0">
+                <a:solidFill>
+                  <a:schemeClr val="tx1">
+                    <a:lumMod val="65000"/>
+                    <a:lumOff val="35000"/>
+                  </a:schemeClr>
+                </a:solidFill>
+              </a:rPr>
+              <a:t>(4) The joint probability of disease and genotypes, p(D,G)</a:t>
+            </a:r>
+            <a:endParaRPr lang="en-US" dirty="0" smtClean="0">
+              <a:solidFill>
+                <a:schemeClr val="accent1">
+                  <a:lumMod val="75000"/>
+                </a:schemeClr>
+              </a:solidFill>
+            </a:endParaRPr>
+          </a:p>
+          <a:p>
+            <a:pPr marL="285750" indent="-285750">
+              <a:buFont typeface="Symbol" charset="0"/>
+              <a:buChar char=""/>
+            </a:pPr>
+            <a:endParaRPr lang="en-US" dirty="0">
+              <a:solidFill>
+                <a:schemeClr val="accent1">
+                  <a:lumMod val="75000"/>
+                </a:schemeClr>
+              </a:solidFill>
+            </a:endParaRPr>
+          </a:p>
+        </p:txBody>
+      </p:sp>
+    </p:spTree>
+    <p:extLst>
+      <p:ext uri="{BB962C8B-B14F-4D97-AF65-F5344CB8AC3E}">
+        <p14:creationId xmlns:p14="http://schemas.microsoft.com/office/powerpoint/2010/main" val="3245486667"/>
+      </p:ext>
+    </p:extLst>
+  </p:cSld>
+  <p:clrMapOvr>
+    <a:masterClrMapping/>
+  </p:clrMapOvr>
+  <p:timing>
+    <p:tnLst>
+      <p:par>
+        <p:cTn xmlns:p14="http://schemas.microsoft.com/office/powerpoint/2010/main" id="1" dur="indefinite" restart="never" nodeType="tmRoot">
+          <p:childTnLst>
+            <p:seq concurrent="1" nextAc="seek">
+              <p:cTn id="2" dur="indefinite" nodeType="mainSeq">
+                <p:childTnLst>
+                  <p:par>
+                    <p:cTn id="3" fill="hold">
+                      <p:stCondLst>
+                        <p:cond delay="indefinite"/>
+                      </p:stCondLst>
+                      <p:childTnLst>
+                        <p:par>
+                          <p:cTn id="4" fill="hold">
+                            <p:stCondLst>
+                              <p:cond delay="0"/>
+                            </p:stCondLst>
+                            <p:childTnLst>
+                              <p:par>
+                                <p:cTn id="5" presetID="3" presetClass="entr" presetSubtype="10" fill="hold" grpId="0" nodeType="clickEffect">
+                                  <p:stCondLst>
+                                    <p:cond delay="0"/>
+                                  </p:stCondLst>
+                                  <p:childTnLst>
+                                    <p:set>
+                                      <p:cBhvr>
+                                        <p:cTn id="6" dur="1" fill="hold">
+                                          <p:stCondLst>
+                                            <p:cond delay="0"/>
+                                          </p:stCondLst>
+                                        </p:cTn>
+                                        <p:tgtEl>
+                                          <p:spTgt spid="6">
+                                            <p:bg/>
+                                          </p:spTgt>
+                                        </p:tgtEl>
+                                        <p:attrNameLst>
+                                          <p:attrName>style.visibility</p:attrName>
+                                        </p:attrNameLst>
+                                      </p:cBhvr>
+                                      <p:to>
+                                        <p:strVal val="visible"/>
+                                      </p:to>
+                                    </p:set>
+                                    <p:animEffect transition="in" filter="blinds(horizontal)">
+                                      <p:cBhvr>
+                                        <p:cTn id="7" dur="500"/>
+                                        <p:tgtEl>
+                                          <p:spTgt spid="6">
+                                            <p:bg/>
+                                          </p:spTgt>
+                                        </p:tgtEl>
+                                      </p:cBhvr>
+                                    </p:animEffect>
+                                  </p:childTnLst>
+                                </p:cTn>
+                              </p:par>
+                            </p:childTnLst>
+                          </p:cTn>
+                        </p:par>
+                      </p:childTnLst>
+                    </p:cTn>
+                  </p:par>
+                  <p:par>
+                    <p:cTn id="8" fill="hold">
+                      <p:stCondLst>
+                        <p:cond delay="indefinite"/>
+                      </p:stCondLst>
+                      <p:childTnLst>
+                        <p:par>
+                          <p:cTn id="9" fill="hold">
+                            <p:stCondLst>
+                              <p:cond delay="0"/>
+                            </p:stCondLst>
+                            <p:childTnLst>
+                              <p:par>
+                                <p:cTn id="10" presetID="3" presetClass="entr" presetSubtype="10" fill="hold" grpId="0" nodeType="clickEffect">
+                                  <p:stCondLst>
+                                    <p:cond delay="0"/>
+                                  </p:stCondLst>
+                                  <p:childTnLst>
+                                    <p:set>
+                                      <p:cBhvr>
+                                        <p:cTn id="11" dur="1" fill="hold">
+                                          <p:stCondLst>
+                                            <p:cond delay="0"/>
+                                          </p:stCondLst>
+                                        </p:cTn>
+                                        <p:tgtEl>
+                                          <p:spTgt spid="6">
+                                            <p:txEl>
+                                              <p:pRg st="0" end="0"/>
+                                            </p:txEl>
+                                          </p:spTgt>
+                                        </p:tgtEl>
+                                        <p:attrNameLst>
+                                          <p:attrName>style.visibility</p:attrName>
+                                        </p:attrNameLst>
+                                      </p:cBhvr>
+                                      <p:to>
+                                        <p:strVal val="visible"/>
+                                      </p:to>
+                                    </p:set>
+                                    <p:animEffect transition="in" filter="blinds(horizontal)">
+                                      <p:cBhvr>
+                                        <p:cTn id="12" dur="500"/>
+                                        <p:tgtEl>
+                                          <p:spTgt spid="6">
+                                            <p:txEl>
+                                              <p:pRg st="0" end="0"/>
+                                            </p:txEl>
+                                          </p:spTgt>
+                                        </p:tgtEl>
+                                      </p:cBhvr>
+                                    </p:animEffect>
+                                  </p:childTnLst>
+                                </p:cTn>
+                              </p:par>
+                            </p:childTnLst>
+                          </p:cTn>
+                        </p:par>
+                      </p:childTnLst>
+                    </p:cTn>
+                  </p:par>
+                  <p:par>
+                    <p:cTn id="13" fill="hold">
+                      <p:stCondLst>
+                        <p:cond delay="indefinite"/>
+                      </p:stCondLst>
+                      <p:childTnLst>
+                        <p:par>
+                          <p:cTn id="14" fill="hold">
+                            <p:stCondLst>
+                              <p:cond delay="0"/>
+                            </p:stCondLst>
+                            <p:childTnLst>
+                              <p:par>
+                                <p:cTn id="15" presetID="3" presetClass="entr" presetSubtype="10" fill="hold" grpId="0" nodeType="clickEffect">
+                                  <p:stCondLst>
+                                    <p:cond delay="0"/>
+                                  </p:stCondLst>
+                                  <p:childTnLst>
+                                    <p:set>
+                                      <p:cBhvr>
+                                        <p:cTn id="16" dur="1" fill="hold">
+                                          <p:stCondLst>
+                                            <p:cond delay="0"/>
+                                          </p:stCondLst>
+                                        </p:cTn>
+                                        <p:tgtEl>
+                                          <p:spTgt spid="6">
+                                            <p:txEl>
+                                              <p:pRg st="2" end="2"/>
+                                            </p:txEl>
+                                          </p:spTgt>
+                                        </p:tgtEl>
+                                        <p:attrNameLst>
+                                          <p:attrName>style.visibility</p:attrName>
+                                        </p:attrNameLst>
+                                      </p:cBhvr>
+                                      <p:to>
+                                        <p:strVal val="visible"/>
+                                      </p:to>
+                                    </p:set>
+                                    <p:animEffect transition="in" filter="blinds(horizontal)">
+                                      <p:cBhvr>
+                                        <p:cTn id="17" dur="500"/>
+                                        <p:tgtEl>
+                                          <p:spTgt spid="6">
+                                            <p:txEl>
+                                              <p:pRg st="2" end="2"/>
+                                            </p:txEl>
+                                          </p:spTgt>
+                                        </p:tgtEl>
+                                      </p:cBhvr>
+                                    </p:animEffect>
+                                  </p:childTnLst>
+                                </p:cTn>
+                              </p:par>
+                            </p:childTnLst>
+                          </p:cTn>
+                        </p:par>
+                      </p:childTnLst>
+                    </p:cTn>
+                  </p:par>
+                  <p:par>
+                    <p:cTn id="18" fill="hold">
+                      <p:stCondLst>
+                        <p:cond delay="indefinite"/>
+                      </p:stCondLst>
+                      <p:childTnLst>
+                        <p:par>
+                          <p:cTn id="19" fill="hold">
+                            <p:stCondLst>
+                              <p:cond delay="0"/>
+                            </p:stCondLst>
+                            <p:childTnLst>
+                              <p:par>
+                                <p:cTn id="20" presetID="3" presetClass="entr" presetSubtype="10" fill="hold" grpId="0" nodeType="clickEffect">
+                                  <p:stCondLst>
+                                    <p:cond delay="0"/>
+                                  </p:stCondLst>
+                                  <p:childTnLst>
+                                    <p:set>
+                                      <p:cBhvr>
+                                        <p:cTn id="21" dur="1" fill="hold">
+                                          <p:stCondLst>
+                                            <p:cond delay="0"/>
+                                          </p:stCondLst>
+                                        </p:cTn>
+                                        <p:tgtEl>
+                                          <p:spTgt spid="6">
+                                            <p:txEl>
+                                              <p:pRg st="4" end="4"/>
+                                            </p:txEl>
+                                          </p:spTgt>
+                                        </p:tgtEl>
+                                        <p:attrNameLst>
+                                          <p:attrName>style.visibility</p:attrName>
+                                        </p:attrNameLst>
+                                      </p:cBhvr>
+                                      <p:to>
+                                        <p:strVal val="visible"/>
+                                      </p:to>
+                                    </p:set>
+                                    <p:animEffect transition="in" filter="blinds(horizontal)">
+                                      <p:cBhvr>
+                                        <p:cTn id="22" dur="500"/>
+                                        <p:tgtEl>
+                                          <p:spTgt spid="6">
+                                            <p:txEl>
+                                              <p:pRg st="4" end="4"/>
+                                            </p:txEl>
+                                          </p:spTgt>
+                                        </p:tgtEl>
+                                      </p:cBhvr>
+                                    </p:animEffect>
+                                  </p:childTnLst>
+                                </p:cTn>
+                              </p:par>
+                            </p:childTnLst>
+                          </p:cTn>
+                        </p:par>
+                      </p:childTnLst>
+                    </p:cTn>
+                  </p:par>
+                  <p:par>
+                    <p:cTn id="23" fill="hold">
+                      <p:stCondLst>
+                        <p:cond delay="indefinite"/>
+                      </p:stCondLst>
+                      <p:childTnLst>
+                        <p:par>
+                          <p:cTn id="24" fill="hold">
+                            <p:stCondLst>
+                              <p:cond delay="0"/>
+                            </p:stCondLst>
+                            <p:childTnLst>
+                              <p:par>
+                                <p:cTn id="25" presetID="3" presetClass="entr" presetSubtype="10" fill="hold" grpId="0" nodeType="clickEffect">
+                                  <p:stCondLst>
+                                    <p:cond delay="0"/>
+                                  </p:stCondLst>
+                                  <p:childTnLst>
+                                    <p:set>
+                                      <p:cBhvr>
+                                        <p:cTn id="26" dur="1" fill="hold">
+                                          <p:stCondLst>
+                                            <p:cond delay="0"/>
+                                          </p:stCondLst>
+                                        </p:cTn>
+                                        <p:tgtEl>
+                                          <p:spTgt spid="6">
+                                            <p:txEl>
+                                              <p:pRg st="5" end="5"/>
+                                            </p:txEl>
+                                          </p:spTgt>
+                                        </p:tgtEl>
+                                        <p:attrNameLst>
+                                          <p:attrName>style.visibility</p:attrName>
+                                        </p:attrNameLst>
+                                      </p:cBhvr>
+                                      <p:to>
+                                        <p:strVal val="visible"/>
+                                      </p:to>
+                                    </p:set>
+                                    <p:animEffect transition="in" filter="blinds(horizontal)">
+                                      <p:cBhvr>
+                                        <p:cTn id="27" dur="500"/>
+                                        <p:tgtEl>
+                                          <p:spTgt spid="6">
+                                            <p:txEl>
+                                              <p:pRg st="5" end="5"/>
+                                            </p:txEl>
+                                          </p:spTgt>
+                                        </p:tgtEl>
+                                      </p:cBhvr>
+                                    </p:animEffect>
+                                  </p:childTnLst>
+                                </p:cTn>
+                              </p:par>
+                            </p:childTnLst>
+                          </p:cTn>
+                        </p:par>
+                      </p:childTnLst>
+                    </p:cTn>
+                  </p:par>
+                  <p:par>
+                    <p:cTn id="28" fill="hold">
+                      <p:stCondLst>
+                        <p:cond delay="indefinite"/>
+                      </p:stCondLst>
+                      <p:childTnLst>
+                        <p:par>
+                          <p:cTn id="29" fill="hold">
+                            <p:stCondLst>
+                              <p:cond delay="0"/>
+                            </p:stCondLst>
+                            <p:childTnLst>
+                              <p:par>
+                                <p:cTn id="30" presetID="3" presetClass="entr" presetSubtype="10" fill="hold" grpId="0" nodeType="clickEffect">
+                                  <p:stCondLst>
+                                    <p:cond delay="0"/>
+                                  </p:stCondLst>
+                                  <p:childTnLst>
+                                    <p:set>
+                                      <p:cBhvr>
+                                        <p:cTn id="31" dur="1" fill="hold">
+                                          <p:stCondLst>
+                                            <p:cond delay="0"/>
+                                          </p:stCondLst>
+                                        </p:cTn>
+                                        <p:tgtEl>
+                                          <p:spTgt spid="6">
+                                            <p:txEl>
+                                              <p:pRg st="6" end="6"/>
+                                            </p:txEl>
+                                          </p:spTgt>
+                                        </p:tgtEl>
+                                        <p:attrNameLst>
+                                          <p:attrName>style.visibility</p:attrName>
+                                        </p:attrNameLst>
+                                      </p:cBhvr>
+                                      <p:to>
+                                        <p:strVal val="visible"/>
+                                      </p:to>
+                                    </p:set>
+                                    <p:animEffect transition="in" filter="blinds(horizontal)">
+                                      <p:cBhvr>
+                                        <p:cTn id="32" dur="500"/>
+                                        <p:tgtEl>
+                                          <p:spTgt spid="6">
+                                            <p:txEl>
+                                              <p:pRg st="6" end="6"/>
+                                            </p:txEl>
+                                          </p:spTgt>
+                                        </p:tgtEl>
+                                      </p:cBhvr>
+                                    </p:animEffect>
+                                  </p:childTnLst>
+                                </p:cTn>
+                              </p:par>
+                            </p:childTnLst>
+                          </p:cTn>
+                        </p:par>
+                      </p:childTnLst>
+                    </p:cTn>
+                  </p:par>
+                  <p:par>
+                    <p:cTn id="33" fill="hold">
+                      <p:stCondLst>
+                        <p:cond delay="indefinite"/>
+                      </p:stCondLst>
+                      <p:childTnLst>
+                        <p:par>
+                          <p:cTn id="34" fill="hold">
+                            <p:stCondLst>
+                              <p:cond delay="0"/>
+                            </p:stCondLst>
+                            <p:childTnLst>
+                              <p:par>
+                                <p:cTn id="35" presetID="3" presetClass="entr" presetSubtype="10" fill="hold" grpId="0" nodeType="clickEffect">
+                                  <p:stCondLst>
+                                    <p:cond delay="0"/>
+                                  </p:stCondLst>
+                                  <p:childTnLst>
+                                    <p:set>
+                                      <p:cBhvr>
+                                        <p:cTn id="36" dur="1" fill="hold">
+                                          <p:stCondLst>
+                                            <p:cond delay="0"/>
+                                          </p:stCondLst>
+                                        </p:cTn>
+                                        <p:tgtEl>
+                                          <p:spTgt spid="6">
+                                            <p:txEl>
+                                              <p:pRg st="7" end="7"/>
+                                            </p:txEl>
+                                          </p:spTgt>
+                                        </p:tgtEl>
+                                        <p:attrNameLst>
+                                          <p:attrName>style.visibility</p:attrName>
+                                        </p:attrNameLst>
+                                      </p:cBhvr>
+                                      <p:to>
+                                        <p:strVal val="visible"/>
+                                      </p:to>
+                                    </p:set>
+                                    <p:animEffect transition="in" filter="blinds(horizontal)">
+                                      <p:cBhvr>
+                                        <p:cTn id="37" dur="500"/>
+                                        <p:tgtEl>
+                                          <p:spTgt spid="6">
+                                            <p:txEl>
+                                              <p:pRg st="7" end="7"/>
+                                            </p:txEl>
+                                          </p:spTgt>
+                                        </p:tgtEl>
+                                      </p:cBhvr>
+                                    </p:animEffect>
+                                  </p:childTnLst>
+                                </p:cTn>
+                              </p:par>
+                            </p:childTnLst>
+                          </p:cTn>
+                        </p:par>
+                      </p:childTnLst>
+                    </p:cTn>
+                  </p:par>
+                  <p:par>
+                    <p:cTn id="38" fill="hold">
+                      <p:stCondLst>
+                        <p:cond delay="indefinite"/>
+                      </p:stCondLst>
+                      <p:childTnLst>
+                        <p:par>
+                          <p:cTn id="39" fill="hold">
+                            <p:stCondLst>
+                              <p:cond delay="0"/>
+                            </p:stCondLst>
+                            <p:childTnLst>
+                              <p:par>
+                                <p:cTn id="40" presetID="3" presetClass="entr" presetSubtype="10" fill="hold" grpId="0" nodeType="clickEffect">
+                                  <p:stCondLst>
+                                    <p:cond delay="0"/>
+                                  </p:stCondLst>
+                                  <p:childTnLst>
+                                    <p:set>
+                                      <p:cBhvr>
+                                        <p:cTn id="41" dur="1" fill="hold">
+                                          <p:stCondLst>
+                                            <p:cond delay="0"/>
+                                          </p:stCondLst>
+                                        </p:cTn>
+                                        <p:tgtEl>
+                                          <p:spTgt spid="6">
+                                            <p:txEl>
+                                              <p:pRg st="8" end="8"/>
+                                            </p:txEl>
+                                          </p:spTgt>
+                                        </p:tgtEl>
+                                        <p:attrNameLst>
+                                          <p:attrName>style.visibility</p:attrName>
+                                        </p:attrNameLst>
+                                      </p:cBhvr>
+                                      <p:to>
+                                        <p:strVal val="visible"/>
+                                      </p:to>
+                                    </p:set>
+                                    <p:animEffect transition="in" filter="blinds(horizontal)">
+                                      <p:cBhvr>
+                                        <p:cTn id="42" dur="500"/>
+                                        <p:tgtEl>
+                                          <p:spTgt spid="6">
+                                            <p:txEl>
+                                              <p:pRg st="8" end="8"/>
+                                            </p:txEl>
+                                          </p:spTgt>
+                                        </p:tgtEl>
+                                      </p:cBhvr>
+                                    </p:animEffect>
+                                  </p:childTnLst>
+                                </p:cTn>
+                              </p:par>
+                            </p:childTnLst>
+                          </p:cTn>
+                        </p:par>
+                      </p:childTnLst>
+                    </p:cTn>
+                  </p:par>
+                </p:childTnLst>
+              </p:cTn>
+              <p:prevCondLst>
+                <p:cond evt="onPrev" delay="0">
+                  <p:tgtEl>
+                    <p:sldTgt/>
+                  </p:tgtEl>
+                </p:cond>
+              </p:prevCondLst>
+              <p:nextCondLst>
+                <p:cond evt="onNext" delay="0">
+                  <p:tgtEl>
+                    <p:sldTgt/>
+                  </p:tgtEl>
+                </p:cond>
+              </p:nextCondLst>
+            </p:seq>
+          </p:childTnLst>
+        </p:cTn>
+      </p:par>
+    </p:tnLst>
+    <p:bldLst>
+      <p:bldP spid="6" grpId="0" build="p" bldLvl="2" animBg="1"/>
+    </p:bldLst>
+  </p:timing>
+</p:sld>
+</file>
+
+<file path=ppt/slides/slide4.xml><?xml version="1.0" encoding="utf-8"?>
+<p:sld xmlns:a="http://schemas.openxmlformats.org/drawingml/2006/main" xmlns:r="http://schemas.openxmlformats.org/officeDocument/2006/relationships" xmlns:p="http://schemas.openxmlformats.org/presentationml/2006/main">
+  <p:cSld>
+    <p:spTree>
+      <p:nvGrpSpPr>
+        <p:cNvPr id="1" name=""/>
+        <p:cNvGrpSpPr/>
+        <p:nvPr/>
+      </p:nvGrpSpPr>
+      <p:grpSpPr>
+        <a:xfrm>
+          <a:off x="0" y="0"/>
+          <a:ext cx="0" cy="0"/>
+          <a:chOff x="0" y="0"/>
+          <a:chExt cx="0" cy="0"/>
+        </a:xfrm>
+      </p:grpSpPr>
+      <p:sp>
+        <p:nvSpPr>
+          <p:cNvPr id="2" name="Title 1"/>
+          <p:cNvSpPr>
+            <a:spLocks noGrp="1"/>
+          </p:cNvSpPr>
+          <p:nvPr>
+            <p:ph type="ctrTitle"/>
+          </p:nvPr>
+        </p:nvSpPr>
+        <p:spPr>
+          <a:xfrm>
+            <a:off x="609600" y="76201"/>
+            <a:ext cx="7772400" cy="762000"/>
+          </a:xfrm>
+        </p:spPr>
+        <p:txBody>
+          <a:bodyPr>
+            <a:normAutofit/>
+          </a:bodyPr>
+          <a:lstStyle/>
+          <a:p>
+            <a:r>
+              <a:rPr lang="en-US" sz="3200" dirty="0" smtClean="0">
+                <a:solidFill>
+                  <a:schemeClr val="accent2">
+                    <a:lumMod val="75000"/>
+                  </a:schemeClr>
+                </a:solidFill>
+              </a:rPr>
+              <a:t>Bayesian Learning</a:t>
+            </a:r>
+            <a:endParaRPr lang="en-US" sz="3200" dirty="0">
+              <a:solidFill>
+                <a:schemeClr val="accent2">
+                  <a:lumMod val="75000"/>
+                </a:schemeClr>
+              </a:solidFill>
+            </a:endParaRPr>
+          </a:p>
+        </p:txBody>
+      </p:sp>
+      <p:sp>
+        <p:nvSpPr>
+          <p:cNvPr id="4" name="Footer Placeholder 3"/>
+          <p:cNvSpPr>
+            <a:spLocks noGrp="1"/>
+          </p:cNvSpPr>
+          <p:nvPr>
+            <p:ph type="ftr" sz="quarter" idx="11"/>
+          </p:nvPr>
+        </p:nvSpPr>
+        <p:spPr/>
+        <p:txBody>
+          <a:bodyPr/>
+          <a:lstStyle/>
+          <a:p>
+            <a:r>
+              <a:rPr lang="en-US" dirty="0" smtClean="0">
+                <a:solidFill>
+                  <a:schemeClr val="accent1"/>
+                </a:solidFill>
+              </a:rPr>
+              <a:t>STT 465, MSU, Fall, 2015</a:t>
+            </a:r>
+            <a:endParaRPr lang="en-US" dirty="0">
+              <a:solidFill>
+                <a:schemeClr val="accent1"/>
+              </a:solidFill>
+            </a:endParaRPr>
+          </a:p>
+        </p:txBody>
+      </p:sp>
+      <p:sp>
+        <p:nvSpPr>
+          <p:cNvPr id="6" name="TextBox 5"/>
+          <p:cNvSpPr txBox="1"/>
+          <p:nvPr/>
+        </p:nvSpPr>
+        <p:spPr>
+          <a:xfrm>
+            <a:off x="457200" y="990600"/>
+            <a:ext cx="8229600" cy="2585323"/>
+          </a:xfrm>
+          <a:prstGeom prst="rect">
+            <a:avLst/>
+          </a:prstGeom>
+          <a:noFill/>
+          <a:ln>
+            <a:solidFill>
+              <a:srgbClr val="800000"/>
+            </a:solidFill>
+            <a:prstDash val="sysDash"/>
+          </a:ln>
+        </p:spPr>
+        <p:txBody>
+          <a:bodyPr wrap="square" rtlCol="0">
+            <a:spAutoFit/>
+          </a:bodyPr>
+          <a:lstStyle/>
+          <a:p>
+            <a:pPr marL="285750" indent="-285750">
+              <a:buFont typeface="Symbol" charset="0"/>
+              <a:buChar char=""/>
+            </a:pPr>
+            <a:r>
+              <a:rPr lang="en-US" dirty="0" smtClean="0">
+                <a:solidFill>
+                  <a:schemeClr val="accent1">
+                    <a:lumMod val="75000"/>
+                  </a:schemeClr>
+                </a:solidFill>
+              </a:rPr>
+              <a:t>Compute the probability that a parent is a carrier given that the first offspring is healthy p(P=AB|O</a:t>
+            </a:r>
+            <a:r>
+              <a:rPr lang="en-US" baseline="-25000" dirty="0" smtClean="0">
+                <a:solidFill>
+                  <a:schemeClr val="accent1">
+                    <a:lumMod val="75000"/>
+                  </a:schemeClr>
+                </a:solidFill>
+              </a:rPr>
+              <a:t>1</a:t>
+            </a:r>
+            <a:r>
+              <a:rPr lang="en-US" dirty="0" smtClean="0">
+                <a:solidFill>
+                  <a:schemeClr val="accent1">
+                    <a:lumMod val="75000"/>
+                  </a:schemeClr>
+                </a:solidFill>
+              </a:rPr>
+              <a:t>=H)</a:t>
+            </a:r>
+          </a:p>
+          <a:p>
+            <a:pPr marL="285750" indent="-285750">
+              <a:buFont typeface="Symbol" charset="0"/>
+              <a:buChar char=""/>
+            </a:pPr>
+            <a:endParaRPr lang="en-US" dirty="0">
+              <a:solidFill>
+                <a:schemeClr val="accent1">
+                  <a:lumMod val="75000"/>
+                </a:schemeClr>
+              </a:solidFill>
+            </a:endParaRPr>
+          </a:p>
+          <a:p>
+            <a:pPr marL="285750" indent="-285750">
+              <a:buFont typeface="Symbol" charset="0"/>
+              <a:buChar char=""/>
+            </a:pPr>
+            <a:r>
+              <a:rPr lang="en-US" dirty="0" smtClean="0">
+                <a:solidFill>
+                  <a:schemeClr val="accent1">
+                    <a:lumMod val="75000"/>
+                  </a:schemeClr>
+                </a:solidFill>
+              </a:rPr>
+              <a:t>Ho would that probability be updated if you know that the second offspring is also healthy?</a:t>
+            </a:r>
+          </a:p>
+          <a:p>
+            <a:pPr marL="285750" indent="-285750">
+              <a:buFont typeface="Symbol" charset="0"/>
+              <a:buChar char=""/>
+            </a:pPr>
+            <a:endParaRPr lang="en-US" dirty="0">
+              <a:solidFill>
+                <a:schemeClr val="accent1">
+                  <a:lumMod val="75000"/>
+                </a:schemeClr>
+              </a:solidFill>
+            </a:endParaRPr>
+          </a:p>
+          <a:p>
+            <a:pPr marL="285750" indent="-285750">
+              <a:buFont typeface="Symbol" charset="0"/>
+              <a:buChar char=""/>
+            </a:pPr>
+            <a:r>
+              <a:rPr lang="en-US" dirty="0" smtClean="0">
+                <a:solidFill>
+                  <a:schemeClr val="accent1">
+                    <a:lumMod val="75000"/>
+                  </a:schemeClr>
+                </a:solidFill>
+              </a:rPr>
+              <a:t>What about if you know that the third offspring developed the disease?</a:t>
+            </a:r>
+          </a:p>
+          <a:p>
+            <a:pPr marL="285750" indent="-285750">
+              <a:buFont typeface="Symbol" charset="0"/>
+              <a:buChar char=""/>
+            </a:pPr>
+            <a:endParaRPr lang="en-US" dirty="0">
+              <a:solidFill>
+                <a:schemeClr val="accent1">
+                  <a:lumMod val="75000"/>
+                </a:schemeClr>
+              </a:solidFill>
+            </a:endParaRPr>
+          </a:p>
+          <a:p>
+            <a:r>
+              <a:rPr lang="en-US" dirty="0" smtClean="0">
+                <a:solidFill>
+                  <a:schemeClr val="accent1">
+                    <a:lumMod val="75000"/>
+                  </a:schemeClr>
+                </a:solidFill>
+              </a:rPr>
+              <a:t> </a:t>
+            </a:r>
+            <a:endParaRPr lang="en-US" dirty="0">
+              <a:solidFill>
+                <a:schemeClr val="accent1">
+                  <a:lumMod val="75000"/>
+                </a:schemeClr>
+              </a:solidFill>
+            </a:endParaRPr>
+          </a:p>
+        </p:txBody>
+      </p:sp>
+    </p:spTree>
+    <p:extLst>
+      <p:ext uri="{BB962C8B-B14F-4D97-AF65-F5344CB8AC3E}">
+        <p14:creationId xmlns:p14="http://schemas.microsoft.com/office/powerpoint/2010/main" val="1212859388"/>
+      </p:ext>
+    </p:extLst>
+  </p:cSld>
+  <p:clrMapOvr>
+    <a:masterClrMapping/>
+  </p:clrMapOvr>
+  <p:timing>
+    <p:tnLst>
+      <p:par>
+        <p:cTn xmlns:p14="http://schemas.microsoft.com/office/powerpoint/2010/main" id="1" dur="indefinite" restart="never" nodeType="tmRoot">
+          <p:childTnLst>
+            <p:seq concurrent="1" nextAc="seek">
+              <p:cTn id="2" dur="indefinite" nodeType="mainSeq">
+                <p:childTnLst>
+                  <p:par>
+                    <p:cTn id="3" fill="hold">
+                      <p:stCondLst>
+                        <p:cond delay="indefinite"/>
+                      </p:stCondLst>
+                      <p:childTnLst>
+                        <p:par>
+                          <p:cTn id="4" fill="hold">
+                            <p:stCondLst>
+                              <p:cond delay="0"/>
+                            </p:stCondLst>
+                            <p:childTnLst>
+                              <p:par>
+                                <p:cTn id="5" presetID="3" presetClass="entr" presetSubtype="10" fill="hold" grpId="0" nodeType="clickEffect">
+                                  <p:stCondLst>
+                                    <p:cond delay="0"/>
+                                  </p:stCondLst>
+                                  <p:childTnLst>
+                                    <p:set>
+                                      <p:cBhvr>
+                                        <p:cTn id="6" dur="1" fill="hold">
+                                          <p:stCondLst>
+                                            <p:cond delay="0"/>
+                                          </p:stCondLst>
+                                        </p:cTn>
+                                        <p:tgtEl>
+                                          <p:spTgt spid="6">
+                                            <p:bg/>
+                                          </p:spTgt>
+                                        </p:tgtEl>
+                                        <p:attrNameLst>
+                                          <p:attrName>style.visibility</p:attrName>
+                                        </p:attrNameLst>
+                                      </p:cBhvr>
+                                      <p:to>
+                                        <p:strVal val="visible"/>
+                                      </p:to>
+                                    </p:set>
+                                    <p:animEffect transition="in" filter="blinds(horizontal)">
+                                      <p:cBhvr>
+                                        <p:cTn id="7" dur="500"/>
+                                        <p:tgtEl>
+                                          <p:spTgt spid="6">
+                                            <p:bg/>
+                                          </p:spTgt>
+                                        </p:tgtEl>
+                                      </p:cBhvr>
+                                    </p:animEffect>
+                                  </p:childTnLst>
+                                </p:cTn>
+                              </p:par>
+                            </p:childTnLst>
+                          </p:cTn>
+                        </p:par>
+                      </p:childTnLst>
+                    </p:cTn>
+                  </p:par>
+                  <p:par>
+                    <p:cTn id="8" fill="hold">
+                      <p:stCondLst>
+                        <p:cond delay="indefinite"/>
+                      </p:stCondLst>
+                      <p:childTnLst>
+                        <p:par>
+                          <p:cTn id="9" fill="hold">
+                            <p:stCondLst>
+                              <p:cond delay="0"/>
+                            </p:stCondLst>
+                            <p:childTnLst>
+                              <p:par>
+                                <p:cTn id="10" presetID="3" presetClass="entr" presetSubtype="10" fill="hold" grpId="0" nodeType="clickEffect">
+                                  <p:stCondLst>
+                                    <p:cond delay="0"/>
+                                  </p:stCondLst>
+                                  <p:childTnLst>
+                                    <p:set>
+                                      <p:cBhvr>
+                                        <p:cTn id="11" dur="1" fill="hold">
+                                          <p:stCondLst>
+                                            <p:cond delay="0"/>
+                                          </p:stCondLst>
+                                        </p:cTn>
+                                        <p:tgtEl>
+                                          <p:spTgt spid="6">
+                                            <p:txEl>
+                                              <p:pRg st="0" end="0"/>
+                                            </p:txEl>
+                                          </p:spTgt>
+                                        </p:tgtEl>
+                                        <p:attrNameLst>
+                                          <p:attrName>style.visibility</p:attrName>
+                                        </p:attrNameLst>
+                                      </p:cBhvr>
+                                      <p:to>
+                                        <p:strVal val="visible"/>
+                                      </p:to>
+                                    </p:set>
+                                    <p:animEffect transition="in" filter="blinds(horizontal)">
+                                      <p:cBhvr>
+                                        <p:cTn id="12" dur="500"/>
+                                        <p:tgtEl>
+                                          <p:spTgt spid="6">
+                                            <p:txEl>
+                                              <p:pRg st="0" end="0"/>
+                                            </p:txEl>
+                                          </p:spTgt>
+                                        </p:tgtEl>
+                                      </p:cBhvr>
+                                    </p:animEffect>
+                                  </p:childTnLst>
+                                </p:cTn>
+                              </p:par>
+                            </p:childTnLst>
+                          </p:cTn>
+                        </p:par>
+                      </p:childTnLst>
+                    </p:cTn>
+                  </p:par>
+                  <p:par>
+                    <p:cTn id="13" fill="hold">
+                      <p:stCondLst>
+                        <p:cond delay="indefinite"/>
+                      </p:stCondLst>
+                      <p:childTnLst>
+                        <p:par>
+                          <p:cTn id="14" fill="hold">
+                            <p:stCondLst>
+                              <p:cond delay="0"/>
+                            </p:stCondLst>
+                            <p:childTnLst>
+                              <p:par>
+                                <p:cTn id="15" presetID="3" presetClass="entr" presetSubtype="10" fill="hold" grpId="0" nodeType="clickEffect">
+                                  <p:stCondLst>
+                                    <p:cond delay="0"/>
+                                  </p:stCondLst>
+                                  <p:childTnLst>
+                                    <p:set>
+                                      <p:cBhvr>
+                                        <p:cTn id="16" dur="1" fill="hold">
+                                          <p:stCondLst>
+                                            <p:cond delay="0"/>
+                                          </p:stCondLst>
+                                        </p:cTn>
+                                        <p:tgtEl>
+                                          <p:spTgt spid="6">
+                                            <p:txEl>
+                                              <p:pRg st="2" end="2"/>
+                                            </p:txEl>
+                                          </p:spTgt>
+                                        </p:tgtEl>
+                                        <p:attrNameLst>
+                                          <p:attrName>style.visibility</p:attrName>
+                                        </p:attrNameLst>
+                                      </p:cBhvr>
+                                      <p:to>
+                                        <p:strVal val="visible"/>
+                                      </p:to>
+                                    </p:set>
+                                    <p:animEffect transition="in" filter="blinds(horizontal)">
+                                      <p:cBhvr>
+                                        <p:cTn id="17" dur="500"/>
+                                        <p:tgtEl>
+                                          <p:spTgt spid="6">
+                                            <p:txEl>
+                                              <p:pRg st="2" end="2"/>
+                                            </p:txEl>
+                                          </p:spTgt>
+                                        </p:tgtEl>
+                                      </p:cBhvr>
+                                    </p:animEffect>
+                                  </p:childTnLst>
+                                </p:cTn>
+                              </p:par>
+                            </p:childTnLst>
+                          </p:cTn>
+                        </p:par>
+                      </p:childTnLst>
+                    </p:cTn>
+                  </p:par>
+                  <p:par>
+                    <p:cTn id="18" fill="hold">
+                      <p:stCondLst>
+                        <p:cond delay="indefinite"/>
+                      </p:stCondLst>
+                      <p:childTnLst>
+                        <p:par>
+                          <p:cTn id="19" fill="hold">
+                            <p:stCondLst>
+                              <p:cond delay="0"/>
+                            </p:stCondLst>
+                            <p:childTnLst>
+                              <p:par>
+                                <p:cTn id="20" presetID="3" presetClass="entr" presetSubtype="10" fill="hold" grpId="0" nodeType="clickEffect">
+                                  <p:stCondLst>
+                                    <p:cond delay="0"/>
+                                  </p:stCondLst>
+                                  <p:childTnLst>
+                                    <p:set>
+                                      <p:cBhvr>
+                                        <p:cTn id="21" dur="1" fill="hold">
+                                          <p:stCondLst>
+                                            <p:cond delay="0"/>
+                                          </p:stCondLst>
+                                        </p:cTn>
+                                        <p:tgtEl>
+                                          <p:spTgt spid="6">
+                                            <p:txEl>
+                                              <p:pRg st="4" end="4"/>
+                                            </p:txEl>
+                                          </p:spTgt>
+                                        </p:tgtEl>
+                                        <p:attrNameLst>
+                                          <p:attrName>style.visibility</p:attrName>
+                                        </p:attrNameLst>
+                                      </p:cBhvr>
+                                      <p:to>
+                                        <p:strVal val="visible"/>
+                                      </p:to>
+                                    </p:set>
+                                    <p:animEffect transition="in" filter="blinds(horizontal)">
+                                      <p:cBhvr>
+                                        <p:cTn id="22" dur="500"/>
+                                        <p:tgtEl>
+                                          <p:spTgt spid="6">
+                                            <p:txEl>
+                                              <p:pRg st="4" end="4"/>
+                                            </p:txEl>
+                                          </p:spTgt>
+                                        </p:tgtEl>
+                                      </p:cBhvr>
+                                    </p:animEffect>
+                                  </p:childTnLst>
+                                </p:cTn>
+                              </p:par>
+                            </p:childTnLst>
+                          </p:cTn>
+                        </p:par>
+                      </p:childTnLst>
+                    </p:cTn>
+                  </p:par>
+                  <p:par>
+                    <p:cTn id="23" fill="hold">
+                      <p:stCondLst>
+                        <p:cond delay="indefinite"/>
+                      </p:stCondLst>
+                      <p:childTnLst>
+                        <p:par>
+                          <p:cTn id="24" fill="hold">
+                            <p:stCondLst>
+                              <p:cond delay="0"/>
+                            </p:stCondLst>
+                            <p:childTnLst>
+                              <p:par>
+                                <p:cTn id="25" presetID="3" presetClass="entr" presetSubtype="10" fill="hold" grpId="0" nodeType="clickEffect">
+                                  <p:stCondLst>
+                                    <p:cond delay="0"/>
+                                  </p:stCondLst>
+                                  <p:childTnLst>
+                                    <p:set>
+                                      <p:cBhvr>
+                                        <p:cTn id="26" dur="1" fill="hold">
+                                          <p:stCondLst>
+                                            <p:cond delay="0"/>
+                                          </p:stCondLst>
+                                        </p:cTn>
+                                        <p:tgtEl>
+                                          <p:spTgt spid="6">
+                                            <p:txEl>
+                                              <p:pRg st="6" end="6"/>
+                                            </p:txEl>
+                                          </p:spTgt>
+                                        </p:tgtEl>
+                                        <p:attrNameLst>
+                                          <p:attrName>style.visibility</p:attrName>
+                                        </p:attrNameLst>
+                                      </p:cBhvr>
+                                      <p:to>
+                                        <p:strVal val="visible"/>
+                                      </p:to>
+                                    </p:set>
+                                    <p:animEffect transition="in" filter="blinds(horizontal)">
+                                      <p:cBhvr>
+                                        <p:cTn id="27" dur="500"/>
+                                        <p:tgtEl>
+                                          <p:spTgt spid="6">
+                                            <p:txEl>
+                                              <p:pRg st="6" end="6"/>
+                                            </p:txEl>
+                                          </p:spTgt>
+                                        </p:tgtEl>
+                                      </p:cBhvr>
+                                    </p:animEffect>
+                                  </p:childTnLst>
+                                </p:cTn>
+                              </p:par>
+                            </p:childTnLst>
+                          </p:cTn>
+                        </p:par>
+                      </p:childTnLst>
+                    </p:cTn>
+                  </p:par>
+                </p:childTnLst>
+              </p:cTn>
+              <p:prevCondLst>
+                <p:cond evt="onPrev" delay="0">
+                  <p:tgtEl>
+                    <p:sldTgt/>
+                  </p:tgtEl>
+                </p:cond>
+              </p:prevCondLst>
+              <p:nextCondLst>
+                <p:cond evt="onNext" delay="0">
+                  <p:tgtEl>
+                    <p:sldTgt/>
+                  </p:tgtEl>
+                </p:cond>
+              </p:nextCondLst>
+            </p:seq>
+          </p:childTnLst>
+        </p:cTn>
+      </p:par>
+    </p:tnLst>
+    <p:bldLst>
+      <p:bldP spid="6" grpId="0" build="p" bldLvl="2" animBg="1"/>
+    </p:bldLst>
+  </p:timing>
+</p:sld>
+</file>
+
+<file path=ppt/slides/slide5.xml><?xml version="1.0" encoding="utf-8"?>
+<p:sld xmlns:a="http://schemas.openxmlformats.org/drawingml/2006/main" xmlns:r="http://schemas.openxmlformats.org/officeDocument/2006/relationships" xmlns:p="http://schemas.openxmlformats.org/presentationml/2006/main">
+  <p:cSld>
+    <p:spTree>
+      <p:nvGrpSpPr>
+        <p:cNvPr id="1" name=""/>
+        <p:cNvGrpSpPr/>
+        <p:nvPr/>
+      </p:nvGrpSpPr>
+      <p:grpSpPr>
+        <a:xfrm>
+          <a:off x="0" y="0"/>
+          <a:ext cx="0" cy="0"/>
+          <a:chOff x="0" y="0"/>
+          <a:chExt cx="0" cy="0"/>
+        </a:xfrm>
+      </p:grpSpPr>
+      <p:sp>
+        <p:nvSpPr>
+          <p:cNvPr id="2" name="Title 1"/>
+          <p:cNvSpPr>
+            <a:spLocks noGrp="1"/>
+          </p:cNvSpPr>
+          <p:nvPr>
+            <p:ph type="ctrTitle"/>
+          </p:nvPr>
+        </p:nvSpPr>
+        <p:spPr>
+          <a:xfrm>
+            <a:off x="609600" y="-152400"/>
+            <a:ext cx="7772400" cy="762000"/>
+          </a:xfrm>
+        </p:spPr>
+        <p:txBody>
+          <a:bodyPr>
+            <a:normAutofit/>
+          </a:bodyPr>
+          <a:lstStyle/>
+          <a:p>
+            <a:r>
+              <a:rPr lang="en-US" sz="3200" dirty="0" smtClean="0">
+                <a:solidFill>
+                  <a:schemeClr val="accent2">
+                    <a:lumMod val="75000"/>
+                  </a:schemeClr>
+                </a:solidFill>
+              </a:rPr>
+              <a:t>Conditional Independence</a:t>
+            </a:r>
+            <a:endParaRPr lang="en-US" sz="3200" dirty="0">
+              <a:solidFill>
+                <a:schemeClr val="accent2">
+                  <a:lumMod val="75000"/>
+                </a:schemeClr>
+              </a:solidFill>
+            </a:endParaRPr>
+          </a:p>
+        </p:txBody>
+      </p:sp>
+      <p:sp>
+        <p:nvSpPr>
+          <p:cNvPr id="4" name="Footer Placeholder 3"/>
+          <p:cNvSpPr>
+            <a:spLocks noGrp="1"/>
+          </p:cNvSpPr>
+          <p:nvPr>
+            <p:ph type="ftr" sz="quarter" idx="11"/>
+          </p:nvPr>
+        </p:nvSpPr>
+        <p:spPr/>
+        <p:txBody>
+          <a:bodyPr/>
+          <a:lstStyle/>
+          <a:p>
+            <a:r>
+              <a:rPr lang="en-US" dirty="0" smtClean="0">
+                <a:solidFill>
+                  <a:schemeClr val="accent1"/>
+                </a:solidFill>
+              </a:rPr>
+              <a:t>STT 465, MSU, Fall, 2015</a:t>
+            </a:r>
+            <a:endParaRPr lang="en-US" dirty="0">
+              <a:solidFill>
+                <a:schemeClr val="accent1"/>
+              </a:solidFill>
+            </a:endParaRPr>
+          </a:p>
+        </p:txBody>
+      </p:sp>
+      <p:sp>
+        <p:nvSpPr>
+          <p:cNvPr id="6" name="TextBox 5"/>
+          <p:cNvSpPr txBox="1"/>
+          <p:nvPr/>
+        </p:nvSpPr>
+        <p:spPr>
+          <a:xfrm>
+            <a:off x="76200" y="457200"/>
+            <a:ext cx="9144000" cy="5909311"/>
+          </a:xfrm>
+          <a:prstGeom prst="rect">
+            <a:avLst/>
+          </a:prstGeom>
+          <a:noFill/>
+          <a:ln>
+            <a:solidFill>
+              <a:srgbClr val="800000"/>
+            </a:solidFill>
+            <a:prstDash val="sysDash"/>
+          </a:ln>
+        </p:spPr>
+        <p:txBody>
+          <a:bodyPr wrap="square" rtlCol="0">
+            <a:spAutoFit/>
+          </a:bodyPr>
+          <a:lstStyle/>
+          <a:p>
+            <a:pPr marL="285750" indent="-285750">
+              <a:buFont typeface="Symbol" charset="0"/>
+              <a:buChar char=""/>
+            </a:pPr>
+            <a:r>
+              <a:rPr lang="en-US" dirty="0" smtClean="0">
+                <a:solidFill>
+                  <a:schemeClr val="accent1">
+                    <a:lumMod val="75000"/>
+                  </a:schemeClr>
+                </a:solidFill>
+              </a:rPr>
+              <a:t>X,Y are independent if p(X,Y)=p(X)p(Y)</a:t>
+            </a:r>
+          </a:p>
+          <a:p>
+            <a:pPr marL="285750" indent="-285750">
+              <a:buFont typeface="Symbol" charset="0"/>
+              <a:buChar char=""/>
+            </a:pPr>
+            <a:endParaRPr lang="en-US" dirty="0">
+              <a:solidFill>
+                <a:schemeClr val="accent1">
+                  <a:lumMod val="75000"/>
+                </a:schemeClr>
+              </a:solidFill>
+            </a:endParaRPr>
+          </a:p>
+          <a:p>
+            <a:pPr marL="285750" indent="-285750">
+              <a:buFont typeface="Symbol" charset="0"/>
+              <a:buChar char=""/>
+            </a:pPr>
+            <a:r>
+              <a:rPr lang="en-US" dirty="0" smtClean="0">
+                <a:solidFill>
+                  <a:schemeClr val="accent1">
+                    <a:lumMod val="75000"/>
+                  </a:schemeClr>
+                </a:solidFill>
+              </a:rPr>
+              <a:t>X,Y are said </a:t>
+            </a:r>
+            <a:r>
+              <a:rPr lang="en-US" u="sng" dirty="0" smtClean="0">
+                <a:solidFill>
+                  <a:schemeClr val="accent1">
+                    <a:lumMod val="75000"/>
+                  </a:schemeClr>
+                </a:solidFill>
+              </a:rPr>
+              <a:t>conditionally independent </a:t>
+            </a:r>
+            <a:r>
+              <a:rPr lang="en-US" dirty="0" smtClean="0">
+                <a:solidFill>
+                  <a:schemeClr val="accent1">
+                    <a:lumMod val="75000"/>
+                  </a:schemeClr>
+                </a:solidFill>
+              </a:rPr>
+              <a:t>if, given a third variable (Z), X and Y are independent, that is:</a:t>
+            </a:r>
+          </a:p>
+          <a:p>
+            <a:pPr marL="285750" indent="-285750">
+              <a:buFont typeface="Symbol" charset="0"/>
+              <a:buChar char=""/>
+            </a:pPr>
+            <a:endParaRPr lang="en-US" dirty="0">
+              <a:solidFill>
+                <a:schemeClr val="accent1">
+                  <a:lumMod val="75000"/>
+                </a:schemeClr>
+              </a:solidFill>
+            </a:endParaRPr>
+          </a:p>
+          <a:p>
+            <a:r>
+              <a:rPr lang="en-US" dirty="0" smtClean="0">
+                <a:solidFill>
+                  <a:schemeClr val="accent1">
+                    <a:lumMod val="75000"/>
+                  </a:schemeClr>
+                </a:solidFill>
+              </a:rPr>
+              <a:t>       </a:t>
+            </a:r>
+            <a:r>
+              <a:rPr lang="en-US" u="sng" dirty="0" smtClean="0">
+                <a:solidFill>
+                  <a:schemeClr val="accent1">
+                    <a:lumMod val="75000"/>
+                  </a:schemeClr>
+                </a:solidFill>
+              </a:rPr>
+              <a:t>Conditional Independence:</a:t>
+            </a:r>
+            <a:r>
+              <a:rPr lang="en-US" dirty="0">
+                <a:solidFill>
+                  <a:schemeClr val="accent1">
+                    <a:lumMod val="75000"/>
+                  </a:schemeClr>
+                </a:solidFill>
+              </a:rPr>
+              <a:t> </a:t>
+            </a:r>
+            <a:r>
+              <a:rPr lang="en-US" dirty="0" smtClean="0">
+                <a:solidFill>
+                  <a:schemeClr val="accent1">
+                    <a:lumMod val="75000"/>
+                  </a:schemeClr>
+                </a:solidFill>
+              </a:rPr>
+              <a:t>   p(X,Y|Z)=P(X|Z)*P(Y|Z)</a:t>
+            </a:r>
+          </a:p>
+          <a:p>
+            <a:endParaRPr lang="en-US" dirty="0">
+              <a:solidFill>
+                <a:schemeClr val="accent1">
+                  <a:lumMod val="75000"/>
+                </a:schemeClr>
+              </a:solidFill>
+            </a:endParaRPr>
+          </a:p>
+          <a:p>
+            <a:pPr marL="285750" indent="-285750">
+              <a:buFont typeface="Symbol" charset="0"/>
+              <a:buChar char=""/>
+            </a:pPr>
+            <a:r>
+              <a:rPr lang="en-US" dirty="0" smtClean="0">
+                <a:solidFill>
+                  <a:schemeClr val="accent1">
+                    <a:lumMod val="75000"/>
+                  </a:schemeClr>
+                </a:solidFill>
+              </a:rPr>
+              <a:t>Note: conditional independence does not imply </a:t>
+            </a:r>
+            <a:r>
+              <a:rPr lang="en-US" dirty="0" smtClean="0">
+                <a:solidFill>
+                  <a:schemeClr val="accent1">
+                    <a:lumMod val="75000"/>
+                  </a:schemeClr>
+                </a:solidFill>
+              </a:rPr>
+              <a:t>marginal independence</a:t>
+            </a:r>
+          </a:p>
+          <a:p>
+            <a:endParaRPr lang="en-US" dirty="0" smtClean="0">
+              <a:solidFill>
+                <a:schemeClr val="accent1">
+                  <a:lumMod val="75000"/>
+                </a:schemeClr>
+              </a:solidFill>
+            </a:endParaRPr>
+          </a:p>
+          <a:p>
+            <a:pPr marL="285750" indent="-285750">
+              <a:buFont typeface="Symbol" charset="0"/>
+              <a:buChar char=""/>
+            </a:pPr>
+            <a:r>
+              <a:rPr lang="en-US" dirty="0" smtClean="0">
+                <a:solidFill>
+                  <a:schemeClr val="accent1">
+                    <a:lumMod val="75000"/>
+                  </a:schemeClr>
+                </a:solidFill>
+              </a:rPr>
+              <a:t>HW1-Q1</a:t>
+            </a:r>
+            <a:r>
+              <a:rPr lang="en-US" dirty="0" smtClean="0">
+                <a:solidFill>
+                  <a:schemeClr val="accent1">
+                    <a:lumMod val="75000"/>
+                  </a:schemeClr>
+                </a:solidFill>
+              </a:rPr>
+              <a:t>:   </a:t>
+            </a:r>
+            <a:r>
+              <a:rPr lang="en-US" dirty="0" smtClean="0">
+                <a:solidFill>
+                  <a:srgbClr val="595959"/>
+                </a:solidFill>
+              </a:rPr>
+              <a:t>Consider the disease model of slide 3, with </a:t>
+            </a:r>
+            <a:r>
+              <a:rPr lang="en-US" dirty="0">
+                <a:solidFill>
+                  <a:srgbClr val="595959"/>
+                </a:solidFill>
+              </a:rPr>
+              <a:t>p(A)=</a:t>
+            </a:r>
+            <a:r>
+              <a:rPr lang="en-US" dirty="0" smtClean="0">
+                <a:solidFill>
+                  <a:srgbClr val="595959"/>
+                </a:solidFill>
+              </a:rPr>
+              <a:t>0.8, for this model:</a:t>
+            </a:r>
+          </a:p>
+          <a:p>
+            <a:r>
+              <a:rPr lang="en-US" dirty="0" smtClean="0">
+                <a:solidFill>
+                  <a:schemeClr val="tx1">
+                    <a:lumMod val="75000"/>
+                    <a:lumOff val="25000"/>
+                  </a:schemeClr>
+                </a:solidFill>
+              </a:rPr>
+              <a:t>  </a:t>
+            </a:r>
+            <a:r>
+              <a:rPr lang="en-US" dirty="0" smtClean="0">
+                <a:solidFill>
+                  <a:schemeClr val="tx1">
+                    <a:lumMod val="65000"/>
+                    <a:lumOff val="35000"/>
+                  </a:schemeClr>
+                </a:solidFill>
+              </a:rPr>
+              <a:t>        </a:t>
+            </a:r>
+            <a:r>
+              <a:rPr lang="en-US" dirty="0" smtClean="0">
+                <a:solidFill>
+                  <a:schemeClr val="tx1">
+                    <a:lumMod val="65000"/>
+                    <a:lumOff val="35000"/>
+                  </a:schemeClr>
+                </a:solidFill>
+              </a:rPr>
+              <a:t> (1.1) Derive the </a:t>
+            </a:r>
+            <a:r>
+              <a:rPr lang="en-US" dirty="0" smtClean="0">
+                <a:solidFill>
+                  <a:schemeClr val="tx1">
+                    <a:lumMod val="65000"/>
+                    <a:lumOff val="35000"/>
+                  </a:schemeClr>
+                </a:solidFill>
+              </a:rPr>
+              <a:t>conditional probability of disease given the genotype of one of the 	    parents, that is p(S</a:t>
+            </a:r>
+            <a:r>
+              <a:rPr lang="en-US" baseline="-25000" dirty="0" smtClean="0">
+                <a:solidFill>
+                  <a:schemeClr val="tx1">
+                    <a:lumMod val="65000"/>
+                    <a:lumOff val="35000"/>
+                  </a:schemeClr>
+                </a:solidFill>
+              </a:rPr>
+              <a:t>i</a:t>
+            </a:r>
+            <a:r>
+              <a:rPr lang="en-US" dirty="0" smtClean="0">
+                <a:solidFill>
+                  <a:schemeClr val="tx1">
+                    <a:lumMod val="65000"/>
+                    <a:lumOff val="35000"/>
+                  </a:schemeClr>
+                </a:solidFill>
+              </a:rPr>
+              <a:t>|G</a:t>
+            </a:r>
+            <a:r>
+              <a:rPr lang="en-US" baseline="-25000" dirty="0" smtClean="0">
+                <a:solidFill>
+                  <a:schemeClr val="tx1">
+                    <a:lumMod val="65000"/>
+                    <a:lumOff val="35000"/>
+                  </a:schemeClr>
+                </a:solidFill>
+              </a:rPr>
+              <a:t>0</a:t>
+            </a:r>
+            <a:r>
+              <a:rPr lang="en-US" dirty="0" smtClean="0">
+                <a:solidFill>
+                  <a:schemeClr val="tx1">
+                    <a:lumMod val="65000"/>
+                    <a:lumOff val="35000"/>
+                  </a:schemeClr>
+                </a:solidFill>
+              </a:rPr>
+              <a:t>).</a:t>
+            </a:r>
+          </a:p>
+          <a:p>
+            <a:r>
+              <a:rPr lang="en-US" dirty="0" smtClean="0">
+                <a:solidFill>
+                  <a:schemeClr val="tx1">
+                    <a:lumMod val="65000"/>
+                    <a:lumOff val="35000"/>
+                  </a:schemeClr>
+                </a:solidFill>
+              </a:rPr>
+              <a:t>           </a:t>
+            </a:r>
+            <a:r>
+              <a:rPr lang="en-US" dirty="0">
+                <a:solidFill>
+                  <a:schemeClr val="tx1">
+                    <a:lumMod val="65000"/>
+                    <a:lumOff val="35000"/>
+                  </a:schemeClr>
+                </a:solidFill>
+              </a:rPr>
+              <a:t>(</a:t>
+            </a:r>
+            <a:r>
+              <a:rPr lang="en-US" dirty="0" smtClean="0">
+                <a:solidFill>
+                  <a:schemeClr val="tx1">
+                    <a:lumMod val="65000"/>
+                    <a:lumOff val="35000"/>
+                  </a:schemeClr>
+                </a:solidFill>
+              </a:rPr>
+              <a:t>1.2)  Derive and report the joint probability of the disease status of two half sibs (i.e., 	    two individuals that share one parent) given the genotype of the known parent, that is 	    p</a:t>
+            </a:r>
+            <a:r>
+              <a:rPr lang="en-US" dirty="0">
+                <a:solidFill>
+                  <a:schemeClr val="tx1">
+                    <a:lumMod val="65000"/>
+                    <a:lumOff val="35000"/>
+                  </a:schemeClr>
+                </a:solidFill>
+              </a:rPr>
+              <a:t>(</a:t>
+            </a:r>
+            <a:r>
+              <a:rPr lang="en-US" dirty="0" smtClean="0">
+                <a:solidFill>
+                  <a:schemeClr val="tx1">
+                    <a:lumMod val="65000"/>
+                    <a:lumOff val="35000"/>
+                  </a:schemeClr>
+                </a:solidFill>
+              </a:rPr>
+              <a:t>S</a:t>
+            </a:r>
+            <a:r>
+              <a:rPr lang="en-US" baseline="-25000" dirty="0" smtClean="0">
+                <a:solidFill>
+                  <a:schemeClr val="tx1">
+                    <a:lumMod val="65000"/>
+                    <a:lumOff val="35000"/>
+                  </a:schemeClr>
+                </a:solidFill>
+              </a:rPr>
+              <a:t>1</a:t>
+            </a:r>
+            <a:r>
+              <a:rPr lang="en-US" dirty="0" smtClean="0">
+                <a:solidFill>
+                  <a:schemeClr val="tx1">
+                    <a:lumMod val="65000"/>
+                    <a:lumOff val="35000"/>
+                  </a:schemeClr>
+                </a:solidFill>
+              </a:rPr>
+              <a:t>,</a:t>
+            </a:r>
+            <a:r>
+              <a:rPr lang="en-US" dirty="0">
+                <a:solidFill>
+                  <a:schemeClr val="tx1">
+                    <a:lumMod val="65000"/>
+                    <a:lumOff val="35000"/>
+                  </a:schemeClr>
+                </a:solidFill>
+              </a:rPr>
+              <a:t> </a:t>
+            </a:r>
+            <a:r>
+              <a:rPr lang="en-US" dirty="0" smtClean="0">
+                <a:solidFill>
+                  <a:schemeClr val="tx1">
+                    <a:lumMod val="65000"/>
+                    <a:lumOff val="35000"/>
+                  </a:schemeClr>
+                </a:solidFill>
+              </a:rPr>
+              <a:t>S</a:t>
+            </a:r>
+            <a:r>
+              <a:rPr lang="en-US" baseline="-25000" dirty="0" smtClean="0">
+                <a:solidFill>
+                  <a:schemeClr val="tx1">
+                    <a:lumMod val="65000"/>
+                    <a:lumOff val="35000"/>
+                  </a:schemeClr>
+                </a:solidFill>
+              </a:rPr>
+              <a:t>2</a:t>
+            </a:r>
+            <a:r>
+              <a:rPr lang="en-US" dirty="0" smtClean="0">
+                <a:solidFill>
+                  <a:schemeClr val="tx1">
+                    <a:lumMod val="65000"/>
+                    <a:lumOff val="35000"/>
+                  </a:schemeClr>
+                </a:solidFill>
+              </a:rPr>
+              <a:t>|G</a:t>
+            </a:r>
+            <a:r>
+              <a:rPr lang="en-US" baseline="-25000" dirty="0" smtClean="0">
+                <a:solidFill>
+                  <a:schemeClr val="tx1">
+                    <a:lumMod val="65000"/>
+                    <a:lumOff val="35000"/>
+                  </a:schemeClr>
+                </a:solidFill>
+              </a:rPr>
+              <a:t>0</a:t>
+            </a:r>
+            <a:r>
+              <a:rPr lang="en-US" dirty="0">
+                <a:solidFill>
+                  <a:schemeClr val="tx1">
+                    <a:lumMod val="65000"/>
+                    <a:lumOff val="35000"/>
+                  </a:schemeClr>
+                </a:solidFill>
+              </a:rPr>
+              <a:t>).</a:t>
+            </a:r>
+          </a:p>
+          <a:p>
+            <a:r>
+              <a:rPr lang="en-US" dirty="0">
+                <a:solidFill>
+                  <a:schemeClr val="tx1">
+                    <a:lumMod val="65000"/>
+                    <a:lumOff val="35000"/>
+                  </a:schemeClr>
+                </a:solidFill>
+              </a:rPr>
+              <a:t>  </a:t>
+            </a:r>
+            <a:r>
+              <a:rPr lang="en-US" dirty="0" smtClean="0">
+                <a:solidFill>
+                  <a:schemeClr val="tx1">
+                    <a:lumMod val="65000"/>
+                    <a:lumOff val="35000"/>
+                  </a:schemeClr>
+                </a:solidFill>
+              </a:rPr>
+              <a:t>         (1.3)  </a:t>
+            </a:r>
+            <a:r>
+              <a:rPr lang="en-US" dirty="0">
+                <a:solidFill>
+                  <a:schemeClr val="tx1">
+                    <a:lumMod val="65000"/>
+                    <a:lumOff val="35000"/>
+                  </a:schemeClr>
+                </a:solidFill>
+              </a:rPr>
+              <a:t>Derive and report the joint probability of the disease status of two half </a:t>
+            </a:r>
+            <a:r>
+              <a:rPr lang="en-US" dirty="0" smtClean="0">
+                <a:solidFill>
+                  <a:schemeClr val="tx1">
+                    <a:lumMod val="65000"/>
+                    <a:lumOff val="35000"/>
+                  </a:schemeClr>
+                </a:solidFill>
+              </a:rPr>
+              <a:t>sibs ,that </a:t>
+            </a:r>
+            <a:r>
+              <a:rPr lang="en-US" dirty="0">
+                <a:solidFill>
+                  <a:schemeClr val="tx1">
+                    <a:lumMod val="65000"/>
+                    <a:lumOff val="35000"/>
+                  </a:schemeClr>
+                </a:solidFill>
+              </a:rPr>
+              <a:t>is 	    p(S</a:t>
+            </a:r>
+            <a:r>
+              <a:rPr lang="en-US" baseline="-25000" dirty="0">
+                <a:solidFill>
+                  <a:schemeClr val="tx1">
+                    <a:lumMod val="65000"/>
+                    <a:lumOff val="35000"/>
+                  </a:schemeClr>
+                </a:solidFill>
+              </a:rPr>
+              <a:t>1</a:t>
+            </a:r>
+            <a:r>
+              <a:rPr lang="en-US" dirty="0">
+                <a:solidFill>
+                  <a:schemeClr val="tx1">
+                    <a:lumMod val="65000"/>
+                    <a:lumOff val="35000"/>
+                  </a:schemeClr>
+                </a:solidFill>
+              </a:rPr>
+              <a:t>, </a:t>
+            </a:r>
+            <a:r>
+              <a:rPr lang="en-US" dirty="0" smtClean="0">
+                <a:solidFill>
+                  <a:schemeClr val="tx1">
+                    <a:lumMod val="65000"/>
+                    <a:lumOff val="35000"/>
+                  </a:schemeClr>
+                </a:solidFill>
+              </a:rPr>
+              <a:t>S</a:t>
+            </a:r>
+            <a:r>
+              <a:rPr lang="en-US" baseline="-25000" dirty="0" smtClean="0">
+                <a:solidFill>
+                  <a:schemeClr val="tx1">
+                    <a:lumMod val="65000"/>
+                    <a:lumOff val="35000"/>
+                  </a:schemeClr>
+                </a:solidFill>
+              </a:rPr>
+              <a:t>2</a:t>
+            </a:r>
+            <a:r>
+              <a:rPr lang="en-US" dirty="0" smtClean="0">
+                <a:solidFill>
+                  <a:schemeClr val="tx1">
+                    <a:lumMod val="65000"/>
+                    <a:lumOff val="35000"/>
+                  </a:schemeClr>
+                </a:solidFill>
+              </a:rPr>
+              <a:t>).</a:t>
+            </a:r>
+          </a:p>
+          <a:p>
+            <a:r>
+              <a:rPr lang="en-US" dirty="0">
+                <a:solidFill>
+                  <a:schemeClr val="tx1">
+                    <a:lumMod val="65000"/>
+                    <a:lumOff val="35000"/>
+                  </a:schemeClr>
+                </a:solidFill>
+              </a:rPr>
+              <a:t>  </a:t>
+            </a:r>
+            <a:r>
+              <a:rPr lang="en-US" dirty="0" smtClean="0">
+                <a:solidFill>
+                  <a:schemeClr val="tx1">
+                    <a:lumMod val="65000"/>
+                    <a:lumOff val="35000"/>
+                  </a:schemeClr>
+                </a:solidFill>
+              </a:rPr>
+              <a:t>         (1.4)  Are S</a:t>
+            </a:r>
+            <a:r>
+              <a:rPr lang="en-US" baseline="-25000" dirty="0" smtClean="0">
+                <a:solidFill>
+                  <a:schemeClr val="tx1">
+                    <a:lumMod val="65000"/>
+                    <a:lumOff val="35000"/>
+                  </a:schemeClr>
+                </a:solidFill>
+              </a:rPr>
+              <a:t>1</a:t>
+            </a:r>
+            <a:r>
+              <a:rPr lang="en-US" dirty="0">
+                <a:solidFill>
+                  <a:schemeClr val="tx1">
+                    <a:lumMod val="65000"/>
+                    <a:lumOff val="35000"/>
+                  </a:schemeClr>
+                </a:solidFill>
+              </a:rPr>
+              <a:t> </a:t>
+            </a:r>
+            <a:r>
+              <a:rPr lang="en-US" dirty="0" smtClean="0">
+                <a:solidFill>
+                  <a:schemeClr val="tx1">
+                    <a:lumMod val="65000"/>
+                    <a:lumOff val="35000"/>
+                  </a:schemeClr>
+                </a:solidFill>
+              </a:rPr>
+              <a:t>and S</a:t>
+            </a:r>
+            <a:r>
+              <a:rPr lang="en-US" baseline="-25000" dirty="0" smtClean="0">
+                <a:solidFill>
+                  <a:schemeClr val="tx1">
+                    <a:lumMod val="65000"/>
+                    <a:lumOff val="35000"/>
+                  </a:schemeClr>
+                </a:solidFill>
+              </a:rPr>
+              <a:t>2</a:t>
+            </a:r>
+            <a:r>
+              <a:rPr lang="en-US" dirty="0">
+                <a:solidFill>
+                  <a:schemeClr val="tx1">
+                    <a:lumMod val="65000"/>
+                    <a:lumOff val="35000"/>
+                  </a:schemeClr>
+                </a:solidFill>
+              </a:rPr>
+              <a:t> </a:t>
+            </a:r>
+            <a:r>
+              <a:rPr lang="en-US" dirty="0" smtClean="0">
+                <a:solidFill>
+                  <a:schemeClr val="tx1">
+                    <a:lumMod val="65000"/>
+                    <a:lumOff val="35000"/>
+                  </a:schemeClr>
+                </a:solidFill>
+              </a:rPr>
+              <a:t>independent?</a:t>
+            </a:r>
+          </a:p>
+          <a:p>
+            <a:r>
+              <a:rPr lang="en-US" dirty="0" smtClean="0">
+                <a:solidFill>
+                  <a:schemeClr val="tx1">
+                    <a:lumMod val="65000"/>
+                    <a:lumOff val="35000"/>
+                  </a:schemeClr>
+                </a:solidFill>
+              </a:rPr>
+              <a:t>           </a:t>
+            </a:r>
+            <a:r>
+              <a:rPr lang="en-US" dirty="0">
+                <a:solidFill>
+                  <a:schemeClr val="tx1">
+                    <a:lumMod val="65000"/>
+                    <a:lumOff val="35000"/>
+                  </a:schemeClr>
+                </a:solidFill>
+              </a:rPr>
+              <a:t>(</a:t>
+            </a:r>
+            <a:r>
+              <a:rPr lang="en-US" dirty="0" smtClean="0">
+                <a:solidFill>
+                  <a:schemeClr val="tx1">
+                    <a:lumMod val="65000"/>
+                    <a:lumOff val="35000"/>
+                  </a:schemeClr>
+                </a:solidFill>
+              </a:rPr>
+              <a:t>1.5)  Derive and report p(S</a:t>
+            </a:r>
+            <a:r>
+              <a:rPr lang="en-US" baseline="-25000" dirty="0" smtClean="0">
+                <a:solidFill>
+                  <a:schemeClr val="tx1">
+                    <a:lumMod val="65000"/>
+                    <a:lumOff val="35000"/>
+                  </a:schemeClr>
+                </a:solidFill>
+              </a:rPr>
+              <a:t>2</a:t>
+            </a:r>
+            <a:r>
+              <a:rPr lang="en-US" dirty="0" smtClean="0">
+                <a:solidFill>
+                  <a:schemeClr val="tx1">
+                    <a:lumMod val="65000"/>
+                    <a:lumOff val="35000"/>
+                  </a:schemeClr>
+                </a:solidFill>
+              </a:rPr>
+              <a:t>|S</a:t>
+            </a:r>
+            <a:r>
+              <a:rPr lang="en-US" baseline="-25000" dirty="0" smtClean="0">
+                <a:solidFill>
+                  <a:schemeClr val="tx1">
+                    <a:lumMod val="65000"/>
+                    <a:lumOff val="35000"/>
+                  </a:schemeClr>
+                </a:solidFill>
+              </a:rPr>
+              <a:t>1</a:t>
+            </a:r>
+            <a:r>
+              <a:rPr lang="en-US" dirty="0" smtClean="0">
+                <a:solidFill>
+                  <a:schemeClr val="tx1">
+                    <a:lumMod val="65000"/>
+                    <a:lumOff val="35000"/>
+                  </a:schemeClr>
+                </a:solidFill>
+              </a:rPr>
+              <a:t>).</a:t>
+            </a:r>
+          </a:p>
+          <a:p>
+            <a:r>
+              <a:rPr lang="en-US" dirty="0">
+                <a:solidFill>
+                  <a:schemeClr val="tx1">
+                    <a:lumMod val="65000"/>
+                    <a:lumOff val="35000"/>
+                  </a:schemeClr>
+                </a:solidFill>
+              </a:rPr>
+              <a:t> </a:t>
+            </a:r>
+            <a:r>
+              <a:rPr lang="en-US" dirty="0" smtClean="0">
+                <a:solidFill>
+                  <a:schemeClr val="tx1">
+                    <a:lumMod val="65000"/>
+                    <a:lumOff val="35000"/>
+                  </a:schemeClr>
+                </a:solidFill>
+              </a:rPr>
+              <a:t>          </a:t>
+            </a:r>
+            <a:r>
+              <a:rPr lang="en-US" u="sng" dirty="0" smtClean="0">
+                <a:solidFill>
+                  <a:schemeClr val="tx1">
+                    <a:lumMod val="65000"/>
+                    <a:lumOff val="35000"/>
+                  </a:schemeClr>
+                </a:solidFill>
+              </a:rPr>
+              <a:t>Notation:</a:t>
+            </a:r>
+            <a:r>
+              <a:rPr lang="en-US" dirty="0" smtClean="0">
+                <a:solidFill>
+                  <a:schemeClr val="tx1">
+                    <a:lumMod val="65000"/>
+                    <a:lumOff val="35000"/>
+                  </a:schemeClr>
+                </a:solidFill>
+              </a:rPr>
+              <a:t>   G</a:t>
+            </a:r>
+            <a:r>
+              <a:rPr lang="en-US" baseline="-25000" dirty="0">
+                <a:solidFill>
+                  <a:schemeClr val="tx1">
+                    <a:lumMod val="65000"/>
+                    <a:lumOff val="35000"/>
+                  </a:schemeClr>
+                </a:solidFill>
+              </a:rPr>
+              <a:t>0</a:t>
+            </a:r>
+            <a:r>
+              <a:rPr lang="en-US" dirty="0" smtClean="0">
+                <a:solidFill>
+                  <a:schemeClr val="tx1">
+                    <a:lumMod val="65000"/>
+                    <a:lumOff val="35000"/>
+                  </a:schemeClr>
+                </a:solidFill>
+              </a:rPr>
+              <a:t> denotes the genotype of the known parent and can take values {AA,AB,BB}.</a:t>
+            </a:r>
+          </a:p>
+          <a:p>
+            <a:r>
+              <a:rPr lang="en-US" dirty="0">
+                <a:solidFill>
+                  <a:schemeClr val="tx1">
+                    <a:lumMod val="65000"/>
+                    <a:lumOff val="35000"/>
+                  </a:schemeClr>
+                </a:solidFill>
+              </a:rPr>
+              <a:t>	 </a:t>
+            </a:r>
+            <a:r>
+              <a:rPr lang="en-US" dirty="0" smtClean="0">
+                <a:solidFill>
+                  <a:schemeClr val="tx1">
+                    <a:lumMod val="65000"/>
+                    <a:lumOff val="35000"/>
+                  </a:schemeClr>
+                </a:solidFill>
+              </a:rPr>
+              <a:t>            S</a:t>
+            </a:r>
+            <a:r>
+              <a:rPr lang="en-US" baseline="-25000" dirty="0" smtClean="0">
+                <a:solidFill>
+                  <a:schemeClr val="tx1">
+                    <a:lumMod val="65000"/>
+                    <a:lumOff val="35000"/>
+                  </a:schemeClr>
+                </a:solidFill>
+              </a:rPr>
+              <a:t>i</a:t>
+            </a:r>
+            <a:r>
+              <a:rPr lang="en-US" dirty="0" smtClean="0">
+                <a:solidFill>
+                  <a:schemeClr val="tx1">
+                    <a:lumMod val="65000"/>
+                    <a:lumOff val="35000"/>
+                  </a:schemeClr>
+                </a:solidFill>
+              </a:rPr>
+              <a:t>  denotes the health status of the </a:t>
+            </a:r>
+            <a:r>
+              <a:rPr lang="en-US" dirty="0" err="1" smtClean="0">
+                <a:solidFill>
+                  <a:schemeClr val="tx1">
+                    <a:lumMod val="65000"/>
+                    <a:lumOff val="35000"/>
+                  </a:schemeClr>
+                </a:solidFill>
+              </a:rPr>
+              <a:t>ith</a:t>
+            </a:r>
+            <a:r>
+              <a:rPr lang="en-US" dirty="0" smtClean="0">
+                <a:solidFill>
+                  <a:schemeClr val="tx1">
+                    <a:lumMod val="65000"/>
+                    <a:lumOff val="35000"/>
+                  </a:schemeClr>
+                </a:solidFill>
+              </a:rPr>
+              <a:t> progeny (</a:t>
+            </a:r>
+            <a:r>
+              <a:rPr lang="en-US" dirty="0" err="1" smtClean="0">
+                <a:solidFill>
+                  <a:schemeClr val="tx1">
+                    <a:lumMod val="65000"/>
+                    <a:lumOff val="35000"/>
+                  </a:schemeClr>
+                </a:solidFill>
+              </a:rPr>
+              <a:t>i</a:t>
+            </a:r>
+            <a:r>
+              <a:rPr lang="en-US" dirty="0" smtClean="0">
+                <a:solidFill>
+                  <a:schemeClr val="tx1">
+                    <a:lumMod val="65000"/>
+                    <a:lumOff val="35000"/>
+                  </a:schemeClr>
+                </a:solidFill>
+              </a:rPr>
+              <a:t>=1,2), it can take values {H,D}.</a:t>
+            </a:r>
+            <a:endParaRPr lang="en-US" dirty="0" smtClean="0">
+              <a:solidFill>
+                <a:schemeClr val="accent1">
+                  <a:lumMod val="75000"/>
+                </a:schemeClr>
+              </a:solidFill>
+            </a:endParaRPr>
+          </a:p>
+        </p:txBody>
+      </p:sp>
+    </p:spTree>
+    <p:extLst>
+      <p:ext uri="{BB962C8B-B14F-4D97-AF65-F5344CB8AC3E}">
+        <p14:creationId xmlns:p14="http://schemas.microsoft.com/office/powerpoint/2010/main" val="2963594800"/>
+      </p:ext>
+    </p:extLst>
+  </p:cSld>
+  <p:clrMapOvr>
+    <a:masterClrMapping/>
+  </p:clrMapOvr>
+  <p:timing>
+    <p:tnLst>
+      <p:par>
+        <p:cTn xmlns:p14="http://schemas.microsoft.com/office/powerpoint/2010/main" id="1" dur="indefinite" restart="never" nodeType="tmRoot">
+          <p:childTnLst>
+            <p:seq concurrent="1" nextAc="seek">
+              <p:cTn id="2" dur="indefinite" nodeType="mainSeq">
+                <p:childTnLst>
+                  <p:par>
+                    <p:cTn id="3" fill="hold">
+                      <p:stCondLst>
+                        <p:cond delay="indefinite"/>
+                      </p:stCondLst>
+                      <p:childTnLst>
+                        <p:par>
+                          <p:cTn id="4" fill="hold">
+                            <p:stCondLst>
+                              <p:cond delay="0"/>
+                            </p:stCondLst>
+                            <p:childTnLst>
+                              <p:par>
+                                <p:cTn id="5" presetID="3" presetClass="entr" presetSubtype="10" fill="hold" grpId="0" nodeType="clickEffect">
+                                  <p:stCondLst>
+                                    <p:cond delay="0"/>
+                                  </p:stCondLst>
+                                  <p:childTnLst>
+                                    <p:set>
+                                      <p:cBhvr>
+                                        <p:cTn id="6" dur="1" fill="hold">
+                                          <p:stCondLst>
+                                            <p:cond delay="0"/>
+                                          </p:stCondLst>
+                                        </p:cTn>
+                                        <p:tgtEl>
+                                          <p:spTgt spid="6">
+                                            <p:bg/>
+                                          </p:spTgt>
+                                        </p:tgtEl>
+                                        <p:attrNameLst>
+                                          <p:attrName>style.visibility</p:attrName>
+                                        </p:attrNameLst>
+                                      </p:cBhvr>
+                                      <p:to>
+                                        <p:strVal val="visible"/>
+                                      </p:to>
+                                    </p:set>
+                                    <p:animEffect transition="in" filter="blinds(horizontal)">
+                                      <p:cBhvr>
+                                        <p:cTn id="7" dur="500"/>
+                                        <p:tgtEl>
+                                          <p:spTgt spid="6">
+                                            <p:bg/>
+                                          </p:spTgt>
+                                        </p:tgtEl>
+                                      </p:cBhvr>
+                                    </p:animEffect>
+                                  </p:childTnLst>
+                                </p:cTn>
+                              </p:par>
+                            </p:childTnLst>
+                          </p:cTn>
+                        </p:par>
+                      </p:childTnLst>
+                    </p:cTn>
+                  </p:par>
+                  <p:par>
+                    <p:cTn id="8" fill="hold">
+                      <p:stCondLst>
+                        <p:cond delay="indefinite"/>
+                      </p:stCondLst>
+                      <p:childTnLst>
+                        <p:par>
+                          <p:cTn id="9" fill="hold">
+                            <p:stCondLst>
+                              <p:cond delay="0"/>
+                            </p:stCondLst>
+                            <p:childTnLst>
+                              <p:par>
+                                <p:cTn id="10" presetID="3" presetClass="entr" presetSubtype="10" fill="hold" grpId="0" nodeType="clickEffect">
+                                  <p:stCondLst>
+                                    <p:cond delay="0"/>
+                                  </p:stCondLst>
+                                  <p:childTnLst>
+                                    <p:set>
+                                      <p:cBhvr>
+                                        <p:cTn id="11" dur="1" fill="hold">
+                                          <p:stCondLst>
+                                            <p:cond delay="0"/>
+                                          </p:stCondLst>
+                                        </p:cTn>
+                                        <p:tgtEl>
+                                          <p:spTgt spid="6">
+                                            <p:txEl>
+                                              <p:pRg st="0" end="0"/>
+                                            </p:txEl>
+                                          </p:spTgt>
+                                        </p:tgtEl>
+                                        <p:attrNameLst>
+                                          <p:attrName>style.visibility</p:attrName>
+                                        </p:attrNameLst>
+                                      </p:cBhvr>
+                                      <p:to>
+                                        <p:strVal val="visible"/>
+                                      </p:to>
+                                    </p:set>
+                                    <p:animEffect transition="in" filter="blinds(horizontal)">
+                                      <p:cBhvr>
+                                        <p:cTn id="12" dur="500"/>
+                                        <p:tgtEl>
+                                          <p:spTgt spid="6">
+                                            <p:txEl>
+                                              <p:pRg st="0" end="0"/>
+                                            </p:txEl>
+                                          </p:spTgt>
+                                        </p:tgtEl>
+                                      </p:cBhvr>
+                                    </p:animEffect>
+                                  </p:childTnLst>
+                                </p:cTn>
+                              </p:par>
+                            </p:childTnLst>
+                          </p:cTn>
+                        </p:par>
+                      </p:childTnLst>
+                    </p:cTn>
+                  </p:par>
+                  <p:par>
+                    <p:cTn id="13" fill="hold">
+                      <p:stCondLst>
+                        <p:cond delay="indefinite"/>
+                      </p:stCondLst>
+                      <p:childTnLst>
+                        <p:par>
+                          <p:cTn id="14" fill="hold">
+                            <p:stCondLst>
+                              <p:cond delay="0"/>
+                            </p:stCondLst>
+                            <p:childTnLst>
+                              <p:par>
+                                <p:cTn id="15" presetID="3" presetClass="entr" presetSubtype="10" fill="hold" grpId="0" nodeType="clickEffect">
+                                  <p:stCondLst>
+                                    <p:cond delay="0"/>
+                                  </p:stCondLst>
+                                  <p:childTnLst>
+                                    <p:set>
+                                      <p:cBhvr>
+                                        <p:cTn id="16" dur="1" fill="hold">
+                                          <p:stCondLst>
+                                            <p:cond delay="0"/>
+                                          </p:stCondLst>
+                                        </p:cTn>
+                                        <p:tgtEl>
+                                          <p:spTgt spid="6">
+                                            <p:txEl>
+                                              <p:pRg st="2" end="2"/>
+                                            </p:txEl>
+                                          </p:spTgt>
+                                        </p:tgtEl>
+                                        <p:attrNameLst>
+                                          <p:attrName>style.visibility</p:attrName>
+                                        </p:attrNameLst>
+                                      </p:cBhvr>
+                                      <p:to>
+                                        <p:strVal val="visible"/>
+                                      </p:to>
+                                    </p:set>
+                                    <p:animEffect transition="in" filter="blinds(horizontal)">
+                                      <p:cBhvr>
+                                        <p:cTn id="17" dur="500"/>
+                                        <p:tgtEl>
+                                          <p:spTgt spid="6">
+                                            <p:txEl>
+                                              <p:pRg st="2" end="2"/>
+                                            </p:txEl>
+                                          </p:spTgt>
+                                        </p:tgtEl>
+                                      </p:cBhvr>
+                                    </p:animEffect>
+                                  </p:childTnLst>
+                                </p:cTn>
+                              </p:par>
+                            </p:childTnLst>
+                          </p:cTn>
+                        </p:par>
+                      </p:childTnLst>
+                    </p:cTn>
+                  </p:par>
+                  <p:par>
+                    <p:cTn id="18" fill="hold">
+                      <p:stCondLst>
+                        <p:cond delay="indefinite"/>
+                      </p:stCondLst>
+                      <p:childTnLst>
+                        <p:par>
+                          <p:cTn id="19" fill="hold">
+                            <p:stCondLst>
+                              <p:cond delay="0"/>
+                            </p:stCondLst>
+                            <p:childTnLst>
+                              <p:par>
+                                <p:cTn id="20" presetID="3" presetClass="entr" presetSubtype="10" fill="hold" grpId="0" nodeType="clickEffect">
+                                  <p:stCondLst>
+                                    <p:cond delay="0"/>
+                                  </p:stCondLst>
+                                  <p:childTnLst>
+                                    <p:set>
+                                      <p:cBhvr>
+                                        <p:cTn id="21" dur="1" fill="hold">
+                                          <p:stCondLst>
+                                            <p:cond delay="0"/>
+                                          </p:stCondLst>
+                                        </p:cTn>
+                                        <p:tgtEl>
+                                          <p:spTgt spid="6">
+                                            <p:txEl>
+                                              <p:pRg st="4" end="4"/>
+                                            </p:txEl>
+                                          </p:spTgt>
+                                        </p:tgtEl>
+                                        <p:attrNameLst>
+                                          <p:attrName>style.visibility</p:attrName>
+                                        </p:attrNameLst>
+                                      </p:cBhvr>
+                                      <p:to>
+                                        <p:strVal val="visible"/>
+                                      </p:to>
+                                    </p:set>
+                                    <p:animEffect transition="in" filter="blinds(horizontal)">
+                                      <p:cBhvr>
+                                        <p:cTn id="22" dur="500"/>
+                                        <p:tgtEl>
+                                          <p:spTgt spid="6">
+                                            <p:txEl>
+                                              <p:pRg st="4" end="4"/>
+                                            </p:txEl>
+                                          </p:spTgt>
+                                        </p:tgtEl>
+                                      </p:cBhvr>
+                                    </p:animEffect>
+                                  </p:childTnLst>
+                                </p:cTn>
+                              </p:par>
+                            </p:childTnLst>
+                          </p:cTn>
+                        </p:par>
+                      </p:childTnLst>
+                    </p:cTn>
+                  </p:par>
+                  <p:par>
+                    <p:cTn id="23" fill="hold">
+                      <p:stCondLst>
+                        <p:cond delay="indefinite"/>
+                      </p:stCondLst>
+                      <p:childTnLst>
+                        <p:par>
+                          <p:cTn id="24" fill="hold">
+                            <p:stCondLst>
+                              <p:cond delay="0"/>
+                            </p:stCondLst>
+                            <p:childTnLst>
+                              <p:par>
+                                <p:cTn id="25" presetID="3" presetClass="entr" presetSubtype="10" fill="hold" grpId="0" nodeType="clickEffect">
+                                  <p:stCondLst>
+                                    <p:cond delay="0"/>
+                                  </p:stCondLst>
+                                  <p:childTnLst>
+                                    <p:set>
+                                      <p:cBhvr>
+                                        <p:cTn id="26" dur="1" fill="hold">
+                                          <p:stCondLst>
+                                            <p:cond delay="0"/>
+                                          </p:stCondLst>
+                                        </p:cTn>
+                                        <p:tgtEl>
+                                          <p:spTgt spid="6">
+                                            <p:txEl>
+                                              <p:pRg st="6" end="6"/>
+                                            </p:txEl>
+                                          </p:spTgt>
+                                        </p:tgtEl>
+                                        <p:attrNameLst>
+                                          <p:attrName>style.visibility</p:attrName>
+                                        </p:attrNameLst>
+                                      </p:cBhvr>
+                                      <p:to>
+                                        <p:strVal val="visible"/>
+                                      </p:to>
+                                    </p:set>
+                                    <p:animEffect transition="in" filter="blinds(horizontal)">
+                                      <p:cBhvr>
+                                        <p:cTn id="27" dur="500"/>
+                                        <p:tgtEl>
+                                          <p:spTgt spid="6">
+                                            <p:txEl>
+                                              <p:pRg st="6" end="6"/>
+                                            </p:txEl>
+                                          </p:spTgt>
+                                        </p:tgtEl>
+                                      </p:cBhvr>
+                                    </p:animEffect>
+                                  </p:childTnLst>
+                                </p:cTn>
+                              </p:par>
+                            </p:childTnLst>
+                          </p:cTn>
+                        </p:par>
+                      </p:childTnLst>
+                    </p:cTn>
+                  </p:par>
+                  <p:par>
+                    <p:cTn id="28" fill="hold">
+                      <p:stCondLst>
+                        <p:cond delay="indefinite"/>
+                      </p:stCondLst>
+                      <p:childTnLst>
+                        <p:par>
+                          <p:cTn id="29" fill="hold">
+                            <p:stCondLst>
+                              <p:cond delay="0"/>
+                            </p:stCondLst>
+                            <p:childTnLst>
+                              <p:par>
+                                <p:cTn id="30" presetID="3" presetClass="entr" presetSubtype="10" fill="hold" grpId="0" nodeType="clickEffect">
+                                  <p:stCondLst>
+                                    <p:cond delay="0"/>
+                                  </p:stCondLst>
+                                  <p:childTnLst>
+                                    <p:set>
+                                      <p:cBhvr>
+                                        <p:cTn id="31" dur="1" fill="hold">
+                                          <p:stCondLst>
+                                            <p:cond delay="0"/>
+                                          </p:stCondLst>
+                                        </p:cTn>
+                                        <p:tgtEl>
+                                          <p:spTgt spid="6">
+                                            <p:txEl>
+                                              <p:pRg st="8" end="8"/>
+                                            </p:txEl>
+                                          </p:spTgt>
+                                        </p:tgtEl>
+                                        <p:attrNameLst>
+                                          <p:attrName>style.visibility</p:attrName>
+                                        </p:attrNameLst>
+                                      </p:cBhvr>
+                                      <p:to>
+                                        <p:strVal val="visible"/>
+                                      </p:to>
+                                    </p:set>
+                                    <p:animEffect transition="in" filter="blinds(horizontal)">
+                                      <p:cBhvr>
+                                        <p:cTn id="32" dur="500"/>
+                                        <p:tgtEl>
+                                          <p:spTgt spid="6">
+                                            <p:txEl>
+                                              <p:pRg st="8" end="8"/>
+                                            </p:txEl>
+                                          </p:spTgt>
+                                        </p:tgtEl>
+                                      </p:cBhvr>
+                                    </p:animEffect>
+                                  </p:childTnLst>
+                                </p:cTn>
+                              </p:par>
+                            </p:childTnLst>
+                          </p:cTn>
+                        </p:par>
+                      </p:childTnLst>
+                    </p:cTn>
+                  </p:par>
+                  <p:par>
+                    <p:cTn id="33" fill="hold">
+                      <p:stCondLst>
+                        <p:cond delay="indefinite"/>
+                      </p:stCondLst>
+                      <p:childTnLst>
+                        <p:par>
+                          <p:cTn id="34" fill="hold">
+                            <p:stCondLst>
+                              <p:cond delay="0"/>
+                            </p:stCondLst>
+                            <p:childTnLst>
+                              <p:par>
+                                <p:cTn id="35" presetID="3" presetClass="entr" presetSubtype="10" fill="hold" grpId="0" nodeType="clickEffect">
+                                  <p:stCondLst>
+                                    <p:cond delay="0"/>
+                                  </p:stCondLst>
+                                  <p:childTnLst>
+                                    <p:set>
+                                      <p:cBhvr>
+                                        <p:cTn id="36" dur="1" fill="hold">
+                                          <p:stCondLst>
+                                            <p:cond delay="0"/>
+                                          </p:stCondLst>
+                                        </p:cTn>
+                                        <p:tgtEl>
+                                          <p:spTgt spid="6">
+                                            <p:txEl>
+                                              <p:pRg st="9" end="9"/>
+                                            </p:txEl>
+                                          </p:spTgt>
+                                        </p:tgtEl>
+                                        <p:attrNameLst>
+                                          <p:attrName>style.visibility</p:attrName>
+                                        </p:attrNameLst>
+                                      </p:cBhvr>
+                                      <p:to>
+                                        <p:strVal val="visible"/>
+                                      </p:to>
+                                    </p:set>
+                                    <p:animEffect transition="in" filter="blinds(horizontal)">
+                                      <p:cBhvr>
+                                        <p:cTn id="37" dur="500"/>
+                                        <p:tgtEl>
+                                          <p:spTgt spid="6">
+                                            <p:txEl>
+                                              <p:pRg st="9" end="9"/>
+                                            </p:txEl>
+                                          </p:spTgt>
+                                        </p:tgtEl>
+                                      </p:cBhvr>
+                                    </p:animEffect>
+                                  </p:childTnLst>
+                                </p:cTn>
+                              </p:par>
+                            </p:childTnLst>
+                          </p:cTn>
+                        </p:par>
+                      </p:childTnLst>
+                    </p:cTn>
+                  </p:par>
+                  <p:par>
+                    <p:cTn id="38" fill="hold">
+                      <p:stCondLst>
+                        <p:cond delay="indefinite"/>
+                      </p:stCondLst>
+                      <p:childTnLst>
+                        <p:par>
+                          <p:cTn id="39" fill="hold">
+                            <p:stCondLst>
+                              <p:cond delay="0"/>
+                            </p:stCondLst>
+                            <p:childTnLst>
+                              <p:par>
+                                <p:cTn id="40" presetID="3" presetClass="entr" presetSubtype="10" fill="hold" grpId="0" nodeType="clickEffect">
+                                  <p:stCondLst>
+                                    <p:cond delay="0"/>
+                                  </p:stCondLst>
+                                  <p:childTnLst>
+                                    <p:set>
+                                      <p:cBhvr>
+                                        <p:cTn id="41" dur="1" fill="hold">
+                                          <p:stCondLst>
+                                            <p:cond delay="0"/>
+                                          </p:stCondLst>
+                                        </p:cTn>
+                                        <p:tgtEl>
+                                          <p:spTgt spid="6">
+                                            <p:txEl>
+                                              <p:pRg st="10" end="10"/>
+                                            </p:txEl>
+                                          </p:spTgt>
+                                        </p:tgtEl>
+                                        <p:attrNameLst>
+                                          <p:attrName>style.visibility</p:attrName>
+                                        </p:attrNameLst>
+                                      </p:cBhvr>
+                                      <p:to>
+                                        <p:strVal val="visible"/>
+                                      </p:to>
+                                    </p:set>
+                                    <p:animEffect transition="in" filter="blinds(horizontal)">
+                                      <p:cBhvr>
+                                        <p:cTn id="42" dur="500"/>
+                                        <p:tgtEl>
+                                          <p:spTgt spid="6">
+                                            <p:txEl>
+                                              <p:pRg st="10" end="10"/>
+                                            </p:txEl>
+                                          </p:spTgt>
+                                        </p:tgtEl>
+                                      </p:cBhvr>
+                                    </p:animEffect>
+                                  </p:childTnLst>
+                                </p:cTn>
+                              </p:par>
+                            </p:childTnLst>
+                          </p:cTn>
+                        </p:par>
+                      </p:childTnLst>
+                    </p:cTn>
+                  </p:par>
+                  <p:par>
+                    <p:cTn id="43" fill="hold">
+                      <p:stCondLst>
+                        <p:cond delay="indefinite"/>
+                      </p:stCondLst>
+                      <p:childTnLst>
+                        <p:par>
+                          <p:cTn id="44" fill="hold">
+                            <p:stCondLst>
+                              <p:cond delay="0"/>
+                            </p:stCondLst>
+                            <p:childTnLst>
+                              <p:par>
+                                <p:cTn id="45" presetID="3" presetClass="entr" presetSubtype="10" fill="hold" grpId="0" nodeType="clickEffect">
+                                  <p:stCondLst>
+                                    <p:cond delay="0"/>
+                                  </p:stCondLst>
+                                  <p:childTnLst>
+                                    <p:set>
+                                      <p:cBhvr>
+                                        <p:cTn id="46" dur="1" fill="hold">
+                                          <p:stCondLst>
+                                            <p:cond delay="0"/>
+                                          </p:stCondLst>
+                                        </p:cTn>
+                                        <p:tgtEl>
+                                          <p:spTgt spid="6">
+                                            <p:txEl>
+                                              <p:pRg st="11" end="11"/>
+                                            </p:txEl>
+                                          </p:spTgt>
+                                        </p:tgtEl>
+                                        <p:attrNameLst>
+                                          <p:attrName>style.visibility</p:attrName>
+                                        </p:attrNameLst>
+                                      </p:cBhvr>
+                                      <p:to>
+                                        <p:strVal val="visible"/>
+                                      </p:to>
+                                    </p:set>
+                                    <p:animEffect transition="in" filter="blinds(horizontal)">
+                                      <p:cBhvr>
+                                        <p:cTn id="47" dur="500"/>
+                                        <p:tgtEl>
+                                          <p:spTgt spid="6">
+                                            <p:txEl>
+                                              <p:pRg st="11" end="11"/>
+                                            </p:txEl>
+                                          </p:spTgt>
+                                        </p:tgtEl>
+                                      </p:cBhvr>
+                                    </p:animEffect>
+                                  </p:childTnLst>
+                                </p:cTn>
+                              </p:par>
+                            </p:childTnLst>
+                          </p:cTn>
+                        </p:par>
+                      </p:childTnLst>
+                    </p:cTn>
+                  </p:par>
+                  <p:par>
+                    <p:cTn id="48" fill="hold">
+                      <p:stCondLst>
+                        <p:cond delay="indefinite"/>
+                      </p:stCondLst>
+                      <p:childTnLst>
+                        <p:par>
+                          <p:cTn id="49" fill="hold">
+                            <p:stCondLst>
+                              <p:cond delay="0"/>
+                            </p:stCondLst>
+                            <p:childTnLst>
+                              <p:par>
+                                <p:cTn id="50" presetID="3" presetClass="entr" presetSubtype="10" fill="hold" grpId="0" nodeType="clickEffect">
+                                  <p:stCondLst>
+                                    <p:cond delay="0"/>
+                                  </p:stCondLst>
+                                  <p:childTnLst>
+                                    <p:set>
+                                      <p:cBhvr>
+                                        <p:cTn id="51" dur="1" fill="hold">
+                                          <p:stCondLst>
+                                            <p:cond delay="0"/>
+                                          </p:stCondLst>
+                                        </p:cTn>
+                                        <p:tgtEl>
+                                          <p:spTgt spid="6">
+                                            <p:txEl>
+                                              <p:pRg st="12" end="12"/>
+                                            </p:txEl>
+                                          </p:spTgt>
+                                        </p:tgtEl>
+                                        <p:attrNameLst>
+                                          <p:attrName>style.visibility</p:attrName>
+                                        </p:attrNameLst>
+                                      </p:cBhvr>
+                                      <p:to>
+                                        <p:strVal val="visible"/>
+                                      </p:to>
+                                    </p:set>
+                                    <p:animEffect transition="in" filter="blinds(horizontal)">
+                                      <p:cBhvr>
+                                        <p:cTn id="52" dur="500"/>
+                                        <p:tgtEl>
+                                          <p:spTgt spid="6">
+                                            <p:txEl>
+                                              <p:pRg st="12" end="12"/>
+                                            </p:txEl>
+                                          </p:spTgt>
+                                        </p:tgtEl>
+                                      </p:cBhvr>
+                                    </p:animEffect>
+                                  </p:childTnLst>
+                                </p:cTn>
+                              </p:par>
+                            </p:childTnLst>
+                          </p:cTn>
+                        </p:par>
+                      </p:childTnLst>
+                    </p:cTn>
+                  </p:par>
+                  <p:par>
+                    <p:cTn id="53" fill="hold">
+                      <p:stCondLst>
+                        <p:cond delay="indefinite"/>
+                      </p:stCondLst>
+                      <p:childTnLst>
+                        <p:par>
+                          <p:cTn id="54" fill="hold">
+                            <p:stCondLst>
+                              <p:cond delay="0"/>
+                            </p:stCondLst>
+                            <p:childTnLst>
+                              <p:par>
+                                <p:cTn id="55" presetID="3" presetClass="entr" presetSubtype="10" fill="hold" grpId="0" nodeType="clickEffect">
+                                  <p:stCondLst>
+                                    <p:cond delay="0"/>
+                                  </p:stCondLst>
+                                  <p:childTnLst>
+                                    <p:set>
+                                      <p:cBhvr>
+                                        <p:cTn id="56" dur="1" fill="hold">
+                                          <p:stCondLst>
+                                            <p:cond delay="0"/>
+                                          </p:stCondLst>
+                                        </p:cTn>
+                                        <p:tgtEl>
+                                          <p:spTgt spid="6">
+                                            <p:txEl>
+                                              <p:pRg st="13" end="13"/>
+                                            </p:txEl>
+                                          </p:spTgt>
+                                        </p:tgtEl>
+                                        <p:attrNameLst>
+                                          <p:attrName>style.visibility</p:attrName>
+                                        </p:attrNameLst>
+                                      </p:cBhvr>
+                                      <p:to>
+                                        <p:strVal val="visible"/>
+                                      </p:to>
+                                    </p:set>
+                                    <p:animEffect transition="in" filter="blinds(horizontal)">
+                                      <p:cBhvr>
+                                        <p:cTn id="57" dur="500"/>
+                                        <p:tgtEl>
+                                          <p:spTgt spid="6">
+                                            <p:txEl>
+                                              <p:pRg st="13" end="13"/>
+                                            </p:txEl>
+                                          </p:spTgt>
+                                        </p:tgtEl>
+                                      </p:cBhvr>
+                                    </p:animEffect>
+                                  </p:childTnLst>
+                                </p:cTn>
+                              </p:par>
+                            </p:childTnLst>
+                          </p:cTn>
+                        </p:par>
+                      </p:childTnLst>
+                    </p:cTn>
+                  </p:par>
+                  <p:par>
+                    <p:cTn id="58" fill="hold">
+                      <p:stCondLst>
+                        <p:cond delay="indefinite"/>
+                      </p:stCondLst>
+                      <p:childTnLst>
+                        <p:par>
+                          <p:cTn id="59" fill="hold">
+                            <p:stCondLst>
+                              <p:cond delay="0"/>
+                            </p:stCondLst>
+                            <p:childTnLst>
+                              <p:par>
+                                <p:cTn id="60" presetID="3" presetClass="entr" presetSubtype="10" fill="hold" grpId="0" nodeType="clickEffect">
+                                  <p:stCondLst>
+                                    <p:cond delay="0"/>
+                                  </p:stCondLst>
+                                  <p:childTnLst>
+                                    <p:set>
+                                      <p:cBhvr>
+                                        <p:cTn id="61" dur="1" fill="hold">
+                                          <p:stCondLst>
+                                            <p:cond delay="0"/>
+                                          </p:stCondLst>
+                                        </p:cTn>
+                                        <p:tgtEl>
+                                          <p:spTgt spid="6">
+                                            <p:txEl>
+                                              <p:pRg st="14" end="14"/>
+                                            </p:txEl>
+                                          </p:spTgt>
+                                        </p:tgtEl>
+                                        <p:attrNameLst>
+                                          <p:attrName>style.visibility</p:attrName>
+                                        </p:attrNameLst>
+                                      </p:cBhvr>
+                                      <p:to>
+                                        <p:strVal val="visible"/>
+                                      </p:to>
+                                    </p:set>
+                                    <p:animEffect transition="in" filter="blinds(horizontal)">
+                                      <p:cBhvr>
+                                        <p:cTn id="62" dur="500"/>
+                                        <p:tgtEl>
+                                          <p:spTgt spid="6">
+                                            <p:txEl>
+                                              <p:pRg st="14" end="14"/>
+                                            </p:txEl>
+                                          </p:spTgt>
+                                        </p:tgtEl>
+                                      </p:cBhvr>
+                                    </p:animEffect>
+                                  </p:childTnLst>
+                                </p:cTn>
+                              </p:par>
+                            </p:childTnLst>
+                          </p:cTn>
+                        </p:par>
+                      </p:childTnLst>
+                    </p:cTn>
+                  </p:par>
+                  <p:par>
+                    <p:cTn id="63" fill="hold">
+                      <p:stCondLst>
+                        <p:cond delay="indefinite"/>
+                      </p:stCondLst>
+                      <p:childTnLst>
+                        <p:par>
+                          <p:cTn id="64" fill="hold">
+                            <p:stCondLst>
+                              <p:cond delay="0"/>
+                            </p:stCondLst>
+                            <p:childTnLst>
+                              <p:par>
+                                <p:cTn id="65" presetID="3" presetClass="entr" presetSubtype="10" fill="hold" grpId="0" nodeType="clickEffect">
+                                  <p:stCondLst>
+                                    <p:cond delay="0"/>
+                                  </p:stCondLst>
+                                  <p:childTnLst>
+                                    <p:set>
+                                      <p:cBhvr>
+                                        <p:cTn id="66" dur="1" fill="hold">
+                                          <p:stCondLst>
+                                            <p:cond delay="0"/>
+                                          </p:stCondLst>
+                                        </p:cTn>
+                                        <p:tgtEl>
+                                          <p:spTgt spid="6">
+                                            <p:txEl>
+                                              <p:pRg st="15" end="15"/>
+                                            </p:txEl>
+                                          </p:spTgt>
+                                        </p:tgtEl>
+                                        <p:attrNameLst>
+                                          <p:attrName>style.visibility</p:attrName>
+                                        </p:attrNameLst>
+                                      </p:cBhvr>
+                                      <p:to>
+                                        <p:strVal val="visible"/>
+                                      </p:to>
+                                    </p:set>
+                                    <p:animEffect transition="in" filter="blinds(horizontal)">
+                                      <p:cBhvr>
+                                        <p:cTn id="67" dur="500"/>
+                                        <p:tgtEl>
+                                          <p:spTgt spid="6">
+                                            <p:txEl>
+                                              <p:pRg st="15" end="15"/>
+                                            </p:txEl>
+                                          </p:spTgt>
+                                        </p:tgtEl>
+                                      </p:cBhvr>
+                                    </p:animEffect>
+                                  </p:childTnLst>
+                                </p:cTn>
+                              </p:par>
+                            </p:childTnLst>
+                          </p:cTn>
+                        </p:par>
+                      </p:childTnLst>
+                    </p:cTn>
+                  </p:par>
+                </p:childTnLst>
+              </p:cTn>
+              <p:prevCondLst>
+                <p:cond evt="onPrev" delay="0">
+                  <p:tgtEl>
+                    <p:sldTgt/>
+                  </p:tgtEl>
+                </p:cond>
+              </p:prevCondLst>
+              <p:nextCondLst>
+                <p:cond evt="onNext" delay="0">
+                  <p:tgtEl>
+                    <p:sldTgt/>
+                  </p:tgtEl>
+                </p:cond>
+              </p:nextCondLst>
+            </p:seq>
+          </p:childTnLst>
+        </p:cTn>
+      </p:par>
+    </p:tnLst>
+    <p:bldLst>
+      <p:bldP spid="6" grpId="0" build="p" bldLvl="2" animBg="1"/>
+    </p:bldLst>
+  </p:timing>
+</p:sld>
+</file>
+
+<file path=ppt/slides/slide6.xml><?xml version="1.0" encoding="utf-8"?>
+<p:sld xmlns:a="http://schemas.openxmlformats.org/drawingml/2006/main" xmlns:r="http://schemas.openxmlformats.org/officeDocument/2006/relationships" xmlns:p="http://schemas.openxmlformats.org/presentationml/2006/main">
+  <p:cSld>
+    <p:spTree>
+      <p:nvGrpSpPr>
+        <p:cNvPr id="1" name=""/>
+        <p:cNvGrpSpPr/>
+        <p:nvPr/>
+      </p:nvGrpSpPr>
+      <p:grpSpPr>
+        <a:xfrm>
+          <a:off x="0" y="0"/>
+          <a:ext cx="0" cy="0"/>
+          <a:chOff x="0" y="0"/>
+          <a:chExt cx="0" cy="0"/>
+        </a:xfrm>
+      </p:grpSpPr>
+      <p:sp>
+        <p:nvSpPr>
+          <p:cNvPr id="2" name="Title 1"/>
+          <p:cNvSpPr>
+            <a:spLocks noGrp="1"/>
+          </p:cNvSpPr>
+          <p:nvPr>
+            <p:ph type="ctrTitle"/>
+          </p:nvPr>
+        </p:nvSpPr>
+        <p:spPr>
+          <a:xfrm>
+            <a:off x="609600" y="76201"/>
+            <a:ext cx="7772400" cy="762000"/>
+          </a:xfrm>
+        </p:spPr>
+        <p:txBody>
+          <a:bodyPr>
+            <a:normAutofit/>
+          </a:bodyPr>
+          <a:lstStyle/>
+          <a:p>
+            <a:r>
+              <a:rPr lang="en-US" sz="3200" dirty="0" smtClean="0">
+                <a:solidFill>
+                  <a:schemeClr val="accent2">
+                    <a:lumMod val="75000"/>
+                  </a:schemeClr>
+                </a:solidFill>
+              </a:rPr>
+              <a:t>Remarks</a:t>
+            </a:r>
+            <a:endParaRPr lang="en-US" sz="3200" dirty="0">
+              <a:solidFill>
+                <a:schemeClr val="accent2">
+                  <a:lumMod val="75000"/>
+                </a:schemeClr>
+              </a:solidFill>
+            </a:endParaRPr>
+          </a:p>
+        </p:txBody>
+      </p:sp>
+      <p:sp>
+        <p:nvSpPr>
+          <p:cNvPr id="4" name="Footer Placeholder 3"/>
+          <p:cNvSpPr>
+            <a:spLocks noGrp="1"/>
+          </p:cNvSpPr>
+          <p:nvPr>
+            <p:ph type="ftr" sz="quarter" idx="11"/>
+          </p:nvPr>
+        </p:nvSpPr>
+        <p:spPr/>
+        <p:txBody>
+          <a:bodyPr/>
+          <a:lstStyle/>
+          <a:p>
+            <a:r>
+              <a:rPr lang="en-US" dirty="0" smtClean="0">
+                <a:solidFill>
+                  <a:schemeClr val="accent1"/>
+                </a:solidFill>
+              </a:rPr>
+              <a:t>STT 465, MSU, Fall, 2015</a:t>
+            </a:r>
+            <a:endParaRPr lang="en-US" dirty="0">
+              <a:solidFill>
+                <a:schemeClr val="accent1"/>
+              </a:solidFill>
+            </a:endParaRPr>
+          </a:p>
+        </p:txBody>
+      </p:sp>
+      <p:sp>
+        <p:nvSpPr>
+          <p:cNvPr id="6" name="TextBox 5"/>
+          <p:cNvSpPr txBox="1"/>
+          <p:nvPr/>
+        </p:nvSpPr>
+        <p:spPr>
+          <a:xfrm>
+            <a:off x="457200" y="990600"/>
+            <a:ext cx="8229600" cy="1754327"/>
+          </a:xfrm>
+          <a:prstGeom prst="rect">
+            <a:avLst/>
+          </a:prstGeom>
+          <a:noFill/>
+          <a:ln>
+            <a:solidFill>
+              <a:srgbClr val="800000"/>
+            </a:solidFill>
+            <a:prstDash val="sysDash"/>
+          </a:ln>
+        </p:spPr>
+        <p:txBody>
+          <a:bodyPr wrap="square" rtlCol="0">
+            <a:spAutoFit/>
+          </a:bodyPr>
+          <a:lstStyle/>
+          <a:p>
+            <a:pPr marL="285750" indent="-285750">
+              <a:buFont typeface="Symbol" charset="0"/>
+              <a:buChar char=""/>
+            </a:pPr>
+            <a:r>
+              <a:rPr lang="en-US" dirty="0" smtClean="0">
+                <a:solidFill>
+                  <a:schemeClr val="accent1">
+                    <a:lumMod val="75000"/>
+                  </a:schemeClr>
+                </a:solidFill>
+              </a:rPr>
+              <a:t>The joint probability contains all the information needed to arrive at the marginal s and conditionals</a:t>
+            </a:r>
+          </a:p>
+          <a:p>
+            <a:pPr marL="285750" indent="-285750">
+              <a:buFont typeface="Symbol" charset="0"/>
+              <a:buChar char=""/>
+            </a:pPr>
+            <a:endParaRPr lang="en-US" dirty="0">
+              <a:solidFill>
+                <a:schemeClr val="accent1">
+                  <a:lumMod val="75000"/>
+                </a:schemeClr>
+              </a:solidFill>
+            </a:endParaRPr>
+          </a:p>
+          <a:p>
+            <a:pPr marL="285750" indent="-285750">
+              <a:buFont typeface="Symbol" charset="0"/>
+              <a:buChar char=""/>
+            </a:pPr>
+            <a:r>
+              <a:rPr lang="en-US" dirty="0" smtClean="0">
+                <a:solidFill>
+                  <a:schemeClr val="accent1">
+                    <a:lumMod val="75000"/>
+                  </a:schemeClr>
+                </a:solidFill>
+              </a:rPr>
+              <a:t>We can arrive at the joint distribution from the marginal only with knowledge of the conditional distributions (under independence this is trivial).</a:t>
+            </a:r>
+            <a:endParaRPr lang="en-US" dirty="0">
+              <a:solidFill>
+                <a:schemeClr val="accent1">
+                  <a:lumMod val="75000"/>
+                </a:schemeClr>
+              </a:solidFill>
+            </a:endParaRPr>
+          </a:p>
+          <a:p>
+            <a:pPr marL="285750" indent="-285750">
+              <a:buFont typeface="Symbol" charset="0"/>
+              <a:buChar char=""/>
+            </a:pPr>
+            <a:endParaRPr lang="en-US" dirty="0" smtClean="0">
+              <a:solidFill>
+                <a:schemeClr val="accent1">
+                  <a:lumMod val="75000"/>
+                </a:schemeClr>
+              </a:solidFill>
+            </a:endParaRPr>
+          </a:p>
+        </p:txBody>
+      </p:sp>
+    </p:spTree>
+    <p:extLst>
+      <p:ext uri="{BB962C8B-B14F-4D97-AF65-F5344CB8AC3E}">
+        <p14:creationId xmlns:p14="http://schemas.microsoft.com/office/powerpoint/2010/main" val="4283453588"/>
+      </p:ext>
+    </p:extLst>
+  </p:cSld>
+  <p:clrMapOvr>
+    <a:masterClrMapping/>
+  </p:clrMapOvr>
+  <p:timing>
+    <p:tnLst>
+      <p:par>
+        <p:cTn xmlns:p14="http://schemas.microsoft.com/office/powerpoint/2010/main" id="1" dur="indefinite" restart="never" nodeType="tmRoot">
+          <p:childTnLst>
+            <p:seq concurrent="1" nextAc="seek">
+              <p:cTn id="2" dur="indefinite" nodeType="mainSeq">
+                <p:childTnLst>
+                  <p:par>
+                    <p:cTn id="3" fill="hold">
+                      <p:stCondLst>
+                        <p:cond delay="indefinite"/>
+                      </p:stCondLst>
+                      <p:childTnLst>
+                        <p:par>
+                          <p:cTn id="4" fill="hold">
+                            <p:stCondLst>
+                              <p:cond delay="0"/>
+                            </p:stCondLst>
+                            <p:childTnLst>
+                              <p:par>
+                                <p:cTn id="5" presetID="3" presetClass="entr" presetSubtype="10" fill="hold" grpId="0" nodeType="clickEffect">
+                                  <p:stCondLst>
+                                    <p:cond delay="0"/>
+                                  </p:stCondLst>
+                                  <p:childTnLst>
+                                    <p:set>
+                                      <p:cBhvr>
+                                        <p:cTn id="6" dur="1" fill="hold">
+                                          <p:stCondLst>
+                                            <p:cond delay="0"/>
+                                          </p:stCondLst>
+                                        </p:cTn>
+                                        <p:tgtEl>
+                                          <p:spTgt spid="6">
+                                            <p:bg/>
+                                          </p:spTgt>
+                                        </p:tgtEl>
+                                        <p:attrNameLst>
+                                          <p:attrName>style.visibility</p:attrName>
+                                        </p:attrNameLst>
+                                      </p:cBhvr>
+                                      <p:to>
+                                        <p:strVal val="visible"/>
+                                      </p:to>
+                                    </p:set>
+                                    <p:animEffect transition="in" filter="blinds(horizontal)">
+                                      <p:cBhvr>
+                                        <p:cTn id="7" dur="500"/>
+                                        <p:tgtEl>
+                                          <p:spTgt spid="6">
+                                            <p:bg/>
+                                          </p:spTgt>
+                                        </p:tgtEl>
+                                      </p:cBhvr>
+                                    </p:animEffect>
+                                  </p:childTnLst>
+                                </p:cTn>
+                              </p:par>
+                            </p:childTnLst>
+                          </p:cTn>
+                        </p:par>
+                      </p:childTnLst>
+                    </p:cTn>
+                  </p:par>
+                </p:childTnLst>
+              </p:cTn>
+              <p:prevCondLst>
+                <p:cond evt="onPrev" delay="0">
+                  <p:tgtEl>
+                    <p:sldTgt/>
+                  </p:tgtEl>
+                </p:cond>
+              </p:prevCondLst>
+              <p:nextCondLst>
+                <p:cond evt="onNext" delay="0">
+                  <p:tgtEl>
+                    <p:sldTgt/>
+                  </p:tgtEl>
+                </p:cond>
+              </p:nextCondLst>
+            </p:seq>
+          </p:childTnLst>
+        </p:cTn>
+      </p:par>
+    </p:tnLst>
+    <p:bldLst>
+      <p:bldP spid="6" grpId="0" build="p" bldLvl="2" animBg="1"/>
+    </p:bldLst>
+  </p:timing>
+</p:sld>
+</file>
+
+<file path=ppt/slides/slide7.xml><?xml version="1.0" encoding="utf-8"?>
+<p:sld xmlns:a="http://schemas.openxmlformats.org/drawingml/2006/main" xmlns:r="http://schemas.openxmlformats.org/officeDocument/2006/relationships" xmlns:p="http://schemas.openxmlformats.org/presentationml/2006/main">
+  <p:cSld>
+    <p:spTree>
+      <p:nvGrpSpPr>
+        <p:cNvPr id="1" name=""/>
+        <p:cNvGrpSpPr/>
+        <p:nvPr/>
+      </p:nvGrpSpPr>
+      <p:grpSpPr>
+        <a:xfrm>
+          <a:off x="0" y="0"/>
+          <a:ext cx="0" cy="0"/>
+          <a:chOff x="0" y="0"/>
+          <a:chExt cx="0" cy="0"/>
+        </a:xfrm>
+      </p:grpSpPr>
+      <p:sp>
+        <p:nvSpPr>
+          <p:cNvPr id="2" name="Title 1"/>
+          <p:cNvSpPr>
+            <a:spLocks noGrp="1"/>
+          </p:cNvSpPr>
+          <p:nvPr>
+            <p:ph type="ctrTitle"/>
+          </p:nvPr>
+        </p:nvSpPr>
+        <p:spPr>
+          <a:xfrm>
+            <a:off x="609600" y="76201"/>
+            <a:ext cx="7772400" cy="762000"/>
+          </a:xfrm>
+        </p:spPr>
+        <p:txBody>
+          <a:bodyPr>
+            <a:normAutofit/>
+          </a:bodyPr>
+          <a:lstStyle/>
+          <a:p>
+            <a:r>
+              <a:rPr lang="en-US" sz="3200" dirty="0" smtClean="0">
+                <a:solidFill>
+                  <a:schemeClr val="accent2">
+                    <a:lumMod val="75000"/>
+                  </a:schemeClr>
+                </a:solidFill>
+              </a:rPr>
+              <a:t>Exchangeability &amp; Conditional Independence</a:t>
+            </a:r>
+            <a:endParaRPr lang="en-US" sz="3200" dirty="0">
+              <a:solidFill>
+                <a:schemeClr val="accent2">
+                  <a:lumMod val="75000"/>
+                </a:schemeClr>
+              </a:solidFill>
+            </a:endParaRPr>
+          </a:p>
+        </p:txBody>
+      </p:sp>
+      <p:sp>
+        <p:nvSpPr>
+          <p:cNvPr id="4" name="Footer Placeholder 3"/>
+          <p:cNvSpPr>
+            <a:spLocks noGrp="1"/>
+          </p:cNvSpPr>
+          <p:nvPr>
+            <p:ph type="ftr" sz="quarter" idx="11"/>
+          </p:nvPr>
+        </p:nvSpPr>
+        <p:spPr/>
+        <p:txBody>
+          <a:bodyPr/>
+          <a:lstStyle/>
+          <a:p>
+            <a:r>
+              <a:rPr lang="en-US" dirty="0" smtClean="0">
+                <a:solidFill>
+                  <a:schemeClr val="accent1"/>
+                </a:solidFill>
+              </a:rPr>
+              <a:t>STT 465, MSU, Fall, 2015</a:t>
+            </a:r>
+            <a:endParaRPr lang="en-US" dirty="0">
+              <a:solidFill>
+                <a:schemeClr val="accent1"/>
+              </a:solidFill>
+            </a:endParaRPr>
+          </a:p>
+        </p:txBody>
+      </p:sp>
+      <p:sp>
+        <p:nvSpPr>
+          <p:cNvPr id="6" name="TextBox 5"/>
+          <p:cNvSpPr txBox="1"/>
+          <p:nvPr/>
+        </p:nvSpPr>
+        <p:spPr>
+          <a:xfrm>
+            <a:off x="533400" y="838200"/>
+            <a:ext cx="8229600" cy="5078314"/>
+          </a:xfrm>
+          <a:prstGeom prst="rect">
+            <a:avLst/>
+          </a:prstGeom>
+          <a:noFill/>
+          <a:ln>
+            <a:solidFill>
+              <a:srgbClr val="800000"/>
+            </a:solidFill>
+            <a:prstDash val="sysDash"/>
+          </a:ln>
+        </p:spPr>
+        <p:txBody>
+          <a:bodyPr wrap="square" rtlCol="0">
+            <a:spAutoFit/>
+          </a:bodyPr>
+          <a:lstStyle/>
+          <a:p>
+            <a:pPr marL="285750" indent="-285750">
+              <a:buFont typeface="Symbol" charset="0"/>
+              <a:buChar char=""/>
+            </a:pPr>
+            <a:r>
+              <a:rPr lang="en-US" dirty="0" smtClean="0">
+                <a:solidFill>
+                  <a:schemeClr val="accent1">
+                    <a:lumMod val="75000"/>
+                  </a:schemeClr>
+                </a:solidFill>
+              </a:rPr>
+              <a:t>Bruno </a:t>
+            </a:r>
+            <a:r>
+              <a:rPr lang="en-US" dirty="0" smtClean="0">
+                <a:solidFill>
+                  <a:schemeClr val="accent1">
+                    <a:lumMod val="75000"/>
+                  </a:schemeClr>
+                </a:solidFill>
+              </a:rPr>
+              <a:t>de </a:t>
+            </a:r>
+            <a:r>
+              <a:rPr lang="en-US" dirty="0" err="1" smtClean="0">
+                <a:solidFill>
+                  <a:schemeClr val="accent1">
+                    <a:lumMod val="75000"/>
+                  </a:schemeClr>
+                </a:solidFill>
+              </a:rPr>
+              <a:t>Finetti</a:t>
+            </a:r>
+            <a:r>
+              <a:rPr lang="en-US" dirty="0" smtClean="0">
+                <a:solidFill>
+                  <a:schemeClr val="accent1">
+                    <a:lumMod val="75000"/>
+                  </a:schemeClr>
+                </a:solidFill>
+              </a:rPr>
+              <a:t> </a:t>
+            </a:r>
+            <a:r>
+              <a:rPr lang="en-US" dirty="0" smtClean="0">
+                <a:solidFill>
+                  <a:schemeClr val="accent1">
+                    <a:lumMod val="75000"/>
+                  </a:schemeClr>
+                </a:solidFill>
+              </a:rPr>
+              <a:t>established an important relationship between exchangeable sequences of RVs and Conditional independence (</a:t>
+            </a:r>
+            <a:r>
+              <a:rPr lang="en-US" dirty="0" smtClean="0">
+                <a:solidFill>
+                  <a:schemeClr val="accent1">
+                    <a:lumMod val="75000"/>
+                  </a:schemeClr>
+                </a:solidFill>
+              </a:rPr>
+              <a:t>de </a:t>
+            </a:r>
+            <a:r>
+              <a:rPr lang="en-US" dirty="0" err="1" smtClean="0">
+                <a:solidFill>
+                  <a:schemeClr val="accent1">
+                    <a:lumMod val="75000"/>
+                  </a:schemeClr>
+                </a:solidFill>
+              </a:rPr>
+              <a:t>Finetti’s</a:t>
+            </a:r>
+            <a:r>
+              <a:rPr lang="en-US" dirty="0" smtClean="0">
+                <a:solidFill>
+                  <a:schemeClr val="accent1">
+                    <a:lumMod val="75000"/>
+                  </a:schemeClr>
+                </a:solidFill>
+              </a:rPr>
+              <a:t> theorem)</a:t>
+            </a:r>
+          </a:p>
+          <a:p>
+            <a:pPr marL="285750" indent="-285750">
+              <a:buFont typeface="Symbol" charset="0"/>
+              <a:buChar char=""/>
+            </a:pPr>
+            <a:endParaRPr lang="en-US" dirty="0">
+              <a:solidFill>
+                <a:schemeClr val="accent1">
+                  <a:lumMod val="75000"/>
+                </a:schemeClr>
+              </a:solidFill>
+            </a:endParaRPr>
+          </a:p>
+          <a:p>
+            <a:pPr marL="285750" indent="-285750">
+              <a:buFont typeface="Symbol" charset="0"/>
+              <a:buChar char=""/>
+            </a:pPr>
+            <a:r>
+              <a:rPr lang="en-US" dirty="0" smtClean="0">
+                <a:solidFill>
+                  <a:schemeClr val="accent1">
+                    <a:lumMod val="75000"/>
+                  </a:schemeClr>
+                </a:solidFill>
+              </a:rPr>
+              <a:t>Exchangeable </a:t>
+            </a:r>
+            <a:r>
+              <a:rPr lang="en-US" dirty="0" smtClean="0">
+                <a:solidFill>
+                  <a:schemeClr val="accent1">
+                    <a:lumMod val="75000"/>
+                  </a:schemeClr>
+                </a:solidFill>
+              </a:rPr>
+              <a:t>Sequence of Random Variables</a:t>
+            </a:r>
+          </a:p>
+          <a:p>
+            <a:pPr marL="285750" indent="-285750">
+              <a:buFont typeface="Symbol" charset="0"/>
+              <a:buChar char=""/>
+            </a:pPr>
+            <a:endParaRPr lang="en-US" dirty="0">
+              <a:solidFill>
+                <a:schemeClr val="accent1">
+                  <a:lumMod val="75000"/>
+                </a:schemeClr>
+              </a:solidFill>
+            </a:endParaRPr>
+          </a:p>
+          <a:p>
+            <a:r>
+              <a:rPr lang="en-US" dirty="0" smtClean="0">
+                <a:solidFill>
+                  <a:schemeClr val="accent1">
+                    <a:lumMod val="75000"/>
+                  </a:schemeClr>
+                </a:solidFill>
+              </a:rPr>
+              <a:t>	- Sequence of Random Variables  </a:t>
+            </a:r>
+            <a:r>
+              <a:rPr lang="en-US" dirty="0" smtClean="0">
+                <a:solidFill>
+                  <a:schemeClr val="accent1">
+                    <a:lumMod val="75000"/>
+                  </a:schemeClr>
+                </a:solidFill>
+              </a:rPr>
+              <a:t>Y</a:t>
+            </a:r>
+            <a:r>
+              <a:rPr lang="en-US" baseline="-25000" dirty="0" smtClean="0">
+                <a:solidFill>
+                  <a:schemeClr val="accent1">
+                    <a:lumMod val="75000"/>
+                  </a:schemeClr>
+                </a:solidFill>
+              </a:rPr>
+              <a:t>1</a:t>
+            </a:r>
+            <a:r>
+              <a:rPr lang="en-US" dirty="0" smtClean="0">
+                <a:solidFill>
+                  <a:schemeClr val="accent1">
+                    <a:lumMod val="75000"/>
+                  </a:schemeClr>
+                </a:solidFill>
+              </a:rPr>
+              <a:t>, </a:t>
+            </a:r>
+            <a:r>
+              <a:rPr lang="en-US" dirty="0" smtClean="0">
+                <a:solidFill>
+                  <a:schemeClr val="accent1">
+                    <a:lumMod val="75000"/>
+                  </a:schemeClr>
+                </a:solidFill>
+              </a:rPr>
+              <a:t>Y</a:t>
+            </a:r>
+            <a:r>
+              <a:rPr lang="en-US" baseline="-25000" dirty="0" smtClean="0">
+                <a:solidFill>
+                  <a:schemeClr val="accent1">
+                    <a:lumMod val="75000"/>
+                  </a:schemeClr>
+                </a:solidFill>
+              </a:rPr>
+              <a:t>2</a:t>
+            </a:r>
+            <a:r>
+              <a:rPr lang="en-US" dirty="0" smtClean="0">
+                <a:solidFill>
+                  <a:schemeClr val="accent1">
+                    <a:lumMod val="75000"/>
+                  </a:schemeClr>
+                </a:solidFill>
+              </a:rPr>
+              <a:t> </a:t>
+            </a:r>
+            <a:r>
+              <a:rPr lang="en-US" dirty="0" smtClean="0">
+                <a:solidFill>
+                  <a:schemeClr val="accent1">
+                    <a:lumMod val="75000"/>
+                  </a:schemeClr>
+                </a:solidFill>
+              </a:rPr>
+              <a:t>,…</a:t>
+            </a:r>
+            <a:r>
+              <a:rPr lang="en-US" dirty="0">
+                <a:solidFill>
+                  <a:schemeClr val="accent1">
+                    <a:lumMod val="75000"/>
+                  </a:schemeClr>
+                </a:solidFill>
+              </a:rPr>
+              <a:t>., </a:t>
+            </a:r>
+            <a:r>
+              <a:rPr lang="en-US" dirty="0" err="1" smtClean="0">
+                <a:solidFill>
+                  <a:schemeClr val="accent1">
+                    <a:lumMod val="75000"/>
+                  </a:schemeClr>
+                </a:solidFill>
+              </a:rPr>
+              <a:t>Y</a:t>
+            </a:r>
+            <a:r>
+              <a:rPr lang="en-US" baseline="-25000" dirty="0" err="1" smtClean="0">
+                <a:solidFill>
+                  <a:schemeClr val="accent1">
+                    <a:lumMod val="75000"/>
+                  </a:schemeClr>
+                </a:solidFill>
+              </a:rPr>
+              <a:t>n</a:t>
+            </a:r>
+            <a:endParaRPr lang="en-US" dirty="0" smtClean="0">
+              <a:solidFill>
+                <a:schemeClr val="accent1">
+                  <a:lumMod val="75000"/>
+                </a:schemeClr>
+              </a:solidFill>
+            </a:endParaRPr>
+          </a:p>
+          <a:p>
+            <a:r>
+              <a:rPr lang="en-US" dirty="0">
+                <a:solidFill>
+                  <a:schemeClr val="accent1">
+                    <a:lumMod val="75000"/>
+                  </a:schemeClr>
+                </a:solidFill>
+              </a:rPr>
+              <a:t> </a:t>
+            </a:r>
+            <a:r>
+              <a:rPr lang="en-US" dirty="0" smtClean="0">
+                <a:solidFill>
+                  <a:schemeClr val="accent1">
+                    <a:lumMod val="75000"/>
+                  </a:schemeClr>
+                </a:solidFill>
+              </a:rPr>
+              <a:t>                </a:t>
+            </a:r>
+            <a:r>
+              <a:rPr lang="en-US" dirty="0">
+                <a:solidFill>
+                  <a:schemeClr val="accent1">
+                    <a:lumMod val="75000"/>
+                  </a:schemeClr>
+                </a:solidFill>
+              </a:rPr>
+              <a:t> </a:t>
+            </a:r>
+            <a:r>
+              <a:rPr lang="en-US" dirty="0" smtClean="0">
+                <a:solidFill>
+                  <a:schemeClr val="accent1">
+                    <a:lumMod val="75000"/>
+                  </a:schemeClr>
+                </a:solidFill>
+              </a:rPr>
+              <a:t>- Joint Distribution p(Y</a:t>
+            </a:r>
+            <a:r>
+              <a:rPr lang="en-US" baseline="-25000" dirty="0" smtClean="0">
+                <a:solidFill>
+                  <a:schemeClr val="accent1">
+                    <a:lumMod val="75000"/>
+                  </a:schemeClr>
+                </a:solidFill>
+              </a:rPr>
+              <a:t>1</a:t>
+            </a:r>
+            <a:r>
+              <a:rPr lang="en-US" dirty="0">
+                <a:solidFill>
+                  <a:schemeClr val="accent1">
+                    <a:lumMod val="75000"/>
+                  </a:schemeClr>
+                </a:solidFill>
+              </a:rPr>
+              <a:t>, </a:t>
+            </a:r>
+            <a:r>
+              <a:rPr lang="en-US" dirty="0" smtClean="0">
+                <a:solidFill>
+                  <a:schemeClr val="accent1">
+                    <a:lumMod val="75000"/>
+                  </a:schemeClr>
+                </a:solidFill>
+              </a:rPr>
+              <a:t>Y</a:t>
+            </a:r>
+            <a:r>
+              <a:rPr lang="en-US" baseline="-25000" dirty="0" smtClean="0">
+                <a:solidFill>
+                  <a:schemeClr val="accent1">
+                    <a:lumMod val="75000"/>
+                  </a:schemeClr>
+                </a:solidFill>
+              </a:rPr>
+              <a:t>2</a:t>
+            </a:r>
+            <a:r>
+              <a:rPr lang="en-US" dirty="0" smtClean="0">
+                <a:solidFill>
+                  <a:schemeClr val="accent1">
+                    <a:lumMod val="75000"/>
+                  </a:schemeClr>
+                </a:solidFill>
+              </a:rPr>
+              <a:t> </a:t>
+            </a:r>
+            <a:r>
+              <a:rPr lang="en-US" dirty="0">
+                <a:solidFill>
+                  <a:schemeClr val="accent1">
+                    <a:lumMod val="75000"/>
+                  </a:schemeClr>
+                </a:solidFill>
+              </a:rPr>
+              <a:t>,…., </a:t>
+            </a:r>
+            <a:r>
+              <a:rPr lang="en-US" dirty="0" err="1" smtClean="0">
+                <a:solidFill>
+                  <a:schemeClr val="accent1">
+                    <a:lumMod val="75000"/>
+                  </a:schemeClr>
+                </a:solidFill>
+              </a:rPr>
+              <a:t>Y</a:t>
+            </a:r>
+            <a:r>
+              <a:rPr lang="en-US" baseline="-25000" dirty="0" err="1" smtClean="0">
+                <a:solidFill>
+                  <a:schemeClr val="accent1">
+                    <a:lumMod val="75000"/>
+                  </a:schemeClr>
+                </a:solidFill>
+              </a:rPr>
+              <a:t>n</a:t>
+            </a:r>
+            <a:r>
+              <a:rPr lang="en-US" baseline="-25000" dirty="0" smtClean="0">
+                <a:solidFill>
+                  <a:schemeClr val="accent1">
+                    <a:lumMod val="75000"/>
+                  </a:schemeClr>
+                </a:solidFill>
+              </a:rPr>
+              <a:t>)</a:t>
+            </a:r>
+            <a:endParaRPr lang="en-US" dirty="0" smtClean="0">
+              <a:solidFill>
+                <a:schemeClr val="accent1">
+                  <a:lumMod val="75000"/>
+                </a:schemeClr>
+              </a:solidFill>
+            </a:endParaRPr>
+          </a:p>
+          <a:p>
+            <a:r>
+              <a:rPr lang="en-US" dirty="0">
+                <a:solidFill>
+                  <a:schemeClr val="accent1">
+                    <a:lumMod val="75000"/>
+                  </a:schemeClr>
+                </a:solidFill>
+              </a:rPr>
+              <a:t>	</a:t>
+            </a:r>
+            <a:r>
+              <a:rPr lang="en-US" dirty="0" smtClean="0">
+                <a:solidFill>
+                  <a:schemeClr val="accent1">
+                    <a:lumMod val="75000"/>
+                  </a:schemeClr>
+                </a:solidFill>
+              </a:rPr>
+              <a:t>- Permutation</a:t>
+            </a:r>
+            <a:r>
+              <a:rPr lang="en-US" dirty="0">
+                <a:solidFill>
+                  <a:schemeClr val="accent1">
+                    <a:lumMod val="75000"/>
+                  </a:schemeClr>
+                </a:solidFill>
+              </a:rPr>
+              <a:t>: </a:t>
+            </a:r>
+            <a:r>
+              <a:rPr lang="en-US" dirty="0" smtClean="0">
+                <a:solidFill>
+                  <a:schemeClr val="accent1">
+                    <a:lumMod val="75000"/>
+                  </a:schemeClr>
+                </a:solidFill>
+              </a:rPr>
+              <a:t>π={π</a:t>
+            </a:r>
+            <a:r>
+              <a:rPr lang="en-US" baseline="-25000" dirty="0" smtClean="0">
+                <a:solidFill>
+                  <a:schemeClr val="accent1">
+                    <a:lumMod val="75000"/>
+                  </a:schemeClr>
+                </a:solidFill>
+              </a:rPr>
+              <a:t>1</a:t>
+            </a:r>
+            <a:r>
+              <a:rPr lang="en-US" dirty="0" smtClean="0">
+                <a:solidFill>
+                  <a:schemeClr val="accent1">
+                    <a:lumMod val="75000"/>
+                  </a:schemeClr>
+                </a:solidFill>
+              </a:rPr>
+              <a:t>, π</a:t>
+            </a:r>
+            <a:r>
+              <a:rPr lang="en-US" baseline="-25000" dirty="0" smtClean="0">
+                <a:solidFill>
+                  <a:schemeClr val="accent1">
+                    <a:lumMod val="75000"/>
+                  </a:schemeClr>
+                </a:solidFill>
+              </a:rPr>
+              <a:t>2</a:t>
+            </a:r>
+            <a:r>
+              <a:rPr lang="en-US" dirty="0" smtClean="0">
+                <a:solidFill>
+                  <a:schemeClr val="accent1">
+                    <a:lumMod val="75000"/>
+                  </a:schemeClr>
+                </a:solidFill>
+              </a:rPr>
+              <a:t>,</a:t>
+            </a:r>
+            <a:r>
+              <a:rPr lang="en-US" dirty="0">
+                <a:solidFill>
+                  <a:schemeClr val="accent1">
+                    <a:lumMod val="75000"/>
+                  </a:schemeClr>
+                </a:solidFill>
+              </a:rPr>
+              <a:t>…, </a:t>
+            </a:r>
+            <a:r>
+              <a:rPr lang="en-US" dirty="0" smtClean="0">
+                <a:solidFill>
+                  <a:schemeClr val="accent1">
+                    <a:lumMod val="75000"/>
+                  </a:schemeClr>
+                </a:solidFill>
+              </a:rPr>
+              <a:t>π</a:t>
+            </a:r>
+            <a:r>
+              <a:rPr lang="en-US" baseline="-25000" dirty="0" smtClean="0">
+                <a:solidFill>
+                  <a:schemeClr val="accent1">
+                    <a:lumMod val="75000"/>
+                  </a:schemeClr>
+                </a:solidFill>
+              </a:rPr>
+              <a:t>n</a:t>
+            </a:r>
+            <a:r>
+              <a:rPr lang="en-US" dirty="0" smtClean="0">
+                <a:solidFill>
+                  <a:schemeClr val="accent1">
+                    <a:lumMod val="75000"/>
+                  </a:schemeClr>
+                </a:solidFill>
+              </a:rPr>
+              <a:t>}</a:t>
+            </a:r>
+            <a:endParaRPr lang="en-US" dirty="0" smtClean="0">
+              <a:solidFill>
+                <a:schemeClr val="accent1">
+                  <a:lumMod val="75000"/>
+                </a:schemeClr>
+              </a:solidFill>
+            </a:endParaRPr>
+          </a:p>
+          <a:p>
+            <a:endParaRPr lang="en-US" dirty="0">
+              <a:solidFill>
+                <a:schemeClr val="accent1">
+                  <a:lumMod val="75000"/>
+                </a:schemeClr>
+              </a:solidFill>
+            </a:endParaRPr>
+          </a:p>
+          <a:p>
+            <a:pPr marL="285750" indent="-285750">
+              <a:buFont typeface="Symbol" charset="0"/>
+              <a:buChar char=""/>
+            </a:pPr>
+            <a:r>
+              <a:rPr lang="en-US" dirty="0" smtClean="0">
+                <a:solidFill>
+                  <a:schemeClr val="accent1">
+                    <a:lumMod val="75000"/>
+                  </a:schemeClr>
+                </a:solidFill>
+              </a:rPr>
+              <a:t>A sequence of RV is said to be exchangeable if</a:t>
+            </a:r>
+          </a:p>
+          <a:p>
+            <a:endParaRPr lang="en-US" dirty="0">
+              <a:solidFill>
+                <a:schemeClr val="accent1">
+                  <a:lumMod val="75000"/>
+                </a:schemeClr>
+              </a:solidFill>
+            </a:endParaRPr>
+          </a:p>
+          <a:p>
+            <a:r>
+              <a:rPr lang="en-US" dirty="0">
+                <a:solidFill>
+                  <a:schemeClr val="accent1">
+                    <a:lumMod val="75000"/>
+                  </a:schemeClr>
+                </a:solidFill>
+              </a:rPr>
+              <a:t>	</a:t>
+            </a:r>
+            <a:r>
+              <a:rPr lang="en-US" dirty="0" smtClean="0">
+                <a:solidFill>
+                  <a:schemeClr val="accent1">
+                    <a:lumMod val="75000"/>
+                  </a:schemeClr>
+                </a:solidFill>
+              </a:rPr>
+              <a:t>p</a:t>
+            </a:r>
+            <a:r>
+              <a:rPr lang="en-US" dirty="0" smtClean="0">
+                <a:solidFill>
+                  <a:schemeClr val="accent1">
+                    <a:lumMod val="75000"/>
+                  </a:schemeClr>
+                </a:solidFill>
+              </a:rPr>
+              <a:t>(Y</a:t>
+            </a:r>
+            <a:r>
+              <a:rPr lang="en-US" baseline="-25000" dirty="0" smtClean="0">
+                <a:solidFill>
+                  <a:schemeClr val="accent1">
+                    <a:lumMod val="75000"/>
+                  </a:schemeClr>
+                </a:solidFill>
+              </a:rPr>
+              <a:t>π</a:t>
+            </a:r>
+            <a:r>
+              <a:rPr lang="en-US" sz="1400" baseline="-25000" dirty="0" smtClean="0">
+                <a:solidFill>
+                  <a:schemeClr val="accent1">
+                    <a:lumMod val="75000"/>
+                  </a:schemeClr>
+                </a:solidFill>
+              </a:rPr>
+              <a:t>1</a:t>
+            </a:r>
+            <a:r>
+              <a:rPr lang="en-US" dirty="0" smtClean="0">
+                <a:solidFill>
+                  <a:schemeClr val="accent1">
+                    <a:lumMod val="75000"/>
+                  </a:schemeClr>
+                </a:solidFill>
+              </a:rPr>
+              <a:t>, </a:t>
+            </a:r>
+            <a:r>
+              <a:rPr lang="en-US" dirty="0" smtClean="0">
+                <a:solidFill>
+                  <a:schemeClr val="accent1">
+                    <a:lumMod val="75000"/>
+                  </a:schemeClr>
+                </a:solidFill>
+              </a:rPr>
+              <a:t>Y</a:t>
+            </a:r>
+            <a:r>
+              <a:rPr lang="en-US" baseline="-25000" dirty="0" smtClean="0">
+                <a:solidFill>
+                  <a:schemeClr val="accent1">
+                    <a:lumMod val="75000"/>
+                  </a:schemeClr>
+                </a:solidFill>
+              </a:rPr>
+              <a:t>π</a:t>
+            </a:r>
+            <a:r>
+              <a:rPr lang="en-US" sz="1400" baseline="-25000" dirty="0" smtClean="0">
+                <a:solidFill>
+                  <a:schemeClr val="accent1">
+                    <a:lumMod val="75000"/>
+                  </a:schemeClr>
+                </a:solidFill>
+              </a:rPr>
+              <a:t>2</a:t>
+            </a:r>
+            <a:r>
+              <a:rPr lang="en-US" dirty="0" smtClean="0">
+                <a:solidFill>
+                  <a:schemeClr val="accent1">
+                    <a:lumMod val="75000"/>
+                  </a:schemeClr>
+                </a:solidFill>
+              </a:rPr>
+              <a:t> </a:t>
+            </a:r>
+            <a:r>
+              <a:rPr lang="en-US" dirty="0">
+                <a:solidFill>
+                  <a:schemeClr val="accent1">
+                    <a:lumMod val="75000"/>
+                  </a:schemeClr>
+                </a:solidFill>
+              </a:rPr>
+              <a:t>,…</a:t>
+            </a:r>
+            <a:r>
+              <a:rPr lang="en-US" dirty="0">
+                <a:solidFill>
+                  <a:schemeClr val="accent1">
+                    <a:lumMod val="75000"/>
+                  </a:schemeClr>
+                </a:solidFill>
+              </a:rPr>
+              <a:t>., </a:t>
+            </a:r>
+            <a:r>
+              <a:rPr lang="en-US" dirty="0" smtClean="0">
+                <a:solidFill>
+                  <a:schemeClr val="accent1">
+                    <a:lumMod val="75000"/>
+                  </a:schemeClr>
+                </a:solidFill>
+              </a:rPr>
+              <a:t>Y</a:t>
+            </a:r>
+            <a:r>
+              <a:rPr lang="en-US" baseline="-25000" dirty="0" smtClean="0">
+                <a:solidFill>
+                  <a:schemeClr val="accent1">
+                    <a:lumMod val="75000"/>
+                  </a:schemeClr>
+                </a:solidFill>
+              </a:rPr>
+              <a:t>π</a:t>
+            </a:r>
+            <a:r>
+              <a:rPr lang="en-US" sz="1400" baseline="-25000" dirty="0" smtClean="0">
+                <a:solidFill>
+                  <a:schemeClr val="accent1">
+                    <a:lumMod val="75000"/>
+                  </a:schemeClr>
+                </a:solidFill>
+              </a:rPr>
+              <a:t>N</a:t>
+            </a:r>
+            <a:r>
+              <a:rPr lang="en-US" dirty="0" smtClean="0">
+                <a:solidFill>
+                  <a:schemeClr val="accent1">
+                    <a:lumMod val="75000"/>
+                  </a:schemeClr>
+                </a:solidFill>
+              </a:rPr>
+              <a:t>)  </a:t>
+            </a:r>
+            <a:r>
+              <a:rPr lang="en-US" dirty="0" smtClean="0">
+                <a:solidFill>
+                  <a:schemeClr val="accent1">
+                    <a:lumMod val="75000"/>
+                  </a:schemeClr>
+                </a:solidFill>
+              </a:rPr>
+              <a:t>is the same for any permutation π</a:t>
+            </a:r>
+          </a:p>
+          <a:p>
+            <a:endParaRPr lang="en-US" dirty="0">
+              <a:solidFill>
+                <a:schemeClr val="accent1">
+                  <a:lumMod val="75000"/>
+                </a:schemeClr>
+              </a:solidFill>
+            </a:endParaRPr>
+          </a:p>
+          <a:p>
+            <a:pPr marL="285750" indent="-285750">
+              <a:buFont typeface="Symbol" charset="0"/>
+              <a:buChar char=""/>
+            </a:pPr>
+            <a:r>
+              <a:rPr lang="en-US" dirty="0" smtClean="0">
+                <a:solidFill>
+                  <a:schemeClr val="accent1">
+                    <a:lumMod val="75000"/>
+                  </a:schemeClr>
+                </a:solidFill>
+              </a:rPr>
+              <a:t>Note: sequence of IID RVs are exchangeable (discuss), but the converse is not TRUE</a:t>
+            </a:r>
+          </a:p>
+          <a:p>
+            <a:pPr marL="285750" indent="-285750">
+              <a:buFont typeface="Symbol" charset="0"/>
+              <a:buChar char=""/>
+            </a:pPr>
+            <a:r>
+              <a:rPr lang="en-US" dirty="0" smtClean="0">
+                <a:solidFill>
+                  <a:schemeClr val="accent1">
+                    <a:lumMod val="75000"/>
+                  </a:schemeClr>
+                </a:solidFill>
+              </a:rPr>
+              <a:t>Importantly, independence is not required for exchangeability (discuss MVN case</a:t>
+            </a:r>
+            <a:r>
+              <a:rPr lang="en-US" dirty="0" smtClean="0">
+                <a:solidFill>
+                  <a:schemeClr val="accent1">
+                    <a:lumMod val="75000"/>
+                  </a:schemeClr>
+                </a:solidFill>
+              </a:rPr>
+              <a:t>)</a:t>
+            </a:r>
+          </a:p>
+          <a:p>
+            <a:pPr marL="285750" indent="-285750">
+              <a:buFont typeface="Symbol" charset="0"/>
+              <a:buChar char=""/>
+            </a:pPr>
+            <a:endParaRPr lang="en-US" dirty="0">
+              <a:solidFill>
+                <a:schemeClr val="accent1">
+                  <a:lumMod val="75000"/>
+                </a:schemeClr>
+              </a:solidFill>
+            </a:endParaRPr>
+          </a:p>
+          <a:p>
+            <a:pPr marL="285750" indent="-285750">
+              <a:buFont typeface="Symbol" charset="0"/>
+              <a:buChar char=""/>
+            </a:pPr>
+            <a:endParaRPr lang="en-US" dirty="0">
+              <a:solidFill>
+                <a:schemeClr val="accent1">
+                  <a:lumMod val="75000"/>
+                </a:schemeClr>
+              </a:solidFill>
+            </a:endParaRPr>
+          </a:p>
+          <a:p>
+            <a:pPr marL="285750" indent="-285750">
+              <a:buFont typeface="Symbol" charset="0"/>
+              <a:buChar char=""/>
+            </a:pPr>
+            <a:endParaRPr lang="en-US" dirty="0" smtClean="0">
+              <a:solidFill>
+                <a:schemeClr val="accent1">
+                  <a:lumMod val="75000"/>
+                </a:schemeClr>
+              </a:solidFill>
+            </a:endParaRPr>
+          </a:p>
+        </p:txBody>
+      </p:sp>
+    </p:spTree>
+    <p:extLst>
+      <p:ext uri="{BB962C8B-B14F-4D97-AF65-F5344CB8AC3E}">
+        <p14:creationId xmlns:p14="http://schemas.microsoft.com/office/powerpoint/2010/main" val="4052019240"/>
+      </p:ext>
+    </p:extLst>
+  </p:cSld>
+  <p:clrMapOvr>
+    <a:masterClrMapping/>
+  </p:clrMapOvr>
+  <p:timing>
+    <p:tnLst>
+      <p:par>
+        <p:cTn xmlns:p14="http://schemas.microsoft.com/office/powerpoint/2010/main" id="1" dur="indefinite" restart="never" nodeType="tmRoot">
+          <p:childTnLst>
+            <p:seq concurrent="1" nextAc="seek">
+              <p:cTn id="2" dur="indefinite" nodeType="mainSeq">
+                <p:childTnLst>
+                  <p:par>
+                    <p:cTn id="3" fill="hold">
+                      <p:stCondLst>
+                        <p:cond delay="indefinite"/>
+                      </p:stCondLst>
+                      <p:childTnLst>
+                        <p:par>
+                          <p:cTn id="4" fill="hold">
+                            <p:stCondLst>
+                              <p:cond delay="0"/>
+                            </p:stCondLst>
+                            <p:childTnLst>
+                              <p:par>
+                                <p:cTn id="5" presetID="3" presetClass="entr" presetSubtype="10" fill="hold" grpId="0" nodeType="clickEffect">
+                                  <p:stCondLst>
+                                    <p:cond delay="0"/>
+                                  </p:stCondLst>
+                                  <p:childTnLst>
+                                    <p:set>
+                                      <p:cBhvr>
+                                        <p:cTn id="6" dur="1" fill="hold">
+                                          <p:stCondLst>
+                                            <p:cond delay="0"/>
+                                          </p:stCondLst>
+                                        </p:cTn>
+                                        <p:tgtEl>
+                                          <p:spTgt spid="6">
+                                            <p:bg/>
+                                          </p:spTgt>
+                                        </p:tgtEl>
+                                        <p:attrNameLst>
+                                          <p:attrName>style.visibility</p:attrName>
+                                        </p:attrNameLst>
+                                      </p:cBhvr>
+                                      <p:to>
+                                        <p:strVal val="visible"/>
+                                      </p:to>
+                                    </p:set>
+                                    <p:animEffect transition="in" filter="blinds(horizontal)">
+                                      <p:cBhvr>
+                                        <p:cTn id="7" dur="500"/>
+                                        <p:tgtEl>
+                                          <p:spTgt spid="6">
+                                            <p:bg/>
+                                          </p:spTgt>
+                                        </p:tgtEl>
+                                      </p:cBhvr>
+                                    </p:animEffect>
+                                  </p:childTnLst>
+                                </p:cTn>
+                              </p:par>
+                            </p:childTnLst>
+                          </p:cTn>
+                        </p:par>
+                      </p:childTnLst>
+                    </p:cTn>
+                  </p:par>
+                </p:childTnLst>
+              </p:cTn>
+              <p:prevCondLst>
+                <p:cond evt="onPrev" delay="0">
+                  <p:tgtEl>
+                    <p:sldTgt/>
+                  </p:tgtEl>
+                </p:cond>
+              </p:prevCondLst>
+              <p:nextCondLst>
+                <p:cond evt="onNext" delay="0">
+                  <p:tgtEl>
+                    <p:sldTgt/>
+                  </p:tgtEl>
+                </p:cond>
+              </p:nextCondLst>
+            </p:seq>
+          </p:childTnLst>
+        </p:cTn>
+      </p:par>
+    </p:tnLst>
+    <p:bldLst>
+      <p:bldP spid="6" grpId="0" build="p" bldLvl="2" animBg="1"/>
+    </p:bldLst>
+  </p:timing>
+</p:sld>
+</file>
+
+<file path=ppt/slides/slide8.xml><?xml version="1.0" encoding="utf-8"?>
+<p:sld xmlns:a="http://schemas.openxmlformats.org/drawingml/2006/main" xmlns:r="http://schemas.openxmlformats.org/officeDocument/2006/relationships" xmlns:p="http://schemas.openxmlformats.org/presentationml/2006/main">
+  <p:cSld>
+    <p:spTree>
+      <p:nvGrpSpPr>
+        <p:cNvPr id="1" name=""/>
+        <p:cNvGrpSpPr/>
+        <p:nvPr/>
+      </p:nvGrpSpPr>
+      <p:grpSpPr>
+        <a:xfrm>
+          <a:off x="0" y="0"/>
+          <a:ext cx="0" cy="0"/>
+          <a:chOff x="0" y="0"/>
+          <a:chExt cx="0" cy="0"/>
+        </a:xfrm>
+      </p:grpSpPr>
+      <p:sp>
+        <p:nvSpPr>
+          <p:cNvPr id="2" name="Title 1"/>
+          <p:cNvSpPr>
+            <a:spLocks noGrp="1"/>
+          </p:cNvSpPr>
+          <p:nvPr>
+            <p:ph type="ctrTitle"/>
+          </p:nvPr>
+        </p:nvSpPr>
+        <p:spPr>
+          <a:xfrm>
+            <a:off x="609600" y="76201"/>
+            <a:ext cx="7772400" cy="762000"/>
+          </a:xfrm>
+        </p:spPr>
+        <p:txBody>
+          <a:bodyPr>
+            <a:normAutofit/>
+          </a:bodyPr>
+          <a:lstStyle/>
+          <a:p>
+            <a:r>
+              <a:rPr lang="en-US" sz="3200" dirty="0" smtClean="0">
+                <a:solidFill>
+                  <a:schemeClr val="accent2">
+                    <a:lumMod val="75000"/>
+                  </a:schemeClr>
+                </a:solidFill>
+              </a:rPr>
+              <a:t>de </a:t>
+            </a:r>
+            <a:r>
+              <a:rPr lang="en-US" sz="3200" dirty="0" err="1" smtClean="0">
+                <a:solidFill>
+                  <a:schemeClr val="accent2">
+                    <a:lumMod val="75000"/>
+                  </a:schemeClr>
+                </a:solidFill>
+              </a:rPr>
+              <a:t>Finetti’s</a:t>
+            </a:r>
+            <a:r>
+              <a:rPr lang="en-US" sz="3200" dirty="0" smtClean="0">
+                <a:solidFill>
+                  <a:schemeClr val="accent2">
+                    <a:lumMod val="75000"/>
+                  </a:schemeClr>
+                </a:solidFill>
+              </a:rPr>
+              <a:t> Theorem</a:t>
+            </a:r>
+            <a:endParaRPr lang="en-US" sz="3200" dirty="0">
+              <a:solidFill>
+                <a:schemeClr val="accent2">
+                  <a:lumMod val="75000"/>
+                </a:schemeClr>
+              </a:solidFill>
+            </a:endParaRPr>
+          </a:p>
+        </p:txBody>
+      </p:sp>
+      <p:sp>
+        <p:nvSpPr>
+          <p:cNvPr id="4" name="Footer Placeholder 3"/>
+          <p:cNvSpPr>
+            <a:spLocks noGrp="1"/>
+          </p:cNvSpPr>
+          <p:nvPr>
+            <p:ph type="ftr" sz="quarter" idx="11"/>
+          </p:nvPr>
+        </p:nvSpPr>
+        <p:spPr/>
+        <p:txBody>
+          <a:bodyPr/>
+          <a:lstStyle/>
+          <a:p>
+            <a:r>
+              <a:rPr lang="en-US" dirty="0" smtClean="0">
+                <a:solidFill>
+                  <a:schemeClr val="accent1"/>
+                </a:solidFill>
+              </a:rPr>
+              <a:t>STT 465, MSU, Fall, 2015</a:t>
+            </a:r>
+            <a:endParaRPr lang="en-US" dirty="0">
+              <a:solidFill>
+                <a:schemeClr val="accent1"/>
+              </a:solidFill>
+            </a:endParaRPr>
+          </a:p>
+        </p:txBody>
+      </p:sp>
+      <p:sp>
+        <p:nvSpPr>
+          <p:cNvPr id="6" name="TextBox 5"/>
+          <p:cNvSpPr txBox="1"/>
+          <p:nvPr/>
+        </p:nvSpPr>
+        <p:spPr>
+          <a:xfrm>
+            <a:off x="533400" y="838200"/>
+            <a:ext cx="8229600" cy="5632312"/>
+          </a:xfrm>
+          <a:prstGeom prst="rect">
+            <a:avLst/>
+          </a:prstGeom>
+          <a:noFill/>
+          <a:ln>
+            <a:solidFill>
+              <a:srgbClr val="800000"/>
+            </a:solidFill>
+            <a:prstDash val="sysDash"/>
+          </a:ln>
+        </p:spPr>
+        <p:txBody>
+          <a:bodyPr wrap="square" rtlCol="0">
+            <a:spAutoFit/>
+          </a:bodyPr>
+          <a:lstStyle/>
+          <a:p>
+            <a:pPr marL="285750" indent="-285750">
+              <a:buFont typeface="Symbol" charset="0"/>
+              <a:buChar char=""/>
+            </a:pPr>
+            <a:r>
+              <a:rPr lang="en-US" dirty="0" smtClean="0">
+                <a:solidFill>
+                  <a:schemeClr val="accent1">
+                    <a:lumMod val="75000"/>
+                  </a:schemeClr>
+                </a:solidFill>
+              </a:rPr>
+              <a:t>Bruno </a:t>
+            </a:r>
+            <a:r>
+              <a:rPr lang="en-US" dirty="0" smtClean="0">
+                <a:solidFill>
+                  <a:schemeClr val="accent1">
+                    <a:lumMod val="75000"/>
+                  </a:schemeClr>
+                </a:solidFill>
+              </a:rPr>
+              <a:t>de </a:t>
+            </a:r>
+            <a:r>
+              <a:rPr lang="en-US" dirty="0" err="1" smtClean="0">
+                <a:solidFill>
+                  <a:schemeClr val="accent1">
+                    <a:lumMod val="75000"/>
+                  </a:schemeClr>
+                </a:solidFill>
+              </a:rPr>
+              <a:t>Finetti</a:t>
+            </a:r>
+            <a:r>
+              <a:rPr lang="en-US" dirty="0" smtClean="0">
+                <a:solidFill>
+                  <a:schemeClr val="accent1">
+                    <a:lumMod val="75000"/>
+                  </a:schemeClr>
+                </a:solidFill>
+              </a:rPr>
+              <a:t> </a:t>
+            </a:r>
+            <a:r>
+              <a:rPr lang="en-US" dirty="0" smtClean="0">
+                <a:solidFill>
+                  <a:schemeClr val="accent1">
+                    <a:lumMod val="75000"/>
+                  </a:schemeClr>
+                </a:solidFill>
+              </a:rPr>
+              <a:t>established an important relationship between exchangeable sequences of RVs and Conditional independence (</a:t>
+            </a:r>
+            <a:r>
+              <a:rPr lang="en-US" dirty="0" smtClean="0">
+                <a:solidFill>
+                  <a:schemeClr val="accent1">
+                    <a:lumMod val="75000"/>
+                  </a:schemeClr>
+                </a:solidFill>
+              </a:rPr>
+              <a:t>de </a:t>
+            </a:r>
+            <a:r>
+              <a:rPr lang="en-US" dirty="0" err="1" smtClean="0">
+                <a:solidFill>
+                  <a:schemeClr val="accent1">
+                    <a:lumMod val="75000"/>
+                  </a:schemeClr>
+                </a:solidFill>
+              </a:rPr>
+              <a:t>Finetti’s</a:t>
+            </a:r>
+            <a:r>
+              <a:rPr lang="en-US" dirty="0" smtClean="0">
+                <a:solidFill>
+                  <a:schemeClr val="accent1">
+                    <a:lumMod val="75000"/>
+                  </a:schemeClr>
+                </a:solidFill>
+              </a:rPr>
+              <a:t> theorem)</a:t>
+            </a:r>
+          </a:p>
+          <a:p>
+            <a:pPr marL="285750" indent="-285750">
+              <a:buFont typeface="Symbol" charset="0"/>
+              <a:buChar char=""/>
+            </a:pPr>
+            <a:endParaRPr lang="en-US" dirty="0">
+              <a:solidFill>
+                <a:schemeClr val="accent1">
+                  <a:lumMod val="75000"/>
+                </a:schemeClr>
+              </a:solidFill>
+            </a:endParaRPr>
+          </a:p>
+          <a:p>
+            <a:pPr marL="285750" indent="-285750">
+              <a:buFont typeface="Symbol" charset="0"/>
+              <a:buChar char=""/>
+            </a:pPr>
+            <a:r>
+              <a:rPr lang="en-US" dirty="0">
+                <a:solidFill>
+                  <a:schemeClr val="accent1">
+                    <a:lumMod val="75000"/>
+                  </a:schemeClr>
+                </a:solidFill>
+              </a:rPr>
+              <a:t>If </a:t>
+            </a:r>
+            <a:r>
+              <a:rPr lang="en-US" dirty="0" smtClean="0">
+                <a:solidFill>
+                  <a:schemeClr val="accent1">
+                    <a:lumMod val="75000"/>
+                  </a:schemeClr>
+                </a:solidFill>
+              </a:rPr>
+              <a:t>Y</a:t>
+            </a:r>
+            <a:r>
+              <a:rPr lang="en-US" baseline="-25000" dirty="0" smtClean="0">
+                <a:solidFill>
+                  <a:schemeClr val="accent1">
+                    <a:lumMod val="75000"/>
+                  </a:schemeClr>
+                </a:solidFill>
+              </a:rPr>
+              <a:t>1</a:t>
+            </a:r>
+            <a:r>
+              <a:rPr lang="en-US" dirty="0">
+                <a:solidFill>
+                  <a:schemeClr val="accent1">
+                    <a:lumMod val="75000"/>
+                  </a:schemeClr>
+                </a:solidFill>
+              </a:rPr>
+              <a:t>, </a:t>
+            </a:r>
+            <a:r>
+              <a:rPr lang="en-US" dirty="0" smtClean="0">
+                <a:solidFill>
+                  <a:schemeClr val="accent1">
+                    <a:lumMod val="75000"/>
+                  </a:schemeClr>
+                </a:solidFill>
+              </a:rPr>
+              <a:t>Y</a:t>
+            </a:r>
+            <a:r>
+              <a:rPr lang="en-US" baseline="-25000" dirty="0" smtClean="0">
+                <a:solidFill>
+                  <a:schemeClr val="accent1">
+                    <a:lumMod val="75000"/>
+                  </a:schemeClr>
+                </a:solidFill>
+              </a:rPr>
+              <a:t>2</a:t>
+            </a:r>
+            <a:r>
+              <a:rPr lang="en-US" dirty="0" smtClean="0">
+                <a:solidFill>
+                  <a:schemeClr val="accent1">
+                    <a:lumMod val="75000"/>
+                  </a:schemeClr>
+                </a:solidFill>
+              </a:rPr>
+              <a:t> </a:t>
+            </a:r>
+            <a:r>
+              <a:rPr lang="en-US" dirty="0">
+                <a:solidFill>
+                  <a:schemeClr val="accent1">
+                    <a:lumMod val="75000"/>
+                  </a:schemeClr>
+                </a:solidFill>
+              </a:rPr>
+              <a:t>,…., </a:t>
+            </a:r>
+            <a:r>
+              <a:rPr lang="en-US" dirty="0" err="1" smtClean="0">
+                <a:solidFill>
+                  <a:schemeClr val="accent1">
+                    <a:lumMod val="75000"/>
+                  </a:schemeClr>
+                </a:solidFill>
+              </a:rPr>
+              <a:t>Y</a:t>
+            </a:r>
+            <a:r>
+              <a:rPr lang="en-US" baseline="-25000" dirty="0" err="1" smtClean="0">
+                <a:solidFill>
+                  <a:schemeClr val="accent1">
+                    <a:lumMod val="75000"/>
+                  </a:schemeClr>
+                </a:solidFill>
+              </a:rPr>
+              <a:t>n</a:t>
+            </a:r>
+            <a:r>
+              <a:rPr lang="en-US" dirty="0" smtClean="0">
+                <a:solidFill>
+                  <a:schemeClr val="accent1">
+                    <a:lumMod val="75000"/>
+                  </a:schemeClr>
+                </a:solidFill>
+              </a:rPr>
+              <a:t> is an e</a:t>
+            </a:r>
+            <a:r>
+              <a:rPr lang="en-US" dirty="0" smtClean="0">
+                <a:solidFill>
+                  <a:schemeClr val="accent1">
+                    <a:lumMod val="75000"/>
+                  </a:schemeClr>
+                </a:solidFill>
+              </a:rPr>
+              <a:t>xchangeable sequence </a:t>
+            </a:r>
+            <a:r>
+              <a:rPr lang="en-US" dirty="0" smtClean="0">
+                <a:solidFill>
+                  <a:schemeClr val="accent1">
+                    <a:lumMod val="75000"/>
+                  </a:schemeClr>
+                </a:solidFill>
+              </a:rPr>
+              <a:t>of </a:t>
+            </a:r>
+            <a:r>
+              <a:rPr lang="en-US" dirty="0" smtClean="0">
+                <a:solidFill>
+                  <a:schemeClr val="accent1">
+                    <a:lumMod val="75000"/>
+                  </a:schemeClr>
+                </a:solidFill>
+              </a:rPr>
+              <a:t>random variables then, for some parameter (</a:t>
+            </a:r>
+            <a:r>
+              <a:rPr lang="en-US" dirty="0" err="1" smtClean="0">
+                <a:solidFill>
+                  <a:schemeClr val="accent1">
+                    <a:lumMod val="75000"/>
+                  </a:schemeClr>
+                </a:solidFill>
+              </a:rPr>
+              <a:t>θ</a:t>
+            </a:r>
+            <a:r>
+              <a:rPr lang="en-US" dirty="0" smtClean="0">
+                <a:solidFill>
+                  <a:schemeClr val="accent1">
+                    <a:lumMod val="75000"/>
+                  </a:schemeClr>
+                </a:solidFill>
+              </a:rPr>
+              <a:t>), some prior density</a:t>
+            </a:r>
+            <a:r>
+              <a:rPr lang="en-US" dirty="0">
+                <a:solidFill>
+                  <a:schemeClr val="accent1">
+                    <a:lumMod val="75000"/>
+                  </a:schemeClr>
+                </a:solidFill>
+              </a:rPr>
+              <a:t>, p(</a:t>
+            </a:r>
+            <a:r>
+              <a:rPr lang="en-US" dirty="0" err="1">
+                <a:solidFill>
+                  <a:schemeClr val="accent1">
+                    <a:lumMod val="75000"/>
+                  </a:schemeClr>
+                </a:solidFill>
+              </a:rPr>
+              <a:t>θ</a:t>
+            </a:r>
+            <a:r>
+              <a:rPr lang="en-US" dirty="0" smtClean="0">
+                <a:solidFill>
+                  <a:schemeClr val="accent1">
+                    <a:lumMod val="75000"/>
+                  </a:schemeClr>
+                </a:solidFill>
+              </a:rPr>
+              <a:t>) and some conditional density p(</a:t>
+            </a:r>
+            <a:r>
+              <a:rPr lang="en-US" dirty="0" err="1" smtClean="0">
+                <a:solidFill>
+                  <a:schemeClr val="accent1">
+                    <a:lumMod val="75000"/>
+                  </a:schemeClr>
+                </a:solidFill>
+              </a:rPr>
+              <a:t>Y</a:t>
+            </a:r>
+            <a:r>
+              <a:rPr lang="en-US" baseline="-25000" dirty="0" err="1" smtClean="0">
+                <a:solidFill>
+                  <a:schemeClr val="accent1">
+                    <a:lumMod val="75000"/>
+                  </a:schemeClr>
+                </a:solidFill>
+              </a:rPr>
+              <a:t>i</a:t>
+            </a:r>
+            <a:r>
+              <a:rPr lang="en-US" dirty="0" err="1" smtClean="0">
+                <a:solidFill>
+                  <a:schemeClr val="accent1">
+                    <a:lumMod val="75000"/>
+                  </a:schemeClr>
+                </a:solidFill>
+              </a:rPr>
+              <a:t>|θ</a:t>
+            </a:r>
+            <a:r>
+              <a:rPr lang="en-US" dirty="0" smtClean="0">
+                <a:solidFill>
+                  <a:schemeClr val="accent1">
+                    <a:lumMod val="75000"/>
+                  </a:schemeClr>
+                </a:solidFill>
+              </a:rPr>
+              <a:t>), the joint distribution of the sequence can be expressed as:</a:t>
+            </a:r>
+            <a:endParaRPr lang="en-US" dirty="0" smtClean="0">
+              <a:solidFill>
+                <a:schemeClr val="accent1">
+                  <a:lumMod val="75000"/>
+                </a:schemeClr>
+              </a:solidFill>
+            </a:endParaRPr>
+          </a:p>
+          <a:p>
+            <a:pPr marL="285750" indent="-285750">
+              <a:buFont typeface="Symbol" charset="0"/>
+              <a:buChar char=""/>
+            </a:pPr>
+            <a:endParaRPr lang="en-US" dirty="0" smtClean="0">
+              <a:solidFill>
+                <a:schemeClr val="accent1">
+                  <a:lumMod val="75000"/>
+                </a:schemeClr>
+              </a:solidFill>
+            </a:endParaRPr>
+          </a:p>
+          <a:p>
+            <a:pPr marL="285750" indent="-285750">
+              <a:buFont typeface="Symbol" charset="0"/>
+              <a:buChar char=""/>
+            </a:pPr>
+            <a:endParaRPr lang="en-US" dirty="0">
+              <a:solidFill>
+                <a:schemeClr val="accent1">
+                  <a:lumMod val="75000"/>
+                </a:schemeClr>
+              </a:solidFill>
+            </a:endParaRPr>
+          </a:p>
+          <a:p>
+            <a:r>
+              <a:rPr lang="en-US" dirty="0" smtClean="0">
+                <a:solidFill>
+                  <a:schemeClr val="accent1">
+                    <a:lumMod val="75000"/>
+                  </a:schemeClr>
+                </a:solidFill>
+              </a:rPr>
+              <a:t>	</a:t>
+            </a:r>
+            <a:endParaRPr lang="en-US" dirty="0">
+              <a:solidFill>
+                <a:schemeClr val="accent1">
+                  <a:lumMod val="75000"/>
+                </a:schemeClr>
+              </a:solidFill>
+            </a:endParaRPr>
+          </a:p>
+          <a:p>
+            <a:pPr marL="285750" indent="-285750">
+              <a:buFont typeface="Symbol" charset="0"/>
+              <a:buChar char=""/>
+            </a:pPr>
+            <a:endParaRPr lang="en-US" dirty="0" smtClean="0">
+              <a:solidFill>
+                <a:schemeClr val="accent1">
+                  <a:lumMod val="75000"/>
+                </a:schemeClr>
+              </a:solidFill>
+            </a:endParaRPr>
+          </a:p>
+          <a:p>
+            <a:pPr marL="285750" indent="-285750">
+              <a:buFont typeface="Symbol" charset="0"/>
+              <a:buChar char=""/>
+            </a:pPr>
+            <a:r>
+              <a:rPr lang="en-US" dirty="0" smtClean="0">
+                <a:solidFill>
+                  <a:schemeClr val="accent1">
+                    <a:lumMod val="75000"/>
+                  </a:schemeClr>
+                </a:solidFill>
+              </a:rPr>
+              <a:t>Note: </a:t>
+            </a:r>
+          </a:p>
+          <a:p>
+            <a:pPr marL="285750" indent="-285750">
+              <a:buFont typeface="Symbol" charset="0"/>
+              <a:buChar char=""/>
+            </a:pPr>
+            <a:endParaRPr lang="en-US" dirty="0">
+              <a:solidFill>
+                <a:schemeClr val="accent1">
+                  <a:lumMod val="75000"/>
+                </a:schemeClr>
+              </a:solidFill>
+            </a:endParaRPr>
+          </a:p>
+          <a:p>
+            <a:pPr marL="285750" indent="-285750">
+              <a:buFont typeface="Symbol" charset="0"/>
+              <a:buChar char=""/>
+            </a:pPr>
+            <a:endParaRPr lang="en-US" dirty="0" smtClean="0">
+              <a:solidFill>
+                <a:schemeClr val="accent1">
+                  <a:lumMod val="75000"/>
+                </a:schemeClr>
+              </a:solidFill>
+            </a:endParaRPr>
+          </a:p>
+          <a:p>
+            <a:pPr marL="285750" indent="-285750">
+              <a:buFont typeface="Symbol" charset="0"/>
+              <a:buChar char=""/>
+            </a:pPr>
+            <a:endParaRPr lang="en-US" dirty="0">
+              <a:solidFill>
+                <a:schemeClr val="accent1">
+                  <a:lumMod val="75000"/>
+                </a:schemeClr>
+              </a:solidFill>
+            </a:endParaRPr>
+          </a:p>
+          <a:p>
+            <a:pPr marL="285750" indent="-285750">
+              <a:buFont typeface="Symbol" charset="0"/>
+              <a:buChar char=""/>
+            </a:pPr>
+            <a:r>
+              <a:rPr lang="en-US" dirty="0" smtClean="0">
+                <a:solidFill>
+                  <a:schemeClr val="accent1">
+                    <a:lumMod val="75000"/>
+                  </a:schemeClr>
+                </a:solidFill>
+              </a:rPr>
+              <a:t>De </a:t>
+            </a:r>
+            <a:r>
+              <a:rPr lang="en-US" dirty="0" err="1" smtClean="0">
+                <a:solidFill>
+                  <a:schemeClr val="accent1">
+                    <a:lumMod val="75000"/>
+                  </a:schemeClr>
+                </a:solidFill>
+              </a:rPr>
+              <a:t>Finetti’s</a:t>
+            </a:r>
+            <a:r>
+              <a:rPr lang="en-US" dirty="0" smtClean="0">
+                <a:solidFill>
+                  <a:schemeClr val="accent1">
+                    <a:lumMod val="75000"/>
+                  </a:schemeClr>
+                </a:solidFill>
+              </a:rPr>
+              <a:t> theorem tells us that if the sequence is exchangeable, we can assume conditional IID</a:t>
+            </a:r>
+          </a:p>
+          <a:p>
+            <a:pPr marL="285750" indent="-285750">
+              <a:buFont typeface="Symbol" charset="0"/>
+              <a:buChar char=""/>
+            </a:pPr>
+            <a:endParaRPr lang="en-US" dirty="0">
+              <a:solidFill>
+                <a:schemeClr val="accent1">
+                  <a:lumMod val="75000"/>
+                </a:schemeClr>
+              </a:solidFill>
+            </a:endParaRPr>
+          </a:p>
+          <a:p>
+            <a:r>
+              <a:rPr lang="en-US" dirty="0" smtClean="0">
+                <a:solidFill>
+                  <a:schemeClr val="accent1">
+                    <a:lumMod val="75000"/>
+                  </a:schemeClr>
+                </a:solidFill>
+              </a:rPr>
+              <a:t>         </a:t>
+            </a:r>
+            <a:endParaRPr lang="en-US" dirty="0">
+              <a:solidFill>
+                <a:schemeClr val="accent1">
+                  <a:lumMod val="75000"/>
+                </a:schemeClr>
+              </a:solidFill>
+            </a:endParaRPr>
+          </a:p>
+          <a:p>
+            <a:pPr marL="285750" indent="-285750">
+              <a:buFont typeface="Symbol" charset="0"/>
+              <a:buChar char=""/>
+            </a:pPr>
+            <a:endParaRPr lang="en-US" dirty="0">
+              <a:solidFill>
+                <a:schemeClr val="accent1">
+                  <a:lumMod val="75000"/>
+                </a:schemeClr>
+              </a:solidFill>
+            </a:endParaRPr>
+          </a:p>
+          <a:p>
+            <a:pPr marL="285750" indent="-285750">
+              <a:buFont typeface="Symbol" charset="0"/>
+              <a:buChar char=""/>
+            </a:pPr>
+            <a:endParaRPr lang="en-US" dirty="0" smtClean="0">
+              <a:solidFill>
+                <a:schemeClr val="accent1">
+                  <a:lumMod val="75000"/>
+                </a:schemeClr>
+              </a:solidFill>
+            </a:endParaRPr>
+          </a:p>
+        </p:txBody>
+      </p:sp>
+      <p:graphicFrame>
+        <p:nvGraphicFramePr>
+          <p:cNvPr id="3" name="Object 2"/>
+          <p:cNvGraphicFramePr>
+            <a:graphicFrameLocks noChangeAspect="1"/>
+          </p:cNvGraphicFramePr>
+          <p:nvPr>
+            <p:extLst>
+              <p:ext uri="{D42A27DB-BD31-4B8C-83A1-F6EECF244321}">
+                <p14:modId xmlns:p14="http://schemas.microsoft.com/office/powerpoint/2010/main" val="1497095937"/>
+              </p:ext>
+            </p:extLst>
+          </p:nvPr>
+        </p:nvGraphicFramePr>
+        <p:xfrm>
+          <a:off x="2514600" y="2743200"/>
+          <a:ext cx="3697014" cy="533400"/>
+        </p:xfrm>
+        <a:graphic>
+          <a:graphicData uri="http://schemas.openxmlformats.org/presentationml/2006/ole">
+            <mc:AlternateContent xmlns:mc="http://schemas.openxmlformats.org/markup-compatibility/2006">
+              <mc:Choice xmlns:v="urn:schemas-microsoft-com:vml" Requires="v">
+                <p:oleObj spid="_x0000_s6149" name="Equation" r:id="rId4" imgW="2552700" imgH="368300" progId="Equation.3">
+                  <p:embed/>
+                </p:oleObj>
+              </mc:Choice>
+              <mc:Fallback>
+                <p:oleObj name="Equation" r:id="rId4" imgW="2552700" imgH="368300" progId="Equation.3">
+                  <p:embed/>
+                  <p:pic>
+                    <p:nvPicPr>
+                      <p:cNvPr id="0" name=""/>
+                      <p:cNvPicPr/>
+                      <p:nvPr/>
+                    </p:nvPicPr>
+                    <p:blipFill>
+                      <a:blip r:embed="rId5"/>
+                      <a:stretch>
+                        <a:fillRect/>
+                      </a:stretch>
+                    </p:blipFill>
+                    <p:spPr>
+                      <a:xfrm>
+                        <a:off x="2514600" y="2743200"/>
+                        <a:ext cx="3697014" cy="533400"/>
+                      </a:xfrm>
+                      <a:prstGeom prst="rect">
+                        <a:avLst/>
+                      </a:prstGeom>
+                    </p:spPr>
+                  </p:pic>
+                </p:oleObj>
+              </mc:Fallback>
+            </mc:AlternateContent>
+          </a:graphicData>
+        </a:graphic>
+      </p:graphicFrame>
+      <p:graphicFrame>
+        <p:nvGraphicFramePr>
+          <p:cNvPr id="7" name="Object 6"/>
+          <p:cNvGraphicFramePr>
+            <a:graphicFrameLocks noChangeAspect="1"/>
+          </p:cNvGraphicFramePr>
+          <p:nvPr>
+            <p:extLst>
+              <p:ext uri="{D42A27DB-BD31-4B8C-83A1-F6EECF244321}">
+                <p14:modId xmlns:p14="http://schemas.microsoft.com/office/powerpoint/2010/main" val="458596880"/>
+              </p:ext>
+            </p:extLst>
+          </p:nvPr>
+        </p:nvGraphicFramePr>
+        <p:xfrm>
+          <a:off x="1268413" y="3962400"/>
+          <a:ext cx="7008812" cy="404813"/>
+        </p:xfrm>
+        <a:graphic>
+          <a:graphicData uri="http://schemas.openxmlformats.org/presentationml/2006/ole">
+            <mc:AlternateContent xmlns:mc="http://schemas.openxmlformats.org/markup-compatibility/2006">
+              <mc:Choice xmlns:v="urn:schemas-microsoft-com:vml" Requires="v">
+                <p:oleObj spid="_x0000_s6150" name="Equation" r:id="rId6" imgW="4838700" imgH="279400" progId="Equation.3">
+                  <p:embed/>
+                </p:oleObj>
+              </mc:Choice>
+              <mc:Fallback>
+                <p:oleObj name="Equation" r:id="rId6" imgW="4838700" imgH="279400" progId="Equation.3">
+                  <p:embed/>
+                  <p:pic>
+                    <p:nvPicPr>
+                      <p:cNvPr id="0" name=""/>
+                      <p:cNvPicPr/>
+                      <p:nvPr/>
+                    </p:nvPicPr>
+                    <p:blipFill>
+                      <a:blip r:embed="rId7"/>
+                      <a:stretch>
+                        <a:fillRect/>
+                      </a:stretch>
+                    </p:blipFill>
+                    <p:spPr>
+                      <a:xfrm>
+                        <a:off x="1268413" y="3962400"/>
+                        <a:ext cx="7008812" cy="404813"/>
+                      </a:xfrm>
+                      <a:prstGeom prst="rect">
+                        <a:avLst/>
+                      </a:prstGeom>
+                    </p:spPr>
+                  </p:pic>
+                </p:oleObj>
+              </mc:Fallback>
+            </mc:AlternateContent>
+          </a:graphicData>
+        </a:graphic>
+      </p:graphicFrame>
+      <p:graphicFrame>
+        <p:nvGraphicFramePr>
+          <p:cNvPr id="5" name="Object 4"/>
+          <p:cNvGraphicFramePr>
+            <a:graphicFrameLocks noChangeAspect="1"/>
+          </p:cNvGraphicFramePr>
+          <p:nvPr>
+            <p:extLst>
+              <p:ext uri="{D42A27DB-BD31-4B8C-83A1-F6EECF244321}">
+                <p14:modId xmlns:p14="http://schemas.microsoft.com/office/powerpoint/2010/main" val="557169572"/>
+              </p:ext>
+            </p:extLst>
+          </p:nvPr>
+        </p:nvGraphicFramePr>
+        <p:xfrm>
+          <a:off x="2590800" y="5562600"/>
+          <a:ext cx="2595562" cy="412750"/>
+        </p:xfrm>
+        <a:graphic>
+          <a:graphicData uri="http://schemas.openxmlformats.org/presentationml/2006/ole">
+            <mc:AlternateContent xmlns:mc="http://schemas.openxmlformats.org/markup-compatibility/2006">
+              <mc:Choice xmlns:v="urn:schemas-microsoft-com:vml" Requires="v">
+                <p:oleObj spid="_x0000_s6151" name="Equation" r:id="rId8" imgW="1993900" imgH="317500" progId="Equation.3">
+                  <p:embed/>
+                </p:oleObj>
+              </mc:Choice>
+              <mc:Fallback>
+                <p:oleObj name="Equation" r:id="rId8" imgW="1993900" imgH="317500" progId="Equation.3">
+                  <p:embed/>
+                  <p:pic>
+                    <p:nvPicPr>
+                      <p:cNvPr id="0" name=""/>
+                      <p:cNvPicPr/>
+                      <p:nvPr/>
+                    </p:nvPicPr>
+                    <p:blipFill>
+                      <a:blip r:embed="rId9"/>
+                      <a:stretch>
+                        <a:fillRect/>
+                      </a:stretch>
+                    </p:blipFill>
+                    <p:spPr>
+                      <a:xfrm>
+                        <a:off x="2590800" y="5562600"/>
+                        <a:ext cx="2595562" cy="412750"/>
+                      </a:xfrm>
+                      <a:prstGeom prst="rect">
+                        <a:avLst/>
+                      </a:prstGeom>
+                    </p:spPr>
+                  </p:pic>
+                </p:oleObj>
+              </mc:Fallback>
+            </mc:AlternateContent>
+          </a:graphicData>
+        </a:graphic>
+      </p:graphicFrame>
+    </p:spTree>
+    <p:extLst>
+      <p:ext uri="{BB962C8B-B14F-4D97-AF65-F5344CB8AC3E}">
+        <p14:creationId xmlns:p14="http://schemas.microsoft.com/office/powerpoint/2010/main" val="3597169498"/>
+      </p:ext>
+    </p:extLst>
+  </p:cSld>
+  <p:clrMapOvr>
+    <a:masterClrMapping/>
+  </p:clrMapOvr>
+  <p:timing>
+    <p:tnLst>
+      <p:par>
+        <p:cTn xmlns:p14="http://schemas.microsoft.com/office/powerpoint/2010/main" id="1" dur="indefinite" restart="never" nodeType="tmRoot">
+          <p:childTnLst>
+            <p:seq concurrent="1" nextAc="seek">
+              <p:cTn id="2" dur="indefinite" nodeType="mainSeq">
+                <p:childTnLst>
+                  <p:par>
+                    <p:cTn id="3" fill="hold">
+                      <p:stCondLst>
+                        <p:cond delay="indefinite"/>
+                      </p:stCondLst>
+                      <p:childTnLst>
+                        <p:par>
+                          <p:cTn id="4" fill="hold">
+                            <p:stCondLst>
+                              <p:cond delay="0"/>
+                            </p:stCondLst>
+                            <p:childTnLst>
+                              <p:par>
+                                <p:cTn id="5" presetID="3" presetClass="entr" presetSubtype="10" fill="hold" grpId="0" nodeType="clickEffect">
+                                  <p:stCondLst>
+                                    <p:cond delay="0"/>
+                                  </p:stCondLst>
+                                  <p:childTnLst>
+                                    <p:set>
+                                      <p:cBhvr>
+                                        <p:cTn id="6" dur="1" fill="hold">
+                                          <p:stCondLst>
+                                            <p:cond delay="0"/>
+                                          </p:stCondLst>
+                                        </p:cTn>
+                                        <p:tgtEl>
+                                          <p:spTgt spid="6">
+                                            <p:bg/>
+                                          </p:spTgt>
+                                        </p:tgtEl>
+                                        <p:attrNameLst>
+                                          <p:attrName>style.visibility</p:attrName>
+                                        </p:attrNameLst>
+                                      </p:cBhvr>
+                                      <p:to>
+                                        <p:strVal val="visible"/>
+                                      </p:to>
+                                    </p:set>
+                                    <p:animEffect transition="in" filter="blinds(horizontal)">
+                                      <p:cBhvr>
+                                        <p:cTn id="7" dur="500"/>
+                                        <p:tgtEl>
+                                          <p:spTgt spid="6">
+                                            <p:bg/>
+                                          </p:spTgt>
+                                        </p:tgtEl>
+                                      </p:cBhvr>
+                                    </p:animEffect>
+                                  </p:childTnLst>
+                                </p:cTn>
+                              </p:par>
+                            </p:childTnLst>
+                          </p:cTn>
+                        </p:par>
+                      </p:childTnLst>
+                    </p:cTn>
+                  </p:par>
+                </p:childTnLst>
+              </p:cTn>
+              <p:prevCondLst>
+                <p:cond evt="onPrev" delay="0">
+                  <p:tgtEl>
+                    <p:sldTgt/>
+                  </p:tgtEl>
+                </p:cond>
+              </p:prevCondLst>
+              <p:nextCondLst>
+                <p:cond evt="onNext" delay="0">
+                  <p:tgtEl>
+                    <p:sldTgt/>
+                  </p:tgtEl>
+                </p:cond>
+              </p:nextCondLst>
+            </p:seq>
+          </p:childTnLst>
+        </p:cTn>
+      </p:par>
+    </p:tnLst>
+    <p:bldLst>
+      <p:bldP spid="6" grpId="0" build="p" bldLvl="2" animBg="1"/>
+    </p:bldLst>
   </p:timing>
 </p:sld>
 </file>

--- a/STT465_2.pptx
+++ b/STT465_2.pptx
@@ -5,21 +5,18 @@
     <p:sldMasterId id="2147483648" r:id="rId1"/>
   </p:sldMasterIdLst>
   <p:notesMasterIdLst>
-    <p:notesMasterId r:id="rId14"/>
+    <p:notesMasterId r:id="rId11"/>
   </p:notesMasterIdLst>
   <p:sldIdLst>
     <p:sldId id="338" r:id="rId2"/>
     <p:sldId id="339" r:id="rId3"/>
     <p:sldId id="340" r:id="rId4"/>
-    <p:sldId id="347" r:id="rId5"/>
-    <p:sldId id="348" r:id="rId6"/>
+    <p:sldId id="348" r:id="rId5"/>
+    <p:sldId id="351" r:id="rId6"/>
     <p:sldId id="346" r:id="rId7"/>
-    <p:sldId id="349" r:id="rId8"/>
-    <p:sldId id="350" r:id="rId9"/>
-    <p:sldId id="341" r:id="rId10"/>
-    <p:sldId id="343" r:id="rId11"/>
-    <p:sldId id="344" r:id="rId12"/>
-    <p:sldId id="345" r:id="rId13"/>
+    <p:sldId id="352" r:id="rId8"/>
+    <p:sldId id="349" r:id="rId9"/>
+    <p:sldId id="350" r:id="rId10"/>
   </p:sldIdLst>
   <p:sldSz cx="9144000" cy="6858000" type="screen4x3"/>
   <p:notesSz cx="6858000" cy="9144000"/>
@@ -210,7 +207,7 @@
             <a:fld id="{EC2AD4C0-0FC1-44D9-A720-D776D6428221}" type="datetimeFigureOut">
               <a:rPr lang="en-US" smtClean="0"/>
               <a:pPr/>
-              <a:t>9/7/15</a:t>
+              <a:t>9/9/15</a:t>
             </a:fld>
             <a:endParaRPr lang="en-US"/>
           </a:p>
@@ -563,252 +560,6 @@
 </p:notes>
 </file>
 
-<file path=ppt/notesSlides/notesSlide10.xml><?xml version="1.0" encoding="utf-8"?>
-<p:notes xmlns:a="http://schemas.openxmlformats.org/drawingml/2006/main" xmlns:r="http://schemas.openxmlformats.org/officeDocument/2006/relationships" xmlns:p="http://schemas.openxmlformats.org/presentationml/2006/main">
-  <p:cSld>
-    <p:spTree>
-      <p:nvGrpSpPr>
-        <p:cNvPr id="1" name=""/>
-        <p:cNvGrpSpPr/>
-        <p:nvPr/>
-      </p:nvGrpSpPr>
-      <p:grpSpPr>
-        <a:xfrm>
-          <a:off x="0" y="0"/>
-          <a:ext cx="0" cy="0"/>
-          <a:chOff x="0" y="0"/>
-          <a:chExt cx="0" cy="0"/>
-        </a:xfrm>
-      </p:grpSpPr>
-      <p:sp>
-        <p:nvSpPr>
-          <p:cNvPr id="2" name="Slide Image Placeholder 1"/>
-          <p:cNvSpPr>
-            <a:spLocks noGrp="1" noRot="1" noChangeAspect="1"/>
-          </p:cNvSpPr>
-          <p:nvPr>
-            <p:ph type="sldImg"/>
-          </p:nvPr>
-        </p:nvSpPr>
-        <p:spPr/>
-      </p:sp>
-      <p:sp>
-        <p:nvSpPr>
-          <p:cNvPr id="3" name="Notes Placeholder 2"/>
-          <p:cNvSpPr>
-            <a:spLocks noGrp="1"/>
-          </p:cNvSpPr>
-          <p:nvPr>
-            <p:ph type="body" idx="1"/>
-          </p:nvPr>
-        </p:nvSpPr>
-        <p:spPr/>
-        <p:txBody>
-          <a:bodyPr>
-            <a:normAutofit/>
-          </a:bodyPr>
-          <a:lstStyle/>
-          <a:p>
-            <a:endParaRPr lang="en-US"/>
-          </a:p>
-        </p:txBody>
-      </p:sp>
-      <p:sp>
-        <p:nvSpPr>
-          <p:cNvPr id="4" name="Slide Number Placeholder 3"/>
-          <p:cNvSpPr>
-            <a:spLocks noGrp="1"/>
-          </p:cNvSpPr>
-          <p:nvPr>
-            <p:ph type="sldNum" sz="quarter" idx="10"/>
-          </p:nvPr>
-        </p:nvSpPr>
-        <p:spPr/>
-        <p:txBody>
-          <a:bodyPr/>
-          <a:lstStyle/>
-          <a:p>
-            <a:fld id="{CACBEE2F-8C26-493F-9430-82D1D1B7C623}" type="slidenum">
-              <a:rPr lang="en-US" smtClean="0"/>
-              <a:pPr/>
-              <a:t>10</a:t>
-            </a:fld>
-            <a:endParaRPr lang="en-US"/>
-          </a:p>
-        </p:txBody>
-      </p:sp>
-    </p:spTree>
-  </p:cSld>
-  <p:clrMapOvr>
-    <a:masterClrMapping/>
-  </p:clrMapOvr>
-</p:notes>
-</file>
-
-<file path=ppt/notesSlides/notesSlide11.xml><?xml version="1.0" encoding="utf-8"?>
-<p:notes xmlns:a="http://schemas.openxmlformats.org/drawingml/2006/main" xmlns:r="http://schemas.openxmlformats.org/officeDocument/2006/relationships" xmlns:p="http://schemas.openxmlformats.org/presentationml/2006/main">
-  <p:cSld>
-    <p:spTree>
-      <p:nvGrpSpPr>
-        <p:cNvPr id="1" name=""/>
-        <p:cNvGrpSpPr/>
-        <p:nvPr/>
-      </p:nvGrpSpPr>
-      <p:grpSpPr>
-        <a:xfrm>
-          <a:off x="0" y="0"/>
-          <a:ext cx="0" cy="0"/>
-          <a:chOff x="0" y="0"/>
-          <a:chExt cx="0" cy="0"/>
-        </a:xfrm>
-      </p:grpSpPr>
-      <p:sp>
-        <p:nvSpPr>
-          <p:cNvPr id="2" name="Slide Image Placeholder 1"/>
-          <p:cNvSpPr>
-            <a:spLocks noGrp="1" noRot="1" noChangeAspect="1"/>
-          </p:cNvSpPr>
-          <p:nvPr>
-            <p:ph type="sldImg"/>
-          </p:nvPr>
-        </p:nvSpPr>
-        <p:spPr/>
-      </p:sp>
-      <p:sp>
-        <p:nvSpPr>
-          <p:cNvPr id="3" name="Notes Placeholder 2"/>
-          <p:cNvSpPr>
-            <a:spLocks noGrp="1"/>
-          </p:cNvSpPr>
-          <p:nvPr>
-            <p:ph type="body" idx="1"/>
-          </p:nvPr>
-        </p:nvSpPr>
-        <p:spPr/>
-        <p:txBody>
-          <a:bodyPr>
-            <a:normAutofit/>
-          </a:bodyPr>
-          <a:lstStyle/>
-          <a:p>
-            <a:endParaRPr lang="en-US"/>
-          </a:p>
-        </p:txBody>
-      </p:sp>
-      <p:sp>
-        <p:nvSpPr>
-          <p:cNvPr id="4" name="Slide Number Placeholder 3"/>
-          <p:cNvSpPr>
-            <a:spLocks noGrp="1"/>
-          </p:cNvSpPr>
-          <p:nvPr>
-            <p:ph type="sldNum" sz="quarter" idx="10"/>
-          </p:nvPr>
-        </p:nvSpPr>
-        <p:spPr/>
-        <p:txBody>
-          <a:bodyPr/>
-          <a:lstStyle/>
-          <a:p>
-            <a:fld id="{CACBEE2F-8C26-493F-9430-82D1D1B7C623}" type="slidenum">
-              <a:rPr lang="en-US" smtClean="0"/>
-              <a:pPr/>
-              <a:t>11</a:t>
-            </a:fld>
-            <a:endParaRPr lang="en-US"/>
-          </a:p>
-        </p:txBody>
-      </p:sp>
-    </p:spTree>
-  </p:cSld>
-  <p:clrMapOvr>
-    <a:masterClrMapping/>
-  </p:clrMapOvr>
-</p:notes>
-</file>
-
-<file path=ppt/notesSlides/notesSlide12.xml><?xml version="1.0" encoding="utf-8"?>
-<p:notes xmlns:a="http://schemas.openxmlformats.org/drawingml/2006/main" xmlns:r="http://schemas.openxmlformats.org/officeDocument/2006/relationships" xmlns:p="http://schemas.openxmlformats.org/presentationml/2006/main">
-  <p:cSld>
-    <p:spTree>
-      <p:nvGrpSpPr>
-        <p:cNvPr id="1" name=""/>
-        <p:cNvGrpSpPr/>
-        <p:nvPr/>
-      </p:nvGrpSpPr>
-      <p:grpSpPr>
-        <a:xfrm>
-          <a:off x="0" y="0"/>
-          <a:ext cx="0" cy="0"/>
-          <a:chOff x="0" y="0"/>
-          <a:chExt cx="0" cy="0"/>
-        </a:xfrm>
-      </p:grpSpPr>
-      <p:sp>
-        <p:nvSpPr>
-          <p:cNvPr id="2" name="Slide Image Placeholder 1"/>
-          <p:cNvSpPr>
-            <a:spLocks noGrp="1" noRot="1" noChangeAspect="1"/>
-          </p:cNvSpPr>
-          <p:nvPr>
-            <p:ph type="sldImg"/>
-          </p:nvPr>
-        </p:nvSpPr>
-        <p:spPr/>
-      </p:sp>
-      <p:sp>
-        <p:nvSpPr>
-          <p:cNvPr id="3" name="Notes Placeholder 2"/>
-          <p:cNvSpPr>
-            <a:spLocks noGrp="1"/>
-          </p:cNvSpPr>
-          <p:nvPr>
-            <p:ph type="body" idx="1"/>
-          </p:nvPr>
-        </p:nvSpPr>
-        <p:spPr/>
-        <p:txBody>
-          <a:bodyPr>
-            <a:normAutofit/>
-          </a:bodyPr>
-          <a:lstStyle/>
-          <a:p>
-            <a:endParaRPr lang="en-US"/>
-          </a:p>
-        </p:txBody>
-      </p:sp>
-      <p:sp>
-        <p:nvSpPr>
-          <p:cNvPr id="4" name="Slide Number Placeholder 3"/>
-          <p:cNvSpPr>
-            <a:spLocks noGrp="1"/>
-          </p:cNvSpPr>
-          <p:nvPr>
-            <p:ph type="sldNum" sz="quarter" idx="10"/>
-          </p:nvPr>
-        </p:nvSpPr>
-        <p:spPr/>
-        <p:txBody>
-          <a:bodyPr/>
-          <a:lstStyle/>
-          <a:p>
-            <a:fld id="{CACBEE2F-8C26-493F-9430-82D1D1B7C623}" type="slidenum">
-              <a:rPr lang="en-US" smtClean="0"/>
-              <a:pPr/>
-              <a:t>12</a:t>
-            </a:fld>
-            <a:endParaRPr lang="en-US"/>
-          </a:p>
-        </p:txBody>
-      </p:sp>
-    </p:spTree>
-  </p:cSld>
-  <p:clrMapOvr>
-    <a:masterClrMapping/>
-  </p:clrMapOvr>
-</p:notes>
-</file>
-
 <file path=ppt/notesSlides/notesSlide2.xml><?xml version="1.0" encoding="utf-8"?>
 <p:notes xmlns:a="http://schemas.openxmlformats.org/drawingml/2006/main" xmlns:r="http://schemas.openxmlformats.org/officeDocument/2006/relationships" xmlns:p="http://schemas.openxmlformats.org/presentationml/2006/main">
   <p:cSld>
@@ -1647,7 +1398,7 @@
             <a:fld id="{F9C811E6-0209-4075-80E7-F5953C8ECEE3}" type="datetime1">
               <a:rPr lang="en-US" smtClean="0"/>
               <a:pPr/>
-              <a:t>9/7/15</a:t>
+              <a:t>9/9/15</a:t>
             </a:fld>
             <a:endParaRPr lang="en-US"/>
           </a:p>
@@ -1818,7 +1569,7 @@
             <a:fld id="{648E6BB1-E6D9-4EE7-828F-046F7223761D}" type="datetime1">
               <a:rPr lang="en-US" smtClean="0"/>
               <a:pPr/>
-              <a:t>9/7/15</a:t>
+              <a:t>9/9/15</a:t>
             </a:fld>
             <a:endParaRPr lang="en-US"/>
           </a:p>
@@ -1999,7 +1750,7 @@
             <a:fld id="{B4B9C580-A780-4D76-B2D1-C34F1DA97DF0}" type="datetime1">
               <a:rPr lang="en-US" smtClean="0"/>
               <a:pPr/>
-              <a:t>9/7/15</a:t>
+              <a:t>9/9/15</a:t>
             </a:fld>
             <a:endParaRPr lang="en-US"/>
           </a:p>
@@ -2170,7 +1921,7 @@
             <a:fld id="{EB19DDAF-3255-4785-974C-BB4FAF02D67E}" type="datetime1">
               <a:rPr lang="en-US" smtClean="0"/>
               <a:pPr/>
-              <a:t>9/7/15</a:t>
+              <a:t>9/9/15</a:t>
             </a:fld>
             <a:endParaRPr lang="en-US"/>
           </a:p>
@@ -2417,7 +2168,7 @@
             <a:fld id="{C344AF86-11D1-4E84-BA60-17130236FDAA}" type="datetime1">
               <a:rPr lang="en-US" smtClean="0"/>
               <a:pPr/>
-              <a:t>9/7/15</a:t>
+              <a:t>9/9/15</a:t>
             </a:fld>
             <a:endParaRPr lang="en-US"/>
           </a:p>
@@ -2706,7 +2457,7 @@
             <a:fld id="{A8DD670F-7E07-4783-A6F8-B28127B5AF4A}" type="datetime1">
               <a:rPr lang="en-US" smtClean="0"/>
               <a:pPr/>
-              <a:t>9/7/15</a:t>
+              <a:t>9/9/15</a:t>
             </a:fld>
             <a:endParaRPr lang="en-US"/>
           </a:p>
@@ -3129,7 +2880,7 @@
             <a:fld id="{92676DD9-688F-48EE-8233-B3B78BDDA63D}" type="datetime1">
               <a:rPr lang="en-US" smtClean="0"/>
               <a:pPr/>
-              <a:t>9/7/15</a:t>
+              <a:t>9/9/15</a:t>
             </a:fld>
             <a:endParaRPr lang="en-US"/>
           </a:p>
@@ -3248,7 +2999,7 @@
             <a:fld id="{F6CC4A83-AE34-48B8-B90E-70388FDBF0F7}" type="datetime1">
               <a:rPr lang="en-US" smtClean="0"/>
               <a:pPr/>
-              <a:t>9/7/15</a:t>
+              <a:t>9/9/15</a:t>
             </a:fld>
             <a:endParaRPr lang="en-US"/>
           </a:p>
@@ -3344,7 +3095,7 @@
             <a:fld id="{510CA3E2-9601-488E-B92B-23013819BD02}" type="datetime1">
               <a:rPr lang="en-US" smtClean="0"/>
               <a:pPr/>
-              <a:t>9/7/15</a:t>
+              <a:t>9/9/15</a:t>
             </a:fld>
             <a:endParaRPr lang="en-US"/>
           </a:p>
@@ -3622,7 +3373,7 @@
             <a:fld id="{331F1CBD-358A-4E18-86FD-C337233E15F0}" type="datetime1">
               <a:rPr lang="en-US" smtClean="0"/>
               <a:pPr/>
-              <a:t>9/7/15</a:t>
+              <a:t>9/9/15</a:t>
             </a:fld>
             <a:endParaRPr lang="en-US"/>
           </a:p>
@@ -3876,7 +3627,7 @@
             <a:fld id="{3CB4F0D5-901F-4458-A8F8-F062616694B4}" type="datetime1">
               <a:rPr lang="en-US" smtClean="0"/>
               <a:pPr/>
-              <a:t>9/7/15</a:t>
+              <a:t>9/9/15</a:t>
             </a:fld>
             <a:endParaRPr lang="en-US"/>
           </a:p>
@@ -4090,7 +3841,7 @@
             <a:fld id="{F77D84EF-BDBF-448B-906E-D51D4CAF22DC}" type="datetime1">
               <a:rPr lang="en-US" smtClean="0"/>
               <a:pPr/>
-              <a:t>9/7/15</a:t>
+              <a:t>9/9/15</a:t>
             </a:fld>
             <a:endParaRPr lang="en-US"/>
           </a:p>
@@ -4508,6 +4259,35 @@
               </a:rPr>
             </a:br>
             <a:r>
+              <a:rPr lang="en-US" sz="3200" dirty="0" smtClean="0">
+                <a:solidFill>
+                  <a:schemeClr val="accent2">
+                    <a:lumMod val="75000"/>
+                  </a:schemeClr>
+                </a:solidFill>
+              </a:rPr>
+              <a:t/>
+            </a:r>
+            <a:br>
+              <a:rPr lang="en-US" sz="3200" dirty="0" smtClean="0">
+                <a:solidFill>
+                  <a:schemeClr val="accent2">
+                    <a:lumMod val="75000"/>
+                  </a:schemeClr>
+                </a:solidFill>
+              </a:rPr>
+            </a:br>
+            <a:r>
+              <a:rPr lang="en-US" sz="3200" dirty="0" smtClean="0">
+                <a:solidFill>
+                  <a:schemeClr val="accent2">
+                    <a:lumMod val="75000"/>
+                  </a:schemeClr>
+                </a:solidFill>
+              </a:rPr>
+              <a:t>Lecture 2:</a:t>
+            </a:r>
+            <a:r>
               <a:rPr lang="en-US" sz="3200" dirty="0">
                 <a:solidFill>
                   <a:schemeClr val="accent2">
@@ -4534,7 +4314,7 @@
                   </a:schemeClr>
                 </a:solidFill>
               </a:rPr>
-              <a:t>Belief</a:t>
+              <a:t>Belief, probability, independence, conditional independence, </a:t>
             </a:r>
             <a:r>
               <a:rPr lang="en-US" sz="3200" dirty="0" smtClean="0">
@@ -4544,13 +4324,47 @@
                   </a:schemeClr>
                 </a:solidFill>
               </a:rPr>
-              <a:t>, probability, independence, conditional independence, exchangeability</a:t>
+              <a:t>exchangeability</a:t>
+            </a:r>
+            <a:br>
+              <a:rPr lang="en-US" sz="3200" dirty="0" smtClean="0">
+                <a:solidFill>
+                  <a:schemeClr val="accent2">
+                    <a:lumMod val="75000"/>
+                  </a:schemeClr>
+                </a:solidFill>
+              </a:rPr>
+            </a:br>
+            <a:r>
+              <a:rPr lang="en-US" sz="3200" dirty="0">
+                <a:solidFill>
+                  <a:schemeClr val="accent2">
+                    <a:lumMod val="75000"/>
+                  </a:schemeClr>
+                </a:solidFill>
+              </a:rPr>
+              <a:t/>
+            </a:r>
+            <a:br>
+              <a:rPr lang="en-US" sz="3200" dirty="0">
+                <a:solidFill>
+                  <a:schemeClr val="accent2">
+                    <a:lumMod val="75000"/>
+                  </a:schemeClr>
+                </a:solidFill>
+              </a:rPr>
+            </a:br>
+            <a:r>
+              <a:rPr lang="en-US" sz="3200" dirty="0" smtClean="0">
+                <a:solidFill>
+                  <a:schemeClr val="tx2"/>
+                </a:solidFill>
+              </a:rPr>
+              <a:t>(G. de los Campos)</a:t>
             </a:r>
             <a:endParaRPr lang="en-US" sz="3200" dirty="0">
               <a:solidFill>
-                <a:schemeClr val="accent2">
-                  <a:lumMod val="75000"/>
-                </a:schemeClr>
+                <a:schemeClr val="tx2"/>
               </a:solidFill>
             </a:endParaRPr>
           </a:p>
@@ -4603,1898 +4417,6 @@
         <p:cTn xmlns:p14="http://schemas.microsoft.com/office/powerpoint/2010/main" id="1" dur="indefinite" restart="never" nodeType="tmRoot"/>
       </p:par>
     </p:tnLst>
-  </p:timing>
-</p:sld>
-</file>
-
-<file path=ppt/slides/slide10.xml><?xml version="1.0" encoding="utf-8"?>
-<p:sld xmlns:a="http://schemas.openxmlformats.org/drawingml/2006/main" xmlns:r="http://schemas.openxmlformats.org/officeDocument/2006/relationships" xmlns:p="http://schemas.openxmlformats.org/presentationml/2006/main">
-  <p:cSld>
-    <p:spTree>
-      <p:nvGrpSpPr>
-        <p:cNvPr id="1" name=""/>
-        <p:cNvGrpSpPr/>
-        <p:nvPr/>
-      </p:nvGrpSpPr>
-      <p:grpSpPr>
-        <a:xfrm>
-          <a:off x="0" y="0"/>
-          <a:ext cx="0" cy="0"/>
-          <a:chOff x="0" y="0"/>
-          <a:chExt cx="0" cy="0"/>
-        </a:xfrm>
-      </p:grpSpPr>
-      <p:sp>
-        <p:nvSpPr>
-          <p:cNvPr id="2" name="Title 1"/>
-          <p:cNvSpPr>
-            <a:spLocks noGrp="1"/>
-          </p:cNvSpPr>
-          <p:nvPr>
-            <p:ph type="ctrTitle"/>
-          </p:nvPr>
-        </p:nvSpPr>
-        <p:spPr>
-          <a:xfrm>
-            <a:off x="381000" y="0"/>
-            <a:ext cx="7772400" cy="762000"/>
-          </a:xfrm>
-        </p:spPr>
-        <p:txBody>
-          <a:bodyPr>
-            <a:normAutofit/>
-          </a:bodyPr>
-          <a:lstStyle/>
-          <a:p>
-            <a:r>
-              <a:rPr lang="en-US" sz="3200" dirty="0" smtClean="0">
-                <a:solidFill>
-                  <a:schemeClr val="accent2">
-                    <a:lumMod val="75000"/>
-                  </a:schemeClr>
-                </a:solidFill>
-              </a:rPr>
-              <a:t>Common Distributions  of Discrete RV</a:t>
-            </a:r>
-            <a:endParaRPr lang="en-US" sz="3200" dirty="0">
-              <a:solidFill>
-                <a:schemeClr val="accent2">
-                  <a:lumMod val="75000"/>
-                </a:schemeClr>
-              </a:solidFill>
-            </a:endParaRPr>
-          </a:p>
-        </p:txBody>
-      </p:sp>
-      <p:sp>
-        <p:nvSpPr>
-          <p:cNvPr id="4" name="Footer Placeholder 3"/>
-          <p:cNvSpPr>
-            <a:spLocks noGrp="1"/>
-          </p:cNvSpPr>
-          <p:nvPr>
-            <p:ph type="ftr" sz="quarter" idx="11"/>
-          </p:nvPr>
-        </p:nvSpPr>
-        <p:spPr/>
-        <p:txBody>
-          <a:bodyPr/>
-          <a:lstStyle/>
-          <a:p>
-            <a:r>
-              <a:rPr lang="en-US" dirty="0" smtClean="0">
-                <a:solidFill>
-                  <a:schemeClr val="accent1"/>
-                </a:solidFill>
-              </a:rPr>
-              <a:t>STT 465, MSU, Fall, 2015</a:t>
-            </a:r>
-            <a:endParaRPr lang="en-US" dirty="0">
-              <a:solidFill>
-                <a:schemeClr val="accent1"/>
-              </a:solidFill>
-            </a:endParaRPr>
-          </a:p>
-        </p:txBody>
-      </p:sp>
-      <p:sp>
-        <p:nvSpPr>
-          <p:cNvPr id="6" name="TextBox 5"/>
-          <p:cNvSpPr txBox="1"/>
-          <p:nvPr/>
-        </p:nvSpPr>
-        <p:spPr>
-          <a:xfrm>
-            <a:off x="304800" y="692288"/>
-            <a:ext cx="8458200" cy="5632312"/>
-          </a:xfrm>
-          <a:prstGeom prst="rect">
-            <a:avLst/>
-          </a:prstGeom>
-          <a:noFill/>
-          <a:ln>
-            <a:solidFill>
-              <a:srgbClr val="800000"/>
-            </a:solidFill>
-            <a:prstDash val="sysDash"/>
-          </a:ln>
-        </p:spPr>
-        <p:txBody>
-          <a:bodyPr wrap="square" rtlCol="0">
-            <a:spAutoFit/>
-          </a:bodyPr>
-          <a:lstStyle/>
-          <a:p>
-            <a:endParaRPr lang="en-US" dirty="0" smtClean="0">
-              <a:solidFill>
-                <a:schemeClr val="accent1">
-                  <a:lumMod val="75000"/>
-                </a:schemeClr>
-              </a:solidFill>
-            </a:endParaRPr>
-          </a:p>
-          <a:p>
-            <a:endParaRPr lang="en-US" dirty="0">
-              <a:solidFill>
-                <a:schemeClr val="accent1">
-                  <a:lumMod val="75000"/>
-                </a:schemeClr>
-              </a:solidFill>
-            </a:endParaRPr>
-          </a:p>
-          <a:p>
-            <a:endParaRPr lang="en-US" dirty="0" smtClean="0">
-              <a:solidFill>
-                <a:schemeClr val="accent1">
-                  <a:lumMod val="75000"/>
-                </a:schemeClr>
-              </a:solidFill>
-            </a:endParaRPr>
-          </a:p>
-          <a:p>
-            <a:endParaRPr lang="en-US" dirty="0">
-              <a:solidFill>
-                <a:schemeClr val="accent1">
-                  <a:lumMod val="75000"/>
-                </a:schemeClr>
-              </a:solidFill>
-            </a:endParaRPr>
-          </a:p>
-          <a:p>
-            <a:endParaRPr lang="en-US" dirty="0" smtClean="0">
-              <a:solidFill>
-                <a:schemeClr val="accent1">
-                  <a:lumMod val="75000"/>
-                </a:schemeClr>
-              </a:solidFill>
-            </a:endParaRPr>
-          </a:p>
-          <a:p>
-            <a:endParaRPr lang="en-US" dirty="0">
-              <a:solidFill>
-                <a:schemeClr val="accent1">
-                  <a:lumMod val="75000"/>
-                </a:schemeClr>
-              </a:solidFill>
-            </a:endParaRPr>
-          </a:p>
-          <a:p>
-            <a:endParaRPr lang="en-US" dirty="0" smtClean="0">
-              <a:solidFill>
-                <a:schemeClr val="accent1">
-                  <a:lumMod val="75000"/>
-                </a:schemeClr>
-              </a:solidFill>
-            </a:endParaRPr>
-          </a:p>
-          <a:p>
-            <a:endParaRPr lang="en-US" dirty="0">
-              <a:solidFill>
-                <a:schemeClr val="accent1">
-                  <a:lumMod val="75000"/>
-                </a:schemeClr>
-              </a:solidFill>
-            </a:endParaRPr>
-          </a:p>
-          <a:p>
-            <a:endParaRPr lang="en-US" dirty="0" smtClean="0">
-              <a:solidFill>
-                <a:schemeClr val="accent1">
-                  <a:lumMod val="75000"/>
-                </a:schemeClr>
-              </a:solidFill>
-            </a:endParaRPr>
-          </a:p>
-          <a:p>
-            <a:endParaRPr lang="en-US" dirty="0">
-              <a:solidFill>
-                <a:schemeClr val="accent1">
-                  <a:lumMod val="75000"/>
-                </a:schemeClr>
-              </a:solidFill>
-            </a:endParaRPr>
-          </a:p>
-          <a:p>
-            <a:endParaRPr lang="en-US" dirty="0" smtClean="0">
-              <a:solidFill>
-                <a:schemeClr val="accent1">
-                  <a:lumMod val="75000"/>
-                </a:schemeClr>
-              </a:solidFill>
-            </a:endParaRPr>
-          </a:p>
-          <a:p>
-            <a:endParaRPr lang="en-US" dirty="0">
-              <a:solidFill>
-                <a:schemeClr val="accent1">
-                  <a:lumMod val="75000"/>
-                </a:schemeClr>
-              </a:solidFill>
-            </a:endParaRPr>
-          </a:p>
-          <a:p>
-            <a:endParaRPr lang="en-US" dirty="0" smtClean="0">
-              <a:solidFill>
-                <a:schemeClr val="accent1">
-                  <a:lumMod val="75000"/>
-                </a:schemeClr>
-              </a:solidFill>
-            </a:endParaRPr>
-          </a:p>
-          <a:p>
-            <a:endParaRPr lang="en-US" dirty="0">
-              <a:solidFill>
-                <a:schemeClr val="accent1">
-                  <a:lumMod val="75000"/>
-                </a:schemeClr>
-              </a:solidFill>
-            </a:endParaRPr>
-          </a:p>
-          <a:p>
-            <a:endParaRPr lang="en-US" dirty="0" smtClean="0">
-              <a:solidFill>
-                <a:schemeClr val="accent1">
-                  <a:lumMod val="75000"/>
-                </a:schemeClr>
-              </a:solidFill>
-            </a:endParaRPr>
-          </a:p>
-          <a:p>
-            <a:endParaRPr lang="en-US" dirty="0">
-              <a:solidFill>
-                <a:schemeClr val="accent1">
-                  <a:lumMod val="75000"/>
-                </a:schemeClr>
-              </a:solidFill>
-            </a:endParaRPr>
-          </a:p>
-          <a:p>
-            <a:endParaRPr lang="en-US" dirty="0" smtClean="0">
-              <a:solidFill>
-                <a:schemeClr val="accent1">
-                  <a:lumMod val="75000"/>
-                </a:schemeClr>
-              </a:solidFill>
-            </a:endParaRPr>
-          </a:p>
-          <a:p>
-            <a:endParaRPr lang="en-US" dirty="0">
-              <a:solidFill>
-                <a:schemeClr val="accent1">
-                  <a:lumMod val="75000"/>
-                </a:schemeClr>
-              </a:solidFill>
-            </a:endParaRPr>
-          </a:p>
-          <a:p>
-            <a:endParaRPr lang="en-US" dirty="0" smtClean="0">
-              <a:solidFill>
-                <a:schemeClr val="accent1">
-                  <a:lumMod val="75000"/>
-                </a:schemeClr>
-              </a:solidFill>
-            </a:endParaRPr>
-          </a:p>
-          <a:p>
-            <a:endParaRPr lang="en-US" dirty="0" smtClean="0">
-              <a:solidFill>
-                <a:schemeClr val="accent1">
-                  <a:lumMod val="75000"/>
-                </a:schemeClr>
-              </a:solidFill>
-            </a:endParaRPr>
-          </a:p>
-        </p:txBody>
-      </p:sp>
-      <p:graphicFrame>
-        <p:nvGraphicFramePr>
-          <p:cNvPr id="3" name="Object 2"/>
-          <p:cNvGraphicFramePr>
-            <a:graphicFrameLocks noChangeAspect="1"/>
-          </p:cNvGraphicFramePr>
-          <p:nvPr>
-            <p:extLst>
-              <p:ext uri="{D42A27DB-BD31-4B8C-83A1-F6EECF244321}">
-                <p14:modId xmlns:p14="http://schemas.microsoft.com/office/powerpoint/2010/main" val="469266640"/>
-              </p:ext>
-            </p:extLst>
-          </p:nvPr>
-        </p:nvGraphicFramePr>
-        <p:xfrm>
-          <a:off x="990600" y="1828800"/>
-          <a:ext cx="6207125" cy="946150"/>
-        </p:xfrm>
-        <a:graphic>
-          <a:graphicData uri="http://schemas.openxmlformats.org/presentationml/2006/ole">
-            <mc:AlternateContent xmlns:mc="http://schemas.openxmlformats.org/markup-compatibility/2006">
-              <mc:Choice xmlns:v="urn:schemas-microsoft-com:vml" Requires="v">
-                <p:oleObj spid="_x0000_s2073" name="Equation" r:id="rId4" imgW="3251200" imgH="495300" progId="Equation.3">
-                  <p:embed/>
-                </p:oleObj>
-              </mc:Choice>
-              <mc:Fallback>
-                <p:oleObj name="Equation" r:id="rId4" imgW="3251200" imgH="495300" progId="Equation.3">
-                  <p:embed/>
-                  <p:pic>
-                    <p:nvPicPr>
-                      <p:cNvPr id="0" name=""/>
-                      <p:cNvPicPr/>
-                      <p:nvPr/>
-                    </p:nvPicPr>
-                    <p:blipFill>
-                      <a:blip r:embed="rId5"/>
-                      <a:stretch>
-                        <a:fillRect/>
-                      </a:stretch>
-                    </p:blipFill>
-                    <p:spPr>
-                      <a:xfrm>
-                        <a:off x="990600" y="1828800"/>
-                        <a:ext cx="6207125" cy="946150"/>
-                      </a:xfrm>
-                      <a:prstGeom prst="rect">
-                        <a:avLst/>
-                      </a:prstGeom>
-                    </p:spPr>
-                  </p:pic>
-                </p:oleObj>
-              </mc:Fallback>
-            </mc:AlternateContent>
-          </a:graphicData>
-        </a:graphic>
-      </p:graphicFrame>
-      <p:sp>
-        <p:nvSpPr>
-          <p:cNvPr id="5" name="TextBox 4"/>
-          <p:cNvSpPr txBox="1"/>
-          <p:nvPr/>
-        </p:nvSpPr>
-        <p:spPr>
-          <a:xfrm>
-            <a:off x="990600" y="990600"/>
-            <a:ext cx="7391400" cy="461665"/>
-          </a:xfrm>
-          <a:prstGeom prst="rect">
-            <a:avLst/>
-          </a:prstGeom>
-          <a:noFill/>
-        </p:spPr>
-        <p:txBody>
-          <a:bodyPr wrap="square" rtlCol="0">
-            <a:spAutoFit/>
-          </a:bodyPr>
-          <a:lstStyle/>
-          <a:p>
-            <a:r>
-              <a:rPr lang="en-US" sz="2400" u="sng" dirty="0" smtClean="0">
-                <a:solidFill>
-                  <a:schemeClr val="tx2"/>
-                </a:solidFill>
-              </a:rPr>
-              <a:t>Binomial</a:t>
-            </a:r>
-            <a:r>
-              <a:rPr lang="en-US" sz="2400" dirty="0" smtClean="0">
-                <a:solidFill>
-                  <a:schemeClr val="tx2"/>
-                </a:solidFill>
-              </a:rPr>
-              <a:t>:  X=# of successes in </a:t>
-            </a:r>
-            <a:r>
-              <a:rPr lang="en-US" sz="2400" i="1" dirty="0" smtClean="0">
-                <a:solidFill>
-                  <a:schemeClr val="tx2"/>
-                </a:solidFill>
-              </a:rPr>
-              <a:t>k</a:t>
-            </a:r>
-            <a:r>
-              <a:rPr lang="en-US" sz="2400" dirty="0" smtClean="0">
-                <a:solidFill>
-                  <a:schemeClr val="tx2"/>
-                </a:solidFill>
-              </a:rPr>
-              <a:t> Bernoulli trails.</a:t>
-            </a:r>
-            <a:endParaRPr lang="en-US" sz="2400" dirty="0">
-              <a:solidFill>
-                <a:schemeClr val="tx2"/>
-              </a:solidFill>
-            </a:endParaRPr>
-          </a:p>
-        </p:txBody>
-      </p:sp>
-      <p:graphicFrame>
-        <p:nvGraphicFramePr>
-          <p:cNvPr id="7" name="Object 6"/>
-          <p:cNvGraphicFramePr>
-            <a:graphicFrameLocks noChangeAspect="1"/>
-          </p:cNvGraphicFramePr>
-          <p:nvPr>
-            <p:extLst>
-              <p:ext uri="{D42A27DB-BD31-4B8C-83A1-F6EECF244321}">
-                <p14:modId xmlns:p14="http://schemas.microsoft.com/office/powerpoint/2010/main" val="1619657708"/>
-              </p:ext>
-            </p:extLst>
-          </p:nvPr>
-        </p:nvGraphicFramePr>
-        <p:xfrm>
-          <a:off x="1146175" y="3200400"/>
-          <a:ext cx="1939925" cy="873125"/>
-        </p:xfrm>
-        <a:graphic>
-          <a:graphicData uri="http://schemas.openxmlformats.org/presentationml/2006/ole">
-            <mc:AlternateContent xmlns:mc="http://schemas.openxmlformats.org/markup-compatibility/2006">
-              <mc:Choice xmlns:v="urn:schemas-microsoft-com:vml" Requires="v">
-                <p:oleObj spid="_x0000_s2074" name="Equation" r:id="rId6" imgW="1016000" imgH="457200" progId="Equation.3">
-                  <p:embed/>
-                </p:oleObj>
-              </mc:Choice>
-              <mc:Fallback>
-                <p:oleObj name="Equation" r:id="rId6" imgW="1016000" imgH="457200" progId="Equation.3">
-                  <p:embed/>
-                  <p:pic>
-                    <p:nvPicPr>
-                      <p:cNvPr id="0" name=""/>
-                      <p:cNvPicPr/>
-                      <p:nvPr/>
-                    </p:nvPicPr>
-                    <p:blipFill>
-                      <a:blip r:embed="rId7"/>
-                      <a:stretch>
-                        <a:fillRect/>
-                      </a:stretch>
-                    </p:blipFill>
-                    <p:spPr>
-                      <a:xfrm>
-                        <a:off x="1146175" y="3200400"/>
-                        <a:ext cx="1939925" cy="873125"/>
-                      </a:xfrm>
-                      <a:prstGeom prst="rect">
-                        <a:avLst/>
-                      </a:prstGeom>
-                    </p:spPr>
-                  </p:pic>
-                </p:oleObj>
-              </mc:Fallback>
-            </mc:AlternateContent>
-          </a:graphicData>
-        </a:graphic>
-      </p:graphicFrame>
-    </p:spTree>
-    <p:extLst>
-      <p:ext uri="{BB962C8B-B14F-4D97-AF65-F5344CB8AC3E}">
-        <p14:creationId xmlns:p14="http://schemas.microsoft.com/office/powerpoint/2010/main" val="1242800187"/>
-      </p:ext>
-    </p:extLst>
-  </p:cSld>
-  <p:clrMapOvr>
-    <a:masterClrMapping/>
-  </p:clrMapOvr>
-  <p:timing>
-    <p:tnLst>
-      <p:par>
-        <p:cTn xmlns:p14="http://schemas.microsoft.com/office/powerpoint/2010/main" id="1" dur="indefinite" restart="never" nodeType="tmRoot">
-          <p:childTnLst>
-            <p:seq concurrent="1" nextAc="seek">
-              <p:cTn id="2" dur="indefinite" nodeType="mainSeq">
-                <p:childTnLst>
-                  <p:par>
-                    <p:cTn id="3" fill="hold">
-                      <p:stCondLst>
-                        <p:cond delay="indefinite"/>
-                      </p:stCondLst>
-                      <p:childTnLst>
-                        <p:par>
-                          <p:cTn id="4" fill="hold">
-                            <p:stCondLst>
-                              <p:cond delay="0"/>
-                            </p:stCondLst>
-                            <p:childTnLst>
-                              <p:par>
-                                <p:cTn id="5" presetID="3" presetClass="entr" presetSubtype="10" fill="hold" grpId="0" nodeType="clickEffect">
-                                  <p:stCondLst>
-                                    <p:cond delay="0"/>
-                                  </p:stCondLst>
-                                  <p:childTnLst>
-                                    <p:set>
-                                      <p:cBhvr>
-                                        <p:cTn id="6" dur="1" fill="hold">
-                                          <p:stCondLst>
-                                            <p:cond delay="0"/>
-                                          </p:stCondLst>
-                                        </p:cTn>
-                                        <p:tgtEl>
-                                          <p:spTgt spid="6">
-                                            <p:bg/>
-                                          </p:spTgt>
-                                        </p:tgtEl>
-                                        <p:attrNameLst>
-                                          <p:attrName>style.visibility</p:attrName>
-                                        </p:attrNameLst>
-                                      </p:cBhvr>
-                                      <p:to>
-                                        <p:strVal val="visible"/>
-                                      </p:to>
-                                    </p:set>
-                                    <p:animEffect transition="in" filter="blinds(horizontal)">
-                                      <p:cBhvr>
-                                        <p:cTn id="7" dur="500"/>
-                                        <p:tgtEl>
-                                          <p:spTgt spid="6">
-                                            <p:bg/>
-                                          </p:spTgt>
-                                        </p:tgtEl>
-                                      </p:cBhvr>
-                                    </p:animEffect>
-                                  </p:childTnLst>
-                                </p:cTn>
-                              </p:par>
-                            </p:childTnLst>
-                          </p:cTn>
-                        </p:par>
-                      </p:childTnLst>
-                    </p:cTn>
-                  </p:par>
-                </p:childTnLst>
-              </p:cTn>
-              <p:prevCondLst>
-                <p:cond evt="onPrev" delay="0">
-                  <p:tgtEl>
-                    <p:sldTgt/>
-                  </p:tgtEl>
-                </p:cond>
-              </p:prevCondLst>
-              <p:nextCondLst>
-                <p:cond evt="onNext" delay="0">
-                  <p:tgtEl>
-                    <p:sldTgt/>
-                  </p:tgtEl>
-                </p:cond>
-              </p:nextCondLst>
-            </p:seq>
-          </p:childTnLst>
-        </p:cTn>
-      </p:par>
-    </p:tnLst>
-    <p:bldLst>
-      <p:bldP spid="6" grpId="0" build="p" bldLvl="2" animBg="1"/>
-    </p:bldLst>
-  </p:timing>
-</p:sld>
-</file>
-
-<file path=ppt/slides/slide11.xml><?xml version="1.0" encoding="utf-8"?>
-<p:sld xmlns:a="http://schemas.openxmlformats.org/drawingml/2006/main" xmlns:r="http://schemas.openxmlformats.org/officeDocument/2006/relationships" xmlns:p="http://schemas.openxmlformats.org/presentationml/2006/main">
-  <p:cSld>
-    <p:spTree>
-      <p:nvGrpSpPr>
-        <p:cNvPr id="1" name=""/>
-        <p:cNvGrpSpPr/>
-        <p:nvPr/>
-      </p:nvGrpSpPr>
-      <p:grpSpPr>
-        <a:xfrm>
-          <a:off x="0" y="0"/>
-          <a:ext cx="0" cy="0"/>
-          <a:chOff x="0" y="0"/>
-          <a:chExt cx="0" cy="0"/>
-        </a:xfrm>
-      </p:grpSpPr>
-      <p:sp>
-        <p:nvSpPr>
-          <p:cNvPr id="2" name="Title 1"/>
-          <p:cNvSpPr>
-            <a:spLocks noGrp="1"/>
-          </p:cNvSpPr>
-          <p:nvPr>
-            <p:ph type="ctrTitle"/>
-          </p:nvPr>
-        </p:nvSpPr>
-        <p:spPr>
-          <a:xfrm>
-            <a:off x="381000" y="0"/>
-            <a:ext cx="7772400" cy="762000"/>
-          </a:xfrm>
-        </p:spPr>
-        <p:txBody>
-          <a:bodyPr>
-            <a:normAutofit/>
-          </a:bodyPr>
-          <a:lstStyle/>
-          <a:p>
-            <a:r>
-              <a:rPr lang="en-US" sz="3200" dirty="0" smtClean="0">
-                <a:solidFill>
-                  <a:schemeClr val="accent2">
-                    <a:lumMod val="75000"/>
-                  </a:schemeClr>
-                </a:solidFill>
-              </a:rPr>
-              <a:t>Common Distributions  of Discrete RV</a:t>
-            </a:r>
-            <a:endParaRPr lang="en-US" sz="3200" dirty="0">
-              <a:solidFill>
-                <a:schemeClr val="accent2">
-                  <a:lumMod val="75000"/>
-                </a:schemeClr>
-              </a:solidFill>
-            </a:endParaRPr>
-          </a:p>
-        </p:txBody>
-      </p:sp>
-      <p:sp>
-        <p:nvSpPr>
-          <p:cNvPr id="4" name="Footer Placeholder 3"/>
-          <p:cNvSpPr>
-            <a:spLocks noGrp="1"/>
-          </p:cNvSpPr>
-          <p:nvPr>
-            <p:ph type="ftr" sz="quarter" idx="11"/>
-          </p:nvPr>
-        </p:nvSpPr>
-        <p:spPr/>
-        <p:txBody>
-          <a:bodyPr/>
-          <a:lstStyle/>
-          <a:p>
-            <a:r>
-              <a:rPr lang="en-US" dirty="0" smtClean="0">
-                <a:solidFill>
-                  <a:schemeClr val="accent1"/>
-                </a:solidFill>
-              </a:rPr>
-              <a:t>STT 465, MSU, Fall, 2015</a:t>
-            </a:r>
-            <a:endParaRPr lang="en-US" dirty="0">
-              <a:solidFill>
-                <a:schemeClr val="accent1"/>
-              </a:solidFill>
-            </a:endParaRPr>
-          </a:p>
-        </p:txBody>
-      </p:sp>
-      <p:sp>
-        <p:nvSpPr>
-          <p:cNvPr id="6" name="TextBox 5"/>
-          <p:cNvSpPr txBox="1"/>
-          <p:nvPr/>
-        </p:nvSpPr>
-        <p:spPr>
-          <a:xfrm>
-            <a:off x="304800" y="692288"/>
-            <a:ext cx="8458200" cy="5632312"/>
-          </a:xfrm>
-          <a:prstGeom prst="rect">
-            <a:avLst/>
-          </a:prstGeom>
-          <a:noFill/>
-          <a:ln>
-            <a:solidFill>
-              <a:srgbClr val="800000"/>
-            </a:solidFill>
-            <a:prstDash val="sysDash"/>
-          </a:ln>
-        </p:spPr>
-        <p:txBody>
-          <a:bodyPr wrap="square" rtlCol="0">
-            <a:spAutoFit/>
-          </a:bodyPr>
-          <a:lstStyle/>
-          <a:p>
-            <a:endParaRPr lang="en-US" dirty="0" smtClean="0">
-              <a:solidFill>
-                <a:schemeClr val="accent1">
-                  <a:lumMod val="75000"/>
-                </a:schemeClr>
-              </a:solidFill>
-            </a:endParaRPr>
-          </a:p>
-          <a:p>
-            <a:endParaRPr lang="en-US" dirty="0">
-              <a:solidFill>
-                <a:schemeClr val="accent1">
-                  <a:lumMod val="75000"/>
-                </a:schemeClr>
-              </a:solidFill>
-            </a:endParaRPr>
-          </a:p>
-          <a:p>
-            <a:endParaRPr lang="en-US" dirty="0" smtClean="0">
-              <a:solidFill>
-                <a:schemeClr val="accent1">
-                  <a:lumMod val="75000"/>
-                </a:schemeClr>
-              </a:solidFill>
-            </a:endParaRPr>
-          </a:p>
-          <a:p>
-            <a:endParaRPr lang="en-US" dirty="0">
-              <a:solidFill>
-                <a:schemeClr val="accent1">
-                  <a:lumMod val="75000"/>
-                </a:schemeClr>
-              </a:solidFill>
-            </a:endParaRPr>
-          </a:p>
-          <a:p>
-            <a:endParaRPr lang="en-US" dirty="0" smtClean="0">
-              <a:solidFill>
-                <a:schemeClr val="accent1">
-                  <a:lumMod val="75000"/>
-                </a:schemeClr>
-              </a:solidFill>
-            </a:endParaRPr>
-          </a:p>
-          <a:p>
-            <a:endParaRPr lang="en-US" dirty="0">
-              <a:solidFill>
-                <a:schemeClr val="accent1">
-                  <a:lumMod val="75000"/>
-                </a:schemeClr>
-              </a:solidFill>
-            </a:endParaRPr>
-          </a:p>
-          <a:p>
-            <a:endParaRPr lang="en-US" dirty="0" smtClean="0">
-              <a:solidFill>
-                <a:schemeClr val="accent1">
-                  <a:lumMod val="75000"/>
-                </a:schemeClr>
-              </a:solidFill>
-            </a:endParaRPr>
-          </a:p>
-          <a:p>
-            <a:endParaRPr lang="en-US" dirty="0">
-              <a:solidFill>
-                <a:schemeClr val="accent1">
-                  <a:lumMod val="75000"/>
-                </a:schemeClr>
-              </a:solidFill>
-            </a:endParaRPr>
-          </a:p>
-          <a:p>
-            <a:endParaRPr lang="en-US" dirty="0" smtClean="0">
-              <a:solidFill>
-                <a:schemeClr val="accent1">
-                  <a:lumMod val="75000"/>
-                </a:schemeClr>
-              </a:solidFill>
-            </a:endParaRPr>
-          </a:p>
-          <a:p>
-            <a:endParaRPr lang="en-US" dirty="0">
-              <a:solidFill>
-                <a:schemeClr val="accent1">
-                  <a:lumMod val="75000"/>
-                </a:schemeClr>
-              </a:solidFill>
-            </a:endParaRPr>
-          </a:p>
-          <a:p>
-            <a:endParaRPr lang="en-US" dirty="0" smtClean="0">
-              <a:solidFill>
-                <a:schemeClr val="accent1">
-                  <a:lumMod val="75000"/>
-                </a:schemeClr>
-              </a:solidFill>
-            </a:endParaRPr>
-          </a:p>
-          <a:p>
-            <a:endParaRPr lang="en-US" dirty="0">
-              <a:solidFill>
-                <a:schemeClr val="accent1">
-                  <a:lumMod val="75000"/>
-                </a:schemeClr>
-              </a:solidFill>
-            </a:endParaRPr>
-          </a:p>
-          <a:p>
-            <a:endParaRPr lang="en-US" dirty="0" smtClean="0">
-              <a:solidFill>
-                <a:schemeClr val="accent1">
-                  <a:lumMod val="75000"/>
-                </a:schemeClr>
-              </a:solidFill>
-            </a:endParaRPr>
-          </a:p>
-          <a:p>
-            <a:endParaRPr lang="en-US" dirty="0">
-              <a:solidFill>
-                <a:schemeClr val="accent1">
-                  <a:lumMod val="75000"/>
-                </a:schemeClr>
-              </a:solidFill>
-            </a:endParaRPr>
-          </a:p>
-          <a:p>
-            <a:endParaRPr lang="en-US" dirty="0" smtClean="0">
-              <a:solidFill>
-                <a:schemeClr val="accent1">
-                  <a:lumMod val="75000"/>
-                </a:schemeClr>
-              </a:solidFill>
-            </a:endParaRPr>
-          </a:p>
-          <a:p>
-            <a:endParaRPr lang="en-US" dirty="0">
-              <a:solidFill>
-                <a:schemeClr val="accent1">
-                  <a:lumMod val="75000"/>
-                </a:schemeClr>
-              </a:solidFill>
-            </a:endParaRPr>
-          </a:p>
-          <a:p>
-            <a:endParaRPr lang="en-US" dirty="0" smtClean="0">
-              <a:solidFill>
-                <a:schemeClr val="accent1">
-                  <a:lumMod val="75000"/>
-                </a:schemeClr>
-              </a:solidFill>
-            </a:endParaRPr>
-          </a:p>
-          <a:p>
-            <a:endParaRPr lang="en-US" dirty="0">
-              <a:solidFill>
-                <a:schemeClr val="accent1">
-                  <a:lumMod val="75000"/>
-                </a:schemeClr>
-              </a:solidFill>
-            </a:endParaRPr>
-          </a:p>
-          <a:p>
-            <a:endParaRPr lang="en-US" dirty="0" smtClean="0">
-              <a:solidFill>
-                <a:schemeClr val="accent1">
-                  <a:lumMod val="75000"/>
-                </a:schemeClr>
-              </a:solidFill>
-            </a:endParaRPr>
-          </a:p>
-          <a:p>
-            <a:endParaRPr lang="en-US" dirty="0" smtClean="0">
-              <a:solidFill>
-                <a:schemeClr val="accent1">
-                  <a:lumMod val="75000"/>
-                </a:schemeClr>
-              </a:solidFill>
-            </a:endParaRPr>
-          </a:p>
-        </p:txBody>
-      </p:sp>
-      <p:graphicFrame>
-        <p:nvGraphicFramePr>
-          <p:cNvPr id="3" name="Object 2"/>
-          <p:cNvGraphicFramePr>
-            <a:graphicFrameLocks noChangeAspect="1"/>
-          </p:cNvGraphicFramePr>
-          <p:nvPr>
-            <p:extLst>
-              <p:ext uri="{D42A27DB-BD31-4B8C-83A1-F6EECF244321}">
-                <p14:modId xmlns:p14="http://schemas.microsoft.com/office/powerpoint/2010/main" val="1008892887"/>
-              </p:ext>
-            </p:extLst>
-          </p:nvPr>
-        </p:nvGraphicFramePr>
-        <p:xfrm>
-          <a:off x="1090613" y="2286000"/>
-          <a:ext cx="3854450" cy="1843088"/>
-        </p:xfrm>
-        <a:graphic>
-          <a:graphicData uri="http://schemas.openxmlformats.org/presentationml/2006/ole">
-            <mc:AlternateContent xmlns:mc="http://schemas.openxmlformats.org/markup-compatibility/2006">
-              <mc:Choice xmlns:v="urn:schemas-microsoft-com:vml" Requires="v">
-                <p:oleObj spid="_x0000_s3109" name="Equation" r:id="rId4" imgW="2019300" imgH="965200" progId="Equation.3">
-                  <p:embed/>
-                </p:oleObj>
-              </mc:Choice>
-              <mc:Fallback>
-                <p:oleObj name="Equation" r:id="rId4" imgW="2019300" imgH="965200" progId="Equation.3">
-                  <p:embed/>
-                  <p:pic>
-                    <p:nvPicPr>
-                      <p:cNvPr id="0" name=""/>
-                      <p:cNvPicPr/>
-                      <p:nvPr/>
-                    </p:nvPicPr>
-                    <p:blipFill>
-                      <a:blip r:embed="rId5"/>
-                      <a:stretch>
-                        <a:fillRect/>
-                      </a:stretch>
-                    </p:blipFill>
-                    <p:spPr>
-                      <a:xfrm>
-                        <a:off x="1090613" y="2286000"/>
-                        <a:ext cx="3854450" cy="1843088"/>
-                      </a:xfrm>
-                      <a:prstGeom prst="rect">
-                        <a:avLst/>
-                      </a:prstGeom>
-                    </p:spPr>
-                  </p:pic>
-                </p:oleObj>
-              </mc:Fallback>
-            </mc:AlternateContent>
-          </a:graphicData>
-        </a:graphic>
-      </p:graphicFrame>
-      <p:sp>
-        <p:nvSpPr>
-          <p:cNvPr id="5" name="TextBox 4"/>
-          <p:cNvSpPr txBox="1"/>
-          <p:nvPr/>
-        </p:nvSpPr>
-        <p:spPr>
-          <a:xfrm>
-            <a:off x="990600" y="990600"/>
-            <a:ext cx="7391400" cy="1200328"/>
-          </a:xfrm>
-          <a:prstGeom prst="rect">
-            <a:avLst/>
-          </a:prstGeom>
-          <a:noFill/>
-        </p:spPr>
-        <p:txBody>
-          <a:bodyPr wrap="square" rtlCol="0">
-            <a:spAutoFit/>
-          </a:bodyPr>
-          <a:lstStyle/>
-          <a:p>
-            <a:r>
-              <a:rPr lang="en-US" sz="2400" u="sng" dirty="0" err="1" smtClean="0">
-                <a:solidFill>
-                  <a:schemeClr val="tx2"/>
-                </a:solidFill>
-              </a:rPr>
-              <a:t>Hypergeometric</a:t>
-            </a:r>
-            <a:r>
-              <a:rPr lang="en-US" sz="2400" dirty="0" smtClean="0">
-                <a:solidFill>
-                  <a:schemeClr val="tx2"/>
-                </a:solidFill>
-              </a:rPr>
-              <a:t>:  X=# of successes in </a:t>
-            </a:r>
-            <a:r>
-              <a:rPr lang="en-US" sz="2400" i="1" dirty="0" smtClean="0">
-                <a:solidFill>
-                  <a:schemeClr val="tx2"/>
-                </a:solidFill>
-              </a:rPr>
-              <a:t>k</a:t>
-            </a:r>
-            <a:r>
-              <a:rPr lang="en-US" sz="2400" dirty="0" smtClean="0">
-                <a:solidFill>
-                  <a:schemeClr val="tx2"/>
-                </a:solidFill>
-              </a:rPr>
-              <a:t> draws without </a:t>
-            </a:r>
-          </a:p>
-          <a:p>
-            <a:r>
-              <a:rPr lang="en-US" sz="2400" dirty="0">
-                <a:solidFill>
-                  <a:schemeClr val="tx2"/>
-                </a:solidFill>
-              </a:rPr>
-              <a:t>	 </a:t>
-            </a:r>
-            <a:r>
-              <a:rPr lang="en-US" sz="2400" dirty="0" smtClean="0">
-                <a:solidFill>
-                  <a:schemeClr val="tx2"/>
-                </a:solidFill>
-              </a:rPr>
-              <a:t>                   replacement from a population of size N</a:t>
-            </a:r>
-          </a:p>
-          <a:p>
-            <a:r>
-              <a:rPr lang="en-US" sz="2400" dirty="0">
-                <a:solidFill>
-                  <a:schemeClr val="tx2"/>
-                </a:solidFill>
-              </a:rPr>
-              <a:t>	</a:t>
-            </a:r>
-            <a:r>
-              <a:rPr lang="en-US" sz="2400" dirty="0" smtClean="0">
-                <a:solidFill>
-                  <a:schemeClr val="tx2"/>
-                </a:solidFill>
-              </a:rPr>
-              <a:t>                    that contains K successes.</a:t>
-            </a:r>
-          </a:p>
-        </p:txBody>
-      </p:sp>
-      <p:graphicFrame>
-        <p:nvGraphicFramePr>
-          <p:cNvPr id="7" name="Object 6"/>
-          <p:cNvGraphicFramePr>
-            <a:graphicFrameLocks noChangeAspect="1"/>
-          </p:cNvGraphicFramePr>
-          <p:nvPr>
-            <p:extLst>
-              <p:ext uri="{D42A27DB-BD31-4B8C-83A1-F6EECF244321}">
-                <p14:modId xmlns:p14="http://schemas.microsoft.com/office/powerpoint/2010/main" val="3280668514"/>
-              </p:ext>
-            </p:extLst>
-          </p:nvPr>
-        </p:nvGraphicFramePr>
-        <p:xfrm>
-          <a:off x="1143000" y="4724400"/>
-          <a:ext cx="1430338" cy="752475"/>
-        </p:xfrm>
-        <a:graphic>
-          <a:graphicData uri="http://schemas.openxmlformats.org/presentationml/2006/ole">
-            <mc:AlternateContent xmlns:mc="http://schemas.openxmlformats.org/markup-compatibility/2006">
-              <mc:Choice xmlns:v="urn:schemas-microsoft-com:vml" Requires="v">
-                <p:oleObj spid="_x0000_s3110" name="Equation" r:id="rId6" imgW="749300" imgH="393700" progId="Equation.3">
-                  <p:embed/>
-                </p:oleObj>
-              </mc:Choice>
-              <mc:Fallback>
-                <p:oleObj name="Equation" r:id="rId6" imgW="749300" imgH="393700" progId="Equation.3">
-                  <p:embed/>
-                  <p:pic>
-                    <p:nvPicPr>
-                      <p:cNvPr id="0" name=""/>
-                      <p:cNvPicPr/>
-                      <p:nvPr/>
-                    </p:nvPicPr>
-                    <p:blipFill>
-                      <a:blip r:embed="rId7"/>
-                      <a:stretch>
-                        <a:fillRect/>
-                      </a:stretch>
-                    </p:blipFill>
-                    <p:spPr>
-                      <a:xfrm>
-                        <a:off x="1143000" y="4724400"/>
-                        <a:ext cx="1430338" cy="752475"/>
-                      </a:xfrm>
-                      <a:prstGeom prst="rect">
-                        <a:avLst/>
-                      </a:prstGeom>
-                    </p:spPr>
-                  </p:pic>
-                </p:oleObj>
-              </mc:Fallback>
-            </mc:AlternateContent>
-          </a:graphicData>
-        </a:graphic>
-      </p:graphicFrame>
-      <p:graphicFrame>
-        <p:nvGraphicFramePr>
-          <p:cNvPr id="8" name="Object 7"/>
-          <p:cNvGraphicFramePr>
-            <a:graphicFrameLocks noChangeAspect="1"/>
-          </p:cNvGraphicFramePr>
-          <p:nvPr>
-            <p:extLst>
-              <p:ext uri="{D42A27DB-BD31-4B8C-83A1-F6EECF244321}">
-                <p14:modId xmlns:p14="http://schemas.microsoft.com/office/powerpoint/2010/main" val="567241358"/>
-              </p:ext>
-            </p:extLst>
-          </p:nvPr>
-        </p:nvGraphicFramePr>
-        <p:xfrm>
-          <a:off x="4114800" y="4724400"/>
-          <a:ext cx="3342968" cy="762000"/>
-        </p:xfrm>
-        <a:graphic>
-          <a:graphicData uri="http://schemas.openxmlformats.org/presentationml/2006/ole">
-            <mc:AlternateContent xmlns:mc="http://schemas.openxmlformats.org/markup-compatibility/2006">
-              <mc:Choice xmlns:v="urn:schemas-microsoft-com:vml" Requires="v">
-                <p:oleObj spid="_x0000_s3111" name="Equation" r:id="rId8" imgW="1727200" imgH="393700" progId="Equation.3">
-                  <p:embed/>
-                </p:oleObj>
-              </mc:Choice>
-              <mc:Fallback>
-                <p:oleObj name="Equation" r:id="rId8" imgW="1727200" imgH="393700" progId="Equation.3">
-                  <p:embed/>
-                  <p:pic>
-                    <p:nvPicPr>
-                      <p:cNvPr id="0" name=""/>
-                      <p:cNvPicPr/>
-                      <p:nvPr/>
-                    </p:nvPicPr>
-                    <p:blipFill>
-                      <a:blip r:embed="rId9"/>
-                      <a:stretch>
-                        <a:fillRect/>
-                      </a:stretch>
-                    </p:blipFill>
-                    <p:spPr>
-                      <a:xfrm>
-                        <a:off x="4114800" y="4724400"/>
-                        <a:ext cx="3342968" cy="762000"/>
-                      </a:xfrm>
-                      <a:prstGeom prst="rect">
-                        <a:avLst/>
-                      </a:prstGeom>
-                    </p:spPr>
-                  </p:pic>
-                </p:oleObj>
-              </mc:Fallback>
-            </mc:AlternateContent>
-          </a:graphicData>
-        </a:graphic>
-      </p:graphicFrame>
-    </p:spTree>
-    <p:extLst>
-      <p:ext uri="{BB962C8B-B14F-4D97-AF65-F5344CB8AC3E}">
-        <p14:creationId xmlns:p14="http://schemas.microsoft.com/office/powerpoint/2010/main" val="3441424446"/>
-      </p:ext>
-    </p:extLst>
-  </p:cSld>
-  <p:clrMapOvr>
-    <a:masterClrMapping/>
-  </p:clrMapOvr>
-  <p:timing>
-    <p:tnLst>
-      <p:par>
-        <p:cTn xmlns:p14="http://schemas.microsoft.com/office/powerpoint/2010/main" id="1" dur="indefinite" restart="never" nodeType="tmRoot">
-          <p:childTnLst>
-            <p:seq concurrent="1" nextAc="seek">
-              <p:cTn id="2" dur="indefinite" nodeType="mainSeq">
-                <p:childTnLst>
-                  <p:par>
-                    <p:cTn id="3" fill="hold">
-                      <p:stCondLst>
-                        <p:cond delay="indefinite"/>
-                      </p:stCondLst>
-                      <p:childTnLst>
-                        <p:par>
-                          <p:cTn id="4" fill="hold">
-                            <p:stCondLst>
-                              <p:cond delay="0"/>
-                            </p:stCondLst>
-                            <p:childTnLst>
-                              <p:par>
-                                <p:cTn id="5" presetID="3" presetClass="entr" presetSubtype="10" fill="hold" grpId="0" nodeType="clickEffect">
-                                  <p:stCondLst>
-                                    <p:cond delay="0"/>
-                                  </p:stCondLst>
-                                  <p:childTnLst>
-                                    <p:set>
-                                      <p:cBhvr>
-                                        <p:cTn id="6" dur="1" fill="hold">
-                                          <p:stCondLst>
-                                            <p:cond delay="0"/>
-                                          </p:stCondLst>
-                                        </p:cTn>
-                                        <p:tgtEl>
-                                          <p:spTgt spid="6">
-                                            <p:bg/>
-                                          </p:spTgt>
-                                        </p:tgtEl>
-                                        <p:attrNameLst>
-                                          <p:attrName>style.visibility</p:attrName>
-                                        </p:attrNameLst>
-                                      </p:cBhvr>
-                                      <p:to>
-                                        <p:strVal val="visible"/>
-                                      </p:to>
-                                    </p:set>
-                                    <p:animEffect transition="in" filter="blinds(horizontal)">
-                                      <p:cBhvr>
-                                        <p:cTn id="7" dur="500"/>
-                                        <p:tgtEl>
-                                          <p:spTgt spid="6">
-                                            <p:bg/>
-                                          </p:spTgt>
-                                        </p:tgtEl>
-                                      </p:cBhvr>
-                                    </p:animEffect>
-                                  </p:childTnLst>
-                                </p:cTn>
-                              </p:par>
-                            </p:childTnLst>
-                          </p:cTn>
-                        </p:par>
-                      </p:childTnLst>
-                    </p:cTn>
-                  </p:par>
-                </p:childTnLst>
-              </p:cTn>
-              <p:prevCondLst>
-                <p:cond evt="onPrev" delay="0">
-                  <p:tgtEl>
-                    <p:sldTgt/>
-                  </p:tgtEl>
-                </p:cond>
-              </p:prevCondLst>
-              <p:nextCondLst>
-                <p:cond evt="onNext" delay="0">
-                  <p:tgtEl>
-                    <p:sldTgt/>
-                  </p:tgtEl>
-                </p:cond>
-              </p:nextCondLst>
-            </p:seq>
-          </p:childTnLst>
-        </p:cTn>
-      </p:par>
-    </p:tnLst>
-    <p:bldLst>
-      <p:bldP spid="6" grpId="0" build="p" bldLvl="2" animBg="1"/>
-    </p:bldLst>
-  </p:timing>
-</p:sld>
-</file>
-
-<file path=ppt/slides/slide12.xml><?xml version="1.0" encoding="utf-8"?>
-<p:sld xmlns:a="http://schemas.openxmlformats.org/drawingml/2006/main" xmlns:r="http://schemas.openxmlformats.org/officeDocument/2006/relationships" xmlns:p="http://schemas.openxmlformats.org/presentationml/2006/main">
-  <p:cSld>
-    <p:spTree>
-      <p:nvGrpSpPr>
-        <p:cNvPr id="1" name=""/>
-        <p:cNvGrpSpPr/>
-        <p:nvPr/>
-      </p:nvGrpSpPr>
-      <p:grpSpPr>
-        <a:xfrm>
-          <a:off x="0" y="0"/>
-          <a:ext cx="0" cy="0"/>
-          <a:chOff x="0" y="0"/>
-          <a:chExt cx="0" cy="0"/>
-        </a:xfrm>
-      </p:grpSpPr>
-      <p:sp>
-        <p:nvSpPr>
-          <p:cNvPr id="2" name="Title 1"/>
-          <p:cNvSpPr>
-            <a:spLocks noGrp="1"/>
-          </p:cNvSpPr>
-          <p:nvPr>
-            <p:ph type="ctrTitle"/>
-          </p:nvPr>
-        </p:nvSpPr>
-        <p:spPr>
-          <a:xfrm>
-            <a:off x="381000" y="0"/>
-            <a:ext cx="7772400" cy="762000"/>
-          </a:xfrm>
-        </p:spPr>
-        <p:txBody>
-          <a:bodyPr>
-            <a:normAutofit/>
-          </a:bodyPr>
-          <a:lstStyle/>
-          <a:p>
-            <a:r>
-              <a:rPr lang="en-US" sz="3200" dirty="0" smtClean="0">
-                <a:solidFill>
-                  <a:schemeClr val="accent2">
-                    <a:lumMod val="75000"/>
-                  </a:schemeClr>
-                </a:solidFill>
-              </a:rPr>
-              <a:t>Common Distributions  of Discrete RV</a:t>
-            </a:r>
-            <a:endParaRPr lang="en-US" sz="3200" dirty="0">
-              <a:solidFill>
-                <a:schemeClr val="accent2">
-                  <a:lumMod val="75000"/>
-                </a:schemeClr>
-              </a:solidFill>
-            </a:endParaRPr>
-          </a:p>
-        </p:txBody>
-      </p:sp>
-      <p:sp>
-        <p:nvSpPr>
-          <p:cNvPr id="4" name="Footer Placeholder 3"/>
-          <p:cNvSpPr>
-            <a:spLocks noGrp="1"/>
-          </p:cNvSpPr>
-          <p:nvPr>
-            <p:ph type="ftr" sz="quarter" idx="11"/>
-          </p:nvPr>
-        </p:nvSpPr>
-        <p:spPr/>
-        <p:txBody>
-          <a:bodyPr/>
-          <a:lstStyle/>
-          <a:p>
-            <a:r>
-              <a:rPr lang="en-US" dirty="0" smtClean="0">
-                <a:solidFill>
-                  <a:schemeClr val="accent1"/>
-                </a:solidFill>
-              </a:rPr>
-              <a:t>STT 465, MSU, Fall, 2015</a:t>
-            </a:r>
-            <a:endParaRPr lang="en-US" dirty="0">
-              <a:solidFill>
-                <a:schemeClr val="accent1"/>
-              </a:solidFill>
-            </a:endParaRPr>
-          </a:p>
-        </p:txBody>
-      </p:sp>
-      <p:sp>
-        <p:nvSpPr>
-          <p:cNvPr id="6" name="TextBox 5"/>
-          <p:cNvSpPr txBox="1"/>
-          <p:nvPr/>
-        </p:nvSpPr>
-        <p:spPr>
-          <a:xfrm>
-            <a:off x="304800" y="692288"/>
-            <a:ext cx="8458200" cy="5632312"/>
-          </a:xfrm>
-          <a:prstGeom prst="rect">
-            <a:avLst/>
-          </a:prstGeom>
-          <a:noFill/>
-          <a:ln>
-            <a:solidFill>
-              <a:srgbClr val="800000"/>
-            </a:solidFill>
-            <a:prstDash val="sysDash"/>
-          </a:ln>
-        </p:spPr>
-        <p:txBody>
-          <a:bodyPr wrap="square" rtlCol="0">
-            <a:spAutoFit/>
-          </a:bodyPr>
-          <a:lstStyle/>
-          <a:p>
-            <a:endParaRPr lang="en-US" dirty="0" smtClean="0">
-              <a:solidFill>
-                <a:schemeClr val="accent1">
-                  <a:lumMod val="75000"/>
-                </a:schemeClr>
-              </a:solidFill>
-            </a:endParaRPr>
-          </a:p>
-          <a:p>
-            <a:endParaRPr lang="en-US" dirty="0">
-              <a:solidFill>
-                <a:schemeClr val="accent1">
-                  <a:lumMod val="75000"/>
-                </a:schemeClr>
-              </a:solidFill>
-            </a:endParaRPr>
-          </a:p>
-          <a:p>
-            <a:endParaRPr lang="en-US" dirty="0" smtClean="0">
-              <a:solidFill>
-                <a:schemeClr val="accent1">
-                  <a:lumMod val="75000"/>
-                </a:schemeClr>
-              </a:solidFill>
-            </a:endParaRPr>
-          </a:p>
-          <a:p>
-            <a:endParaRPr lang="en-US" dirty="0">
-              <a:solidFill>
-                <a:schemeClr val="accent1">
-                  <a:lumMod val="75000"/>
-                </a:schemeClr>
-              </a:solidFill>
-            </a:endParaRPr>
-          </a:p>
-          <a:p>
-            <a:endParaRPr lang="en-US" dirty="0" smtClean="0">
-              <a:solidFill>
-                <a:schemeClr val="accent1">
-                  <a:lumMod val="75000"/>
-                </a:schemeClr>
-              </a:solidFill>
-            </a:endParaRPr>
-          </a:p>
-          <a:p>
-            <a:endParaRPr lang="en-US" dirty="0">
-              <a:solidFill>
-                <a:schemeClr val="accent1">
-                  <a:lumMod val="75000"/>
-                </a:schemeClr>
-              </a:solidFill>
-            </a:endParaRPr>
-          </a:p>
-          <a:p>
-            <a:endParaRPr lang="en-US" dirty="0" smtClean="0">
-              <a:solidFill>
-                <a:schemeClr val="accent1">
-                  <a:lumMod val="75000"/>
-                </a:schemeClr>
-              </a:solidFill>
-            </a:endParaRPr>
-          </a:p>
-          <a:p>
-            <a:endParaRPr lang="en-US" dirty="0">
-              <a:solidFill>
-                <a:schemeClr val="accent1">
-                  <a:lumMod val="75000"/>
-                </a:schemeClr>
-              </a:solidFill>
-            </a:endParaRPr>
-          </a:p>
-          <a:p>
-            <a:endParaRPr lang="en-US" dirty="0" smtClean="0">
-              <a:solidFill>
-                <a:schemeClr val="accent1">
-                  <a:lumMod val="75000"/>
-                </a:schemeClr>
-              </a:solidFill>
-            </a:endParaRPr>
-          </a:p>
-          <a:p>
-            <a:endParaRPr lang="en-US" dirty="0">
-              <a:solidFill>
-                <a:schemeClr val="accent1">
-                  <a:lumMod val="75000"/>
-                </a:schemeClr>
-              </a:solidFill>
-            </a:endParaRPr>
-          </a:p>
-          <a:p>
-            <a:endParaRPr lang="en-US" dirty="0" smtClean="0">
-              <a:solidFill>
-                <a:schemeClr val="accent1">
-                  <a:lumMod val="75000"/>
-                </a:schemeClr>
-              </a:solidFill>
-            </a:endParaRPr>
-          </a:p>
-          <a:p>
-            <a:endParaRPr lang="en-US" dirty="0">
-              <a:solidFill>
-                <a:schemeClr val="accent1">
-                  <a:lumMod val="75000"/>
-                </a:schemeClr>
-              </a:solidFill>
-            </a:endParaRPr>
-          </a:p>
-          <a:p>
-            <a:endParaRPr lang="en-US" dirty="0" smtClean="0">
-              <a:solidFill>
-                <a:schemeClr val="accent1">
-                  <a:lumMod val="75000"/>
-                </a:schemeClr>
-              </a:solidFill>
-            </a:endParaRPr>
-          </a:p>
-          <a:p>
-            <a:endParaRPr lang="en-US" dirty="0">
-              <a:solidFill>
-                <a:schemeClr val="accent1">
-                  <a:lumMod val="75000"/>
-                </a:schemeClr>
-              </a:solidFill>
-            </a:endParaRPr>
-          </a:p>
-          <a:p>
-            <a:endParaRPr lang="en-US" dirty="0" smtClean="0">
-              <a:solidFill>
-                <a:schemeClr val="accent1">
-                  <a:lumMod val="75000"/>
-                </a:schemeClr>
-              </a:solidFill>
-            </a:endParaRPr>
-          </a:p>
-          <a:p>
-            <a:endParaRPr lang="en-US" dirty="0">
-              <a:solidFill>
-                <a:schemeClr val="accent1">
-                  <a:lumMod val="75000"/>
-                </a:schemeClr>
-              </a:solidFill>
-            </a:endParaRPr>
-          </a:p>
-          <a:p>
-            <a:endParaRPr lang="en-US" dirty="0" smtClean="0">
-              <a:solidFill>
-                <a:schemeClr val="accent1">
-                  <a:lumMod val="75000"/>
-                </a:schemeClr>
-              </a:solidFill>
-            </a:endParaRPr>
-          </a:p>
-          <a:p>
-            <a:endParaRPr lang="en-US" dirty="0">
-              <a:solidFill>
-                <a:schemeClr val="accent1">
-                  <a:lumMod val="75000"/>
-                </a:schemeClr>
-              </a:solidFill>
-            </a:endParaRPr>
-          </a:p>
-          <a:p>
-            <a:endParaRPr lang="en-US" dirty="0" smtClean="0">
-              <a:solidFill>
-                <a:schemeClr val="accent1">
-                  <a:lumMod val="75000"/>
-                </a:schemeClr>
-              </a:solidFill>
-            </a:endParaRPr>
-          </a:p>
-          <a:p>
-            <a:endParaRPr lang="en-US" dirty="0" smtClean="0">
-              <a:solidFill>
-                <a:schemeClr val="accent1">
-                  <a:lumMod val="75000"/>
-                </a:schemeClr>
-              </a:solidFill>
-            </a:endParaRPr>
-          </a:p>
-        </p:txBody>
-      </p:sp>
-      <p:graphicFrame>
-        <p:nvGraphicFramePr>
-          <p:cNvPr id="3" name="Object 2"/>
-          <p:cNvGraphicFramePr>
-            <a:graphicFrameLocks noChangeAspect="1"/>
-          </p:cNvGraphicFramePr>
-          <p:nvPr>
-            <p:extLst>
-              <p:ext uri="{D42A27DB-BD31-4B8C-83A1-F6EECF244321}">
-                <p14:modId xmlns:p14="http://schemas.microsoft.com/office/powerpoint/2010/main" val="110143032"/>
-              </p:ext>
-            </p:extLst>
-          </p:nvPr>
-        </p:nvGraphicFramePr>
-        <p:xfrm>
-          <a:off x="631825" y="2709863"/>
-          <a:ext cx="4776788" cy="993775"/>
-        </p:xfrm>
-        <a:graphic>
-          <a:graphicData uri="http://schemas.openxmlformats.org/presentationml/2006/ole">
-            <mc:AlternateContent xmlns:mc="http://schemas.openxmlformats.org/markup-compatibility/2006">
-              <mc:Choice xmlns:v="urn:schemas-microsoft-com:vml" Requires="v">
-                <p:oleObj spid="_x0000_s5155" name="Equation" r:id="rId4" imgW="2501900" imgH="520700" progId="Equation.3">
-                  <p:embed/>
-                </p:oleObj>
-              </mc:Choice>
-              <mc:Fallback>
-                <p:oleObj name="Equation" r:id="rId4" imgW="2501900" imgH="520700" progId="Equation.3">
-                  <p:embed/>
-                  <p:pic>
-                    <p:nvPicPr>
-                      <p:cNvPr id="0" name=""/>
-                      <p:cNvPicPr/>
-                      <p:nvPr/>
-                    </p:nvPicPr>
-                    <p:blipFill>
-                      <a:blip r:embed="rId5"/>
-                      <a:stretch>
-                        <a:fillRect/>
-                      </a:stretch>
-                    </p:blipFill>
-                    <p:spPr>
-                      <a:xfrm>
-                        <a:off x="631825" y="2709863"/>
-                        <a:ext cx="4776788" cy="993775"/>
-                      </a:xfrm>
-                      <a:prstGeom prst="rect">
-                        <a:avLst/>
-                      </a:prstGeom>
-                    </p:spPr>
-                  </p:pic>
-                </p:oleObj>
-              </mc:Fallback>
-            </mc:AlternateContent>
-          </a:graphicData>
-        </a:graphic>
-      </p:graphicFrame>
-      <p:sp>
-        <p:nvSpPr>
-          <p:cNvPr id="5" name="TextBox 4"/>
-          <p:cNvSpPr txBox="1"/>
-          <p:nvPr/>
-        </p:nvSpPr>
-        <p:spPr>
-          <a:xfrm>
-            <a:off x="304800" y="990600"/>
-            <a:ext cx="8534400" cy="830997"/>
-          </a:xfrm>
-          <a:prstGeom prst="rect">
-            <a:avLst/>
-          </a:prstGeom>
-          <a:noFill/>
-        </p:spPr>
-        <p:txBody>
-          <a:bodyPr wrap="square" rtlCol="0">
-            <a:spAutoFit/>
-          </a:bodyPr>
-          <a:lstStyle/>
-          <a:p>
-            <a:r>
-              <a:rPr lang="en-US" sz="2400" u="sng" dirty="0" smtClean="0">
-                <a:solidFill>
-                  <a:schemeClr val="tx2"/>
-                </a:solidFill>
-              </a:rPr>
-              <a:t>Negative Binomial</a:t>
-            </a:r>
-            <a:r>
-              <a:rPr lang="en-US" sz="2400" dirty="0" smtClean="0">
-                <a:solidFill>
-                  <a:schemeClr val="tx2"/>
-                </a:solidFill>
-              </a:rPr>
-              <a:t>:  X=# of successes (s) observed in Bernoulli trials</a:t>
-            </a:r>
-          </a:p>
-          <a:p>
-            <a:r>
-              <a:rPr lang="en-US" sz="2400" dirty="0">
-                <a:solidFill>
-                  <a:schemeClr val="tx2"/>
-                </a:solidFill>
-              </a:rPr>
-              <a:t>	</a:t>
-            </a:r>
-            <a:r>
-              <a:rPr lang="en-US" sz="2400" dirty="0" smtClean="0">
-                <a:solidFill>
-                  <a:schemeClr val="tx2"/>
-                </a:solidFill>
-              </a:rPr>
-              <a:t>	         before</a:t>
-            </a:r>
-            <a:r>
-              <a:rPr lang="en-US" sz="2400" i="1" dirty="0" smtClean="0">
-                <a:solidFill>
-                  <a:schemeClr val="tx2"/>
-                </a:solidFill>
-              </a:rPr>
-              <a:t> f </a:t>
-            </a:r>
-            <a:r>
-              <a:rPr lang="en-US" sz="2400" dirty="0" smtClean="0">
-                <a:solidFill>
-                  <a:schemeClr val="tx2"/>
-                </a:solidFill>
-              </a:rPr>
-              <a:t>failures occur.</a:t>
-            </a:r>
-          </a:p>
-        </p:txBody>
-      </p:sp>
-      <p:graphicFrame>
-        <p:nvGraphicFramePr>
-          <p:cNvPr id="7" name="Object 6"/>
-          <p:cNvGraphicFramePr>
-            <a:graphicFrameLocks noChangeAspect="1"/>
-          </p:cNvGraphicFramePr>
-          <p:nvPr>
-            <p:extLst>
-              <p:ext uri="{D42A27DB-BD31-4B8C-83A1-F6EECF244321}">
-                <p14:modId xmlns:p14="http://schemas.microsoft.com/office/powerpoint/2010/main" val="1662467863"/>
-              </p:ext>
-            </p:extLst>
-          </p:nvPr>
-        </p:nvGraphicFramePr>
-        <p:xfrm>
-          <a:off x="1093788" y="4722813"/>
-          <a:ext cx="1527175" cy="754062"/>
-        </p:xfrm>
-        <a:graphic>
-          <a:graphicData uri="http://schemas.openxmlformats.org/presentationml/2006/ole">
-            <mc:AlternateContent xmlns:mc="http://schemas.openxmlformats.org/markup-compatibility/2006">
-              <mc:Choice xmlns:v="urn:schemas-microsoft-com:vml" Requires="v">
-                <p:oleObj spid="_x0000_s5156" name="Equation" r:id="rId6" imgW="800100" imgH="393700" progId="Equation.3">
-                  <p:embed/>
-                </p:oleObj>
-              </mc:Choice>
-              <mc:Fallback>
-                <p:oleObj name="Equation" r:id="rId6" imgW="800100" imgH="393700" progId="Equation.3">
-                  <p:embed/>
-                  <p:pic>
-                    <p:nvPicPr>
-                      <p:cNvPr id="0" name=""/>
-                      <p:cNvPicPr/>
-                      <p:nvPr/>
-                    </p:nvPicPr>
-                    <p:blipFill>
-                      <a:blip r:embed="rId7"/>
-                      <a:stretch>
-                        <a:fillRect/>
-                      </a:stretch>
-                    </p:blipFill>
-                    <p:spPr>
-                      <a:xfrm>
-                        <a:off x="1093788" y="4722813"/>
-                        <a:ext cx="1527175" cy="754062"/>
-                      </a:xfrm>
-                      <a:prstGeom prst="rect">
-                        <a:avLst/>
-                      </a:prstGeom>
-                    </p:spPr>
-                  </p:pic>
-                </p:oleObj>
-              </mc:Fallback>
-            </mc:AlternateContent>
-          </a:graphicData>
-        </a:graphic>
-      </p:graphicFrame>
-      <p:graphicFrame>
-        <p:nvGraphicFramePr>
-          <p:cNvPr id="8" name="Object 7"/>
-          <p:cNvGraphicFramePr>
-            <a:graphicFrameLocks noChangeAspect="1"/>
-          </p:cNvGraphicFramePr>
-          <p:nvPr>
-            <p:extLst>
-              <p:ext uri="{D42A27DB-BD31-4B8C-83A1-F6EECF244321}">
-                <p14:modId xmlns:p14="http://schemas.microsoft.com/office/powerpoint/2010/main" val="1636365475"/>
-              </p:ext>
-            </p:extLst>
-          </p:nvPr>
-        </p:nvGraphicFramePr>
-        <p:xfrm>
-          <a:off x="4114800" y="4724400"/>
-          <a:ext cx="3342968" cy="762000"/>
-        </p:xfrm>
-        <a:graphic>
-          <a:graphicData uri="http://schemas.openxmlformats.org/presentationml/2006/ole">
-            <mc:AlternateContent xmlns:mc="http://schemas.openxmlformats.org/markup-compatibility/2006">
-              <mc:Choice xmlns:v="urn:schemas-microsoft-com:vml" Requires="v">
-                <p:oleObj spid="_x0000_s5157" name="Equation" r:id="rId8" imgW="1727200" imgH="393700" progId="Equation.3">
-                  <p:embed/>
-                </p:oleObj>
-              </mc:Choice>
-              <mc:Fallback>
-                <p:oleObj name="Equation" r:id="rId8" imgW="1727200" imgH="393700" progId="Equation.3">
-                  <p:embed/>
-                  <p:pic>
-                    <p:nvPicPr>
-                      <p:cNvPr id="0" name=""/>
-                      <p:cNvPicPr/>
-                      <p:nvPr/>
-                    </p:nvPicPr>
-                    <p:blipFill>
-                      <a:blip r:embed="rId9"/>
-                      <a:stretch>
-                        <a:fillRect/>
-                      </a:stretch>
-                    </p:blipFill>
-                    <p:spPr>
-                      <a:xfrm>
-                        <a:off x="4114800" y="4724400"/>
-                        <a:ext cx="3342968" cy="762000"/>
-                      </a:xfrm>
-                      <a:prstGeom prst="rect">
-                        <a:avLst/>
-                      </a:prstGeom>
-                    </p:spPr>
-                  </p:pic>
-                </p:oleObj>
-              </mc:Fallback>
-            </mc:AlternateContent>
-          </a:graphicData>
-        </a:graphic>
-      </p:graphicFrame>
-    </p:spTree>
-    <p:extLst>
-      <p:ext uri="{BB962C8B-B14F-4D97-AF65-F5344CB8AC3E}">
-        <p14:creationId xmlns:p14="http://schemas.microsoft.com/office/powerpoint/2010/main" val="1575049533"/>
-      </p:ext>
-    </p:extLst>
-  </p:cSld>
-  <p:clrMapOvr>
-    <a:masterClrMapping/>
-  </p:clrMapOvr>
-  <p:timing>
-    <p:tnLst>
-      <p:par>
-        <p:cTn xmlns:p14="http://schemas.microsoft.com/office/powerpoint/2010/main" id="1" dur="indefinite" restart="never" nodeType="tmRoot">
-          <p:childTnLst>
-            <p:seq concurrent="1" nextAc="seek">
-              <p:cTn id="2" dur="indefinite" nodeType="mainSeq">
-                <p:childTnLst>
-                  <p:par>
-                    <p:cTn id="3" fill="hold">
-                      <p:stCondLst>
-                        <p:cond delay="indefinite"/>
-                      </p:stCondLst>
-                      <p:childTnLst>
-                        <p:par>
-                          <p:cTn id="4" fill="hold">
-                            <p:stCondLst>
-                              <p:cond delay="0"/>
-                            </p:stCondLst>
-                            <p:childTnLst>
-                              <p:par>
-                                <p:cTn id="5" presetID="3" presetClass="entr" presetSubtype="10" fill="hold" grpId="0" nodeType="clickEffect">
-                                  <p:stCondLst>
-                                    <p:cond delay="0"/>
-                                  </p:stCondLst>
-                                  <p:childTnLst>
-                                    <p:set>
-                                      <p:cBhvr>
-                                        <p:cTn id="6" dur="1" fill="hold">
-                                          <p:stCondLst>
-                                            <p:cond delay="0"/>
-                                          </p:stCondLst>
-                                        </p:cTn>
-                                        <p:tgtEl>
-                                          <p:spTgt spid="6">
-                                            <p:bg/>
-                                          </p:spTgt>
-                                        </p:tgtEl>
-                                        <p:attrNameLst>
-                                          <p:attrName>style.visibility</p:attrName>
-                                        </p:attrNameLst>
-                                      </p:cBhvr>
-                                      <p:to>
-                                        <p:strVal val="visible"/>
-                                      </p:to>
-                                    </p:set>
-                                    <p:animEffect transition="in" filter="blinds(horizontal)">
-                                      <p:cBhvr>
-                                        <p:cTn id="7" dur="500"/>
-                                        <p:tgtEl>
-                                          <p:spTgt spid="6">
-                                            <p:bg/>
-                                          </p:spTgt>
-                                        </p:tgtEl>
-                                      </p:cBhvr>
-                                    </p:animEffect>
-                                  </p:childTnLst>
-                                </p:cTn>
-                              </p:par>
-                            </p:childTnLst>
-                          </p:cTn>
-                        </p:par>
-                      </p:childTnLst>
-                    </p:cTn>
-                  </p:par>
-                </p:childTnLst>
-              </p:cTn>
-              <p:prevCondLst>
-                <p:cond evt="onPrev" delay="0">
-                  <p:tgtEl>
-                    <p:sldTgt/>
-                  </p:tgtEl>
-                </p:cond>
-              </p:prevCondLst>
-              <p:nextCondLst>
-                <p:cond evt="onNext" delay="0">
-                  <p:tgtEl>
-                    <p:sldTgt/>
-                  </p:tgtEl>
-                </p:cond>
-              </p:nextCondLst>
-            </p:seq>
-          </p:childTnLst>
-        </p:cTn>
-      </p:par>
-    </p:tnLst>
-    <p:bldLst>
-      <p:bldP spid="6" grpId="0" build="p" bldLvl="2" animBg="1"/>
-    </p:bldLst>
   </p:timing>
 </p:sld>
 </file>
@@ -6629,25 +4551,8 @@
                   </a:schemeClr>
                 </a:solidFill>
               </a:rPr>
-              <a:t>Beliefs and probability </a:t>
-            </a:r>
-            <a:r>
-              <a:rPr lang="en-US" dirty="0" smtClean="0">
-                <a:solidFill>
-                  <a:schemeClr val="accent1">
-                    <a:lumMod val="75000"/>
-                  </a:schemeClr>
-                </a:solidFill>
-              </a:rPr>
-              <a:t>(read the chapter in the book)</a:t>
-            </a:r>
-            <a:endParaRPr lang="en-US" dirty="0" smtClean="0">
-              <a:solidFill>
-                <a:schemeClr val="accent1">
-                  <a:lumMod val="75000"/>
-                </a:schemeClr>
-              </a:solidFill>
-            </a:endParaRPr>
+              <a:t>Beliefs and probability (read the chapter in the book)</a:t>
+            </a:r>
           </a:p>
           <a:p>
             <a:pPr marL="285750" indent="-285750">
@@ -8449,7 +6354,7 @@
         <p:spPr>
           <a:xfrm>
             <a:off x="457200" y="990600"/>
-            <a:ext cx="8229600" cy="5078314"/>
+            <a:ext cx="8229600" cy="5355313"/>
           </a:xfrm>
           <a:prstGeom prst="rect">
             <a:avLst/>
@@ -8792,7 +6697,42 @@
                   </a:schemeClr>
                 </a:solidFill>
               </a:rPr>
-              <a:t>(4) The joint probability of disease and genotypes, p(D,G)</a:t>
+              <a:t>(4) The joint probability of disease and genotypes, p(D,G</a:t>
+            </a:r>
+            <a:r>
+              <a:rPr lang="en-US" dirty="0" smtClean="0">
+                <a:solidFill>
+                  <a:schemeClr val="tx1">
+                    <a:lumMod val="65000"/>
+                    <a:lumOff val="35000"/>
+                  </a:schemeClr>
+                </a:solidFill>
+              </a:rPr>
+              <a:t>)</a:t>
+            </a:r>
+          </a:p>
+          <a:p>
+            <a:r>
+              <a:rPr lang="en-US" dirty="0">
+                <a:solidFill>
+                  <a:schemeClr val="tx1">
+                    <a:lumMod val="65000"/>
+                    <a:lumOff val="35000"/>
+                  </a:schemeClr>
+                </a:solidFill>
+              </a:rPr>
+              <a:t>	</a:t>
+            </a:r>
+            <a:r>
+              <a:rPr lang="en-US" dirty="0" smtClean="0">
+                <a:solidFill>
+                  <a:schemeClr val="tx1">
+                    <a:lumMod val="65000"/>
+                    <a:lumOff val="35000"/>
+                  </a:schemeClr>
+                </a:solidFill>
+              </a:rPr>
+              <a:t>(5) The conditional probability of genotype given disease, p(G|D).</a:t>
             </a:r>
             <a:endParaRPr lang="en-US" dirty="0" smtClean="0">
               <a:solidFill>
@@ -9394,7 +7334,7 @@
                   </a:schemeClr>
                 </a:solidFill>
               </a:rPr>
-              <a:t>Bayesian Learning</a:t>
+              <a:t>Conditional Independence</a:t>
             </a:r>
             <a:endParaRPr lang="en-US" sz="3200" dirty="0">
               <a:solidFill>
@@ -9446,7 +7386,7 @@
         <p:spPr>
           <a:xfrm>
             <a:off x="457200" y="990600"/>
-            <a:ext cx="8229600" cy="2585323"/>
+            <a:ext cx="9067800" cy="2862323"/>
           </a:xfrm>
           <a:prstGeom prst="rect">
             <a:avLst/>
@@ -9477,27 +7417,7 @@
                   </a:schemeClr>
                 </a:solidFill>
               </a:rPr>
-              <a:t>Compute the probability that a parent is a carrier given that the first offspring is healthy p(P=AB|O</a:t>
-            </a:r>
-            <a:r>
-              <a:rPr lang="en-US" baseline="-25000" dirty="0" smtClean="0">
-                <a:solidFill>
-                  <a:schemeClr val="accent1">
-                    <a:lumMod val="75000"/>
-                  </a:schemeClr>
-                </a:solidFill>
-              </a:rPr>
-              <a:t>1</a:t>
-            </a:r>
-            <a:r>
-              <a:rPr lang="en-US" dirty="0" smtClean="0">
-                <a:solidFill>
-                  <a:schemeClr val="accent1">
-                    <a:lumMod val="75000"/>
-                  </a:schemeClr>
-                </a:solidFill>
-              </a:rPr>
-              <a:t>=H)</a:t>
+              <a:t>X,Y are independent if p(X,Y)=p(X)p(Y)</a:t>
             </a:r>
           </a:p>
           <a:p>
@@ -9526,7 +7446,27 @@
                   </a:schemeClr>
                 </a:solidFill>
               </a:rPr>
-              <a:t>Ho would that probability be updated if you know that the second offspring is also healthy?</a:t>
+              <a:t>X,Y are said </a:t>
+            </a:r>
+            <a:r>
+              <a:rPr lang="en-US" u="sng" dirty="0" smtClean="0">
+                <a:solidFill>
+                  <a:schemeClr val="accent1">
+                    <a:lumMod val="75000"/>
+                  </a:schemeClr>
+                </a:solidFill>
+              </a:rPr>
+              <a:t>conditionally independent </a:t>
+            </a:r>
+            <a:r>
+              <a:rPr lang="en-US" dirty="0" smtClean="0">
+                <a:solidFill>
+                  <a:schemeClr val="accent1">
+                    <a:lumMod val="75000"/>
+                  </a:schemeClr>
+                </a:solidFill>
+              </a:rPr>
+              <a:t>if, given a third variable (Z), X and Y are independent, that is:</a:t>
             </a:r>
           </a:p>
           <a:p>
@@ -9543,10 +7483,6 @@
             </a:endParaRPr>
           </a:p>
           <a:p>
-            <a:pPr marL="285750" indent="-285750">
-              <a:buFont typeface="Symbol" charset="0"/>
-              <a:buChar char=""/>
-            </a:pPr>
             <a:r>
               <a:rPr lang="en-US" dirty="0" smtClean="0">
                 <a:solidFill>
@@ -9555,14 +7491,40 @@
                   </a:schemeClr>
                 </a:solidFill>
               </a:rPr>
-              <a:t>What about if you know that the third offspring developed the disease?</a:t>
-            </a:r>
-          </a:p>
-          <a:p>
-            <a:pPr marL="285750" indent="-285750">
-              <a:buFont typeface="Symbol" charset="0"/>
-              <a:buChar char=""/>
-            </a:pPr>
+              <a:t>       </a:t>
+            </a:r>
+            <a:r>
+              <a:rPr lang="en-US" u="sng" dirty="0" smtClean="0">
+                <a:solidFill>
+                  <a:schemeClr val="accent1">
+                    <a:lumMod val="75000"/>
+                  </a:schemeClr>
+                </a:solidFill>
+              </a:rPr>
+              <a:t>Conditional Independence:</a:t>
+            </a:r>
+            <a:r>
+              <a:rPr lang="en-US" dirty="0">
+                <a:solidFill>
+                  <a:schemeClr val="accent1">
+                    <a:lumMod val="75000"/>
+                  </a:schemeClr>
+                </a:solidFill>
+              </a:rPr>
+              <a:t> </a:t>
+            </a:r>
+            <a:r>
+              <a:rPr lang="en-US" dirty="0" smtClean="0">
+                <a:solidFill>
+                  <a:schemeClr val="accent1">
+                    <a:lumMod val="75000"/>
+                  </a:schemeClr>
+                </a:solidFill>
+              </a:rPr>
+              <a:t>   p(X,Y|Z)=P(X|Z)*P(Y|Z)</a:t>
+            </a:r>
+          </a:p>
+          <a:p>
             <a:endParaRPr lang="en-US" dirty="0">
               <a:solidFill>
                 <a:schemeClr val="accent1">
@@ -9580,8 +7542,10 @@
                   </a:schemeClr>
                 </a:solidFill>
               </a:rPr>
-              <a:t> </a:t>
-            </a:r>
+              <a:t>Let’s see an example</a:t>
+            </a:r>
+          </a:p>
+          <a:p>
             <a:endParaRPr lang="en-US" dirty="0">
               <a:solidFill>
                 <a:schemeClr val="accent1">
@@ -9590,12 +7554,21 @@
               </a:solidFill>
             </a:endParaRPr>
           </a:p>
+          <a:p>
+            <a:endParaRPr lang="en-US" dirty="0" smtClean="0">
+              <a:solidFill>
+                <a:schemeClr val="accent1">
+                  <a:lumMod val="75000"/>
+                </a:schemeClr>
+              </a:solidFill>
+            </a:endParaRPr>
+          </a:p>
         </p:txBody>
       </p:sp>
     </p:spTree>
     <p:extLst>
       <p:ext uri="{BB962C8B-B14F-4D97-AF65-F5344CB8AC3E}">
-        <p14:creationId xmlns:p14="http://schemas.microsoft.com/office/powerpoint/2010/main" val="1212859388"/>
+        <p14:creationId xmlns:p14="http://schemas.microsoft.com/office/powerpoint/2010/main" val="2963594800"/>
       </p:ext>
     </p:extLst>
   </p:cSld>
@@ -9986,7 +7959,7 @@
                   </a:schemeClr>
                 </a:solidFill>
               </a:rPr>
-              <a:t>Conditional Independence</a:t>
+              <a:t>Bayesian Learning</a:t>
             </a:r>
             <a:endParaRPr lang="en-US" sz="3200" dirty="0">
               <a:solidFill>
@@ -10037,8 +8010,8 @@
         </p:nvSpPr>
         <p:spPr>
           <a:xfrm>
-            <a:off x="457200" y="990600"/>
-            <a:ext cx="9067800" cy="5078314"/>
+            <a:off x="457200" y="762000"/>
+            <a:ext cx="8229600" cy="5355313"/>
           </a:xfrm>
           <a:prstGeom prst="rect">
             <a:avLst/>
@@ -10061,16 +8034,13 @@
               <a:buFont typeface="Symbol" charset="0"/>
               <a:buChar char=""/>
             </a:pPr>
-            <a:r>
-              <a:rPr lang="en-US" dirty="0" smtClean="0">
-                <a:solidFill>
-                  <a:schemeClr val="accent1">
-                    <a:lumMod val="75000"/>
-                  </a:schemeClr>
-                </a:solidFill>
-              </a:rPr>
-              <a:t>X,Y are independent if p(X,Y)=p(X)p(Y)</a:t>
-            </a:r>
+            <a:endParaRPr lang="en-US" dirty="0" smtClean="0">
+              <a:solidFill>
+                <a:schemeClr val="accent1">
+                  <a:lumMod val="75000"/>
+                </a:schemeClr>
+              </a:solidFill>
+            </a:endParaRPr>
           </a:p>
           <a:p>
             <a:pPr marL="285750" indent="-285750">
@@ -10098,17 +8068,19 @@
                   </a:schemeClr>
                 </a:solidFill>
               </a:rPr>
-              <a:t>X,Y are said </a:t>
-            </a:r>
-            <a:r>
-              <a:rPr lang="en-US" u="sng" dirty="0" smtClean="0">
+              <a:t>Goal: to make statements about the genotype</a:t>
+            </a:r>
+          </a:p>
+          <a:p>
+            <a:r>
+              <a:rPr lang="en-US" dirty="0">
                 <a:solidFill>
                   <a:schemeClr val="accent1">
                     <a:lumMod val="75000"/>
                   </a:schemeClr>
                 </a:solidFill>
               </a:rPr>
-              <a:t>conditionally independent </a:t>
+              <a:t> </a:t>
             </a:r>
             <a:r>
               <a:rPr lang="en-US" dirty="0" smtClean="0">
@@ -10118,7 +8090,29 @@
                   </a:schemeClr>
                 </a:solidFill>
               </a:rPr>
-              <a:t>if, given a third variable (Z), X and Y are independent, that is:</a:t>
+              <a:t>                of one of the parents given the phenotype</a:t>
+            </a:r>
+          </a:p>
+          <a:p>
+            <a:r>
+              <a:rPr lang="en-US" dirty="0">
+                <a:solidFill>
+                  <a:schemeClr val="accent1">
+                    <a:lumMod val="75000"/>
+                  </a:schemeClr>
+                </a:solidFill>
+              </a:rPr>
+              <a:t> </a:t>
+            </a:r>
+            <a:r>
+              <a:rPr lang="en-US" dirty="0" smtClean="0">
+                <a:solidFill>
+                  <a:schemeClr val="accent1">
+                    <a:lumMod val="75000"/>
+                  </a:schemeClr>
+                </a:solidFill>
+              </a:rPr>
+              <a:t>                of one or more offspring.</a:t>
             </a:r>
           </a:p>
           <a:p>
@@ -10135,68 +8129,23 @@
             </a:endParaRPr>
           </a:p>
           <a:p>
-            <a:r>
-              <a:rPr lang="en-US" dirty="0" smtClean="0">
-                <a:solidFill>
-                  <a:schemeClr val="accent1">
-                    <a:lumMod val="75000"/>
-                  </a:schemeClr>
-                </a:solidFill>
-              </a:rPr>
-              <a:t>       </a:t>
-            </a:r>
-            <a:r>
-              <a:rPr lang="en-US" u="sng" dirty="0" smtClean="0">
-                <a:solidFill>
-                  <a:schemeClr val="accent1">
-                    <a:lumMod val="75000"/>
-                  </a:schemeClr>
-                </a:solidFill>
-              </a:rPr>
-              <a:t>Conditional Independence:</a:t>
-            </a:r>
-            <a:r>
-              <a:rPr lang="en-US" dirty="0">
-                <a:solidFill>
-                  <a:schemeClr val="accent1">
-                    <a:lumMod val="75000"/>
-                  </a:schemeClr>
-                </a:solidFill>
-              </a:rPr>
-              <a:t> </a:t>
-            </a:r>
-            <a:r>
-              <a:rPr lang="en-US" dirty="0" smtClean="0">
-                <a:solidFill>
-                  <a:schemeClr val="accent1">
-                    <a:lumMod val="75000"/>
-                  </a:schemeClr>
-                </a:solidFill>
-              </a:rPr>
-              <a:t>   </a:t>
-            </a:r>
-            <a:r>
-              <a:rPr lang="en-US" dirty="0" smtClean="0">
-                <a:solidFill>
-                  <a:schemeClr val="accent1">
-                    <a:lumMod val="75000"/>
-                  </a:schemeClr>
-                </a:solidFill>
-              </a:rPr>
-              <a:t>p</a:t>
-            </a:r>
-            <a:r>
-              <a:rPr lang="en-US" dirty="0" smtClean="0">
-                <a:solidFill>
-                  <a:schemeClr val="accent1">
-                    <a:lumMod val="75000"/>
-                  </a:schemeClr>
-                </a:solidFill>
-              </a:rPr>
-              <a:t>(X,Y|Z)=P(X|Z)*P(Y|Z)</a:t>
-            </a:r>
-          </a:p>
-          <a:p>
+            <a:pPr marL="285750" indent="-285750">
+              <a:buFont typeface="Symbol" charset="0"/>
+              <a:buChar char=""/>
+            </a:pPr>
+            <a:endParaRPr lang="en-US" dirty="0" smtClean="0">
+              <a:solidFill>
+                <a:schemeClr val="accent1">
+                  <a:lumMod val="75000"/>
+                </a:schemeClr>
+              </a:solidFill>
+            </a:endParaRPr>
+          </a:p>
+          <a:p>
+            <a:pPr marL="285750" indent="-285750">
+              <a:buFont typeface="Symbol" charset="0"/>
+              <a:buChar char=""/>
+            </a:pPr>
             <a:endParaRPr lang="en-US" dirty="0">
               <a:solidFill>
                 <a:schemeClr val="accent1">
@@ -10215,32 +8164,19 @@
             </a:endParaRPr>
           </a:p>
           <a:p>
+            <a:endParaRPr lang="en-US" dirty="0">
+              <a:solidFill>
+                <a:schemeClr val="accent1">
+                  <a:lumMod val="75000"/>
+                </a:schemeClr>
+              </a:solidFill>
+            </a:endParaRPr>
+          </a:p>
+          <a:p>
             <a:pPr marL="285750" indent="-285750">
               <a:buFont typeface="Symbol" charset="0"/>
               <a:buChar char=""/>
             </a:pPr>
-            <a:r>
-              <a:rPr lang="en-US" dirty="0" smtClean="0">
-                <a:solidFill>
-                  <a:schemeClr val="accent1">
-                    <a:lumMod val="75000"/>
-                  </a:schemeClr>
-                </a:solidFill>
-              </a:rPr>
-              <a:t>HW1-Q1</a:t>
-            </a:r>
-            <a:r>
-              <a:rPr lang="en-US" dirty="0" smtClean="0">
-                <a:solidFill>
-                  <a:schemeClr val="accent1">
-                    <a:lumMod val="75000"/>
-                  </a:schemeClr>
-                </a:solidFill>
-              </a:rPr>
-              <a:t>:</a:t>
-            </a:r>
-          </a:p>
-          <a:p>
             <a:endParaRPr lang="en-US" dirty="0" smtClean="0">
               <a:solidFill>
                 <a:schemeClr val="accent1">
@@ -10250,6 +8186,10 @@
             </a:endParaRPr>
           </a:p>
           <a:p>
+            <a:pPr marL="285750" indent="-285750">
+              <a:buFont typeface="Symbol" charset="0"/>
+              <a:buChar char=""/>
+            </a:pPr>
             <a:r>
               <a:rPr lang="en-US" dirty="0" smtClean="0">
                 <a:solidFill>
@@ -10258,17 +8198,17 @@
                   </a:schemeClr>
                 </a:solidFill>
               </a:rPr>
-              <a:t>      Consider the disease model of slide 3, with </a:t>
-            </a:r>
-            <a:r>
-              <a:rPr lang="en-US" dirty="0">
+              <a:t>Compute the probability that a parent is a carrier given that the first offspring is healthy p(G</a:t>
+            </a:r>
+            <a:r>
+              <a:rPr lang="en-US" baseline="-25000" dirty="0" smtClean="0">
                 <a:solidFill>
                   <a:schemeClr val="accent1">
                     <a:lumMod val="75000"/>
                   </a:schemeClr>
                 </a:solidFill>
               </a:rPr>
-              <a:t>p(A)=</a:t>
+              <a:t>0</a:t>
             </a:r>
             <a:r>
               <a:rPr lang="en-US" dirty="0" smtClean="0">
@@ -10278,17 +8218,18 @@
                   </a:schemeClr>
                 </a:solidFill>
               </a:rPr>
-              <a:t>0.8, for this model:</a:t>
-            </a:r>
-            <a:endParaRPr lang="en-US" dirty="0" smtClean="0">
-              <a:solidFill>
-                <a:schemeClr val="accent1">
-                  <a:lumMod val="75000"/>
-                </a:schemeClr>
-              </a:solidFill>
-            </a:endParaRPr>
-          </a:p>
-          <a:p>
+              <a:t>=AB|O</a:t>
+            </a:r>
+            <a:r>
+              <a:rPr lang="en-US" baseline="-25000" dirty="0" smtClean="0">
+                <a:solidFill>
+                  <a:schemeClr val="accent1">
+                    <a:lumMod val="75000"/>
+                  </a:schemeClr>
+                </a:solidFill>
+              </a:rPr>
+              <a:t>1</a:t>
+            </a:r>
             <a:r>
               <a:rPr lang="en-US" dirty="0" smtClean="0">
                 <a:solidFill>
@@ -10297,341 +8238,14 @@
                   </a:schemeClr>
                 </a:solidFill>
               </a:rPr>
-              <a:t>            -  Derive and report </a:t>
-            </a:r>
-            <a:r>
-              <a:rPr lang="en-US" dirty="0" smtClean="0">
-                <a:solidFill>
-                  <a:schemeClr val="accent1">
-                    <a:lumMod val="75000"/>
-                  </a:schemeClr>
-                </a:solidFill>
-              </a:rPr>
-              <a:t>the probability of </a:t>
-            </a:r>
-            <a:r>
-              <a:rPr lang="en-US" dirty="0" smtClean="0">
-                <a:solidFill>
-                  <a:schemeClr val="accent1">
-                    <a:lumMod val="75000"/>
-                  </a:schemeClr>
-                </a:solidFill>
-              </a:rPr>
-              <a:t>disease/healthy </a:t>
-            </a:r>
-            <a:r>
-              <a:rPr lang="en-US" dirty="0" smtClean="0">
-                <a:solidFill>
-                  <a:schemeClr val="accent1">
-                    <a:lumMod val="75000"/>
-                  </a:schemeClr>
-                </a:solidFill>
-              </a:rPr>
-              <a:t>of an offspring given </a:t>
-            </a:r>
-            <a:endParaRPr lang="en-US" dirty="0" smtClean="0">
-              <a:solidFill>
-                <a:schemeClr val="accent1">
-                  <a:lumMod val="75000"/>
-                </a:schemeClr>
-              </a:solidFill>
-            </a:endParaRPr>
-          </a:p>
-          <a:p>
-            <a:r>
-              <a:rPr lang="en-US" dirty="0">
-                <a:solidFill>
-                  <a:schemeClr val="accent1">
-                    <a:lumMod val="75000"/>
-                  </a:schemeClr>
-                </a:solidFill>
-              </a:rPr>
-              <a:t>	 </a:t>
-            </a:r>
-            <a:r>
-              <a:rPr lang="en-US" dirty="0" smtClean="0">
-                <a:solidFill>
-                  <a:schemeClr val="accent1">
-                    <a:lumMod val="75000"/>
-                  </a:schemeClr>
-                </a:solidFill>
-              </a:rPr>
-              <a:t> the genotype of the mother and a randomly chosen father. </a:t>
-            </a:r>
-            <a:endParaRPr lang="en-US" dirty="0" smtClean="0">
-              <a:solidFill>
-                <a:schemeClr val="accent1">
-                  <a:lumMod val="75000"/>
-                </a:schemeClr>
-              </a:solidFill>
-            </a:endParaRPr>
-          </a:p>
-          <a:p>
-            <a:r>
-              <a:rPr lang="en-US" dirty="0">
-                <a:solidFill>
-                  <a:schemeClr val="accent1">
-                    <a:lumMod val="75000"/>
-                  </a:schemeClr>
-                </a:solidFill>
-              </a:rPr>
-              <a:t> </a:t>
-            </a:r>
-            <a:r>
-              <a:rPr lang="en-US" dirty="0" smtClean="0">
-                <a:solidFill>
-                  <a:schemeClr val="accent1">
-                    <a:lumMod val="75000"/>
-                  </a:schemeClr>
-                </a:solidFill>
-              </a:rPr>
-              <a:t>           </a:t>
-            </a:r>
-            <a:r>
-              <a:rPr lang="en-US" dirty="0" smtClean="0">
-                <a:solidFill>
-                  <a:schemeClr val="accent1">
-                    <a:lumMod val="75000"/>
-                  </a:schemeClr>
-                </a:solidFill>
-              </a:rPr>
-              <a:t>-  Derive </a:t>
-            </a:r>
-            <a:r>
-              <a:rPr lang="en-US" dirty="0" smtClean="0">
-                <a:solidFill>
-                  <a:schemeClr val="accent1">
-                    <a:lumMod val="75000"/>
-                  </a:schemeClr>
-                </a:solidFill>
-              </a:rPr>
-              <a:t>and report the joint probability of </a:t>
-            </a:r>
-            <a:r>
-              <a:rPr lang="en-US" dirty="0" smtClean="0">
-                <a:solidFill>
-                  <a:schemeClr val="accent1">
-                    <a:lumMod val="75000"/>
-                  </a:schemeClr>
-                </a:solidFill>
-              </a:rPr>
-              <a:t>status, p(S</a:t>
-            </a:r>
-            <a:r>
-              <a:rPr lang="en-US" baseline="-25000" dirty="0" smtClean="0">
-                <a:solidFill>
-                  <a:schemeClr val="accent1">
-                    <a:lumMod val="75000"/>
-                  </a:schemeClr>
-                </a:solidFill>
-              </a:rPr>
-              <a:t>1</a:t>
-            </a:r>
-            <a:r>
-              <a:rPr lang="en-US" dirty="0" smtClean="0">
-                <a:solidFill>
-                  <a:schemeClr val="accent1">
-                    <a:lumMod val="75000"/>
-                  </a:schemeClr>
-                </a:solidFill>
-              </a:rPr>
-              <a:t>,S</a:t>
-            </a:r>
-            <a:r>
-              <a:rPr lang="en-US" baseline="-25000" dirty="0" smtClean="0">
-                <a:solidFill>
-                  <a:schemeClr val="accent1">
-                    <a:lumMod val="75000"/>
-                  </a:schemeClr>
-                </a:solidFill>
-              </a:rPr>
-              <a:t>2</a:t>
-            </a:r>
-            <a:r>
-              <a:rPr lang="en-US" dirty="0" smtClean="0">
-                <a:solidFill>
-                  <a:schemeClr val="accent1">
-                    <a:lumMod val="75000"/>
-                  </a:schemeClr>
-                </a:solidFill>
-              </a:rPr>
-              <a:t>) </a:t>
-            </a:r>
-            <a:r>
-              <a:rPr lang="en-US" dirty="0" smtClean="0">
-                <a:solidFill>
-                  <a:schemeClr val="accent1">
-                    <a:lumMod val="75000"/>
-                  </a:schemeClr>
-                </a:solidFill>
-              </a:rPr>
-              <a:t>of two half </a:t>
-            </a:r>
-            <a:r>
-              <a:rPr lang="en-US" dirty="0" smtClean="0">
-                <a:solidFill>
-                  <a:schemeClr val="accent1">
-                    <a:lumMod val="75000"/>
-                  </a:schemeClr>
-                </a:solidFill>
-              </a:rPr>
-              <a:t>sibs </a:t>
-            </a:r>
-          </a:p>
-          <a:p>
-            <a:r>
-              <a:rPr lang="en-US" dirty="0">
-                <a:solidFill>
-                  <a:schemeClr val="accent1">
-                    <a:lumMod val="75000"/>
-                  </a:schemeClr>
-                </a:solidFill>
-              </a:rPr>
-              <a:t> </a:t>
-            </a:r>
-            <a:r>
-              <a:rPr lang="en-US" dirty="0" smtClean="0">
-                <a:solidFill>
-                  <a:schemeClr val="accent1">
-                    <a:lumMod val="75000"/>
-                  </a:schemeClr>
-                </a:solidFill>
-              </a:rPr>
-              <a:t>              </a:t>
-            </a:r>
-            <a:r>
-              <a:rPr lang="en-US" dirty="0" smtClean="0">
-                <a:solidFill>
-                  <a:schemeClr val="accent1">
-                    <a:lumMod val="75000"/>
-                  </a:schemeClr>
-                </a:solidFill>
-              </a:rPr>
-              <a:t>conditional </a:t>
-            </a:r>
-            <a:r>
-              <a:rPr lang="en-US" dirty="0" smtClean="0">
-                <a:solidFill>
-                  <a:schemeClr val="accent1">
-                    <a:lumMod val="75000"/>
-                  </a:schemeClr>
-                </a:solidFill>
-              </a:rPr>
-              <a:t>on the mother’s genotype and assuming a randomly chosen fathers.</a:t>
-            </a:r>
-            <a:endParaRPr lang="en-US" dirty="0" smtClean="0">
-              <a:solidFill>
-                <a:schemeClr val="accent1">
-                  <a:lumMod val="75000"/>
-                </a:schemeClr>
-              </a:solidFill>
-            </a:endParaRPr>
-          </a:p>
-          <a:p>
-            <a:r>
-              <a:rPr lang="en-US" dirty="0">
-                <a:solidFill>
-                  <a:schemeClr val="accent1">
-                    <a:lumMod val="75000"/>
-                  </a:schemeClr>
-                </a:solidFill>
-              </a:rPr>
-              <a:t> </a:t>
-            </a:r>
-            <a:r>
-              <a:rPr lang="en-US" dirty="0" smtClean="0">
-                <a:solidFill>
-                  <a:schemeClr val="accent1">
-                    <a:lumMod val="75000"/>
-                  </a:schemeClr>
-                </a:solidFill>
-              </a:rPr>
-              <a:t>           </a:t>
-            </a:r>
-            <a:r>
-              <a:rPr lang="en-US" dirty="0" smtClean="0">
-                <a:solidFill>
-                  <a:schemeClr val="accent1">
-                    <a:lumMod val="75000"/>
-                  </a:schemeClr>
-                </a:solidFill>
-              </a:rPr>
-              <a:t>-  </a:t>
-            </a:r>
-            <a:r>
-              <a:rPr lang="en-US" dirty="0" smtClean="0">
-                <a:solidFill>
-                  <a:schemeClr val="accent1">
-                    <a:lumMod val="75000"/>
-                  </a:schemeClr>
-                </a:solidFill>
-              </a:rPr>
-              <a:t>Are S1 S2 independent? </a:t>
-            </a:r>
-          </a:p>
-          <a:p>
-            <a:r>
-              <a:rPr lang="en-US" dirty="0">
-                <a:solidFill>
-                  <a:schemeClr val="accent1">
-                    <a:lumMod val="75000"/>
-                  </a:schemeClr>
-                </a:solidFill>
-              </a:rPr>
-              <a:t> </a:t>
-            </a:r>
-            <a:r>
-              <a:rPr lang="en-US" dirty="0" smtClean="0">
-                <a:solidFill>
-                  <a:schemeClr val="accent1">
-                    <a:lumMod val="75000"/>
-                  </a:schemeClr>
-                </a:solidFill>
-              </a:rPr>
-              <a:t>           </a:t>
-            </a:r>
-            <a:r>
-              <a:rPr lang="en-US" dirty="0" smtClean="0">
-                <a:solidFill>
-                  <a:schemeClr val="accent1">
-                    <a:lumMod val="75000"/>
-                  </a:schemeClr>
-                </a:solidFill>
-              </a:rPr>
-              <a:t>-  </a:t>
-            </a:r>
-            <a:r>
-              <a:rPr lang="en-US" dirty="0" smtClean="0">
-                <a:solidFill>
-                  <a:schemeClr val="accent1">
-                    <a:lumMod val="75000"/>
-                  </a:schemeClr>
-                </a:solidFill>
-              </a:rPr>
-              <a:t>Are S1 and S2 </a:t>
-            </a:r>
-            <a:r>
-              <a:rPr lang="en-US" dirty="0" smtClean="0">
-                <a:solidFill>
-                  <a:schemeClr val="accent1">
-                    <a:lumMod val="75000"/>
-                  </a:schemeClr>
-                </a:solidFill>
-              </a:rPr>
-              <a:t>conditionally </a:t>
-            </a:r>
-            <a:r>
-              <a:rPr lang="en-US" dirty="0" smtClean="0">
-                <a:solidFill>
-                  <a:schemeClr val="accent1">
-                    <a:lumMod val="75000"/>
-                  </a:schemeClr>
-                </a:solidFill>
-              </a:rPr>
-              <a:t>(on the mother’s genotype) independent?</a:t>
-            </a:r>
-          </a:p>
-          <a:p>
+              <a:t>=H)</a:t>
+            </a:r>
+          </a:p>
+          <a:p>
+            <a:pPr marL="285750" indent="-285750">
+              <a:buFont typeface="Symbol" charset="0"/>
+              <a:buChar char=""/>
+            </a:pPr>
             <a:endParaRPr lang="en-US" dirty="0">
               <a:solidFill>
                 <a:schemeClr val="accent1">
@@ -10640,12 +8254,120 @@
               </a:solidFill>
             </a:endParaRPr>
           </a:p>
+          <a:p>
+            <a:pPr marL="285750" indent="-285750">
+              <a:buFont typeface="Symbol" charset="0"/>
+              <a:buChar char=""/>
+            </a:pPr>
+            <a:r>
+              <a:rPr lang="en-US" dirty="0" smtClean="0">
+                <a:solidFill>
+                  <a:schemeClr val="accent1">
+                    <a:lumMod val="75000"/>
+                  </a:schemeClr>
+                </a:solidFill>
+              </a:rPr>
+              <a:t>Ho would that probability be updated if you know that the second offspring is also healthy?</a:t>
+            </a:r>
+          </a:p>
+          <a:p>
+            <a:pPr marL="285750" indent="-285750">
+              <a:buFont typeface="Symbol" charset="0"/>
+              <a:buChar char=""/>
+            </a:pPr>
+            <a:endParaRPr lang="en-US" dirty="0">
+              <a:solidFill>
+                <a:schemeClr val="accent1">
+                  <a:lumMod val="75000"/>
+                </a:schemeClr>
+              </a:solidFill>
+            </a:endParaRPr>
+          </a:p>
+          <a:p>
+            <a:pPr marL="285750" indent="-285750">
+              <a:buFont typeface="Symbol" charset="0"/>
+              <a:buChar char=""/>
+            </a:pPr>
+            <a:r>
+              <a:rPr lang="en-US" dirty="0" smtClean="0">
+                <a:solidFill>
+                  <a:schemeClr val="accent1">
+                    <a:lumMod val="75000"/>
+                  </a:schemeClr>
+                </a:solidFill>
+              </a:rPr>
+              <a:t>What about if you know that the third offspring developed the disease?</a:t>
+            </a:r>
+          </a:p>
+          <a:p>
+            <a:endParaRPr lang="en-US" dirty="0">
+              <a:solidFill>
+                <a:schemeClr val="accent1">
+                  <a:lumMod val="75000"/>
+                </a:schemeClr>
+              </a:solidFill>
+            </a:endParaRPr>
+          </a:p>
+        </p:txBody>
+      </p:sp>
+      <p:pic>
+        <p:nvPicPr>
+          <p:cNvPr id="5" name="Picture 4"/>
+          <p:cNvPicPr>
+            <a:picLocks noChangeAspect="1"/>
+          </p:cNvPicPr>
+          <p:nvPr/>
+        </p:nvPicPr>
+        <p:blipFill>
+          <a:blip r:embed="rId3"/>
+          <a:stretch>
+            <a:fillRect/>
+          </a:stretch>
+        </p:blipFill>
+        <p:spPr>
+          <a:xfrm>
+            <a:off x="5562600" y="1066800"/>
+            <a:ext cx="1828800" cy="2139553"/>
+          </a:xfrm>
+          <a:prstGeom prst="rect">
+            <a:avLst/>
+          </a:prstGeom>
+        </p:spPr>
+      </p:pic>
+      <p:sp>
+        <p:nvSpPr>
+          <p:cNvPr id="3" name="TextBox 2"/>
+          <p:cNvSpPr txBox="1"/>
+          <p:nvPr/>
+        </p:nvSpPr>
+        <p:spPr>
+          <a:xfrm>
+            <a:off x="5562600" y="3276600"/>
+            <a:ext cx="1905000" cy="338554"/>
+          </a:xfrm>
+          <a:prstGeom prst="rect">
+            <a:avLst/>
+          </a:prstGeom>
+          <a:noFill/>
+        </p:spPr>
+        <p:txBody>
+          <a:bodyPr wrap="square" rtlCol="0">
+            <a:spAutoFit/>
+          </a:bodyPr>
+          <a:lstStyle/>
+          <a:p>
+            <a:r>
+              <a:rPr lang="en-US" sz="1600" dirty="0" smtClean="0"/>
+              <a:t>Source: Wikipedia</a:t>
+            </a:r>
+            <a:endParaRPr lang="en-US" sz="1600" dirty="0"/>
+          </a:p>
         </p:txBody>
       </p:sp>
     </p:spTree>
     <p:extLst>
       <p:ext uri="{BB962C8B-B14F-4D97-AF65-F5344CB8AC3E}">
-        <p14:creationId xmlns:p14="http://schemas.microsoft.com/office/powerpoint/2010/main" val="2963594800"/>
+        <p14:creationId xmlns:p14="http://schemas.microsoft.com/office/powerpoint/2010/main" val="952754903"/>
       </p:ext>
     </p:extLst>
   </p:cSld>
@@ -10745,7 +8467,7 @@
                                         <p:tgtEl>
                                           <p:spTgt spid="6">
                                             <p:txEl>
-                                              <p:pRg st="0" end="0"/>
+                                              <p:pRg st="2" end="2"/>
                                             </p:txEl>
                                           </p:spTgt>
                                         </p:tgtEl>
@@ -10763,7 +8485,7 @@
                                         <p:tgtEl>
                                           <p:spTgt spid="6">
                                             <p:txEl>
-                                              <p:pRg st="0" end="0"/>
+                                              <p:pRg st="2" end="2"/>
                                             </p:txEl>
                                           </p:spTgt>
                                         </p:tgtEl>
@@ -10806,7 +8528,7 @@
                                         <p:tgtEl>
                                           <p:spTgt spid="6">
                                             <p:txEl>
-                                              <p:pRg st="2" end="2"/>
+                                              <p:pRg st="3" end="3"/>
                                             </p:txEl>
                                           </p:spTgt>
                                         </p:tgtEl>
@@ -10824,7 +8546,7 @@
                                         <p:tgtEl>
                                           <p:spTgt spid="6">
                                             <p:txEl>
-                                              <p:pRg st="2" end="2"/>
+                                              <p:pRg st="3" end="3"/>
                                             </p:txEl>
                                           </p:spTgt>
                                         </p:tgtEl>
@@ -10928,7 +8650,7 @@
                                         <p:tgtEl>
                                           <p:spTgt spid="6">
                                             <p:txEl>
-                                              <p:pRg st="7" end="7"/>
+                                              <p:pRg st="11" end="11"/>
                                             </p:txEl>
                                           </p:spTgt>
                                         </p:tgtEl>
@@ -10946,7 +8668,7 @@
                                         <p:tgtEl>
                                           <p:spTgt spid="6">
                                             <p:txEl>
-                                              <p:pRg st="7" end="7"/>
+                                              <p:pRg st="11" end="11"/>
                                             </p:txEl>
                                           </p:spTgt>
                                         </p:tgtEl>
@@ -10989,7 +8711,7 @@
                                         <p:tgtEl>
                                           <p:spTgt spid="6">
                                             <p:txEl>
-                                              <p:pRg st="9" end="9"/>
+                                              <p:pRg st="13" end="13"/>
                                             </p:txEl>
                                           </p:spTgt>
                                         </p:tgtEl>
@@ -11007,7 +8729,7 @@
                                         <p:tgtEl>
                                           <p:spTgt spid="6">
                                             <p:txEl>
-                                              <p:pRg st="9" end="9"/>
+                                              <p:pRg st="13" end="13"/>
                                             </p:txEl>
                                           </p:spTgt>
                                         </p:tgtEl>
@@ -11050,7 +8772,7 @@
                                         <p:tgtEl>
                                           <p:spTgt spid="6">
                                             <p:txEl>
-                                              <p:pRg st="10" end="10"/>
+                                              <p:pRg st="15" end="15"/>
                                             </p:txEl>
                                           </p:spTgt>
                                         </p:tgtEl>
@@ -11065,311 +8787,6 @@
                                     <p:animEffect transition="in" filter="blinds(horizontal)">
                                       <p:cBhvr>
                                         <p:cTn id="37" dur="500"/>
-                                        <p:tgtEl>
-                                          <p:spTgt spid="6">
-                                            <p:txEl>
-                                              <p:pRg st="10" end="10"/>
-                                            </p:txEl>
-                                          </p:spTgt>
-                                        </p:tgtEl>
-                                      </p:cBhvr>
-                                    </p:animEffect>
-                                  </p:childTnLst>
-                                </p:cTn>
-                              </p:par>
-                            </p:childTnLst>
-                          </p:cTn>
-                        </p:par>
-                      </p:childTnLst>
-                    </p:cTn>
-                  </p:par>
-                  <p:par>
-                    <p:cTn id="38" fill="hold">
-                      <p:stCondLst>
-                        <p:cond delay="indefinite"/>
-                      </p:stCondLst>
-                      <p:childTnLst>
-                        <p:par>
-                          <p:cTn id="39" fill="hold">
-                            <p:stCondLst>
-                              <p:cond delay="0"/>
-                            </p:stCondLst>
-                            <p:childTnLst>
-                              <p:par>
-                                <p:cTn id="40" presetID="3" presetClass="entr" presetSubtype="10" fill="hold" grpId="0" nodeType="clickEffect">
-                                  <p:stCondLst>
-                                    <p:cond delay="0"/>
-                                  </p:stCondLst>
-                                  <p:childTnLst>
-                                    <p:set>
-                                      <p:cBhvr>
-                                        <p:cTn id="41" dur="1" fill="hold">
-                                          <p:stCondLst>
-                                            <p:cond delay="0"/>
-                                          </p:stCondLst>
-                                        </p:cTn>
-                                        <p:tgtEl>
-                                          <p:spTgt spid="6">
-                                            <p:txEl>
-                                              <p:pRg st="11" end="11"/>
-                                            </p:txEl>
-                                          </p:spTgt>
-                                        </p:tgtEl>
-                                        <p:attrNameLst>
-                                          <p:attrName>style.visibility</p:attrName>
-                                        </p:attrNameLst>
-                                      </p:cBhvr>
-                                      <p:to>
-                                        <p:strVal val="visible"/>
-                                      </p:to>
-                                    </p:set>
-                                    <p:animEffect transition="in" filter="blinds(horizontal)">
-                                      <p:cBhvr>
-                                        <p:cTn id="42" dur="500"/>
-                                        <p:tgtEl>
-                                          <p:spTgt spid="6">
-                                            <p:txEl>
-                                              <p:pRg st="11" end="11"/>
-                                            </p:txEl>
-                                          </p:spTgt>
-                                        </p:tgtEl>
-                                      </p:cBhvr>
-                                    </p:animEffect>
-                                  </p:childTnLst>
-                                </p:cTn>
-                              </p:par>
-                            </p:childTnLst>
-                          </p:cTn>
-                        </p:par>
-                      </p:childTnLst>
-                    </p:cTn>
-                  </p:par>
-                  <p:par>
-                    <p:cTn id="43" fill="hold">
-                      <p:stCondLst>
-                        <p:cond delay="indefinite"/>
-                      </p:stCondLst>
-                      <p:childTnLst>
-                        <p:par>
-                          <p:cTn id="44" fill="hold">
-                            <p:stCondLst>
-                              <p:cond delay="0"/>
-                            </p:stCondLst>
-                            <p:childTnLst>
-                              <p:par>
-                                <p:cTn id="45" presetID="3" presetClass="entr" presetSubtype="10" fill="hold" grpId="0" nodeType="clickEffect">
-                                  <p:stCondLst>
-                                    <p:cond delay="0"/>
-                                  </p:stCondLst>
-                                  <p:childTnLst>
-                                    <p:set>
-                                      <p:cBhvr>
-                                        <p:cTn id="46" dur="1" fill="hold">
-                                          <p:stCondLst>
-                                            <p:cond delay="0"/>
-                                          </p:stCondLst>
-                                        </p:cTn>
-                                        <p:tgtEl>
-                                          <p:spTgt spid="6">
-                                            <p:txEl>
-                                              <p:pRg st="12" end="12"/>
-                                            </p:txEl>
-                                          </p:spTgt>
-                                        </p:tgtEl>
-                                        <p:attrNameLst>
-                                          <p:attrName>style.visibility</p:attrName>
-                                        </p:attrNameLst>
-                                      </p:cBhvr>
-                                      <p:to>
-                                        <p:strVal val="visible"/>
-                                      </p:to>
-                                    </p:set>
-                                    <p:animEffect transition="in" filter="blinds(horizontal)">
-                                      <p:cBhvr>
-                                        <p:cTn id="47" dur="500"/>
-                                        <p:tgtEl>
-                                          <p:spTgt spid="6">
-                                            <p:txEl>
-                                              <p:pRg st="12" end="12"/>
-                                            </p:txEl>
-                                          </p:spTgt>
-                                        </p:tgtEl>
-                                      </p:cBhvr>
-                                    </p:animEffect>
-                                  </p:childTnLst>
-                                </p:cTn>
-                              </p:par>
-                            </p:childTnLst>
-                          </p:cTn>
-                        </p:par>
-                      </p:childTnLst>
-                    </p:cTn>
-                  </p:par>
-                  <p:par>
-                    <p:cTn id="48" fill="hold">
-                      <p:stCondLst>
-                        <p:cond delay="indefinite"/>
-                      </p:stCondLst>
-                      <p:childTnLst>
-                        <p:par>
-                          <p:cTn id="49" fill="hold">
-                            <p:stCondLst>
-                              <p:cond delay="0"/>
-                            </p:stCondLst>
-                            <p:childTnLst>
-                              <p:par>
-                                <p:cTn id="50" presetID="3" presetClass="entr" presetSubtype="10" fill="hold" grpId="0" nodeType="clickEffect">
-                                  <p:stCondLst>
-                                    <p:cond delay="0"/>
-                                  </p:stCondLst>
-                                  <p:childTnLst>
-                                    <p:set>
-                                      <p:cBhvr>
-                                        <p:cTn id="51" dur="1" fill="hold">
-                                          <p:stCondLst>
-                                            <p:cond delay="0"/>
-                                          </p:stCondLst>
-                                        </p:cTn>
-                                        <p:tgtEl>
-                                          <p:spTgt spid="6">
-                                            <p:txEl>
-                                              <p:pRg st="13" end="13"/>
-                                            </p:txEl>
-                                          </p:spTgt>
-                                        </p:tgtEl>
-                                        <p:attrNameLst>
-                                          <p:attrName>style.visibility</p:attrName>
-                                        </p:attrNameLst>
-                                      </p:cBhvr>
-                                      <p:to>
-                                        <p:strVal val="visible"/>
-                                      </p:to>
-                                    </p:set>
-                                    <p:animEffect transition="in" filter="blinds(horizontal)">
-                                      <p:cBhvr>
-                                        <p:cTn id="52" dur="500"/>
-                                        <p:tgtEl>
-                                          <p:spTgt spid="6">
-                                            <p:txEl>
-                                              <p:pRg st="13" end="13"/>
-                                            </p:txEl>
-                                          </p:spTgt>
-                                        </p:tgtEl>
-                                      </p:cBhvr>
-                                    </p:animEffect>
-                                  </p:childTnLst>
-                                </p:cTn>
-                              </p:par>
-                            </p:childTnLst>
-                          </p:cTn>
-                        </p:par>
-                      </p:childTnLst>
-                    </p:cTn>
-                  </p:par>
-                  <p:par>
-                    <p:cTn id="53" fill="hold">
-                      <p:stCondLst>
-                        <p:cond delay="indefinite"/>
-                      </p:stCondLst>
-                      <p:childTnLst>
-                        <p:par>
-                          <p:cTn id="54" fill="hold">
-                            <p:stCondLst>
-                              <p:cond delay="0"/>
-                            </p:stCondLst>
-                            <p:childTnLst>
-                              <p:par>
-                                <p:cTn id="55" presetID="3" presetClass="entr" presetSubtype="10" fill="hold" grpId="0" nodeType="clickEffect">
-                                  <p:stCondLst>
-                                    <p:cond delay="0"/>
-                                  </p:stCondLst>
-                                  <p:childTnLst>
-                                    <p:set>
-                                      <p:cBhvr>
-                                        <p:cTn id="56" dur="1" fill="hold">
-                                          <p:stCondLst>
-                                            <p:cond delay="0"/>
-                                          </p:stCondLst>
-                                        </p:cTn>
-                                        <p:tgtEl>
-                                          <p:spTgt spid="6">
-                                            <p:txEl>
-                                              <p:pRg st="14" end="14"/>
-                                            </p:txEl>
-                                          </p:spTgt>
-                                        </p:tgtEl>
-                                        <p:attrNameLst>
-                                          <p:attrName>style.visibility</p:attrName>
-                                        </p:attrNameLst>
-                                      </p:cBhvr>
-                                      <p:to>
-                                        <p:strVal val="visible"/>
-                                      </p:to>
-                                    </p:set>
-                                    <p:animEffect transition="in" filter="blinds(horizontal)">
-                                      <p:cBhvr>
-                                        <p:cTn id="57" dur="500"/>
-                                        <p:tgtEl>
-                                          <p:spTgt spid="6">
-                                            <p:txEl>
-                                              <p:pRg st="14" end="14"/>
-                                            </p:txEl>
-                                          </p:spTgt>
-                                        </p:tgtEl>
-                                      </p:cBhvr>
-                                    </p:animEffect>
-                                  </p:childTnLst>
-                                </p:cTn>
-                              </p:par>
-                            </p:childTnLst>
-                          </p:cTn>
-                        </p:par>
-                      </p:childTnLst>
-                    </p:cTn>
-                  </p:par>
-                  <p:par>
-                    <p:cTn id="58" fill="hold">
-                      <p:stCondLst>
-                        <p:cond delay="indefinite"/>
-                      </p:stCondLst>
-                      <p:childTnLst>
-                        <p:par>
-                          <p:cTn id="59" fill="hold">
-                            <p:stCondLst>
-                              <p:cond delay="0"/>
-                            </p:stCondLst>
-                            <p:childTnLst>
-                              <p:par>
-                                <p:cTn id="60" presetID="3" presetClass="entr" presetSubtype="10" fill="hold" grpId="0" nodeType="clickEffect">
-                                  <p:stCondLst>
-                                    <p:cond delay="0"/>
-                                  </p:stCondLst>
-                                  <p:childTnLst>
-                                    <p:set>
-                                      <p:cBhvr>
-                                        <p:cTn id="61" dur="1" fill="hold">
-                                          <p:stCondLst>
-                                            <p:cond delay="0"/>
-                                          </p:stCondLst>
-                                        </p:cTn>
-                                        <p:tgtEl>
-                                          <p:spTgt spid="6">
-                                            <p:txEl>
-                                              <p:pRg st="15" end="15"/>
-                                            </p:txEl>
-                                          </p:spTgt>
-                                        </p:tgtEl>
-                                        <p:attrNameLst>
-                                          <p:attrName>style.visibility</p:attrName>
-                                        </p:attrNameLst>
-                                      </p:cBhvr>
-                                      <p:to>
-                                        <p:strVal val="visible"/>
-                                      </p:to>
-                                    </p:set>
-                                    <p:animEffect transition="in" filter="blinds(horizontal)">
-                                      <p:cBhvr>
-                                        <p:cTn id="62" dur="500"/>
                                         <p:tgtEl>
                                           <p:spTgt spid="6">
                                             <p:txEl>
@@ -11435,48 +8852,6 @@
       </p:grpSpPr>
       <p:sp>
         <p:nvSpPr>
-          <p:cNvPr id="2" name="Title 1"/>
-          <p:cNvSpPr>
-            <a:spLocks noGrp="1"/>
-          </p:cNvSpPr>
-          <p:nvPr>
-            <p:ph type="ctrTitle"/>
-          </p:nvPr>
-        </p:nvSpPr>
-        <p:spPr>
-          <a:xfrm>
-            <a:off x="609600" y="76201"/>
-            <a:ext cx="7772400" cy="762000"/>
-          </a:xfrm>
-        </p:spPr>
-        <p:txBody>
-          <a:bodyPr>
-            <a:normAutofit/>
-          </a:bodyPr>
-          <a:lstStyle/>
-          <a:p>
-            <a:r>
-              <a:rPr lang="en-US" sz="3200" dirty="0" smtClean="0">
-                <a:solidFill>
-                  <a:schemeClr val="accent2">
-                    <a:lumMod val="75000"/>
-                  </a:schemeClr>
-                </a:solidFill>
-              </a:rPr>
-              <a:t>Remarks</a:t>
-            </a:r>
-            <a:endParaRPr lang="en-US" sz="3200" dirty="0">
-              <a:solidFill>
-                <a:schemeClr val="accent2">
-                  <a:lumMod val="75000"/>
-                </a:schemeClr>
-              </a:solidFill>
-            </a:endParaRPr>
-          </a:p>
-        </p:txBody>
-      </p:sp>
-      <p:sp>
-        <p:nvSpPr>
           <p:cNvPr id="4" name="Footer Placeholder 3"/>
           <p:cNvSpPr>
             <a:spLocks noGrp="1"/>
@@ -11515,7 +8890,7 @@
         <p:spPr>
           <a:xfrm>
             <a:off x="457200" y="990600"/>
-            <a:ext cx="8229600" cy="1754327"/>
+            <a:ext cx="8229600" cy="1015663"/>
           </a:xfrm>
           <a:prstGeom prst="rect">
             <a:avLst/>
@@ -11534,26 +8909,17 @@
           </a:bodyPr>
           <a:lstStyle/>
           <a:p>
-            <a:pPr marL="285750" indent="-285750">
-              <a:buFont typeface="Symbol" charset="0"/>
-              <a:buChar char=""/>
-            </a:pPr>
-            <a:r>
-              <a:rPr lang="en-US" dirty="0" smtClean="0">
-                <a:solidFill>
-                  <a:schemeClr val="accent1">
-                    <a:lumMod val="75000"/>
-                  </a:schemeClr>
-                </a:solidFill>
-              </a:rPr>
-              <a:t>The joint probability contains all the information needed to arrive at the marginal s and conditionals</a:t>
-            </a:r>
-          </a:p>
-          <a:p>
-            <a:pPr marL="285750" indent="-285750">
-              <a:buFont typeface="Symbol" charset="0"/>
-              <a:buChar char=""/>
-            </a:pPr>
+            <a:pPr algn="ctr"/>
+            <a:r>
+              <a:rPr lang="en-US" sz="2400" dirty="0" smtClean="0">
+                <a:solidFill>
+                  <a:srgbClr val="800000"/>
+                </a:solidFill>
+              </a:rPr>
+              <a:t>REVIEW HW 1</a:t>
+            </a:r>
+          </a:p>
+          <a:p>
             <a:endParaRPr lang="en-US" dirty="0">
               <a:solidFill>
                 <a:schemeClr val="accent1">
@@ -11563,10 +8929,7 @@
             </a:endParaRPr>
           </a:p>
           <a:p>
-            <a:pPr marL="285750" indent="-285750">
-              <a:buFont typeface="Symbol" charset="0"/>
-              <a:buChar char=""/>
-            </a:pPr>
+            <a:pPr algn="ctr"/>
             <a:r>
               <a:rPr lang="en-US" dirty="0" smtClean="0">
                 <a:solidFill>
@@ -11575,21 +8938,8 @@
                   </a:schemeClr>
                 </a:solidFill>
               </a:rPr>
-              <a:t>We can arrive at the joint distribution from the marginal only with knowledge of the conditional distributions (under independence this is trivial).</a:t>
-            </a:r>
-            <a:endParaRPr lang="en-US" dirty="0">
-              <a:solidFill>
-                <a:schemeClr val="accent1">
-                  <a:lumMod val="75000"/>
-                </a:schemeClr>
-              </a:solidFill>
-            </a:endParaRPr>
-          </a:p>
-          <a:p>
-            <a:pPr marL="285750" indent="-285750">
-              <a:buFont typeface="Symbol" charset="0"/>
-              <a:buChar char=""/>
-            </a:pPr>
+              <a:t>Questions?</a:t>
+            </a:r>
             <a:endParaRPr lang="en-US" dirty="0" smtClean="0">
               <a:solidFill>
                 <a:schemeClr val="accent1">
@@ -11750,7 +9100,7 @@
                   </a:schemeClr>
                 </a:solidFill>
               </a:rPr>
-              <a:t>Exchangeability</a:t>
+              <a:t>Remarks</a:t>
             </a:r>
             <a:endParaRPr lang="en-US" sz="3200" dirty="0">
               <a:solidFill>
@@ -11802,7 +9152,7 @@
         <p:spPr>
           <a:xfrm>
             <a:off x="457200" y="990600"/>
-            <a:ext cx="8229600" cy="5355313"/>
+            <a:ext cx="8229600" cy="2862323"/>
           </a:xfrm>
           <a:prstGeom prst="rect">
             <a:avLst/>
@@ -11833,47 +9183,7 @@
                   </a:schemeClr>
                 </a:solidFill>
               </a:rPr>
-              <a:t>Due to the mathematician Bruno de </a:t>
-            </a:r>
-            <a:r>
-              <a:rPr lang="en-US" dirty="0" err="1" smtClean="0">
-                <a:solidFill>
-                  <a:schemeClr val="accent1">
-                    <a:lumMod val="75000"/>
-                  </a:schemeClr>
-                </a:solidFill>
-              </a:rPr>
-              <a:t>Finetti</a:t>
-            </a:r>
-            <a:r>
-              <a:rPr lang="en-US" dirty="0" smtClean="0">
-                <a:solidFill>
-                  <a:schemeClr val="accent1">
-                    <a:lumMod val="75000"/>
-                  </a:schemeClr>
-                </a:solidFill>
-              </a:rPr>
-              <a:t> (de </a:t>
-            </a:r>
-            <a:r>
-              <a:rPr lang="en-US" dirty="0" err="1" smtClean="0">
-                <a:solidFill>
-                  <a:schemeClr val="accent1">
-                    <a:lumMod val="75000"/>
-                  </a:schemeClr>
-                </a:solidFill>
-              </a:rPr>
-              <a:t>Finetti’s</a:t>
-            </a:r>
-            <a:r>
-              <a:rPr lang="en-US" dirty="0" smtClean="0">
-                <a:solidFill>
-                  <a:schemeClr val="accent1">
-                    <a:lumMod val="75000"/>
-                  </a:schemeClr>
-                </a:solidFill>
-              </a:rPr>
-              <a:t> theorem)</a:t>
+              <a:t>The joint probability contains all the information needed to arrive at the marginal s and conditionals</a:t>
             </a:r>
           </a:p>
           <a:p>
@@ -11902,17 +9212,17 @@
                   </a:schemeClr>
                 </a:solidFill>
               </a:rPr>
-              <a:t>Define </a:t>
-            </a:r>
-            <a:r>
-              <a:rPr lang="en-US" dirty="0" err="1" smtClean="0">
+              <a:t>We </a:t>
+            </a:r>
+            <a:r>
+              <a:rPr lang="en-US" dirty="0" smtClean="0">
                 <a:solidFill>
                   <a:schemeClr val="accent1">
                     <a:lumMod val="75000"/>
                   </a:schemeClr>
                 </a:solidFill>
               </a:rPr>
-              <a:t>Exchangable</a:t>
+              <a:t>cannot </a:t>
             </a:r>
             <a:r>
               <a:rPr lang="en-US" dirty="0" smtClean="0">
@@ -11922,14 +9232,104 @@
                   </a:schemeClr>
                 </a:solidFill>
               </a:rPr>
-              <a:t> Sequence of Random Variables</a:t>
-            </a:r>
-          </a:p>
-          <a:p>
-            <a:pPr marL="285750" indent="-285750">
-              <a:buFont typeface="Symbol" charset="0"/>
-              <a:buChar char=""/>
-            </a:pPr>
+              <a:t>arrive at the joint distribution from the </a:t>
+            </a:r>
+            <a:r>
+              <a:rPr lang="en-US" dirty="0" smtClean="0">
+                <a:solidFill>
+                  <a:schemeClr val="accent1">
+                    <a:lumMod val="75000"/>
+                  </a:schemeClr>
+                </a:solidFill>
+              </a:rPr>
+              <a:t>marginal distributions </a:t>
+            </a:r>
+          </a:p>
+          <a:p>
+            <a:r>
+              <a:rPr lang="en-US" dirty="0">
+                <a:solidFill>
+                  <a:schemeClr val="accent1">
+                    <a:lumMod val="75000"/>
+                  </a:schemeClr>
+                </a:solidFill>
+              </a:rPr>
+              <a:t> </a:t>
+            </a:r>
+            <a:r>
+              <a:rPr lang="en-US" dirty="0" smtClean="0">
+                <a:solidFill>
+                  <a:schemeClr val="accent1">
+                    <a:lumMod val="75000"/>
+                  </a:schemeClr>
+                </a:solidFill>
+              </a:rPr>
+              <a:t>   </a:t>
+            </a:r>
+            <a:r>
+              <a:rPr lang="en-US" dirty="0" smtClean="0">
+                <a:solidFill>
+                  <a:schemeClr val="accent1">
+                    <a:lumMod val="75000"/>
+                  </a:schemeClr>
+                </a:solidFill>
+              </a:rPr>
+              <a:t>(</a:t>
+            </a:r>
+            <a:r>
+              <a:rPr lang="en-US" dirty="0" smtClean="0">
+                <a:solidFill>
+                  <a:schemeClr val="accent1">
+                    <a:lumMod val="75000"/>
+                  </a:schemeClr>
+                </a:solidFill>
+              </a:rPr>
+              <a:t>under independence this is </a:t>
+            </a:r>
+            <a:r>
+              <a:rPr lang="en-US" dirty="0" smtClean="0">
+                <a:solidFill>
+                  <a:schemeClr val="accent1">
+                    <a:lumMod val="75000"/>
+                  </a:schemeClr>
+                </a:solidFill>
+              </a:rPr>
+              <a:t>trivial, but in other cases we need to know the    </a:t>
+            </a:r>
+          </a:p>
+          <a:p>
+            <a:r>
+              <a:rPr lang="en-US" dirty="0">
+                <a:solidFill>
+                  <a:schemeClr val="accent1">
+                    <a:lumMod val="75000"/>
+                  </a:schemeClr>
+                </a:solidFill>
+              </a:rPr>
+              <a:t> </a:t>
+            </a:r>
+            <a:r>
+              <a:rPr lang="en-US" dirty="0" smtClean="0">
+                <a:solidFill>
+                  <a:schemeClr val="accent1">
+                    <a:lumMod val="75000"/>
+                  </a:schemeClr>
+                </a:solidFill>
+              </a:rPr>
+              <a:t>    </a:t>
+            </a:r>
+            <a:r>
+              <a:rPr lang="en-US" dirty="0" smtClean="0">
+                <a:solidFill>
+                  <a:schemeClr val="accent1">
+                    <a:lumMod val="75000"/>
+                  </a:schemeClr>
+                </a:solidFill>
+              </a:rPr>
+              <a:t>conditional distributions and one of the marginal to get to the joint distribution).</a:t>
+            </a:r>
+          </a:p>
+          <a:p>
             <a:endParaRPr lang="en-US" dirty="0">
               <a:solidFill>
                 <a:schemeClr val="accent1">
@@ -11939,149 +9339,6 @@
             </a:endParaRPr>
           </a:p>
           <a:p>
-            <a:r>
-              <a:rPr lang="en-US" dirty="0" smtClean="0">
-                <a:solidFill>
-                  <a:schemeClr val="accent1">
-                    <a:lumMod val="75000"/>
-                  </a:schemeClr>
-                </a:solidFill>
-              </a:rPr>
-              <a:t>	- Sequence of Random Variables  X</a:t>
-            </a:r>
-            <a:r>
-              <a:rPr lang="en-US" baseline="-25000" dirty="0" smtClean="0">
-                <a:solidFill>
-                  <a:schemeClr val="accent1">
-                    <a:lumMod val="75000"/>
-                  </a:schemeClr>
-                </a:solidFill>
-              </a:rPr>
-              <a:t>1</a:t>
-            </a:r>
-            <a:r>
-              <a:rPr lang="en-US" dirty="0" smtClean="0">
-                <a:solidFill>
-                  <a:schemeClr val="accent1">
-                    <a:lumMod val="75000"/>
-                  </a:schemeClr>
-                </a:solidFill>
-              </a:rPr>
-              <a:t>, X</a:t>
-            </a:r>
-            <a:r>
-              <a:rPr lang="en-US" baseline="-25000" dirty="0" smtClean="0">
-                <a:solidFill>
-                  <a:schemeClr val="accent1">
-                    <a:lumMod val="75000"/>
-                  </a:schemeClr>
-                </a:solidFill>
-              </a:rPr>
-              <a:t>2</a:t>
-            </a:r>
-            <a:r>
-              <a:rPr lang="en-US" dirty="0" smtClean="0">
-                <a:solidFill>
-                  <a:schemeClr val="accent1">
-                    <a:lumMod val="75000"/>
-                  </a:schemeClr>
-                </a:solidFill>
-              </a:rPr>
-              <a:t> ,….</a:t>
-            </a:r>
-          </a:p>
-          <a:p>
-            <a:r>
-              <a:rPr lang="en-US" dirty="0">
-                <a:solidFill>
-                  <a:schemeClr val="accent1">
-                    <a:lumMod val="75000"/>
-                  </a:schemeClr>
-                </a:solidFill>
-              </a:rPr>
-              <a:t>	</a:t>
-            </a:r>
-            <a:r>
-              <a:rPr lang="en-US" dirty="0" smtClean="0">
-                <a:solidFill>
-                  <a:schemeClr val="accent1">
-                    <a:lumMod val="75000"/>
-                  </a:schemeClr>
-                </a:solidFill>
-              </a:rPr>
-              <a:t>- Permutation</a:t>
-            </a:r>
-            <a:r>
-              <a:rPr lang="en-US" dirty="0">
-                <a:solidFill>
-                  <a:schemeClr val="accent1">
-                    <a:lumMod val="75000"/>
-                  </a:schemeClr>
-                </a:solidFill>
-              </a:rPr>
-              <a:t>: </a:t>
-            </a:r>
-            <a:r>
-              <a:rPr lang="en-US" dirty="0" smtClean="0">
-                <a:solidFill>
-                  <a:schemeClr val="accent1">
-                    <a:lumMod val="75000"/>
-                  </a:schemeClr>
-                </a:solidFill>
-              </a:rPr>
-              <a:t>π={π</a:t>
-            </a:r>
-            <a:r>
-              <a:rPr lang="en-US" baseline="-25000" dirty="0" smtClean="0">
-                <a:solidFill>
-                  <a:schemeClr val="accent1">
-                    <a:lumMod val="75000"/>
-                  </a:schemeClr>
-                </a:solidFill>
-              </a:rPr>
-              <a:t>1</a:t>
-            </a:r>
-            <a:r>
-              <a:rPr lang="en-US" dirty="0" smtClean="0">
-                <a:solidFill>
-                  <a:schemeClr val="accent1">
-                    <a:lumMod val="75000"/>
-                  </a:schemeClr>
-                </a:solidFill>
-              </a:rPr>
-              <a:t>, π</a:t>
-            </a:r>
-            <a:r>
-              <a:rPr lang="en-US" baseline="-25000" dirty="0" smtClean="0">
-                <a:solidFill>
-                  <a:schemeClr val="accent1">
-                    <a:lumMod val="75000"/>
-                  </a:schemeClr>
-                </a:solidFill>
-              </a:rPr>
-              <a:t>2</a:t>
-            </a:r>
-            <a:r>
-              <a:rPr lang="en-US" dirty="0" smtClean="0">
-                <a:solidFill>
-                  <a:schemeClr val="accent1">
-                    <a:lumMod val="75000"/>
-                  </a:schemeClr>
-                </a:solidFill>
-              </a:rPr>
-              <a:t>,…}</a:t>
-            </a:r>
-          </a:p>
-          <a:p>
-            <a:endParaRPr lang="en-US" dirty="0">
-              <a:solidFill>
-                <a:schemeClr val="accent1">
-                  <a:lumMod val="75000"/>
-                </a:schemeClr>
-              </a:solidFill>
-            </a:endParaRPr>
-          </a:p>
-          <a:p>
             <a:pPr marL="285750" indent="-285750">
               <a:buFont typeface="Symbol" charset="0"/>
               <a:buChar char=""/>
@@ -12094,160 +9351,10 @@
                   </a:schemeClr>
                 </a:solidFill>
               </a:rPr>
-              <a:t>A sequence of RV is said to be exchangeable if</a:t>
-            </a:r>
-          </a:p>
-          <a:p>
-            <a:endParaRPr lang="en-US" dirty="0">
-              <a:solidFill>
-                <a:schemeClr val="accent1">
-                  <a:lumMod val="75000"/>
-                </a:schemeClr>
-              </a:solidFill>
-            </a:endParaRPr>
-          </a:p>
-          <a:p>
-            <a:r>
-              <a:rPr lang="en-US" dirty="0">
-                <a:solidFill>
-                  <a:schemeClr val="accent1">
-                    <a:lumMod val="75000"/>
-                  </a:schemeClr>
-                </a:solidFill>
-              </a:rPr>
-              <a:t>	</a:t>
-            </a:r>
-            <a:r>
-              <a:rPr lang="en-US" dirty="0" smtClean="0">
-                <a:solidFill>
-                  <a:schemeClr val="accent1">
-                    <a:lumMod val="75000"/>
-                  </a:schemeClr>
-                </a:solidFill>
-              </a:rPr>
-              <a:t>p(X</a:t>
-            </a:r>
-            <a:r>
-              <a:rPr lang="en-US" baseline="-25000" dirty="0">
-                <a:solidFill>
-                  <a:schemeClr val="accent1">
-                    <a:lumMod val="75000"/>
-                  </a:schemeClr>
-                </a:solidFill>
-              </a:rPr>
-              <a:t>π</a:t>
-            </a:r>
-            <a:r>
-              <a:rPr lang="en-US" sz="1400" baseline="-25000" dirty="0">
-                <a:solidFill>
-                  <a:schemeClr val="accent1">
-                    <a:lumMod val="75000"/>
-                  </a:schemeClr>
-                </a:solidFill>
-              </a:rPr>
-              <a:t>1</a:t>
-            </a:r>
-            <a:r>
-              <a:rPr lang="en-US" dirty="0" smtClean="0">
-                <a:solidFill>
-                  <a:schemeClr val="accent1">
-                    <a:lumMod val="75000"/>
-                  </a:schemeClr>
-                </a:solidFill>
-              </a:rPr>
-              <a:t>, X</a:t>
-            </a:r>
-            <a:r>
-              <a:rPr lang="en-US" baseline="-25000" dirty="0">
-                <a:solidFill>
-                  <a:schemeClr val="accent1">
-                    <a:lumMod val="75000"/>
-                  </a:schemeClr>
-                </a:solidFill>
-              </a:rPr>
-              <a:t>π</a:t>
-            </a:r>
-            <a:r>
-              <a:rPr lang="en-US" sz="1400" baseline="-25000" dirty="0">
-                <a:solidFill>
-                  <a:schemeClr val="accent1">
-                    <a:lumMod val="75000"/>
-                  </a:schemeClr>
-                </a:solidFill>
-              </a:rPr>
-              <a:t>1</a:t>
-            </a:r>
-            <a:r>
-              <a:rPr lang="en-US" dirty="0" smtClean="0">
-                <a:solidFill>
-                  <a:schemeClr val="accent1">
-                    <a:lumMod val="75000"/>
-                  </a:schemeClr>
-                </a:solidFill>
-              </a:rPr>
-              <a:t> </a:t>
-            </a:r>
-            <a:r>
-              <a:rPr lang="en-US" dirty="0">
-                <a:solidFill>
-                  <a:schemeClr val="accent1">
-                    <a:lumMod val="75000"/>
-                  </a:schemeClr>
-                </a:solidFill>
-              </a:rPr>
-              <a:t>,…</a:t>
-            </a:r>
-            <a:r>
-              <a:rPr lang="en-US" dirty="0" smtClean="0">
-                <a:solidFill>
-                  <a:schemeClr val="accent1">
-                    <a:lumMod val="75000"/>
-                  </a:schemeClr>
-                </a:solidFill>
-              </a:rPr>
-              <a:t>.)  is the same for any permutation π</a:t>
-            </a:r>
-          </a:p>
-          <a:p>
-            <a:endParaRPr lang="en-US" dirty="0">
-              <a:solidFill>
-                <a:schemeClr val="accent1">
-                  <a:lumMod val="75000"/>
-                </a:schemeClr>
-              </a:solidFill>
-            </a:endParaRPr>
-          </a:p>
-          <a:p>
-            <a:pPr marL="285750" indent="-285750">
-              <a:buFont typeface="Symbol" charset="0"/>
-              <a:buChar char=""/>
-            </a:pPr>
-            <a:r>
-              <a:rPr lang="en-US" dirty="0" smtClean="0">
-                <a:solidFill>
-                  <a:schemeClr val="accent1">
-                    <a:lumMod val="75000"/>
-                  </a:schemeClr>
-                </a:solidFill>
-              </a:rPr>
-              <a:t>Note: sequence of IID RVs are exchangeable (discuss), but the converse is not TRUE</a:t>
-            </a:r>
-          </a:p>
-          <a:p>
-            <a:pPr marL="285750" indent="-285750">
-              <a:buFont typeface="Symbol" charset="0"/>
-              <a:buChar char=""/>
-            </a:pPr>
-            <a:r>
-              <a:rPr lang="en-US" dirty="0" smtClean="0">
-                <a:solidFill>
-                  <a:schemeClr val="accent1">
-                    <a:lumMod val="75000"/>
-                  </a:schemeClr>
-                </a:solidFill>
-              </a:rPr>
-              <a:t>Importantly, independence is not required for exchangeability (discuss MVN case)</a:t>
-            </a:r>
+              <a:t>Distinction between independence and conditional independence (see HW1)</a:t>
+            </a:r>
+          </a:p>
+          <a:p>
             <a:endParaRPr lang="en-US" dirty="0">
               <a:solidFill>
                 <a:schemeClr val="accent1">
@@ -12269,69 +9376,12 @@
               </a:solidFill>
             </a:endParaRPr>
           </a:p>
-          <a:p>
-            <a:endParaRPr lang="en-US" dirty="0" smtClean="0">
-              <a:solidFill>
-                <a:schemeClr val="accent1">
-                  <a:lumMod val="75000"/>
-                </a:schemeClr>
-              </a:solidFill>
-            </a:endParaRPr>
-          </a:p>
-          <a:p>
-            <a:endParaRPr lang="en-US" dirty="0" smtClean="0">
-              <a:solidFill>
-                <a:schemeClr val="accent1">
-                  <a:lumMod val="75000"/>
-                </a:schemeClr>
-              </a:solidFill>
-            </a:endParaRPr>
-          </a:p>
-          <a:p>
-            <a:pPr marL="285750" indent="-285750">
-              <a:buFont typeface="Symbol" charset="0"/>
-              <a:buChar char=""/>
-            </a:pPr>
-            <a:endParaRPr lang="en-US" dirty="0">
-              <a:solidFill>
-                <a:schemeClr val="accent1">
-                  <a:lumMod val="75000"/>
-                </a:schemeClr>
-              </a:solidFill>
-            </a:endParaRPr>
-          </a:p>
-          <a:p>
-            <a:pPr marL="285750" indent="-285750">
-              <a:buFont typeface="Symbol" charset="0"/>
-              <a:buChar char=""/>
-            </a:pPr>
-            <a:endParaRPr lang="en-US" dirty="0">
-              <a:solidFill>
-                <a:schemeClr val="accent1">
-                  <a:lumMod val="75000"/>
-                </a:schemeClr>
-              </a:solidFill>
-            </a:endParaRPr>
-          </a:p>
-          <a:p>
-            <a:pPr marL="285750" indent="-285750">
-              <a:buFont typeface="Symbol" charset="0"/>
-              <a:buChar char=""/>
-            </a:pPr>
-            <a:endParaRPr lang="en-US" dirty="0" smtClean="0">
-              <a:solidFill>
-                <a:schemeClr val="accent1">
-                  <a:lumMod val="75000"/>
-                </a:schemeClr>
-              </a:solidFill>
-            </a:endParaRPr>
-          </a:p>
         </p:txBody>
       </p:sp>
     </p:spTree>
     <p:extLst>
       <p:ext uri="{BB962C8B-B14F-4D97-AF65-F5344CB8AC3E}">
-        <p14:creationId xmlns:p14="http://schemas.microsoft.com/office/powerpoint/2010/main" val="4052019240"/>
+        <p14:creationId xmlns:p14="http://schemas.microsoft.com/office/powerpoint/2010/main" val="1263852384"/>
       </p:ext>
     </p:extLst>
   </p:cSld>
@@ -12530,7 +9580,7 @@
         <p:spPr>
           <a:xfrm>
             <a:off x="457200" y="990600"/>
-            <a:ext cx="8229600" cy="3416320"/>
+            <a:ext cx="8229600" cy="3970318"/>
           </a:xfrm>
           <a:prstGeom prst="rect">
             <a:avLst/>
@@ -12553,49 +9603,49 @@
               <a:buFont typeface="Symbol" charset="0"/>
               <a:buChar char=""/>
             </a:pPr>
-            <a:r>
-              <a:rPr lang="en-US" dirty="0" smtClean="0">
-                <a:solidFill>
-                  <a:schemeClr val="accent1">
-                    <a:lumMod val="75000"/>
-                  </a:schemeClr>
-                </a:solidFill>
-              </a:rPr>
-              <a:t>de </a:t>
-            </a:r>
-            <a:r>
-              <a:rPr lang="en-US" dirty="0" err="1" smtClean="0">
-                <a:solidFill>
-                  <a:schemeClr val="accent1">
-                    <a:lumMod val="75000"/>
-                  </a:schemeClr>
-                </a:solidFill>
-              </a:rPr>
-              <a:t>Finetti’s</a:t>
-            </a:r>
-            <a:r>
-              <a:rPr lang="en-US" dirty="0" smtClean="0">
-                <a:solidFill>
-                  <a:schemeClr val="accent1">
-                    <a:lumMod val="75000"/>
-                  </a:schemeClr>
-                </a:solidFill>
-              </a:rPr>
-              <a:t> theorem:</a:t>
-            </a:r>
-          </a:p>
-          <a:p>
-            <a:pPr marL="285750" indent="-285750">
-              <a:buFont typeface="Symbol" charset="0"/>
-              <a:buChar char=""/>
-            </a:pPr>
-            <a:endParaRPr lang="en-US" dirty="0" smtClean="0">
+            <a:endParaRPr lang="en-US" dirty="0">
               <a:solidFill>
                 <a:schemeClr val="accent1">
                   <a:lumMod val="75000"/>
                 </a:schemeClr>
               </a:solidFill>
             </a:endParaRPr>
+          </a:p>
+          <a:p>
+            <a:pPr marL="285750" indent="-285750">
+              <a:buFont typeface="Symbol" charset="0"/>
+              <a:buChar char=""/>
+            </a:pPr>
+            <a:r>
+              <a:rPr lang="en-US" dirty="0" smtClean="0">
+                <a:solidFill>
+                  <a:schemeClr val="accent1">
+                    <a:lumMod val="75000"/>
+                  </a:schemeClr>
+                </a:solidFill>
+              </a:rPr>
+              <a:t>Define </a:t>
+            </a:r>
+            <a:r>
+              <a:rPr lang="en-US" dirty="0" smtClean="0">
+                <a:solidFill>
+                  <a:schemeClr val="accent1">
+                    <a:lumMod val="75000"/>
+                  </a:schemeClr>
+                </a:solidFill>
+              </a:rPr>
+              <a:t>Exchangeable </a:t>
+            </a:r>
+            <a:r>
+              <a:rPr lang="en-US" dirty="0" smtClean="0">
+                <a:solidFill>
+                  <a:schemeClr val="accent1">
+                    <a:lumMod val="75000"/>
+                  </a:schemeClr>
+                </a:solidFill>
+              </a:rPr>
+              <a:t>Sequence of Random Variables</a:t>
+            </a:r>
           </a:p>
           <a:p>
             <a:pPr marL="285750" indent="-285750">
@@ -12611,10 +9661,374 @@
             </a:endParaRPr>
           </a:p>
           <a:p>
+            <a:r>
+              <a:rPr lang="en-US" dirty="0" smtClean="0">
+                <a:solidFill>
+                  <a:schemeClr val="accent1">
+                    <a:lumMod val="75000"/>
+                  </a:schemeClr>
+                </a:solidFill>
+              </a:rPr>
+              <a:t>	- Sequence of Random Variables  </a:t>
+            </a:r>
+            <a:r>
+              <a:rPr lang="en-US" dirty="0" smtClean="0"/>
+              <a:t>Y</a:t>
+            </a:r>
+            <a:r>
+              <a:rPr lang="en-US" baseline="-25000" dirty="0" smtClean="0"/>
+              <a:t>1</a:t>
+            </a:r>
+            <a:r>
+              <a:rPr lang="en-US" dirty="0" smtClean="0"/>
+              <a:t>, </a:t>
+            </a:r>
+            <a:r>
+              <a:rPr lang="en-US" dirty="0" smtClean="0"/>
+              <a:t>Y</a:t>
+            </a:r>
+            <a:r>
+              <a:rPr lang="en-US" baseline="-25000" dirty="0" smtClean="0"/>
+              <a:t>2</a:t>
+            </a:r>
+            <a:r>
+              <a:rPr lang="en-US" dirty="0" smtClean="0"/>
+              <a:t>,</a:t>
+            </a:r>
+            <a:r>
+              <a:rPr lang="en-US" dirty="0" smtClean="0"/>
+              <a:t>…</a:t>
+            </a:r>
+            <a:r>
+              <a:rPr lang="en-US" dirty="0"/>
+              <a:t>. </a:t>
+            </a:r>
+            <a:r>
+              <a:rPr lang="en-US" dirty="0" smtClean="0"/>
+              <a:t>Y</a:t>
+            </a:r>
+            <a:r>
+              <a:rPr lang="en-US" baseline="-25000" dirty="0" smtClean="0"/>
+              <a:t>N</a:t>
+            </a:r>
+          </a:p>
+          <a:p>
+            <a:r>
+              <a:rPr lang="en-US" dirty="0">
+                <a:solidFill>
+                  <a:schemeClr val="accent1">
+                    <a:lumMod val="75000"/>
+                  </a:schemeClr>
+                </a:solidFill>
+              </a:rPr>
+              <a:t>	</a:t>
+            </a:r>
+            <a:r>
+              <a:rPr lang="en-US" dirty="0" smtClean="0">
+                <a:solidFill>
+                  <a:schemeClr val="accent1">
+                    <a:lumMod val="75000"/>
+                  </a:schemeClr>
+                </a:solidFill>
+              </a:rPr>
+              <a:t>- Permutation</a:t>
+            </a:r>
+            <a:r>
+              <a:rPr lang="en-US" dirty="0">
+                <a:solidFill>
+                  <a:schemeClr val="accent1">
+                    <a:lumMod val="75000"/>
+                  </a:schemeClr>
+                </a:solidFill>
+              </a:rPr>
+              <a:t>: </a:t>
+            </a:r>
+            <a:r>
+              <a:rPr lang="en-US" dirty="0" smtClean="0">
+                <a:solidFill>
+                  <a:srgbClr val="000000"/>
+                </a:solidFill>
+              </a:rPr>
+              <a:t>π={π</a:t>
+            </a:r>
+            <a:r>
+              <a:rPr lang="en-US" baseline="-25000" dirty="0" smtClean="0">
+                <a:solidFill>
+                  <a:srgbClr val="000000"/>
+                </a:solidFill>
+              </a:rPr>
+              <a:t>1</a:t>
+            </a:r>
+            <a:r>
+              <a:rPr lang="en-US" dirty="0" smtClean="0">
+                <a:solidFill>
+                  <a:srgbClr val="000000"/>
+                </a:solidFill>
+              </a:rPr>
+              <a:t>, π</a:t>
+            </a:r>
+            <a:r>
+              <a:rPr lang="en-US" baseline="-25000" dirty="0" smtClean="0">
+                <a:solidFill>
+                  <a:srgbClr val="000000"/>
+                </a:solidFill>
+              </a:rPr>
+              <a:t>2</a:t>
+            </a:r>
+            <a:r>
+              <a:rPr lang="en-US" dirty="0" smtClean="0">
+                <a:solidFill>
+                  <a:srgbClr val="000000"/>
+                </a:solidFill>
+              </a:rPr>
+              <a:t>,</a:t>
+            </a:r>
+            <a:r>
+              <a:rPr lang="en-US" dirty="0">
+                <a:solidFill>
+                  <a:srgbClr val="000000"/>
+                </a:solidFill>
+              </a:rPr>
+              <a:t>…, , </a:t>
+            </a:r>
+            <a:r>
+              <a:rPr lang="en-US" dirty="0" smtClean="0">
+                <a:solidFill>
+                  <a:srgbClr val="000000"/>
+                </a:solidFill>
+              </a:rPr>
+              <a:t>π</a:t>
+            </a:r>
+            <a:r>
+              <a:rPr lang="en-US" baseline="-25000" dirty="0">
+                <a:solidFill>
+                  <a:srgbClr val="000000"/>
+                </a:solidFill>
+              </a:rPr>
+              <a:t>N</a:t>
+            </a:r>
+            <a:r>
+              <a:rPr lang="en-US" dirty="0" smtClean="0">
+                <a:solidFill>
+                  <a:srgbClr val="000000"/>
+                </a:solidFill>
+              </a:rPr>
+              <a:t>}</a:t>
+            </a:r>
+            <a:endParaRPr lang="en-US" dirty="0" smtClean="0">
+              <a:solidFill>
+                <a:srgbClr val="000000"/>
+              </a:solidFill>
+            </a:endParaRPr>
+          </a:p>
+          <a:p>
+            <a:endParaRPr lang="en-US" dirty="0">
+              <a:solidFill>
+                <a:schemeClr val="accent1">
+                  <a:lumMod val="75000"/>
+                </a:schemeClr>
+              </a:solidFill>
+            </a:endParaRPr>
+          </a:p>
+          <a:p>
             <a:pPr marL="285750" indent="-285750">
               <a:buFont typeface="Symbol" charset="0"/>
               <a:buChar char=""/>
             </a:pPr>
+            <a:r>
+              <a:rPr lang="en-US" dirty="0" smtClean="0">
+                <a:solidFill>
+                  <a:schemeClr val="accent1">
+                    <a:lumMod val="75000"/>
+                  </a:schemeClr>
+                </a:solidFill>
+              </a:rPr>
+              <a:t>A sequence of RV is said to be exchangeable if</a:t>
+            </a:r>
+          </a:p>
+          <a:p>
+            <a:endParaRPr lang="en-US" dirty="0">
+              <a:solidFill>
+                <a:srgbClr val="000000"/>
+              </a:solidFill>
+            </a:endParaRPr>
+          </a:p>
+          <a:p>
+            <a:r>
+              <a:rPr lang="en-US" dirty="0">
+                <a:solidFill>
+                  <a:srgbClr val="000000"/>
+                </a:solidFill>
+              </a:rPr>
+              <a:t>	</a:t>
+            </a:r>
+            <a:r>
+              <a:rPr lang="en-US" dirty="0" smtClean="0">
+                <a:solidFill>
+                  <a:srgbClr val="000000"/>
+                </a:solidFill>
+              </a:rPr>
+              <a:t>p</a:t>
+            </a:r>
+            <a:r>
+              <a:rPr lang="en-US" dirty="0" smtClean="0">
+                <a:solidFill>
+                  <a:srgbClr val="000000"/>
+                </a:solidFill>
+              </a:rPr>
+              <a:t>(Y</a:t>
+            </a:r>
+            <a:r>
+              <a:rPr lang="en-US" baseline="-25000" dirty="0" smtClean="0">
+                <a:solidFill>
+                  <a:srgbClr val="000000"/>
+                </a:solidFill>
+              </a:rPr>
+              <a:t>π</a:t>
+            </a:r>
+            <a:r>
+              <a:rPr lang="en-US" sz="1400" baseline="-25000" dirty="0" smtClean="0">
+                <a:solidFill>
+                  <a:srgbClr val="000000"/>
+                </a:solidFill>
+              </a:rPr>
+              <a:t>1</a:t>
+            </a:r>
+            <a:r>
+              <a:rPr lang="en-US" dirty="0" smtClean="0">
+                <a:solidFill>
+                  <a:srgbClr val="000000"/>
+                </a:solidFill>
+              </a:rPr>
+              <a:t>, </a:t>
+            </a:r>
+            <a:r>
+              <a:rPr lang="en-US" dirty="0" smtClean="0">
+                <a:solidFill>
+                  <a:srgbClr val="000000"/>
+                </a:solidFill>
+              </a:rPr>
+              <a:t>Y</a:t>
+            </a:r>
+            <a:r>
+              <a:rPr lang="en-US" baseline="-25000" dirty="0" smtClean="0">
+                <a:solidFill>
+                  <a:srgbClr val="000000"/>
+                </a:solidFill>
+              </a:rPr>
+              <a:t>π</a:t>
+            </a:r>
+            <a:r>
+              <a:rPr lang="en-US" sz="1400" baseline="-25000" dirty="0" smtClean="0">
+                <a:solidFill>
+                  <a:srgbClr val="000000"/>
+                </a:solidFill>
+              </a:rPr>
+              <a:t>2</a:t>
+            </a:r>
+            <a:r>
+              <a:rPr lang="en-US" dirty="0" smtClean="0">
+                <a:solidFill>
+                  <a:srgbClr val="000000"/>
+                </a:solidFill>
+              </a:rPr>
+              <a:t> </a:t>
+            </a:r>
+            <a:r>
+              <a:rPr lang="en-US" dirty="0">
+                <a:solidFill>
+                  <a:srgbClr val="000000"/>
+                </a:solidFill>
+              </a:rPr>
+              <a:t>,…</a:t>
+            </a:r>
+            <a:r>
+              <a:rPr lang="en-US" dirty="0">
+                <a:solidFill>
+                  <a:srgbClr val="000000"/>
+                </a:solidFill>
+              </a:rPr>
+              <a:t>., </a:t>
+            </a:r>
+            <a:r>
+              <a:rPr lang="en-US" dirty="0" smtClean="0">
+                <a:solidFill>
+                  <a:srgbClr val="000000"/>
+                </a:solidFill>
+              </a:rPr>
+              <a:t>Y</a:t>
+            </a:r>
+            <a:r>
+              <a:rPr lang="en-US" baseline="-25000" dirty="0" smtClean="0">
+                <a:solidFill>
+                  <a:srgbClr val="000000"/>
+                </a:solidFill>
+              </a:rPr>
+              <a:t>π</a:t>
+            </a:r>
+            <a:r>
+              <a:rPr lang="en-US" sz="1400" baseline="-25000" dirty="0" smtClean="0">
+                <a:solidFill>
+                  <a:srgbClr val="000000"/>
+                </a:solidFill>
+              </a:rPr>
+              <a:t>N</a:t>
+            </a:r>
+            <a:r>
+              <a:rPr lang="en-US" dirty="0" smtClean="0">
+                <a:solidFill>
+                  <a:srgbClr val="000000"/>
+                </a:solidFill>
+              </a:rPr>
+              <a:t>)  </a:t>
+            </a:r>
+            <a:r>
+              <a:rPr lang="en-US" dirty="0" smtClean="0">
+                <a:solidFill>
+                  <a:schemeClr val="accent1">
+                    <a:lumMod val="75000"/>
+                  </a:schemeClr>
+                </a:solidFill>
+              </a:rPr>
+              <a:t>is the same for any permutation π</a:t>
+            </a:r>
+          </a:p>
+          <a:p>
+            <a:endParaRPr lang="en-US" dirty="0">
+              <a:solidFill>
+                <a:schemeClr val="accent1">
+                  <a:lumMod val="75000"/>
+                </a:schemeClr>
+              </a:solidFill>
+            </a:endParaRPr>
+          </a:p>
+          <a:p>
+            <a:pPr marL="285750" indent="-285750">
+              <a:buFont typeface="Symbol" charset="0"/>
+              <a:buChar char=""/>
+            </a:pPr>
+            <a:r>
+              <a:rPr lang="en-US" dirty="0" smtClean="0">
+                <a:solidFill>
+                  <a:schemeClr val="accent1">
+                    <a:lumMod val="75000"/>
+                  </a:schemeClr>
+                </a:solidFill>
+              </a:rPr>
+              <a:t>Note: sequence of IID RVs are exchangeable (discuss), but the converse is not </a:t>
+            </a:r>
+            <a:r>
+              <a:rPr lang="en-US" dirty="0" smtClean="0">
+                <a:solidFill>
+                  <a:schemeClr val="accent1">
+                    <a:lumMod val="75000"/>
+                  </a:schemeClr>
+                </a:solidFill>
+              </a:rPr>
+              <a:t>TRUE</a:t>
+            </a:r>
+          </a:p>
+          <a:p>
             <a:endParaRPr lang="en-US" dirty="0" smtClean="0">
               <a:solidFill>
                 <a:schemeClr val="accent1">
@@ -12628,6 +10042,25 @@
               <a:buFont typeface="Symbol" charset="0"/>
               <a:buChar char=""/>
             </a:pPr>
+            <a:r>
+              <a:rPr lang="en-US" dirty="0" smtClean="0">
+                <a:solidFill>
+                  <a:schemeClr val="accent1">
+                    <a:lumMod val="75000"/>
+                  </a:schemeClr>
+                </a:solidFill>
+              </a:rPr>
+              <a:t>Importantly, independence is not required for exchangeability (discuss MVN case)</a:t>
+            </a:r>
+            <a:endParaRPr lang="en-US" dirty="0">
+              <a:solidFill>
+                <a:schemeClr val="accent1">
+                  <a:lumMod val="75000"/>
+                </a:schemeClr>
+              </a:solidFill>
+            </a:endParaRPr>
+          </a:p>
+          <a:p>
             <a:endParaRPr lang="en-US" dirty="0" smtClean="0">
               <a:solidFill>
                 <a:schemeClr val="accent1">
@@ -12636,85 +10069,12 @@
               </a:solidFill>
             </a:endParaRPr>
           </a:p>
-          <a:p>
-            <a:endParaRPr lang="en-US" dirty="0">
-              <a:solidFill>
-                <a:schemeClr val="accent1">
-                  <a:lumMod val="75000"/>
-                </a:schemeClr>
-              </a:solidFill>
-            </a:endParaRPr>
-          </a:p>
-          <a:p>
-            <a:pPr marL="285750" indent="-285750">
-              <a:buFont typeface="Symbol" charset="0"/>
-              <a:buChar char=""/>
-            </a:pPr>
-            <a:endParaRPr lang="en-US" dirty="0" smtClean="0">
-              <a:solidFill>
-                <a:schemeClr val="accent1">
-                  <a:lumMod val="75000"/>
-                </a:schemeClr>
-              </a:solidFill>
-            </a:endParaRPr>
-          </a:p>
-          <a:p>
-            <a:pPr marL="285750" indent="-285750">
-              <a:buFont typeface="Symbol" charset="0"/>
-              <a:buChar char=""/>
-            </a:pPr>
-            <a:endParaRPr lang="en-US" dirty="0">
-              <a:solidFill>
-                <a:schemeClr val="accent1">
-                  <a:lumMod val="75000"/>
-                </a:schemeClr>
-              </a:solidFill>
-            </a:endParaRPr>
-          </a:p>
-          <a:p>
-            <a:pPr marL="285750" indent="-285750">
-              <a:buFont typeface="Symbol" charset="0"/>
-              <a:buChar char=""/>
-            </a:pPr>
-            <a:endParaRPr lang="en-US" dirty="0" smtClean="0">
-              <a:solidFill>
-                <a:schemeClr val="accent1">
-                  <a:lumMod val="75000"/>
-                </a:schemeClr>
-              </a:solidFill>
-            </a:endParaRPr>
-          </a:p>
-          <a:p>
-            <a:pPr marL="285750" indent="-285750">
-              <a:buFont typeface="Symbol" charset="0"/>
-              <a:buChar char=""/>
-            </a:pPr>
-            <a:r>
-              <a:rPr lang="en-US" dirty="0" smtClean="0">
-                <a:solidFill>
-                  <a:schemeClr val="accent1">
-                    <a:lumMod val="75000"/>
-                  </a:schemeClr>
-                </a:solidFill>
-              </a:rPr>
-              <a:t>Implication: it provides a basis for formulating models based on conditionally independent distributions, we will use a lot in building Bayesian models.</a:t>
-            </a:r>
-          </a:p>
-          <a:p>
-            <a:endParaRPr lang="en-US" dirty="0">
-              <a:solidFill>
-                <a:schemeClr val="accent1">
-                  <a:lumMod val="75000"/>
-                </a:schemeClr>
-              </a:solidFill>
-            </a:endParaRPr>
-          </a:p>
         </p:txBody>
       </p:sp>
     </p:spTree>
     <p:extLst>
       <p:ext uri="{BB962C8B-B14F-4D97-AF65-F5344CB8AC3E}">
-        <p14:creationId xmlns:p14="http://schemas.microsoft.com/office/powerpoint/2010/main" val="1907678567"/>
+        <p14:creationId xmlns:p14="http://schemas.microsoft.com/office/powerpoint/2010/main" val="4052019240"/>
       </p:ext>
     </p:extLst>
   </p:cSld>
@@ -12833,48 +10193,6 @@
       </p:grpSpPr>
       <p:sp>
         <p:nvSpPr>
-          <p:cNvPr id="2" name="Title 1"/>
-          <p:cNvSpPr>
-            <a:spLocks noGrp="1"/>
-          </p:cNvSpPr>
-          <p:nvPr>
-            <p:ph type="ctrTitle"/>
-          </p:nvPr>
-        </p:nvSpPr>
-        <p:spPr>
-          <a:xfrm>
-            <a:off x="381000" y="0"/>
-            <a:ext cx="7772400" cy="762000"/>
-          </a:xfrm>
-        </p:spPr>
-        <p:txBody>
-          <a:bodyPr>
-            <a:normAutofit/>
-          </a:bodyPr>
-          <a:lstStyle/>
-          <a:p>
-            <a:r>
-              <a:rPr lang="en-US" sz="3200" dirty="0" smtClean="0">
-                <a:solidFill>
-                  <a:schemeClr val="accent2">
-                    <a:lumMod val="75000"/>
-                  </a:schemeClr>
-                </a:solidFill>
-              </a:rPr>
-              <a:t>Common Distributions  of Discrete RV</a:t>
-            </a:r>
-            <a:endParaRPr lang="en-US" sz="3200" dirty="0">
-              <a:solidFill>
-                <a:schemeClr val="accent2">
-                  <a:lumMod val="75000"/>
-                </a:schemeClr>
-              </a:solidFill>
-            </a:endParaRPr>
-          </a:p>
-        </p:txBody>
-      </p:sp>
-      <p:sp>
-        <p:nvSpPr>
           <p:cNvPr id="4" name="Footer Placeholder 3"/>
           <p:cNvSpPr>
             <a:spLocks noGrp="1"/>
@@ -12904,379 +10222,34 @@
           </a:p>
         </p:txBody>
       </p:sp>
-      <p:sp>
-        <p:nvSpPr>
-          <p:cNvPr id="6" name="TextBox 5"/>
-          <p:cNvSpPr txBox="1"/>
+      <p:pic>
+        <p:nvPicPr>
+          <p:cNvPr id="5" name="Picture 4"/>
+          <p:cNvPicPr>
+            <a:picLocks noChangeAspect="1"/>
+          </p:cNvPicPr>
           <p:nvPr/>
-        </p:nvSpPr>
+        </p:nvPicPr>
+        <p:blipFill>
+          <a:blip r:embed="rId3"/>
+          <a:stretch>
+            <a:fillRect/>
+          </a:stretch>
+        </p:blipFill>
         <p:spPr>
           <a:xfrm>
-            <a:off x="304800" y="692288"/>
-            <a:ext cx="8458200" cy="5632312"/>
+            <a:off x="342900" y="177800"/>
+            <a:ext cx="8458200" cy="6489700"/>
           </a:xfrm>
           <a:prstGeom prst="rect">
             <a:avLst/>
           </a:prstGeom>
-          <a:noFill/>
-          <a:ln>
-            <a:solidFill>
-              <a:srgbClr val="800000"/>
-            </a:solidFill>
-            <a:prstDash val="sysDash"/>
-          </a:ln>
         </p:spPr>
-        <p:txBody>
-          <a:bodyPr wrap="square" rtlCol="0">
-            <a:spAutoFit/>
-          </a:bodyPr>
-          <a:lstStyle/>
-          <a:p>
-            <a:endParaRPr lang="en-US" dirty="0" smtClean="0">
-              <a:solidFill>
-                <a:schemeClr val="accent1">
-                  <a:lumMod val="75000"/>
-                </a:schemeClr>
-              </a:solidFill>
-            </a:endParaRPr>
-          </a:p>
-          <a:p>
-            <a:endParaRPr lang="en-US" dirty="0">
-              <a:solidFill>
-                <a:schemeClr val="accent1">
-                  <a:lumMod val="75000"/>
-                </a:schemeClr>
-              </a:solidFill>
-            </a:endParaRPr>
-          </a:p>
-          <a:p>
-            <a:endParaRPr lang="en-US" dirty="0" smtClean="0">
-              <a:solidFill>
-                <a:schemeClr val="accent1">
-                  <a:lumMod val="75000"/>
-                </a:schemeClr>
-              </a:solidFill>
-            </a:endParaRPr>
-          </a:p>
-          <a:p>
-            <a:endParaRPr lang="en-US" dirty="0">
-              <a:solidFill>
-                <a:schemeClr val="accent1">
-                  <a:lumMod val="75000"/>
-                </a:schemeClr>
-              </a:solidFill>
-            </a:endParaRPr>
-          </a:p>
-          <a:p>
-            <a:endParaRPr lang="en-US" dirty="0" smtClean="0">
-              <a:solidFill>
-                <a:schemeClr val="accent1">
-                  <a:lumMod val="75000"/>
-                </a:schemeClr>
-              </a:solidFill>
-            </a:endParaRPr>
-          </a:p>
-          <a:p>
-            <a:endParaRPr lang="en-US" dirty="0">
-              <a:solidFill>
-                <a:schemeClr val="accent1">
-                  <a:lumMod val="75000"/>
-                </a:schemeClr>
-              </a:solidFill>
-            </a:endParaRPr>
-          </a:p>
-          <a:p>
-            <a:endParaRPr lang="en-US" dirty="0" smtClean="0">
-              <a:solidFill>
-                <a:schemeClr val="accent1">
-                  <a:lumMod val="75000"/>
-                </a:schemeClr>
-              </a:solidFill>
-            </a:endParaRPr>
-          </a:p>
-          <a:p>
-            <a:endParaRPr lang="en-US" dirty="0">
-              <a:solidFill>
-                <a:schemeClr val="accent1">
-                  <a:lumMod val="75000"/>
-                </a:schemeClr>
-              </a:solidFill>
-            </a:endParaRPr>
-          </a:p>
-          <a:p>
-            <a:endParaRPr lang="en-US" dirty="0" smtClean="0">
-              <a:solidFill>
-                <a:schemeClr val="accent1">
-                  <a:lumMod val="75000"/>
-                </a:schemeClr>
-              </a:solidFill>
-            </a:endParaRPr>
-          </a:p>
-          <a:p>
-            <a:endParaRPr lang="en-US" dirty="0">
-              <a:solidFill>
-                <a:schemeClr val="accent1">
-                  <a:lumMod val="75000"/>
-                </a:schemeClr>
-              </a:solidFill>
-            </a:endParaRPr>
-          </a:p>
-          <a:p>
-            <a:endParaRPr lang="en-US" dirty="0" smtClean="0">
-              <a:solidFill>
-                <a:schemeClr val="accent1">
-                  <a:lumMod val="75000"/>
-                </a:schemeClr>
-              </a:solidFill>
-            </a:endParaRPr>
-          </a:p>
-          <a:p>
-            <a:endParaRPr lang="en-US" dirty="0">
-              <a:solidFill>
-                <a:schemeClr val="accent1">
-                  <a:lumMod val="75000"/>
-                </a:schemeClr>
-              </a:solidFill>
-            </a:endParaRPr>
-          </a:p>
-          <a:p>
-            <a:endParaRPr lang="en-US" dirty="0" smtClean="0">
-              <a:solidFill>
-                <a:schemeClr val="accent1">
-                  <a:lumMod val="75000"/>
-                </a:schemeClr>
-              </a:solidFill>
-            </a:endParaRPr>
-          </a:p>
-          <a:p>
-            <a:endParaRPr lang="en-US" dirty="0">
-              <a:solidFill>
-                <a:schemeClr val="accent1">
-                  <a:lumMod val="75000"/>
-                </a:schemeClr>
-              </a:solidFill>
-            </a:endParaRPr>
-          </a:p>
-          <a:p>
-            <a:endParaRPr lang="en-US" dirty="0" smtClean="0">
-              <a:solidFill>
-                <a:schemeClr val="accent1">
-                  <a:lumMod val="75000"/>
-                </a:schemeClr>
-              </a:solidFill>
-            </a:endParaRPr>
-          </a:p>
-          <a:p>
-            <a:endParaRPr lang="en-US" dirty="0">
-              <a:solidFill>
-                <a:schemeClr val="accent1">
-                  <a:lumMod val="75000"/>
-                </a:schemeClr>
-              </a:solidFill>
-            </a:endParaRPr>
-          </a:p>
-          <a:p>
-            <a:endParaRPr lang="en-US" dirty="0" smtClean="0">
-              <a:solidFill>
-                <a:schemeClr val="accent1">
-                  <a:lumMod val="75000"/>
-                </a:schemeClr>
-              </a:solidFill>
-            </a:endParaRPr>
-          </a:p>
-          <a:p>
-            <a:endParaRPr lang="en-US" dirty="0">
-              <a:solidFill>
-                <a:schemeClr val="accent1">
-                  <a:lumMod val="75000"/>
-                </a:schemeClr>
-              </a:solidFill>
-            </a:endParaRPr>
-          </a:p>
-          <a:p>
-            <a:endParaRPr lang="en-US" dirty="0" smtClean="0">
-              <a:solidFill>
-                <a:schemeClr val="accent1">
-                  <a:lumMod val="75000"/>
-                </a:schemeClr>
-              </a:solidFill>
-            </a:endParaRPr>
-          </a:p>
-          <a:p>
-            <a:endParaRPr lang="en-US" dirty="0" smtClean="0">
-              <a:solidFill>
-                <a:schemeClr val="accent1">
-                  <a:lumMod val="75000"/>
-                </a:schemeClr>
-              </a:solidFill>
-            </a:endParaRPr>
-          </a:p>
-        </p:txBody>
-      </p:sp>
-      <p:graphicFrame>
-        <p:nvGraphicFramePr>
-          <p:cNvPr id="3" name="Object 2"/>
-          <p:cNvGraphicFramePr>
-            <a:graphicFrameLocks noChangeAspect="1"/>
-          </p:cNvGraphicFramePr>
-          <p:nvPr>
-            <p:extLst>
-              <p:ext uri="{D42A27DB-BD31-4B8C-83A1-F6EECF244321}">
-                <p14:modId xmlns:p14="http://schemas.microsoft.com/office/powerpoint/2010/main" val="3878680062"/>
-              </p:ext>
-            </p:extLst>
-          </p:nvPr>
-        </p:nvGraphicFramePr>
-        <p:xfrm>
-          <a:off x="1066800" y="2057400"/>
-          <a:ext cx="3030537" cy="533400"/>
-        </p:xfrm>
-        <a:graphic>
-          <a:graphicData uri="http://schemas.openxmlformats.org/presentationml/2006/ole">
-            <mc:AlternateContent xmlns:mc="http://schemas.openxmlformats.org/markup-compatibility/2006">
-              <mc:Choice xmlns:v="urn:schemas-microsoft-com:vml" Requires="v">
-                <p:oleObj spid="_x0000_s1049" name="Equation" r:id="rId4" imgW="1587500" imgH="279400" progId="Equation.3">
-                  <p:embed/>
-                </p:oleObj>
-              </mc:Choice>
-              <mc:Fallback>
-                <p:oleObj name="Equation" r:id="rId4" imgW="1587500" imgH="279400" progId="Equation.3">
-                  <p:embed/>
-                  <p:pic>
-                    <p:nvPicPr>
-                      <p:cNvPr id="0" name=""/>
-                      <p:cNvPicPr/>
-                      <p:nvPr/>
-                    </p:nvPicPr>
-                    <p:blipFill>
-                      <a:blip r:embed="rId5"/>
-                      <a:stretch>
-                        <a:fillRect/>
-                      </a:stretch>
-                    </p:blipFill>
-                    <p:spPr>
-                      <a:xfrm>
-                        <a:off x="1066800" y="2057400"/>
-                        <a:ext cx="3030537" cy="533400"/>
-                      </a:xfrm>
-                      <a:prstGeom prst="rect">
-                        <a:avLst/>
-                      </a:prstGeom>
-                    </p:spPr>
-                  </p:pic>
-                </p:oleObj>
-              </mc:Fallback>
-            </mc:AlternateContent>
-          </a:graphicData>
-        </a:graphic>
-      </p:graphicFrame>
-      <p:sp>
-        <p:nvSpPr>
-          <p:cNvPr id="5" name="TextBox 4"/>
-          <p:cNvSpPr txBox="1"/>
-          <p:nvPr/>
-        </p:nvSpPr>
-        <p:spPr>
-          <a:xfrm>
-            <a:off x="990600" y="990600"/>
-            <a:ext cx="5943600" cy="830997"/>
-          </a:xfrm>
-          <a:prstGeom prst="rect">
-            <a:avLst/>
-          </a:prstGeom>
-          <a:noFill/>
-        </p:spPr>
-        <p:txBody>
-          <a:bodyPr wrap="square" rtlCol="0">
-            <a:spAutoFit/>
-          </a:bodyPr>
-          <a:lstStyle/>
-          <a:p>
-            <a:r>
-              <a:rPr lang="en-US" sz="2400" u="sng" dirty="0" smtClean="0">
-                <a:solidFill>
-                  <a:schemeClr val="tx2"/>
-                </a:solidFill>
-              </a:rPr>
-              <a:t>Bernoulli: </a:t>
-            </a:r>
-            <a:r>
-              <a:rPr lang="en-US" sz="2400" dirty="0" smtClean="0">
-                <a:solidFill>
-                  <a:schemeClr val="tx2"/>
-                </a:solidFill>
-              </a:rPr>
-              <a:t>outcome of an experiment with two possible 	  outcomes (0/1)</a:t>
-            </a:r>
-            <a:endParaRPr lang="en-US" sz="2400" dirty="0">
-              <a:solidFill>
-                <a:schemeClr val="tx2"/>
-              </a:solidFill>
-            </a:endParaRPr>
-          </a:p>
-        </p:txBody>
-      </p:sp>
-      <p:graphicFrame>
-        <p:nvGraphicFramePr>
-          <p:cNvPr id="7" name="Object 6"/>
-          <p:cNvGraphicFramePr>
-            <a:graphicFrameLocks noChangeAspect="1"/>
-          </p:cNvGraphicFramePr>
-          <p:nvPr>
-            <p:extLst>
-              <p:ext uri="{D42A27DB-BD31-4B8C-83A1-F6EECF244321}">
-                <p14:modId xmlns:p14="http://schemas.microsoft.com/office/powerpoint/2010/main" val="2029673787"/>
-              </p:ext>
-            </p:extLst>
-          </p:nvPr>
-        </p:nvGraphicFramePr>
-        <p:xfrm>
-          <a:off x="1219200" y="3200400"/>
-          <a:ext cx="1793875" cy="873125"/>
-        </p:xfrm>
-        <a:graphic>
-          <a:graphicData uri="http://schemas.openxmlformats.org/presentationml/2006/ole">
-            <mc:AlternateContent xmlns:mc="http://schemas.openxmlformats.org/markup-compatibility/2006">
-              <mc:Choice xmlns:v="urn:schemas-microsoft-com:vml" Requires="v">
-                <p:oleObj spid="_x0000_s1050" name="Equation" r:id="rId6" imgW="939800" imgH="457200" progId="Equation.3">
-                  <p:embed/>
-                </p:oleObj>
-              </mc:Choice>
-              <mc:Fallback>
-                <p:oleObj name="Equation" r:id="rId6" imgW="939800" imgH="457200" progId="Equation.3">
-                  <p:embed/>
-                  <p:pic>
-                    <p:nvPicPr>
-                      <p:cNvPr id="0" name=""/>
-                      <p:cNvPicPr/>
-                      <p:nvPr/>
-                    </p:nvPicPr>
-                    <p:blipFill>
-                      <a:blip r:embed="rId7"/>
-                      <a:stretch>
-                        <a:fillRect/>
-                      </a:stretch>
-                    </p:blipFill>
-                    <p:spPr>
-                      <a:xfrm>
-                        <a:off x="1219200" y="3200400"/>
-                        <a:ext cx="1793875" cy="873125"/>
-                      </a:xfrm>
-                      <a:prstGeom prst="rect">
-                        <a:avLst/>
-                      </a:prstGeom>
-                    </p:spPr>
-                  </p:pic>
-                </p:oleObj>
-              </mc:Fallback>
-            </mc:AlternateContent>
-          </a:graphicData>
-        </a:graphic>
-      </p:graphicFrame>
+      </p:pic>
     </p:spTree>
     <p:extLst>
       <p:ext uri="{BB962C8B-B14F-4D97-AF65-F5344CB8AC3E}">
-        <p14:creationId xmlns:p14="http://schemas.microsoft.com/office/powerpoint/2010/main" val="3154603260"/>
+        <p14:creationId xmlns:p14="http://schemas.microsoft.com/office/powerpoint/2010/main" val="1907678567"/>
       </p:ext>
     </p:extLst>
   </p:cSld>
@@ -13286,92 +10259,9 @@
   <p:timing>
     <p:tnLst>
       <p:par>
-        <p:cTn xmlns:p14="http://schemas.microsoft.com/office/powerpoint/2010/main" id="1" dur="indefinite" restart="never" nodeType="tmRoot">
-          <p:childTnLst>
-            <p:seq concurrent="1" nextAc="seek">
-              <p:cTn id="2" dur="indefinite" nodeType="mainSeq">
-                <p:childTnLst>
-                  <p:par>
-                    <p:cTn id="3" fill="hold">
-                      <p:stCondLst>
-                        <p:cond delay="indefinite"/>
-                      </p:stCondLst>
-                      <p:childTnLst>
-                        <p:par>
-                          <p:cTn id="4" fill="hold">
-                            <p:stCondLst>
-                              <p:cond delay="0"/>
-                            </p:stCondLst>
-                            <p:childTnLst>
-                              <p:par>
-                                <p:cTn id="5" presetID="3" presetClass="entr" presetSubtype="10" fill="hold" grpId="0" nodeType="clickEffect">
-                                  <p:stCondLst>
-                                    <p:cond delay="0"/>
-                                  </p:stCondLst>
-                                  <p:childTnLst>
-                                    <p:set>
-                                      <p:cBhvr>
-                                        <p:cTn id="6" dur="1" fill="hold">
-                                          <p:stCondLst>
-                                            <p:cond delay="0"/>
-                                          </p:stCondLst>
-                                        </p:cTn>
-                                        <p:tgtEl>
-                                          <p:spTgt spid="6">
-                                            <p:bg/>
-                                          </p:spTgt>
-                                        </p:tgtEl>
-                                        <p:attrNameLst>
-                                          <p:attrName>style.visibility</p:attrName>
-                                        </p:attrNameLst>
-                                      </p:cBhvr>
-                                      <p:to>
-                                        <p:strVal val="visible"/>
-                                      </p:to>
-                                    </p:set>
-                                    <p:animEffect transition="in" filter="blinds(horizontal)">
-                                      <p:cBhvr>
-                                        <p:cTn id="7" dur="500"/>
-                                        <p:tgtEl>
-                                          <p:spTgt spid="6">
-                                            <p:bg/>
-                                          </p:spTgt>
-                                        </p:tgtEl>
-                                      </p:cBhvr>
-                                    </p:animEffect>
-                                  </p:childTnLst>
-                                </p:cTn>
-                              </p:par>
-                            </p:childTnLst>
-                          </p:cTn>
-                        </p:par>
-                      </p:childTnLst>
-                    </p:cTn>
-                  </p:par>
-                </p:childTnLst>
-              </p:cTn>
-              <p:prevCondLst>
-                <p:cond evt="onPrev" delay="0">
-                  <p:tgtEl>
-                    <p:sldTgt/>
-                  </p:tgtEl>
-                </p:cond>
-              </p:prevCondLst>
-              <p:nextCondLst>
-                <p:cond evt="onNext" delay="0">
-                  <p:tgtEl>
-                    <p:sldTgt/>
-                  </p:tgtEl>
-                </p:cond>
-              </p:nextCondLst>
-            </p:seq>
-          </p:childTnLst>
-        </p:cTn>
+        <p:cTn xmlns:p14="http://schemas.microsoft.com/office/powerpoint/2010/main" id="1" dur="indefinite" restart="never" nodeType="tmRoot"/>
       </p:par>
     </p:tnLst>
-    <p:bldLst>
-      <p:bldP spid="6" grpId="0" build="p" bldLvl="2" animBg="1"/>
-    </p:bldLst>
   </p:timing>
 </p:sld>
 </file>

--- a/STT465_2.pptx
+++ b/STT465_2.pptx
@@ -4314,17 +4314,7 @@
                   </a:schemeClr>
                 </a:solidFill>
               </a:rPr>
-              <a:t>Belief, probability, independence, conditional independence, </a:t>
-            </a:r>
-            <a:r>
-              <a:rPr lang="en-US" sz="3200" dirty="0" smtClean="0">
-                <a:solidFill>
-                  <a:schemeClr val="accent2">
-                    <a:lumMod val="75000"/>
-                  </a:schemeClr>
-                </a:solidFill>
-              </a:rPr>
-              <a:t>exchangeability</a:t>
+              <a:t>Belief, probability, independence, conditional independence, exchangeability</a:t>
             </a:r>
             <a:br>
               <a:rPr lang="en-US" sz="3200" dirty="0" smtClean="0">
@@ -5197,7 +5187,7 @@
                   </a:schemeClr>
                 </a:solidFill>
               </a:rPr>
-              <a:t>)=P(</a:t>
+              <a:t>)</a:t>
             </a:r>
             <a:r>
               <a:rPr lang="en-US" dirty="0" smtClean="0">
@@ -5207,7 +5197,17 @@
                   </a:schemeClr>
                 </a:solidFill>
               </a:rPr>
-              <a:t>A)P(A|B) + P(Not B)</a:t>
+              <a:t>=P</a:t>
+            </a:r>
+            <a:r>
+              <a:rPr lang="en-US" dirty="0" smtClean="0">
+                <a:solidFill>
+                  <a:schemeClr val="accent1">
+                    <a:lumMod val="75000"/>
+                  </a:schemeClr>
+                </a:solidFill>
+              </a:rPr>
+              <a:t>(A|B</a:t>
             </a:r>
             <a:r>
               <a:rPr lang="en-US" dirty="0">
@@ -5217,7 +5217,7 @@
                   </a:schemeClr>
                 </a:solidFill>
               </a:rPr>
-              <a:t>P</a:t>
+              <a:t>) P(B) </a:t>
             </a:r>
             <a:r>
               <a:rPr lang="en-US" dirty="0" smtClean="0">
@@ -5227,7 +5227,17 @@
                   </a:schemeClr>
                 </a:solidFill>
               </a:rPr>
-              <a:t>(</a:t>
+              <a:t>+</a:t>
+            </a:r>
+            <a:r>
+              <a:rPr lang="en-US" dirty="0" smtClean="0">
+                <a:solidFill>
+                  <a:schemeClr val="accent1">
+                    <a:lumMod val="75000"/>
+                  </a:schemeClr>
+                </a:solidFill>
+              </a:rPr>
+              <a:t>P(</a:t>
             </a:r>
             <a:r>
               <a:rPr lang="en-US" dirty="0" err="1">
@@ -5237,28 +5247,75 @@
                   </a:schemeClr>
                 </a:solidFill>
               </a:rPr>
+              <a:t>A</a:t>
+            </a:r>
+            <a:r>
+              <a:rPr lang="en-US" dirty="0" err="1" smtClean="0">
+                <a:solidFill>
+                  <a:schemeClr val="accent1">
+                    <a:lumMod val="75000"/>
+                  </a:schemeClr>
+                </a:solidFill>
+              </a:rPr>
+              <a:t>|</a:t>
+            </a:r>
+            <a:r>
+              <a:rPr lang="en-US" dirty="0" err="1" smtClean="0">
+                <a:solidFill>
+                  <a:schemeClr val="accent1">
+                    <a:lumMod val="75000"/>
+                  </a:schemeClr>
+                </a:solidFill>
+              </a:rPr>
+              <a:t>Not</a:t>
+            </a:r>
+            <a:r>
+              <a:rPr lang="en-US" dirty="0" smtClean="0">
+                <a:solidFill>
+                  <a:schemeClr val="accent1">
+                    <a:lumMod val="75000"/>
+                  </a:schemeClr>
+                </a:solidFill>
+              </a:rPr>
+              <a:t> </a:t>
+            </a:r>
+            <a:r>
+              <a:rPr lang="en-US" dirty="0">
+                <a:solidFill>
+                  <a:schemeClr val="accent1">
+                    <a:lumMod val="75000"/>
+                  </a:schemeClr>
+                </a:solidFill>
+              </a:rPr>
               <a:t>B</a:t>
             </a:r>
             <a:r>
-              <a:rPr lang="en-US" dirty="0" err="1" smtClean="0">
+              <a:rPr lang="en-US" dirty="0" smtClean="0">
                 <a:solidFill>
                   <a:schemeClr val="accent1">
                     <a:lumMod val="75000"/>
                   </a:schemeClr>
                 </a:solidFill>
               </a:rPr>
-              <a:t>|Not</a:t>
-            </a:r>
-            <a:r>
-              <a:rPr lang="en-US" dirty="0" smtClean="0">
+              <a:t>)P</a:t>
+            </a:r>
+            <a:r>
+              <a:rPr lang="en-US" dirty="0">
                 <a:solidFill>
                   <a:schemeClr val="accent1">
                     <a:lumMod val="75000"/>
                   </a:schemeClr>
                 </a:solidFill>
               </a:rPr>
-              <a:t> A)</a:t>
-            </a:r>
+              <a:t>(Not B)</a:t>
+            </a:r>
+            <a:endParaRPr lang="en-US" dirty="0" smtClean="0">
+              <a:solidFill>
+                <a:schemeClr val="accent1">
+                  <a:lumMod val="75000"/>
+                </a:schemeClr>
+              </a:solidFill>
+            </a:endParaRPr>
           </a:p>
           <a:p>
             <a:pPr marL="285750" indent="-285750">
@@ -6697,18 +6754,7 @@
                   </a:schemeClr>
                 </a:solidFill>
               </a:rPr>
-              <a:t>(4) The joint probability of disease and genotypes, p(D,G</a:t>
-            </a:r>
-            <a:r>
-              <a:rPr lang="en-US" dirty="0" smtClean="0">
-                <a:solidFill>
-                  <a:schemeClr val="tx1">
-                    <a:lumMod val="65000"/>
-                    <a:lumOff val="35000"/>
-                  </a:schemeClr>
-                </a:solidFill>
-              </a:rPr>
-              <a:t>)</a:t>
+              <a:t>(4) The joint probability of disease and genotypes, p(D,G)</a:t>
             </a:r>
           </a:p>
           <a:p>
@@ -8011,7 +8057,7 @@
         <p:spPr>
           <a:xfrm>
             <a:off x="457200" y="762000"/>
-            <a:ext cx="8229600" cy="5355313"/>
+            <a:ext cx="8382000" cy="5909311"/>
           </a:xfrm>
           <a:prstGeom prst="rect">
             <a:avLst/>
@@ -8030,6 +8076,88 @@
           </a:bodyPr>
           <a:lstStyle/>
           <a:p>
+            <a:endParaRPr lang="en-US" dirty="0">
+              <a:solidFill>
+                <a:schemeClr val="accent1">
+                  <a:lumMod val="75000"/>
+                </a:schemeClr>
+              </a:solidFill>
+            </a:endParaRPr>
+          </a:p>
+          <a:p>
+            <a:pPr marL="285750" indent="-285750">
+              <a:buFont typeface="Symbol" charset="0"/>
+              <a:buChar char=""/>
+            </a:pPr>
+            <a:r>
+              <a:rPr lang="en-US" dirty="0" smtClean="0">
+                <a:solidFill>
+                  <a:schemeClr val="accent1">
+                    <a:lumMod val="75000"/>
+                  </a:schemeClr>
+                </a:solidFill>
+              </a:rPr>
+              <a:t>Goal: to make statements about the genotype</a:t>
+            </a:r>
+          </a:p>
+          <a:p>
+            <a:r>
+              <a:rPr lang="en-US" dirty="0">
+                <a:solidFill>
+                  <a:schemeClr val="accent1">
+                    <a:lumMod val="75000"/>
+                  </a:schemeClr>
+                </a:solidFill>
+              </a:rPr>
+              <a:t> </a:t>
+            </a:r>
+            <a:r>
+              <a:rPr lang="en-US" dirty="0" smtClean="0">
+                <a:solidFill>
+                  <a:schemeClr val="accent1">
+                    <a:lumMod val="75000"/>
+                  </a:schemeClr>
+                </a:solidFill>
+              </a:rPr>
+              <a:t>                of one of the parents given the phenotype</a:t>
+            </a:r>
+          </a:p>
+          <a:p>
+            <a:r>
+              <a:rPr lang="en-US" dirty="0">
+                <a:solidFill>
+                  <a:schemeClr val="accent1">
+                    <a:lumMod val="75000"/>
+                  </a:schemeClr>
+                </a:solidFill>
+              </a:rPr>
+              <a:t> </a:t>
+            </a:r>
+            <a:r>
+              <a:rPr lang="en-US" dirty="0" smtClean="0">
+                <a:solidFill>
+                  <a:schemeClr val="accent1">
+                    <a:lumMod val="75000"/>
+                  </a:schemeClr>
+                </a:solidFill>
+              </a:rPr>
+              <a:t>                of one or more offspring.</a:t>
+            </a:r>
+          </a:p>
+          <a:p>
+            <a:pPr marL="285750" indent="-285750">
+              <a:buFont typeface="Symbol" charset="0"/>
+              <a:buChar char=""/>
+            </a:pPr>
+            <a:endParaRPr lang="en-US" dirty="0">
+              <a:solidFill>
+                <a:schemeClr val="accent1">
+                  <a:lumMod val="75000"/>
+                </a:schemeClr>
+              </a:solidFill>
+            </a:endParaRPr>
+          </a:p>
+          <a:p>
             <a:pPr marL="285750" indent="-285750">
               <a:buFont typeface="Symbol" charset="0"/>
               <a:buChar char=""/>
@@ -8056,10 +8184,41 @@
             </a:endParaRPr>
           </a:p>
           <a:p>
+            <a:endParaRPr lang="en-US" dirty="0" smtClean="0">
+              <a:solidFill>
+                <a:schemeClr val="accent1">
+                  <a:lumMod val="75000"/>
+                </a:schemeClr>
+              </a:solidFill>
+            </a:endParaRPr>
+          </a:p>
+          <a:p>
+            <a:endParaRPr lang="en-US" dirty="0">
+              <a:solidFill>
+                <a:schemeClr val="accent1">
+                  <a:lumMod val="75000"/>
+                </a:schemeClr>
+              </a:solidFill>
+            </a:endParaRPr>
+          </a:p>
+          <a:p>
             <a:pPr marL="285750" indent="-285750">
               <a:buFont typeface="Symbol" charset="0"/>
               <a:buChar char=""/>
             </a:pPr>
+            <a:endParaRPr lang="en-US" dirty="0" smtClean="0">
+              <a:solidFill>
+                <a:schemeClr val="accent1">
+                  <a:lumMod val="75000"/>
+                </a:schemeClr>
+              </a:solidFill>
+            </a:endParaRPr>
+          </a:p>
+          <a:p>
+            <a:pPr marL="285750" indent="-285750">
+              <a:buFont typeface="Symbol" charset="0"/>
+              <a:buChar char=""/>
+            </a:pPr>
             <a:r>
               <a:rPr lang="en-US" dirty="0" smtClean="0">
                 <a:solidFill>
@@ -8068,19 +8227,17 @@
                   </a:schemeClr>
                 </a:solidFill>
               </a:rPr>
-              <a:t>Goal: to make statements about the genotype</a:t>
-            </a:r>
-          </a:p>
-          <a:p>
-            <a:r>
-              <a:rPr lang="en-US" dirty="0">
+              <a:t>Compute the probability that a parent is a carrier given that the first offspring is healthy p(G</a:t>
+            </a:r>
+            <a:r>
+              <a:rPr lang="en-US" baseline="-25000" dirty="0" smtClean="0">
                 <a:solidFill>
                   <a:schemeClr val="accent1">
                     <a:lumMod val="75000"/>
                   </a:schemeClr>
                 </a:solidFill>
               </a:rPr>
-              <a:t> </a:t>
+              <a:t>0</a:t>
             </a:r>
             <a:r>
               <a:rPr lang="en-US" dirty="0" smtClean="0">
@@ -8090,19 +8247,17 @@
                   </a:schemeClr>
                 </a:solidFill>
               </a:rPr>
-              <a:t>                of one of the parents given the phenotype</a:t>
-            </a:r>
-          </a:p>
-          <a:p>
-            <a:r>
-              <a:rPr lang="en-US" dirty="0">
+              <a:t>=AB|O</a:t>
+            </a:r>
+            <a:r>
+              <a:rPr lang="en-US" baseline="-25000" dirty="0" smtClean="0">
                 <a:solidFill>
                   <a:schemeClr val="accent1">
                     <a:lumMod val="75000"/>
                   </a:schemeClr>
                 </a:solidFill>
               </a:rPr>
-              <a:t> </a:t>
+              <a:t>1</a:t>
             </a:r>
             <a:r>
               <a:rPr lang="en-US" dirty="0" smtClean="0">
@@ -8112,8 +8267,25 @@
                   </a:schemeClr>
                 </a:solidFill>
               </a:rPr>
-              <a:t>                of one or more offspring.</a:t>
-            </a:r>
+              <a:t>=H</a:t>
+            </a:r>
+            <a:r>
+              <a:rPr lang="en-US" dirty="0" smtClean="0">
+                <a:solidFill>
+                  <a:schemeClr val="accent1">
+                    <a:lumMod val="75000"/>
+                  </a:schemeClr>
+                </a:solidFill>
+              </a:rPr>
+              <a:t>) </a:t>
+            </a:r>
+            <a:endParaRPr lang="en-US" dirty="0" smtClean="0">
+              <a:solidFill>
+                <a:schemeClr val="accent1">
+                  <a:lumMod val="75000"/>
+                </a:schemeClr>
+              </a:solidFill>
+            </a:endParaRPr>
           </a:p>
           <a:p>
             <a:pPr marL="285750" indent="-285750">
@@ -8133,13 +8305,26 @@
               <a:buFont typeface="Symbol" charset="0"/>
               <a:buChar char=""/>
             </a:pPr>
-            <a:endParaRPr lang="en-US" dirty="0" smtClean="0">
-              <a:solidFill>
-                <a:schemeClr val="accent1">
-                  <a:lumMod val="75000"/>
-                </a:schemeClr>
-              </a:solidFill>
-            </a:endParaRPr>
+            <a:r>
+              <a:rPr lang="en-US" dirty="0" smtClean="0">
+                <a:solidFill>
+                  <a:schemeClr val="accent1">
+                    <a:lumMod val="75000"/>
+                  </a:schemeClr>
+                </a:solidFill>
+              </a:rPr>
+              <a:t>Ho would that probability be updated if you know that the second offspring is also healthy</a:t>
+            </a:r>
+            <a:r>
+              <a:rPr lang="en-US" dirty="0" smtClean="0">
+                <a:solidFill>
+                  <a:schemeClr val="accent1">
+                    <a:lumMod val="75000"/>
+                  </a:schemeClr>
+                </a:solidFill>
+              </a:rPr>
+              <a:t>? Hint: you can assume conditional independence; therefore,  </a:t>
+            </a:r>
           </a:p>
           <a:p>
             <a:pPr marL="285750" indent="-285750">
@@ -8155,24 +8340,6 @@
             </a:endParaRPr>
           </a:p>
           <a:p>
-            <a:endParaRPr lang="en-US" dirty="0" smtClean="0">
-              <a:solidFill>
-                <a:schemeClr val="accent1">
-                  <a:lumMod val="75000"/>
-                </a:schemeClr>
-              </a:solidFill>
-            </a:endParaRPr>
-          </a:p>
-          <a:p>
-            <a:endParaRPr lang="en-US" dirty="0">
-              <a:solidFill>
-                <a:schemeClr val="accent1">
-                  <a:lumMod val="75000"/>
-                </a:schemeClr>
-              </a:solidFill>
-            </a:endParaRPr>
-          </a:p>
-          <a:p>
             <a:pPr marL="285750" indent="-285750">
               <a:buFont typeface="Symbol" charset="0"/>
               <a:buChar char=""/>
@@ -8186,10 +8353,16 @@
             </a:endParaRPr>
           </a:p>
           <a:p>
-            <a:pPr marL="285750" indent="-285750">
-              <a:buFont typeface="Symbol" charset="0"/>
-              <a:buChar char=""/>
-            </a:pPr>
+            <a:r>
+              <a:rPr lang="en-US" dirty="0">
+                <a:solidFill>
+                  <a:schemeClr val="accent1">
+                    <a:lumMod val="75000"/>
+                  </a:schemeClr>
+                </a:solidFill>
+              </a:rPr>
+              <a:t> </a:t>
+            </a:r>
             <a:r>
               <a:rPr lang="en-US" dirty="0" smtClean="0">
                 <a:solidFill>
@@ -8198,54 +8371,10 @@
                   </a:schemeClr>
                 </a:solidFill>
               </a:rPr>
-              <a:t>Compute the probability that a parent is a carrier given that the first offspring is healthy p(G</a:t>
-            </a:r>
-            <a:r>
-              <a:rPr lang="en-US" baseline="-25000" dirty="0" smtClean="0">
-                <a:solidFill>
-                  <a:schemeClr val="accent1">
-                    <a:lumMod val="75000"/>
-                  </a:schemeClr>
-                </a:solidFill>
-              </a:rPr>
-              <a:t>0</a:t>
-            </a:r>
-            <a:r>
-              <a:rPr lang="en-US" dirty="0" smtClean="0">
-                <a:solidFill>
-                  <a:schemeClr val="accent1">
-                    <a:lumMod val="75000"/>
-                  </a:schemeClr>
-                </a:solidFill>
-              </a:rPr>
-              <a:t>=AB|O</a:t>
-            </a:r>
-            <a:r>
-              <a:rPr lang="en-US" baseline="-25000" dirty="0" smtClean="0">
-                <a:solidFill>
-                  <a:schemeClr val="accent1">
-                    <a:lumMod val="75000"/>
-                  </a:schemeClr>
-                </a:solidFill>
-              </a:rPr>
-              <a:t>1</a:t>
-            </a:r>
-            <a:r>
-              <a:rPr lang="en-US" dirty="0" smtClean="0">
-                <a:solidFill>
-                  <a:schemeClr val="accent1">
-                    <a:lumMod val="75000"/>
-                  </a:schemeClr>
-                </a:solidFill>
-              </a:rPr>
-              <a:t>=H)</a:t>
-            </a:r>
-          </a:p>
-          <a:p>
-            <a:pPr marL="285750" indent="-285750">
-              <a:buFont typeface="Symbol" charset="0"/>
-              <a:buChar char=""/>
-            </a:pPr>
+              <a:t>         </a:t>
+            </a:r>
+          </a:p>
+          <a:p>
             <a:endParaRPr lang="en-US" dirty="0">
               <a:solidFill>
                 <a:schemeClr val="accent1">
@@ -8255,27 +8384,7 @@
             </a:endParaRPr>
           </a:p>
           <a:p>
-            <a:pPr marL="285750" indent="-285750">
-              <a:buFont typeface="Symbol" charset="0"/>
-              <a:buChar char=""/>
-            </a:pPr>
-            <a:r>
-              <a:rPr lang="en-US" dirty="0" smtClean="0">
-                <a:solidFill>
-                  <a:schemeClr val="accent1">
-                    <a:lumMod val="75000"/>
-                  </a:schemeClr>
-                </a:solidFill>
-              </a:rPr>
-              <a:t>Ho would that probability be updated if you know that the second offspring is also healthy?</a:t>
-            </a:r>
-          </a:p>
-          <a:p>
-            <a:pPr marL="285750" indent="-285750">
-              <a:buFont typeface="Symbol" charset="0"/>
-              <a:buChar char=""/>
-            </a:pPr>
-            <a:endParaRPr lang="en-US" dirty="0">
+            <a:endParaRPr lang="en-US" dirty="0" smtClean="0">
               <a:solidFill>
                 <a:schemeClr val="accent1">
                   <a:lumMod val="75000"/>
@@ -8284,10 +8393,6 @@
             </a:endParaRPr>
           </a:p>
           <a:p>
-            <a:pPr marL="285750" indent="-285750">
-              <a:buFont typeface="Symbol" charset="0"/>
-              <a:buChar char=""/>
-            </a:pPr>
             <a:r>
               <a:rPr lang="en-US" dirty="0" smtClean="0">
                 <a:solidFill>
@@ -8296,10 +8401,8 @@
                   </a:schemeClr>
                 </a:solidFill>
               </a:rPr>
-              <a:t>What about if you know that the third offspring developed the disease?</a:t>
-            </a:r>
-          </a:p>
-          <a:p>
+              <a:t>   </a:t>
+            </a:r>
             <a:endParaRPr lang="en-US" dirty="0">
               <a:solidFill>
                 <a:schemeClr val="accent1">
@@ -8319,14 +8422,14 @@
           <p:nvPr/>
         </p:nvPicPr>
         <p:blipFill>
-          <a:blip r:embed="rId3"/>
+          <a:blip r:embed="rId4"/>
           <a:stretch>
             <a:fillRect/>
           </a:stretch>
         </p:blipFill>
         <p:spPr>
           <a:xfrm>
-            <a:off x="5562600" y="1066800"/>
+            <a:off x="5943600" y="914400"/>
             <a:ext cx="1828800" cy="2139553"/>
           </a:xfrm>
           <a:prstGeom prst="rect">
@@ -8342,7 +8445,7 @@
         </p:nvSpPr>
         <p:spPr>
           <a:xfrm>
-            <a:off x="5562600" y="3276600"/>
+            <a:off x="5943600" y="3048000"/>
             <a:ext cx="1905000" cy="338554"/>
           </a:xfrm>
           <a:prstGeom prst="rect">
@@ -8364,6 +8467,63 @@
           </a:p>
         </p:txBody>
       </p:sp>
+      <p:graphicFrame>
+        <p:nvGraphicFramePr>
+          <p:cNvPr id="7" name="Object 6"/>
+          <p:cNvGraphicFramePr>
+            <a:graphicFrameLocks noChangeAspect="1"/>
+          </p:cNvGraphicFramePr>
+          <p:nvPr>
+            <p:extLst>
+              <p:ext uri="{D42A27DB-BD31-4B8C-83A1-F6EECF244321}">
+                <p14:modId xmlns:p14="http://schemas.microsoft.com/office/powerpoint/2010/main" val="616900628"/>
+              </p:ext>
+            </p:extLst>
+          </p:nvPr>
+        </p:nvGraphicFramePr>
+        <p:xfrm>
+          <a:off x="1216025" y="5046252"/>
+          <a:ext cx="6784975" cy="1278348"/>
+        </p:xfrm>
+        <a:graphic>
+          <a:graphicData uri="http://schemas.openxmlformats.org/presentationml/2006/ole">
+            <mc:AlternateContent xmlns:mc="http://schemas.openxmlformats.org/markup-compatibility/2006">
+              <mc:Choice xmlns:v="urn:schemas-microsoft-com:vml" Requires="v">
+                <p:oleObj spid="_x0000_s1025" name="Equation" r:id="rId5" imgW="5118100" imgH="965200" progId="Equation.3">
+                  <p:embed/>
+                </p:oleObj>
+              </mc:Choice>
+              <mc:Fallback>
+                <p:oleObj name="Equation" r:id="rId5" imgW="5118100" imgH="965200" progId="Equation.3">
+                  <p:embed/>
+                  <p:pic>
+                    <p:nvPicPr>
+                      <p:cNvPr id="0" name=""/>
+                      <p:cNvPicPr/>
+                      <p:nvPr/>
+                    </p:nvPicPr>
+                    <p:blipFill>
+                      <a:blip r:embed="rId6"/>
+                      <a:stretch>
+                        <a:fillRect/>
+                      </a:stretch>
+                    </p:blipFill>
+                    <p:spPr>
+                      <a:xfrm>
+                        <a:off x="1216025" y="5046252"/>
+                        <a:ext cx="6784975" cy="1278348"/>
+                      </a:xfrm>
+                      <a:prstGeom prst="rect">
+                        <a:avLst/>
+                      </a:prstGeom>
+                    </p:spPr>
+                  </p:pic>
+                </p:oleObj>
+              </mc:Fallback>
+            </mc:AlternateContent>
+          </a:graphicData>
+        </a:graphic>
+      </p:graphicFrame>
     </p:spTree>
     <p:extLst>
       <p:ext uri="{BB962C8B-B14F-4D97-AF65-F5344CB8AC3E}">
@@ -8467,7 +8627,7 @@
                                         <p:tgtEl>
                                           <p:spTgt spid="6">
                                             <p:txEl>
-                                              <p:pRg st="2" end="2"/>
+                                              <p:pRg st="1" end="1"/>
                                             </p:txEl>
                                           </p:spTgt>
                                         </p:tgtEl>
@@ -8485,7 +8645,7 @@
                                         <p:tgtEl>
                                           <p:spTgt spid="6">
                                             <p:txEl>
-                                              <p:pRg st="2" end="2"/>
+                                              <p:pRg st="1" end="1"/>
                                             </p:txEl>
                                           </p:spTgt>
                                         </p:tgtEl>
@@ -8528,7 +8688,7 @@
                                         <p:tgtEl>
                                           <p:spTgt spid="6">
                                             <p:txEl>
-                                              <p:pRg st="3" end="3"/>
+                                              <p:pRg st="2" end="2"/>
                                             </p:txEl>
                                           </p:spTgt>
                                         </p:tgtEl>
@@ -8546,7 +8706,7 @@
                                         <p:tgtEl>
                                           <p:spTgt spid="6">
                                             <p:txEl>
-                                              <p:pRg st="3" end="3"/>
+                                              <p:pRg st="2" end="2"/>
                                             </p:txEl>
                                           </p:spTgt>
                                         </p:tgtEl>
@@ -8589,7 +8749,7 @@
                                         <p:tgtEl>
                                           <p:spTgt spid="6">
                                             <p:txEl>
-                                              <p:pRg st="4" end="4"/>
+                                              <p:pRg st="3" end="3"/>
                                             </p:txEl>
                                           </p:spTgt>
                                         </p:tgtEl>
@@ -8607,7 +8767,7 @@
                                         <p:tgtEl>
                                           <p:spTgt spid="6">
                                             <p:txEl>
-                                              <p:pRg st="4" end="4"/>
+                                              <p:pRg st="3" end="3"/>
                                             </p:txEl>
                                           </p:spTgt>
                                         </p:tgtEl>
@@ -8650,7 +8810,7 @@
                                         <p:tgtEl>
                                           <p:spTgt spid="6">
                                             <p:txEl>
-                                              <p:pRg st="11" end="11"/>
+                                              <p:pRg st="10" end="10"/>
                                             </p:txEl>
                                           </p:spTgt>
                                         </p:tgtEl>
@@ -8668,7 +8828,7 @@
                                         <p:tgtEl>
                                           <p:spTgt spid="6">
                                             <p:txEl>
-                                              <p:pRg st="11" end="11"/>
+                                              <p:pRg st="10" end="10"/>
                                             </p:txEl>
                                           </p:spTgt>
                                         </p:tgtEl>
@@ -8711,7 +8871,7 @@
                                         <p:tgtEl>
                                           <p:spTgt spid="6">
                                             <p:txEl>
-                                              <p:pRg st="13" end="13"/>
+                                              <p:pRg st="12" end="12"/>
                                             </p:txEl>
                                           </p:spTgt>
                                         </p:tgtEl>
@@ -8729,7 +8889,7 @@
                                         <p:tgtEl>
                                           <p:spTgt spid="6">
                                             <p:txEl>
-                                              <p:pRg st="13" end="13"/>
+                                              <p:pRg st="12" end="12"/>
                                             </p:txEl>
                                           </p:spTgt>
                                         </p:tgtEl>
@@ -8805,6 +8965,67 @@
                       </p:childTnLst>
                     </p:cTn>
                   </p:par>
+                  <p:par>
+                    <p:cTn id="38" fill="hold">
+                      <p:stCondLst>
+                        <p:cond delay="indefinite"/>
+                      </p:stCondLst>
+                      <p:childTnLst>
+                        <p:par>
+                          <p:cTn id="39" fill="hold">
+                            <p:stCondLst>
+                              <p:cond delay="0"/>
+                            </p:stCondLst>
+                            <p:childTnLst>
+                              <p:par>
+                                <p:cTn id="40" presetID="3" presetClass="entr" presetSubtype="10" fill="hold" grpId="0" nodeType="clickEffect">
+                                  <p:stCondLst>
+                                    <p:cond delay="0"/>
+                                  </p:stCondLst>
+                                  <p:childTnLst>
+                                    <p:set>
+                                      <p:cBhvr>
+                                        <p:cTn id="41" dur="1" fill="hold">
+                                          <p:stCondLst>
+                                            <p:cond delay="0"/>
+                                          </p:stCondLst>
+                                        </p:cTn>
+                                        <p:tgtEl>
+                                          <p:spTgt spid="6">
+                                            <p:txEl>
+                                              <p:pRg st="18" end="18"/>
+                                            </p:txEl>
+                                          </p:spTgt>
+                                        </p:tgtEl>
+                                        <p:attrNameLst>
+                                          <p:attrName>style.visibility</p:attrName>
+                                        </p:attrNameLst>
+                                      </p:cBhvr>
+                                      <p:to>
+                                        <p:strVal val="visible"/>
+                                      </p:to>
+                                    </p:set>
+                                    <p:animEffect transition="in" filter="blinds(horizontal)">
+                                      <p:cBhvr>
+                                        <p:cTn id="42" dur="500"/>
+                                        <p:tgtEl>
+                                          <p:spTgt spid="6">
+                                            <p:txEl>
+                                              <p:pRg st="18" end="18"/>
+                                            </p:txEl>
+                                          </p:spTgt>
+                                        </p:tgtEl>
+                                      </p:cBhvr>
+                                    </p:animEffect>
+                                  </p:childTnLst>
+                                </p:cTn>
+                              </p:par>
+                            </p:childTnLst>
+                          </p:cTn>
+                        </p:par>
+                      </p:childTnLst>
+                    </p:cTn>
+                  </p:par>
                 </p:childTnLst>
               </p:cTn>
               <p:prevCondLst>
@@ -8940,13 +9161,6 @@
               </a:rPr>
               <a:t>Questions?</a:t>
             </a:r>
-            <a:endParaRPr lang="en-US" dirty="0" smtClean="0">
-              <a:solidFill>
-                <a:schemeClr val="accent1">
-                  <a:lumMod val="75000"/>
-                </a:schemeClr>
-              </a:solidFill>
-            </a:endParaRPr>
           </a:p>
         </p:txBody>
       </p:sp>
@@ -9212,7 +9426,19 @@
                   </a:schemeClr>
                 </a:solidFill>
               </a:rPr>
-              <a:t>We </a:t>
+              <a:t>We cannot arrive at the joint distribution from the marginal distributions </a:t>
+            </a:r>
+          </a:p>
+          <a:p>
+            <a:r>
+              <a:rPr lang="en-US" dirty="0">
+                <a:solidFill>
+                  <a:schemeClr val="accent1">
+                    <a:lumMod val="75000"/>
+                  </a:schemeClr>
+                </a:solidFill>
+              </a:rPr>
+              <a:t> </a:t>
             </a:r>
             <a:r>
               <a:rPr lang="en-US" dirty="0" smtClean="0">
@@ -9222,7 +9448,19 @@
                   </a:schemeClr>
                 </a:solidFill>
               </a:rPr>
-              <a:t>cannot </a:t>
+              <a:t>   (under independence this is trivial, but in other cases we need to know the    </a:t>
+            </a:r>
+          </a:p>
+          <a:p>
+            <a:r>
+              <a:rPr lang="en-US" dirty="0">
+                <a:solidFill>
+                  <a:schemeClr val="accent1">
+                    <a:lumMod val="75000"/>
+                  </a:schemeClr>
+                </a:solidFill>
+              </a:rPr>
+              <a:t> </a:t>
             </a:r>
             <a:r>
               <a:rPr lang="en-US" dirty="0" smtClean="0">
@@ -9232,101 +9470,7 @@
                   </a:schemeClr>
                 </a:solidFill>
               </a:rPr>
-              <a:t>arrive at the joint distribution from the </a:t>
-            </a:r>
-            <a:r>
-              <a:rPr lang="en-US" dirty="0" smtClean="0">
-                <a:solidFill>
-                  <a:schemeClr val="accent1">
-                    <a:lumMod val="75000"/>
-                  </a:schemeClr>
-                </a:solidFill>
-              </a:rPr>
-              <a:t>marginal distributions </a:t>
-            </a:r>
-          </a:p>
-          <a:p>
-            <a:r>
-              <a:rPr lang="en-US" dirty="0">
-                <a:solidFill>
-                  <a:schemeClr val="accent1">
-                    <a:lumMod val="75000"/>
-                  </a:schemeClr>
-                </a:solidFill>
-              </a:rPr>
-              <a:t> </a:t>
-            </a:r>
-            <a:r>
-              <a:rPr lang="en-US" dirty="0" smtClean="0">
-                <a:solidFill>
-                  <a:schemeClr val="accent1">
-                    <a:lumMod val="75000"/>
-                  </a:schemeClr>
-                </a:solidFill>
-              </a:rPr>
-              <a:t>   </a:t>
-            </a:r>
-            <a:r>
-              <a:rPr lang="en-US" dirty="0" smtClean="0">
-                <a:solidFill>
-                  <a:schemeClr val="accent1">
-                    <a:lumMod val="75000"/>
-                  </a:schemeClr>
-                </a:solidFill>
-              </a:rPr>
-              <a:t>(</a:t>
-            </a:r>
-            <a:r>
-              <a:rPr lang="en-US" dirty="0" smtClean="0">
-                <a:solidFill>
-                  <a:schemeClr val="accent1">
-                    <a:lumMod val="75000"/>
-                  </a:schemeClr>
-                </a:solidFill>
-              </a:rPr>
-              <a:t>under independence this is </a:t>
-            </a:r>
-            <a:r>
-              <a:rPr lang="en-US" dirty="0" smtClean="0">
-                <a:solidFill>
-                  <a:schemeClr val="accent1">
-                    <a:lumMod val="75000"/>
-                  </a:schemeClr>
-                </a:solidFill>
-              </a:rPr>
-              <a:t>trivial, but in other cases we need to know the    </a:t>
-            </a:r>
-          </a:p>
-          <a:p>
-            <a:r>
-              <a:rPr lang="en-US" dirty="0">
-                <a:solidFill>
-                  <a:schemeClr val="accent1">
-                    <a:lumMod val="75000"/>
-                  </a:schemeClr>
-                </a:solidFill>
-              </a:rPr>
-              <a:t> </a:t>
-            </a:r>
-            <a:r>
-              <a:rPr lang="en-US" dirty="0" smtClean="0">
-                <a:solidFill>
-                  <a:schemeClr val="accent1">
-                    <a:lumMod val="75000"/>
-                  </a:schemeClr>
-                </a:solidFill>
-              </a:rPr>
-              <a:t>    </a:t>
-            </a:r>
-            <a:r>
-              <a:rPr lang="en-US" dirty="0" smtClean="0">
-                <a:solidFill>
-                  <a:schemeClr val="accent1">
-                    <a:lumMod val="75000"/>
-                  </a:schemeClr>
-                </a:solidFill>
-              </a:rPr>
-              <a:t>conditional distributions and one of the marginal to get to the joint distribution).</a:t>
+              <a:t>    conditional distributions and one of the marginal to get to the joint distribution).</a:t>
             </a:r>
           </a:p>
           <a:p>
@@ -9624,27 +9768,7 @@
                   </a:schemeClr>
                 </a:solidFill>
               </a:rPr>
-              <a:t>Define </a:t>
-            </a:r>
-            <a:r>
-              <a:rPr lang="en-US" dirty="0" smtClean="0">
-                <a:solidFill>
-                  <a:schemeClr val="accent1">
-                    <a:lumMod val="75000"/>
-                  </a:schemeClr>
-                </a:solidFill>
-              </a:rPr>
-              <a:t>Exchangeable </a:t>
-            </a:r>
-            <a:r>
-              <a:rPr lang="en-US" dirty="0" smtClean="0">
-                <a:solidFill>
-                  <a:schemeClr val="accent1">
-                    <a:lumMod val="75000"/>
-                  </a:schemeClr>
-                </a:solidFill>
-              </a:rPr>
-              <a:t>Sequence of Random Variables</a:t>
+              <a:t>Define Exchangeable Sequence of Random Variables</a:t>
             </a:r>
           </a:p>
           <a:p>
@@ -9681,7 +9805,19 @@
             </a:r>
             <a:r>
               <a:rPr lang="en-US" dirty="0" smtClean="0"/>
-              <a:t>, </a:t>
+              <a:t>, Y</a:t>
+            </a:r>
+            <a:r>
+              <a:rPr lang="en-US" baseline="-25000" dirty="0" smtClean="0"/>
+              <a:t>2</a:t>
+            </a:r>
+            <a:r>
+              <a:rPr lang="en-US" dirty="0" smtClean="0"/>
+              <a:t>,…</a:t>
+            </a:r>
+            <a:r>
+              <a:rPr lang="en-US" dirty="0"/>
+              <a:t>. </a:t>
             </a:r>
             <a:r>
               <a:rPr lang="en-US" dirty="0" smtClean="0"/>
@@ -9689,137 +9825,112 @@
             </a:r>
             <a:r>
               <a:rPr lang="en-US" baseline="-25000" dirty="0" smtClean="0"/>
+              <a:t>N</a:t>
+            </a:r>
+          </a:p>
+          <a:p>
+            <a:r>
+              <a:rPr lang="en-US" dirty="0">
+                <a:solidFill>
+                  <a:schemeClr val="accent1">
+                    <a:lumMod val="75000"/>
+                  </a:schemeClr>
+                </a:solidFill>
+              </a:rPr>
+              <a:t>	</a:t>
+            </a:r>
+            <a:r>
+              <a:rPr lang="en-US" dirty="0" smtClean="0">
+                <a:solidFill>
+                  <a:schemeClr val="accent1">
+                    <a:lumMod val="75000"/>
+                  </a:schemeClr>
+                </a:solidFill>
+              </a:rPr>
+              <a:t>- Permutation</a:t>
+            </a:r>
+            <a:r>
+              <a:rPr lang="en-US" dirty="0">
+                <a:solidFill>
+                  <a:schemeClr val="accent1">
+                    <a:lumMod val="75000"/>
+                  </a:schemeClr>
+                </a:solidFill>
+              </a:rPr>
+              <a:t>: </a:t>
+            </a:r>
+            <a:r>
+              <a:rPr lang="en-US" dirty="0" smtClean="0">
+                <a:solidFill>
+                  <a:srgbClr val="000000"/>
+                </a:solidFill>
+              </a:rPr>
+              <a:t>π={π</a:t>
+            </a:r>
+            <a:r>
+              <a:rPr lang="en-US" baseline="-25000" dirty="0" smtClean="0">
+                <a:solidFill>
+                  <a:srgbClr val="000000"/>
+                </a:solidFill>
+              </a:rPr>
+              <a:t>1</a:t>
+            </a:r>
+            <a:r>
+              <a:rPr lang="en-US" dirty="0" smtClean="0">
+                <a:solidFill>
+                  <a:srgbClr val="000000"/>
+                </a:solidFill>
+              </a:rPr>
+              <a:t>, π</a:t>
+            </a:r>
+            <a:r>
+              <a:rPr lang="en-US" baseline="-25000" dirty="0" smtClean="0">
+                <a:solidFill>
+                  <a:srgbClr val="000000"/>
+                </a:solidFill>
+              </a:rPr>
               <a:t>2</a:t>
             </a:r>
             <a:r>
-              <a:rPr lang="en-US" dirty="0" smtClean="0"/>
+              <a:rPr lang="en-US" dirty="0" smtClean="0">
+                <a:solidFill>
+                  <a:srgbClr val="000000"/>
+                </a:solidFill>
+              </a:rPr>
               <a:t>,</a:t>
             </a:r>
             <a:r>
-              <a:rPr lang="en-US" dirty="0" smtClean="0"/>
-              <a:t>…</a:t>
-            </a:r>
-            <a:r>
-              <a:rPr lang="en-US" dirty="0"/>
-              <a:t>. </a:t>
-            </a:r>
-            <a:r>
-              <a:rPr lang="en-US" dirty="0" smtClean="0"/>
-              <a:t>Y</a:t>
-            </a:r>
-            <a:r>
-              <a:rPr lang="en-US" baseline="-25000" dirty="0" smtClean="0"/>
+              <a:rPr lang="en-US" dirty="0">
+                <a:solidFill>
+                  <a:srgbClr val="000000"/>
+                </a:solidFill>
+              </a:rPr>
+              <a:t>…, , </a:t>
+            </a:r>
+            <a:r>
+              <a:rPr lang="en-US" dirty="0" smtClean="0">
+                <a:solidFill>
+                  <a:srgbClr val="000000"/>
+                </a:solidFill>
+              </a:rPr>
+              <a:t>π</a:t>
+            </a:r>
+            <a:r>
+              <a:rPr lang="en-US" baseline="-25000" dirty="0">
+                <a:solidFill>
+                  <a:srgbClr val="000000"/>
+                </a:solidFill>
+              </a:rPr>
               <a:t>N</a:t>
             </a:r>
-          </a:p>
-          <a:p>
-            <a:r>
-              <a:rPr lang="en-US" dirty="0">
-                <a:solidFill>
-                  <a:schemeClr val="accent1">
-                    <a:lumMod val="75000"/>
-                  </a:schemeClr>
-                </a:solidFill>
-              </a:rPr>
-              <a:t>	</a:t>
-            </a:r>
             <a:r>
               <a:rPr lang="en-US" dirty="0" smtClean="0">
                 <a:solidFill>
-                  <a:schemeClr val="accent1">
-                    <a:lumMod val="75000"/>
-                  </a:schemeClr>
-                </a:solidFill>
-              </a:rPr>
-              <a:t>- Permutation</a:t>
-            </a:r>
-            <a:r>
-              <a:rPr lang="en-US" dirty="0">
-                <a:solidFill>
-                  <a:schemeClr val="accent1">
-                    <a:lumMod val="75000"/>
-                  </a:schemeClr>
-                </a:solidFill>
-              </a:rPr>
-              <a:t>: </a:t>
-            </a:r>
-            <a:r>
-              <a:rPr lang="en-US" dirty="0" smtClean="0">
-                <a:solidFill>
                   <a:srgbClr val="000000"/>
                 </a:solidFill>
               </a:rPr>
-              <a:t>π={π</a:t>
-            </a:r>
-            <a:r>
-              <a:rPr lang="en-US" baseline="-25000" dirty="0" smtClean="0">
-                <a:solidFill>
-                  <a:srgbClr val="000000"/>
-                </a:solidFill>
-              </a:rPr>
-              <a:t>1</a:t>
-            </a:r>
-            <a:r>
-              <a:rPr lang="en-US" dirty="0" smtClean="0">
-                <a:solidFill>
-                  <a:srgbClr val="000000"/>
-                </a:solidFill>
-              </a:rPr>
-              <a:t>, π</a:t>
-            </a:r>
-            <a:r>
-              <a:rPr lang="en-US" baseline="-25000" dirty="0" smtClean="0">
-                <a:solidFill>
-                  <a:srgbClr val="000000"/>
-                </a:solidFill>
-              </a:rPr>
-              <a:t>2</a:t>
-            </a:r>
-            <a:r>
-              <a:rPr lang="en-US" dirty="0" smtClean="0">
-                <a:solidFill>
-                  <a:srgbClr val="000000"/>
-                </a:solidFill>
-              </a:rPr>
-              <a:t>,</a:t>
-            </a:r>
-            <a:r>
-              <a:rPr lang="en-US" dirty="0">
-                <a:solidFill>
-                  <a:srgbClr val="000000"/>
-                </a:solidFill>
-              </a:rPr>
-              <a:t>…, , </a:t>
-            </a:r>
-            <a:r>
-              <a:rPr lang="en-US" dirty="0" smtClean="0">
-                <a:solidFill>
-                  <a:srgbClr val="000000"/>
-                </a:solidFill>
-              </a:rPr>
-              <a:t>π</a:t>
-            </a:r>
-            <a:r>
-              <a:rPr lang="en-US" baseline="-25000" dirty="0">
-                <a:solidFill>
-                  <a:srgbClr val="000000"/>
-                </a:solidFill>
-              </a:rPr>
-              <a:t>N</a:t>
-            </a:r>
-            <a:r>
-              <a:rPr lang="en-US" dirty="0" smtClean="0">
-                <a:solidFill>
-                  <a:srgbClr val="000000"/>
-                </a:solidFill>
-              </a:rPr>
               <a:t>}</a:t>
             </a:r>
-            <a:endParaRPr lang="en-US" dirty="0" smtClean="0">
-              <a:solidFill>
-                <a:srgbClr val="000000"/>
-              </a:solidFill>
-            </a:endParaRPr>
           </a:p>
           <a:p>
             <a:endParaRPr lang="en-US" dirty="0">
@@ -9868,7 +9979,23 @@
                   <a:srgbClr val="000000"/>
                 </a:solidFill>
               </a:rPr>
-              <a:t>p</a:t>
+              <a:t>p(Y</a:t>
+            </a:r>
+            <a:r>
+              <a:rPr lang="en-US" baseline="-25000" dirty="0" smtClean="0">
+                <a:solidFill>
+                  <a:srgbClr val="000000"/>
+                </a:solidFill>
+              </a:rPr>
+              <a:t>π</a:t>
+            </a:r>
+            <a:r>
+              <a:rPr lang="en-US" sz="1400" baseline="-25000" dirty="0" smtClean="0">
+                <a:solidFill>
+                  <a:srgbClr val="000000"/>
+                </a:solidFill>
+              </a:rPr>
+              <a:t>1</a:t>
             </a:r>
             <a:r>
               <a:rPr lang="en-US" dirty="0" smtClean="0">
@@ -9876,7 +10003,7 @@
                   <a:srgbClr val="000000"/>
                 </a:solidFill>
               </a:rPr>
-              <a:t>(Y</a:t>
+              <a:t>, Y</a:t>
             </a:r>
             <a:r>
               <a:rPr lang="en-US" baseline="-25000" dirty="0" smtClean="0">
@@ -9892,7 +10019,7 @@
                   <a:srgbClr val="000000"/>
                 </a:solidFill>
               </a:rPr>
-              <a:t>1</a:t>
+              <a:t>2</a:t>
             </a:r>
             <a:r>
               <a:rPr lang="en-US" dirty="0" smtClean="0">
@@ -9900,55 +10027,15 @@
                   <a:srgbClr val="000000"/>
                 </a:solidFill>
               </a:rPr>
-              <a:t>, </a:t>
-            </a:r>
-            <a:r>
-              <a:rPr lang="en-US" dirty="0" smtClean="0">
+              <a:t> </a:t>
+            </a:r>
+            <a:r>
+              <a:rPr lang="en-US" dirty="0">
                 <a:solidFill>
                   <a:srgbClr val="000000"/>
                 </a:solidFill>
               </a:rPr>
-              <a:t>Y</a:t>
-            </a:r>
-            <a:r>
-              <a:rPr lang="en-US" baseline="-25000" dirty="0" smtClean="0">
-                <a:solidFill>
-                  <a:srgbClr val="000000"/>
-                </a:solidFill>
-              </a:rPr>
-              <a:t>π</a:t>
-            </a:r>
-            <a:r>
-              <a:rPr lang="en-US" sz="1400" baseline="-25000" dirty="0" smtClean="0">
-                <a:solidFill>
-                  <a:srgbClr val="000000"/>
-                </a:solidFill>
-              </a:rPr>
-              <a:t>2</a:t>
-            </a:r>
-            <a:r>
-              <a:rPr lang="en-US" dirty="0" smtClean="0">
-                <a:solidFill>
-                  <a:srgbClr val="000000"/>
-                </a:solidFill>
-              </a:rPr>
-              <a:t> </a:t>
-            </a:r>
-            <a:r>
-              <a:rPr lang="en-US" dirty="0">
-                <a:solidFill>
-                  <a:srgbClr val="000000"/>
-                </a:solidFill>
-              </a:rPr>
-              <a:t>,…</a:t>
-            </a:r>
-            <a:r>
-              <a:rPr lang="en-US" dirty="0">
-                <a:solidFill>
-                  <a:srgbClr val="000000"/>
-                </a:solidFill>
-              </a:rPr>
-              <a:t>., </a:t>
+              <a:t>,…., </a:t>
             </a:r>
             <a:r>
               <a:rPr lang="en-US" dirty="0" smtClean="0">
@@ -10015,17 +10102,7 @@
                   </a:schemeClr>
                 </a:solidFill>
               </a:rPr>
-              <a:t>Note: sequence of IID RVs are exchangeable (discuss), but the converse is not </a:t>
-            </a:r>
-            <a:r>
-              <a:rPr lang="en-US" dirty="0" smtClean="0">
-                <a:solidFill>
-                  <a:schemeClr val="accent1">
-                    <a:lumMod val="75000"/>
-                  </a:schemeClr>
-                </a:solidFill>
-              </a:rPr>
-              <a:t>TRUE</a:t>
+              <a:t>Note: sequence of IID RVs are exchangeable (discuss), but the converse is not TRUE</a:t>
             </a:r>
           </a:p>
           <a:p>

--- a/STT465_2.pptx
+++ b/STT465_2.pptx
@@ -5197,7 +5197,17 @@
                   </a:schemeClr>
                 </a:solidFill>
               </a:rPr>
-              <a:t>=P</a:t>
+              <a:t>=P(A|B</a:t>
+            </a:r>
+            <a:r>
+              <a:rPr lang="en-US" dirty="0">
+                <a:solidFill>
+                  <a:schemeClr val="accent1">
+                    <a:lumMod val="75000"/>
+                  </a:schemeClr>
+                </a:solidFill>
+              </a:rPr>
+              <a:t>) P(B) </a:t>
             </a:r>
             <a:r>
               <a:rPr lang="en-US" dirty="0" smtClean="0">
@@ -5207,67 +5217,27 @@
                   </a:schemeClr>
                 </a:solidFill>
               </a:rPr>
-              <a:t>(A|B</a:t>
-            </a:r>
-            <a:r>
-              <a:rPr lang="en-US" dirty="0">
+              <a:t>+P(</a:t>
+            </a:r>
+            <a:r>
+              <a:rPr lang="en-US" dirty="0" err="1">
                 <a:solidFill>
                   <a:schemeClr val="accent1">
                     <a:lumMod val="75000"/>
                   </a:schemeClr>
                 </a:solidFill>
               </a:rPr>
-              <a:t>) P(B) </a:t>
-            </a:r>
-            <a:r>
-              <a:rPr lang="en-US" dirty="0" smtClean="0">
+              <a:t>A</a:t>
+            </a:r>
+            <a:r>
+              <a:rPr lang="en-US" dirty="0" err="1" smtClean="0">
                 <a:solidFill>
                   <a:schemeClr val="accent1">
                     <a:lumMod val="75000"/>
                   </a:schemeClr>
                 </a:solidFill>
               </a:rPr>
-              <a:t>+</a:t>
-            </a:r>
-            <a:r>
-              <a:rPr lang="en-US" dirty="0" smtClean="0">
-                <a:solidFill>
-                  <a:schemeClr val="accent1">
-                    <a:lumMod val="75000"/>
-                  </a:schemeClr>
-                </a:solidFill>
-              </a:rPr>
-              <a:t>P(</a:t>
-            </a:r>
-            <a:r>
-              <a:rPr lang="en-US" dirty="0" err="1">
-                <a:solidFill>
-                  <a:schemeClr val="accent1">
-                    <a:lumMod val="75000"/>
-                  </a:schemeClr>
-                </a:solidFill>
-              </a:rPr>
-              <a:t>A</a:t>
-            </a:r>
-            <a:r>
-              <a:rPr lang="en-US" dirty="0" err="1" smtClean="0">
-                <a:solidFill>
-                  <a:schemeClr val="accent1">
-                    <a:lumMod val="75000"/>
-                  </a:schemeClr>
-                </a:solidFill>
-              </a:rPr>
-              <a:t>|</a:t>
-            </a:r>
-            <a:r>
-              <a:rPr lang="en-US" dirty="0" err="1" smtClean="0">
-                <a:solidFill>
-                  <a:schemeClr val="accent1">
-                    <a:lumMod val="75000"/>
-                  </a:schemeClr>
-                </a:solidFill>
-              </a:rPr>
-              <a:t>Not</a:t>
+              <a:t>|Not</a:t>
             </a:r>
             <a:r>
               <a:rPr lang="en-US" dirty="0" smtClean="0">
@@ -6411,7 +6381,7 @@
         <p:spPr>
           <a:xfrm>
             <a:off x="457200" y="990600"/>
-            <a:ext cx="8229600" cy="5355313"/>
+            <a:ext cx="8534400" cy="5355313"/>
           </a:xfrm>
           <a:prstGeom prst="rect">
             <a:avLst/>
@@ -6485,7 +6455,7 @@
           </a:p>
           <a:p>
             <a:r>
-              <a:rPr lang="en-US" dirty="0">
+              <a:rPr lang="en-US" u="sng" dirty="0">
                 <a:solidFill>
                   <a:schemeClr val="tx1">
                     <a:lumMod val="65000"/>
@@ -6496,7 +6466,7 @@
               <a:t>Genotype </a:t>
             </a:r>
             <a:r>
-              <a:rPr lang="en-US" dirty="0" smtClean="0">
+              <a:rPr lang="en-US" u="sng" dirty="0" smtClean="0">
                 <a:solidFill>
                   <a:schemeClr val="tx1">
                     <a:lumMod val="65000"/>
@@ -6504,12 +6474,10 @@
                   </a:schemeClr>
                 </a:solidFill>
               </a:rPr>
-              <a:t>     Status</a:t>
-            </a:r>
-          </a:p>
-          <a:p>
-            <a:r>
-              <a:rPr lang="en-US" dirty="0" smtClean="0">
+              <a:t>     </a:t>
+            </a:r>
+            <a:r>
+              <a:rPr lang="en-US" u="sng" dirty="0" smtClean="0">
                 <a:solidFill>
                   <a:schemeClr val="tx1">
                     <a:lumMod val="65000"/>
@@ -6517,8 +6485,109 @@
                   </a:schemeClr>
                 </a:solidFill>
               </a:rPr>
-              <a:t>----------------------------------</a:t>
-            </a:r>
+              <a:t>Status	</a:t>
+            </a:r>
+            <a:endParaRPr lang="en-US" u="sng" dirty="0" smtClean="0">
+              <a:solidFill>
+                <a:schemeClr val="tx1">
+                  <a:lumMod val="65000"/>
+                  <a:lumOff val="35000"/>
+                </a:schemeClr>
+              </a:solidFill>
+            </a:endParaRPr>
+          </a:p>
+          <a:p>
+            <a:r>
+              <a:rPr lang="en-US" dirty="0" smtClean="0">
+                <a:solidFill>
+                  <a:schemeClr val="tx1">
+                    <a:lumMod val="65000"/>
+                    <a:lumOff val="35000"/>
+                  </a:schemeClr>
+                </a:solidFill>
+              </a:rPr>
+              <a:t>   AA                    </a:t>
+            </a:r>
+            <a:r>
+              <a:rPr lang="en-US" dirty="0" smtClean="0">
+                <a:solidFill>
+                  <a:schemeClr val="tx1">
+                    <a:lumMod val="65000"/>
+                    <a:lumOff val="35000"/>
+                  </a:schemeClr>
+                </a:solidFill>
+              </a:rPr>
+              <a:t>H</a:t>
+            </a:r>
+          </a:p>
+          <a:p>
+            <a:r>
+              <a:rPr lang="en-US" dirty="0">
+                <a:solidFill>
+                  <a:schemeClr val="tx1">
+                    <a:lumMod val="65000"/>
+                    <a:lumOff val="35000"/>
+                  </a:schemeClr>
+                </a:solidFill>
+              </a:rPr>
+              <a:t> </a:t>
+            </a:r>
+            <a:r>
+              <a:rPr lang="en-US" dirty="0" smtClean="0">
+                <a:solidFill>
+                  <a:schemeClr val="tx1">
+                    <a:lumMod val="65000"/>
+                    <a:lumOff val="35000"/>
+                  </a:schemeClr>
+                </a:solidFill>
+              </a:rPr>
+              <a:t>  AB | BA           H</a:t>
+            </a:r>
+          </a:p>
+          <a:p>
+            <a:r>
+              <a:rPr lang="en-US" u="sng" dirty="0">
+                <a:solidFill>
+                  <a:schemeClr val="tx1">
+                    <a:lumMod val="65000"/>
+                    <a:lumOff val="35000"/>
+                  </a:schemeClr>
+                </a:solidFill>
+              </a:rPr>
+              <a:t> </a:t>
+            </a:r>
+            <a:r>
+              <a:rPr lang="en-US" u="sng" dirty="0" smtClean="0">
+                <a:solidFill>
+                  <a:schemeClr val="tx1">
+                    <a:lumMod val="65000"/>
+                    <a:lumOff val="35000"/>
+                  </a:schemeClr>
+                </a:solidFill>
+              </a:rPr>
+              <a:t>  BB                    </a:t>
+            </a:r>
+            <a:r>
+              <a:rPr lang="en-US" u="sng" dirty="0" smtClean="0">
+                <a:solidFill>
+                  <a:schemeClr val="tx1">
+                    <a:lumMod val="65000"/>
+                    <a:lumOff val="35000"/>
+                  </a:schemeClr>
+                </a:solidFill>
+              </a:rPr>
+              <a:t>D	</a:t>
+            </a:r>
+            <a:endParaRPr lang="en-US" u="sng" dirty="0" smtClean="0">
+              <a:solidFill>
+                <a:schemeClr val="tx1">
+                  <a:lumMod val="65000"/>
+                  <a:lumOff val="35000"/>
+                </a:schemeClr>
+              </a:solidFill>
+            </a:endParaRPr>
+          </a:p>
+          <a:p>
             <a:endParaRPr lang="en-US" dirty="0">
               <a:solidFill>
                 <a:schemeClr val="tx1">
@@ -6538,12 +6607,10 @@
                   </a:schemeClr>
                 </a:solidFill>
               </a:rPr>
-              <a:t>   AA                    H</a:t>
-            </a:r>
-          </a:p>
-          <a:p>
-            <a:r>
-              <a:rPr lang="en-US" dirty="0">
+              <a:t>   </a:t>
+            </a:r>
+            <a:r>
+              <a:rPr lang="en-US" dirty="0" smtClean="0">
                 <a:solidFill>
                   <a:schemeClr val="tx1">
                     <a:lumMod val="65000"/>
@@ -6551,79 +6618,7 @@
                   </a:schemeClr>
                 </a:solidFill>
               </a:rPr>
-              <a:t> </a:t>
-            </a:r>
-            <a:r>
-              <a:rPr lang="en-US" dirty="0" smtClean="0">
-                <a:solidFill>
-                  <a:schemeClr val="tx1">
-                    <a:lumMod val="65000"/>
-                    <a:lumOff val="35000"/>
-                  </a:schemeClr>
-                </a:solidFill>
-              </a:rPr>
-              <a:t>  AB | BA           H</a:t>
-            </a:r>
-          </a:p>
-          <a:p>
-            <a:r>
-              <a:rPr lang="en-US" dirty="0">
-                <a:solidFill>
-                  <a:schemeClr val="tx1">
-                    <a:lumMod val="65000"/>
-                    <a:lumOff val="35000"/>
-                  </a:schemeClr>
-                </a:solidFill>
-              </a:rPr>
-              <a:t> </a:t>
-            </a:r>
-            <a:r>
-              <a:rPr lang="en-US" dirty="0" smtClean="0">
-                <a:solidFill>
-                  <a:schemeClr val="tx1">
-                    <a:lumMod val="65000"/>
-                    <a:lumOff val="35000"/>
-                  </a:schemeClr>
-                </a:solidFill>
-              </a:rPr>
-              <a:t>  BB                    D</a:t>
-            </a:r>
-          </a:p>
-          <a:p>
-            <a:r>
-              <a:rPr lang="en-US" dirty="0">
-                <a:solidFill>
-                  <a:schemeClr val="tx1">
-                    <a:lumMod val="65000"/>
-                    <a:lumOff val="35000"/>
-                  </a:schemeClr>
-                </a:solidFill>
-              </a:rPr>
-              <a:t>---------------------------------</a:t>
-            </a:r>
-            <a:r>
-              <a:rPr lang="en-US" dirty="0" smtClean="0">
-                <a:solidFill>
-                  <a:schemeClr val="tx1">
-                    <a:lumMod val="65000"/>
-                    <a:lumOff val="35000"/>
-                  </a:schemeClr>
-                </a:solidFill>
-              </a:rPr>
-              <a:t>-</a:t>
-            </a:r>
-          </a:p>
-          <a:p>
-            <a:r>
-              <a:rPr lang="en-US" dirty="0" smtClean="0">
-                <a:solidFill>
-                  <a:schemeClr val="tx1">
-                    <a:lumMod val="65000"/>
-                    <a:lumOff val="35000"/>
-                  </a:schemeClr>
-                </a:solidFill>
-              </a:rPr>
-              <a:t>   p(A)=0.8</a:t>
+              <a:t>p(A)=0.8</a:t>
             </a:r>
             <a:endParaRPr lang="en-US" dirty="0">
               <a:solidFill>
@@ -6671,7 +6666,7 @@
                   </a:schemeClr>
                 </a:solidFill>
               </a:rPr>
-              <a:t>	</a:t>
+              <a:t> </a:t>
             </a:r>
             <a:r>
               <a:rPr lang="en-US" dirty="0" smtClean="0">
@@ -6682,12 +6677,10 @@
                   </a:schemeClr>
                 </a:solidFill>
               </a:rPr>
-              <a:t>(1) The (marginal) probability of each genotype under random mating, p(G)</a:t>
-            </a:r>
-          </a:p>
-          <a:p>
-            <a:r>
-              <a:rPr lang="en-US" dirty="0">
+              <a:t>  (</a:t>
+            </a:r>
+            <a:r>
+              <a:rPr lang="en-US" dirty="0" smtClean="0">
                 <a:solidFill>
                   <a:schemeClr val="tx1">
                     <a:lumMod val="65000"/>
@@ -6695,8 +6688,10 @@
                   </a:schemeClr>
                 </a:solidFill>
               </a:rPr>
-              <a:t>	</a:t>
-            </a:r>
+              <a:t>1) The (marginal) probability of each genotype under random mating, p(G)</a:t>
+            </a:r>
+          </a:p>
+          <a:p>
             <a:r>
               <a:rPr lang="en-US" dirty="0" smtClean="0">
                 <a:solidFill>
@@ -6706,10 +6701,8 @@
                   </a:schemeClr>
                 </a:solidFill>
               </a:rPr>
-              <a:t>(2) The probability of disease of a randomly sampled individual, P(D)</a:t>
-            </a:r>
-          </a:p>
-          <a:p>
+              <a:t>   (2) </a:t>
+            </a:r>
             <a:r>
               <a:rPr lang="en-US" dirty="0">
                 <a:solidFill>
@@ -6719,7 +6712,7 @@
                   </a:schemeClr>
                 </a:solidFill>
               </a:rPr>
-              <a:t>	</a:t>
+              <a:t>The conditional probability of disease given genotypes, p(D|G</a:t>
             </a:r>
             <a:r>
               <a:rPr lang="en-US" dirty="0" smtClean="0">
@@ -6730,12 +6723,20 @@
                   </a:schemeClr>
                 </a:solidFill>
               </a:rPr>
-              <a:t>(3) The conditional probability of disease given genotypes, p(D|G)</a:t>
-            </a:r>
-          </a:p>
-          <a:p>
-            <a:r>
-              <a:rPr lang="en-US" dirty="0">
+              <a:t>)</a:t>
+            </a:r>
+            <a:endParaRPr lang="en-US" dirty="0" smtClean="0">
+              <a:solidFill>
+                <a:schemeClr val="tx1">
+                  <a:lumMod val="65000"/>
+                  <a:lumOff val="35000"/>
+                </a:schemeClr>
+              </a:solidFill>
+            </a:endParaRPr>
+          </a:p>
+          <a:p>
+            <a:r>
+              <a:rPr lang="en-US" dirty="0" smtClean="0">
                 <a:solidFill>
                   <a:schemeClr val="tx1">
                     <a:lumMod val="65000"/>
@@ -6743,8 +6744,10 @@
                   </a:schemeClr>
                 </a:solidFill>
               </a:rPr>
-              <a:t>	</a:t>
-            </a:r>
+              <a:t>   (3) The probability of disease of a randomly sampled individual, P(D)</a:t>
+            </a:r>
+          </a:p>
+          <a:p>
             <a:r>
               <a:rPr lang="en-US" dirty="0" smtClean="0">
                 <a:solidFill>
@@ -6754,7 +6757,7 @@
                   </a:schemeClr>
                 </a:solidFill>
               </a:rPr>
-              <a:t>(4) The joint probability of disease and genotypes, p(D,G)</a:t>
+              <a:t>                Hint: use the law of marginal probabilities.</a:t>
             </a:r>
           </a:p>
           <a:p>
@@ -6767,7 +6770,7 @@
                   </a:schemeClr>
                 </a:solidFill>
               </a:rPr>
-              <a:t>	</a:t>
+              <a:t> </a:t>
             </a:r>
             <a:r>
               <a:rPr lang="en-US" dirty="0" smtClean="0">
@@ -6778,7 +6781,94 @@
                   </a:schemeClr>
                 </a:solidFill>
               </a:rPr>
-              <a:t>(5) The conditional probability of genotype given disease, p(G|D).</a:t>
+              <a:t>  </a:t>
+            </a:r>
+            <a:r>
+              <a:rPr lang="en-US" dirty="0" smtClean="0">
+                <a:solidFill>
+                  <a:schemeClr val="tx1">
+                    <a:lumMod val="65000"/>
+                    <a:lumOff val="35000"/>
+                  </a:schemeClr>
+                </a:solidFill>
+              </a:rPr>
+              <a:t>(</a:t>
+            </a:r>
+            <a:r>
+              <a:rPr lang="en-US" dirty="0" smtClean="0">
+                <a:solidFill>
+                  <a:schemeClr val="tx1">
+                    <a:lumMod val="65000"/>
+                    <a:lumOff val="35000"/>
+                  </a:schemeClr>
+                </a:solidFill>
+              </a:rPr>
+              <a:t>4) The joint probability of disease and genotypes, p(D,G</a:t>
+            </a:r>
+            <a:r>
+              <a:rPr lang="en-US" dirty="0" smtClean="0">
+                <a:solidFill>
+                  <a:schemeClr val="tx1">
+                    <a:lumMod val="65000"/>
+                    <a:lumOff val="35000"/>
+                  </a:schemeClr>
+                </a:solidFill>
+              </a:rPr>
+              <a:t>). </a:t>
+            </a:r>
+            <a:r>
+              <a:rPr lang="en-US" dirty="0" smtClean="0">
+                <a:solidFill>
+                  <a:schemeClr val="tx1">
+                    <a:lumMod val="65000"/>
+                    <a:lumOff val="35000"/>
+                  </a:schemeClr>
+                </a:solidFill>
+              </a:rPr>
+              <a:t>Hint: use p(A,B)=P(A|B)p(B)</a:t>
+            </a:r>
+            <a:endParaRPr lang="en-US" dirty="0" smtClean="0">
+              <a:solidFill>
+                <a:schemeClr val="tx1">
+                  <a:lumMod val="65000"/>
+                  <a:lumOff val="35000"/>
+                </a:schemeClr>
+              </a:solidFill>
+            </a:endParaRPr>
+          </a:p>
+          <a:p>
+            <a:r>
+              <a:rPr lang="en-US" dirty="0" smtClean="0">
+                <a:solidFill>
+                  <a:schemeClr val="tx1">
+                    <a:lumMod val="65000"/>
+                    <a:lumOff val="35000"/>
+                  </a:schemeClr>
+                </a:solidFill>
+              </a:rPr>
+              <a:t>   (</a:t>
+            </a:r>
+            <a:r>
+              <a:rPr lang="en-US" dirty="0" smtClean="0">
+                <a:solidFill>
+                  <a:schemeClr val="tx1">
+                    <a:lumMod val="65000"/>
+                    <a:lumOff val="35000"/>
+                  </a:schemeClr>
+                </a:solidFill>
+              </a:rPr>
+              <a:t>5) The conditional probability of genotype given disease, p(G|D)</a:t>
+            </a:r>
+            <a:r>
+              <a:rPr lang="en-US" dirty="0" smtClean="0">
+                <a:solidFill>
+                  <a:schemeClr val="tx1">
+                    <a:lumMod val="65000"/>
+                    <a:lumOff val="35000"/>
+                  </a:schemeClr>
+                </a:solidFill>
+              </a:rPr>
+              <a:t>. Hint: use Bayes rule.</a:t>
             </a:r>
             <a:endParaRPr lang="en-US" dirty="0" smtClean="0">
               <a:solidFill>
@@ -7244,67 +7334,6 @@
                       </p:childTnLst>
                     </p:cTn>
                   </p:par>
-                  <p:par>
-                    <p:cTn id="38" fill="hold">
-                      <p:stCondLst>
-                        <p:cond delay="indefinite"/>
-                      </p:stCondLst>
-                      <p:childTnLst>
-                        <p:par>
-                          <p:cTn id="39" fill="hold">
-                            <p:stCondLst>
-                              <p:cond delay="0"/>
-                            </p:stCondLst>
-                            <p:childTnLst>
-                              <p:par>
-                                <p:cTn id="40" presetID="3" presetClass="entr" presetSubtype="10" fill="hold" grpId="0" nodeType="clickEffect">
-                                  <p:stCondLst>
-                                    <p:cond delay="0"/>
-                                  </p:stCondLst>
-                                  <p:childTnLst>
-                                    <p:set>
-                                      <p:cBhvr>
-                                        <p:cTn id="41" dur="1" fill="hold">
-                                          <p:stCondLst>
-                                            <p:cond delay="0"/>
-                                          </p:stCondLst>
-                                        </p:cTn>
-                                        <p:tgtEl>
-                                          <p:spTgt spid="6">
-                                            <p:txEl>
-                                              <p:pRg st="8" end="8"/>
-                                            </p:txEl>
-                                          </p:spTgt>
-                                        </p:tgtEl>
-                                        <p:attrNameLst>
-                                          <p:attrName>style.visibility</p:attrName>
-                                        </p:attrNameLst>
-                                      </p:cBhvr>
-                                      <p:to>
-                                        <p:strVal val="visible"/>
-                                      </p:to>
-                                    </p:set>
-                                    <p:animEffect transition="in" filter="blinds(horizontal)">
-                                      <p:cBhvr>
-                                        <p:cTn id="42" dur="500"/>
-                                        <p:tgtEl>
-                                          <p:spTgt spid="6">
-                                            <p:txEl>
-                                              <p:pRg st="8" end="8"/>
-                                            </p:txEl>
-                                          </p:spTgt>
-                                        </p:tgtEl>
-                                      </p:cBhvr>
-                                    </p:animEffect>
-                                  </p:childTnLst>
-                                </p:cTn>
-                              </p:par>
-                            </p:childTnLst>
-                          </p:cTn>
-                        </p:par>
-                      </p:childTnLst>
-                    </p:cTn>
-                  </p:par>
                 </p:childTnLst>
               </p:cTn>
               <p:prevCondLst>
@@ -8057,7 +8086,7 @@
         <p:spPr>
           <a:xfrm>
             <a:off x="457200" y="762000"/>
-            <a:ext cx="8382000" cy="5909311"/>
+            <a:ext cx="8382000" cy="5632312"/>
           </a:xfrm>
           <a:prstGeom prst="rect">
             <a:avLst/>
@@ -8171,6 +8200,84 @@
             </a:endParaRPr>
           </a:p>
           <a:p>
+            <a:endParaRPr lang="en-US" dirty="0">
+              <a:solidFill>
+                <a:schemeClr val="accent1">
+                  <a:lumMod val="75000"/>
+                </a:schemeClr>
+              </a:solidFill>
+            </a:endParaRPr>
+          </a:p>
+          <a:p>
+            <a:pPr marL="285750" indent="-285750">
+              <a:buFont typeface="Symbol" charset="0"/>
+              <a:buChar char=""/>
+            </a:pPr>
+            <a:endParaRPr lang="en-US" dirty="0" smtClean="0">
+              <a:solidFill>
+                <a:schemeClr val="accent1">
+                  <a:lumMod val="75000"/>
+                </a:schemeClr>
+              </a:solidFill>
+            </a:endParaRPr>
+          </a:p>
+          <a:p>
+            <a:pPr marL="285750" indent="-285750">
+              <a:buFont typeface="Symbol" charset="0"/>
+              <a:buChar char=""/>
+            </a:pPr>
+            <a:r>
+              <a:rPr lang="en-US" dirty="0" smtClean="0">
+                <a:solidFill>
+                  <a:schemeClr val="accent1">
+                    <a:lumMod val="75000"/>
+                  </a:schemeClr>
+                </a:solidFill>
+              </a:rPr>
+              <a:t>Compute the probability that a parent is a carrier given that the first offspring is healthy p(G</a:t>
+            </a:r>
+            <a:r>
+              <a:rPr lang="en-US" baseline="-25000" dirty="0" smtClean="0">
+                <a:solidFill>
+                  <a:schemeClr val="accent1">
+                    <a:lumMod val="75000"/>
+                  </a:schemeClr>
+                </a:solidFill>
+              </a:rPr>
+              <a:t>0</a:t>
+            </a:r>
+            <a:r>
+              <a:rPr lang="en-US" dirty="0" smtClean="0">
+                <a:solidFill>
+                  <a:schemeClr val="accent1">
+                    <a:lumMod val="75000"/>
+                  </a:schemeClr>
+                </a:solidFill>
+              </a:rPr>
+              <a:t>=AB|O</a:t>
+            </a:r>
+            <a:r>
+              <a:rPr lang="en-US" baseline="-25000" dirty="0" smtClean="0">
+                <a:solidFill>
+                  <a:schemeClr val="accent1">
+                    <a:lumMod val="75000"/>
+                  </a:schemeClr>
+                </a:solidFill>
+              </a:rPr>
+              <a:t>1</a:t>
+            </a:r>
+            <a:r>
+              <a:rPr lang="en-US" dirty="0" smtClean="0">
+                <a:solidFill>
+                  <a:schemeClr val="accent1">
+                    <a:lumMod val="75000"/>
+                  </a:schemeClr>
+                </a:solidFill>
+              </a:rPr>
+              <a:t>=H) </a:t>
+            </a:r>
+          </a:p>
+          <a:p>
             <a:pPr marL="285750" indent="-285750">
               <a:buFont typeface="Symbol" charset="0"/>
               <a:buChar char=""/>
@@ -8184,6 +8291,20 @@
             </a:endParaRPr>
           </a:p>
           <a:p>
+            <a:pPr marL="285750" indent="-285750">
+              <a:buFont typeface="Symbol" charset="0"/>
+              <a:buChar char=""/>
+            </a:pPr>
+            <a:r>
+              <a:rPr lang="en-US" dirty="0" smtClean="0">
+                <a:solidFill>
+                  <a:schemeClr val="accent1">
+                    <a:lumMod val="75000"/>
+                  </a:schemeClr>
+                </a:solidFill>
+              </a:rPr>
+              <a:t>Ho would that probability be updated if you know that the second offspring is also healthy? Hint: you can assume conditional independence; therefore, </a:t>
+            </a:r>
             <a:endParaRPr lang="en-US" dirty="0" smtClean="0">
               <a:solidFill>
                 <a:schemeClr val="accent1">
@@ -8193,19 +8314,16 @@
             </a:endParaRPr>
           </a:p>
           <a:p>
-            <a:endParaRPr lang="en-US" dirty="0">
-              <a:solidFill>
-                <a:schemeClr val="accent1">
-                  <a:lumMod val="75000"/>
-                </a:schemeClr>
-              </a:solidFill>
-            </a:endParaRPr>
-          </a:p>
-          <a:p>
-            <a:pPr marL="285750" indent="-285750">
-              <a:buFont typeface="Symbol" charset="0"/>
-              <a:buChar char=""/>
-            </a:pPr>
+            <a:r>
+              <a:rPr lang="en-US" dirty="0" smtClean="0">
+                <a:solidFill>
+                  <a:schemeClr val="accent1">
+                    <a:lumMod val="75000"/>
+                  </a:schemeClr>
+                </a:solidFill>
+              </a:rPr>
+              <a:t> </a:t>
+            </a:r>
             <a:endParaRPr lang="en-US" dirty="0" smtClean="0">
               <a:solidFill>
                 <a:schemeClr val="accent1">
@@ -8213,118 +8331,6 @@
                 </a:schemeClr>
               </a:solidFill>
             </a:endParaRPr>
-          </a:p>
-          <a:p>
-            <a:pPr marL="285750" indent="-285750">
-              <a:buFont typeface="Symbol" charset="0"/>
-              <a:buChar char=""/>
-            </a:pPr>
-            <a:r>
-              <a:rPr lang="en-US" dirty="0" smtClean="0">
-                <a:solidFill>
-                  <a:schemeClr val="accent1">
-                    <a:lumMod val="75000"/>
-                  </a:schemeClr>
-                </a:solidFill>
-              </a:rPr>
-              <a:t>Compute the probability that a parent is a carrier given that the first offspring is healthy p(G</a:t>
-            </a:r>
-            <a:r>
-              <a:rPr lang="en-US" baseline="-25000" dirty="0" smtClean="0">
-                <a:solidFill>
-                  <a:schemeClr val="accent1">
-                    <a:lumMod val="75000"/>
-                  </a:schemeClr>
-                </a:solidFill>
-              </a:rPr>
-              <a:t>0</a:t>
-            </a:r>
-            <a:r>
-              <a:rPr lang="en-US" dirty="0" smtClean="0">
-                <a:solidFill>
-                  <a:schemeClr val="accent1">
-                    <a:lumMod val="75000"/>
-                  </a:schemeClr>
-                </a:solidFill>
-              </a:rPr>
-              <a:t>=AB|O</a:t>
-            </a:r>
-            <a:r>
-              <a:rPr lang="en-US" baseline="-25000" dirty="0" smtClean="0">
-                <a:solidFill>
-                  <a:schemeClr val="accent1">
-                    <a:lumMod val="75000"/>
-                  </a:schemeClr>
-                </a:solidFill>
-              </a:rPr>
-              <a:t>1</a:t>
-            </a:r>
-            <a:r>
-              <a:rPr lang="en-US" dirty="0" smtClean="0">
-                <a:solidFill>
-                  <a:schemeClr val="accent1">
-                    <a:lumMod val="75000"/>
-                  </a:schemeClr>
-                </a:solidFill>
-              </a:rPr>
-              <a:t>=H</a:t>
-            </a:r>
-            <a:r>
-              <a:rPr lang="en-US" dirty="0" smtClean="0">
-                <a:solidFill>
-                  <a:schemeClr val="accent1">
-                    <a:lumMod val="75000"/>
-                  </a:schemeClr>
-                </a:solidFill>
-              </a:rPr>
-              <a:t>) </a:t>
-            </a:r>
-            <a:endParaRPr lang="en-US" dirty="0" smtClean="0">
-              <a:solidFill>
-                <a:schemeClr val="accent1">
-                  <a:lumMod val="75000"/>
-                </a:schemeClr>
-              </a:solidFill>
-            </a:endParaRPr>
-          </a:p>
-          <a:p>
-            <a:pPr marL="285750" indent="-285750">
-              <a:buFont typeface="Symbol" charset="0"/>
-              <a:buChar char=""/>
-            </a:pPr>
-            <a:endParaRPr lang="en-US" dirty="0">
-              <a:solidFill>
-                <a:schemeClr val="accent1">
-                  <a:lumMod val="75000"/>
-                </a:schemeClr>
-              </a:solidFill>
-            </a:endParaRPr>
-          </a:p>
-          <a:p>
-            <a:pPr marL="285750" indent="-285750">
-              <a:buFont typeface="Symbol" charset="0"/>
-              <a:buChar char=""/>
-            </a:pPr>
-            <a:r>
-              <a:rPr lang="en-US" dirty="0" smtClean="0">
-                <a:solidFill>
-                  <a:schemeClr val="accent1">
-                    <a:lumMod val="75000"/>
-                  </a:schemeClr>
-                </a:solidFill>
-              </a:rPr>
-              <a:t>Ho would that probability be updated if you know that the second offspring is also healthy</a:t>
-            </a:r>
-            <a:r>
-              <a:rPr lang="en-US" dirty="0" smtClean="0">
-                <a:solidFill>
-                  <a:schemeClr val="accent1">
-                    <a:lumMod val="75000"/>
-                  </a:schemeClr>
-                </a:solidFill>
-              </a:rPr>
-              <a:t>? Hint: you can assume conditional independence; therefore,  </a:t>
-            </a:r>
           </a:p>
           <a:p>
             <a:pPr marL="285750" indent="-285750">
@@ -8429,8 +8435,8 @@
         </p:blipFill>
         <p:spPr>
           <a:xfrm>
-            <a:off x="5943600" y="914400"/>
-            <a:ext cx="1828800" cy="2139553"/>
+            <a:off x="7086600" y="762000"/>
+            <a:ext cx="1563181" cy="1828800"/>
           </a:xfrm>
           <a:prstGeom prst="rect">
             <a:avLst/>
@@ -8445,7 +8451,7 @@
         </p:nvSpPr>
         <p:spPr>
           <a:xfrm>
-            <a:off x="5943600" y="3048000"/>
+            <a:off x="6858000" y="2590800"/>
             <a:ext cx="1905000" cy="338554"/>
           </a:xfrm>
           <a:prstGeom prst="rect">
@@ -8476,25 +8482,25 @@
           <p:nvPr>
             <p:extLst>
               <p:ext uri="{D42A27DB-BD31-4B8C-83A1-F6EECF244321}">
-                <p14:modId xmlns:p14="http://schemas.microsoft.com/office/powerpoint/2010/main" val="616900628"/>
+                <p14:modId xmlns:p14="http://schemas.microsoft.com/office/powerpoint/2010/main" val="551596352"/>
               </p:ext>
             </p:extLst>
           </p:nvPr>
         </p:nvGraphicFramePr>
         <p:xfrm>
-          <a:off x="1216025" y="5046252"/>
-          <a:ext cx="6784975" cy="1278348"/>
+          <a:off x="1216025" y="4818063"/>
+          <a:ext cx="6937375" cy="1277937"/>
         </p:xfrm>
         <a:graphic>
           <a:graphicData uri="http://schemas.openxmlformats.org/presentationml/2006/ole">
             <mc:AlternateContent xmlns:mc="http://schemas.openxmlformats.org/markup-compatibility/2006">
               <mc:Choice xmlns:v="urn:schemas-microsoft-com:vml" Requires="v">
-                <p:oleObj spid="_x0000_s1025" name="Equation" r:id="rId5" imgW="5118100" imgH="965200" progId="Equation.3">
+                <p:oleObj spid="_x0000_s1027" name="Equation" r:id="rId5" imgW="5232400" imgH="965200" progId="Equation.3">
                   <p:embed/>
                 </p:oleObj>
               </mc:Choice>
               <mc:Fallback>
-                <p:oleObj name="Equation" r:id="rId5" imgW="5118100" imgH="965200" progId="Equation.3">
+                <p:oleObj name="Equation" r:id="rId5" imgW="5232400" imgH="965200" progId="Equation.3">
                   <p:embed/>
                   <p:pic>
                     <p:nvPicPr>
@@ -8510,8 +8516,8 @@
                     </p:blipFill>
                     <p:spPr>
                       <a:xfrm>
-                        <a:off x="1216025" y="5046252"/>
-                        <a:ext cx="6784975" cy="1278348"/>
+                        <a:off x="1216025" y="4818063"/>
+                        <a:ext cx="6937375" cy="1277937"/>
                       </a:xfrm>
                       <a:prstGeom prst="rect">
                         <a:avLst/>
@@ -8810,7 +8816,7 @@
                                         <p:tgtEl>
                                           <p:spTgt spid="6">
                                             <p:txEl>
-                                              <p:pRg st="10" end="10"/>
+                                              <p:pRg st="8" end="8"/>
                                             </p:txEl>
                                           </p:spTgt>
                                         </p:tgtEl>
@@ -8828,7 +8834,7 @@
                                         <p:tgtEl>
                                           <p:spTgt spid="6">
                                             <p:txEl>
-                                              <p:pRg st="10" end="10"/>
+                                              <p:pRg st="8" end="8"/>
                                             </p:txEl>
                                           </p:spTgt>
                                         </p:tgtEl>
@@ -8871,7 +8877,7 @@
                                         <p:tgtEl>
                                           <p:spTgt spid="6">
                                             <p:txEl>
-                                              <p:pRg st="12" end="12"/>
+                                              <p:pRg st="10" end="10"/>
                                             </p:txEl>
                                           </p:spTgt>
                                         </p:tgtEl>
@@ -8889,7 +8895,7 @@
                                         <p:tgtEl>
                                           <p:spTgt spid="6">
                                             <p:txEl>
-                                              <p:pRg st="12" end="12"/>
+                                              <p:pRg st="10" end="10"/>
                                             </p:txEl>
                                           </p:spTgt>
                                         </p:tgtEl>
@@ -8932,7 +8938,7 @@
                                         <p:tgtEl>
                                           <p:spTgt spid="6">
                                             <p:txEl>
-                                              <p:pRg st="15" end="15"/>
+                                              <p:pRg st="11" end="11"/>
                                             </p:txEl>
                                           </p:spTgt>
                                         </p:tgtEl>
@@ -8950,7 +8956,7 @@
                                         <p:tgtEl>
                                           <p:spTgt spid="6">
                                             <p:txEl>
-                                              <p:pRg st="15" end="15"/>
+                                              <p:pRg st="11" end="11"/>
                                             </p:txEl>
                                           </p:spTgt>
                                         </p:tgtEl>
@@ -8993,7 +8999,7 @@
                                         <p:tgtEl>
                                           <p:spTgt spid="6">
                                             <p:txEl>
-                                              <p:pRg st="18" end="18"/>
+                                              <p:pRg st="14" end="14"/>
                                             </p:txEl>
                                           </p:spTgt>
                                         </p:tgtEl>
@@ -9011,7 +9017,68 @@
                                         <p:tgtEl>
                                           <p:spTgt spid="6">
                                             <p:txEl>
-                                              <p:pRg st="18" end="18"/>
+                                              <p:pRg st="14" end="14"/>
+                                            </p:txEl>
+                                          </p:spTgt>
+                                        </p:tgtEl>
+                                      </p:cBhvr>
+                                    </p:animEffect>
+                                  </p:childTnLst>
+                                </p:cTn>
+                              </p:par>
+                            </p:childTnLst>
+                          </p:cTn>
+                        </p:par>
+                      </p:childTnLst>
+                    </p:cTn>
+                  </p:par>
+                  <p:par>
+                    <p:cTn id="43" fill="hold">
+                      <p:stCondLst>
+                        <p:cond delay="indefinite"/>
+                      </p:stCondLst>
+                      <p:childTnLst>
+                        <p:par>
+                          <p:cTn id="44" fill="hold">
+                            <p:stCondLst>
+                              <p:cond delay="0"/>
+                            </p:stCondLst>
+                            <p:childTnLst>
+                              <p:par>
+                                <p:cTn id="45" presetID="3" presetClass="entr" presetSubtype="10" fill="hold" grpId="0" nodeType="clickEffect">
+                                  <p:stCondLst>
+                                    <p:cond delay="0"/>
+                                  </p:stCondLst>
+                                  <p:childTnLst>
+                                    <p:set>
+                                      <p:cBhvr>
+                                        <p:cTn id="46" dur="1" fill="hold">
+                                          <p:stCondLst>
+                                            <p:cond delay="0"/>
+                                          </p:stCondLst>
+                                        </p:cTn>
+                                        <p:tgtEl>
+                                          <p:spTgt spid="6">
+                                            <p:txEl>
+                                              <p:pRg st="17" end="17"/>
+                                            </p:txEl>
+                                          </p:spTgt>
+                                        </p:tgtEl>
+                                        <p:attrNameLst>
+                                          <p:attrName>style.visibility</p:attrName>
+                                        </p:attrNameLst>
+                                      </p:cBhvr>
+                                      <p:to>
+                                        <p:strVal val="visible"/>
+                                      </p:to>
+                                    </p:set>
+                                    <p:animEffect transition="in" filter="blinds(horizontal)">
+                                      <p:cBhvr>
+                                        <p:cTn id="47" dur="500"/>
+                                        <p:tgtEl>
+                                          <p:spTgt spid="6">
+                                            <p:txEl>
+                                              <p:pRg st="17" end="17"/>
                                             </p:txEl>
                                           </p:spTgt>
                                         </p:tgtEl>
